--- a/JavaLecture/LectureFile/java 1강.pptx
+++ b/JavaLecture/LectureFile/java 1강.pptx
@@ -261,7 +261,7 @@
           <a:p>
             <a:fld id="{D79F2C30-10E1-4C46-91DC-BBDB9629E720}" type="datetimeFigureOut">
               <a:rPr lang="ko-KR" altLang="en-US" smtClean="0"/>
-              <a:t>2023-01-07</a:t>
+              <a:t>2023-01-09 Monday</a:t>
             </a:fld>
             <a:endParaRPr lang="ko-KR" altLang="en-US"/>
           </a:p>
@@ -707,7 +707,7 @@
           <a:p>
             <a:fld id="{F8166F1F-CE9B-4651-A6AA-CD717754106B}" type="datetimeFigureOut">
               <a:rPr lang="en-US" smtClean="0"/>
-              <a:t>1/7/2023</a:t>
+              <a:t>1/9/2023</a:t>
             </a:fld>
             <a:endParaRPr lang="en-US"/>
           </a:p>
@@ -870,7 +870,7 @@
           <a:p>
             <a:fld id="{A76116CE-C4A3-4A05-B2D7-7C2E9A889C0F}" type="datetimeFigureOut">
               <a:rPr lang="en-US" smtClean="0"/>
-              <a:t>1/7/2023</a:t>
+              <a:t>1/9/2023</a:t>
             </a:fld>
             <a:endParaRPr lang="en-US"/>
           </a:p>
@@ -1043,7 +1043,7 @@
           <a:p>
             <a:fld id="{A76116CE-C4A3-4A05-B2D7-7C2E9A889C0F}" type="datetimeFigureOut">
               <a:rPr lang="en-US" smtClean="0"/>
-              <a:t>1/7/2023</a:t>
+              <a:t>1/9/2023</a:t>
             </a:fld>
             <a:endParaRPr lang="en-US"/>
           </a:p>
@@ -1208,7 +1208,7 @@
           <a:p>
             <a:fld id="{A76116CE-C4A3-4A05-B2D7-7C2E9A889C0F}" type="datetimeFigureOut">
               <a:rPr lang="en-US" smtClean="0"/>
-              <a:t>1/7/2023</a:t>
+              <a:t>1/9/2023</a:t>
             </a:fld>
             <a:endParaRPr lang="en-US"/>
           </a:p>
@@ -1448,7 +1448,7 @@
           <a:p>
             <a:fld id="{A76116CE-C4A3-4A05-B2D7-7C2E9A889C0F}" type="datetimeFigureOut">
               <a:rPr lang="en-US" smtClean="0"/>
-              <a:t>1/7/2023</a:t>
+              <a:t>1/9/2023</a:t>
             </a:fld>
             <a:endParaRPr lang="en-US"/>
           </a:p>
@@ -1728,7 +1728,7 @@
           <a:p>
             <a:fld id="{A76116CE-C4A3-4A05-B2D7-7C2E9A889C0F}" type="datetimeFigureOut">
               <a:rPr lang="en-US" smtClean="0"/>
-              <a:t>1/7/2023</a:t>
+              <a:t>1/9/2023</a:t>
             </a:fld>
             <a:endParaRPr lang="en-US"/>
           </a:p>
@@ -2142,7 +2142,7 @@
           <a:p>
             <a:fld id="{A76116CE-C4A3-4A05-B2D7-7C2E9A889C0F}" type="datetimeFigureOut">
               <a:rPr lang="en-US" smtClean="0"/>
-              <a:t>1/7/2023</a:t>
+              <a:t>1/9/2023</a:t>
             </a:fld>
             <a:endParaRPr lang="en-US"/>
           </a:p>
@@ -2254,7 +2254,7 @@
           <a:p>
             <a:fld id="{A76116CE-C4A3-4A05-B2D7-7C2E9A889C0F}" type="datetimeFigureOut">
               <a:rPr lang="en-US" smtClean="0"/>
-              <a:t>1/7/2023</a:t>
+              <a:t>1/9/2023</a:t>
             </a:fld>
             <a:endParaRPr lang="en-US"/>
           </a:p>
@@ -2344,7 +2344,7 @@
           <a:p>
             <a:fld id="{A76116CE-C4A3-4A05-B2D7-7C2E9A889C0F}" type="datetimeFigureOut">
               <a:rPr lang="en-US" smtClean="0"/>
-              <a:t>1/7/2023</a:t>
+              <a:t>1/9/2023</a:t>
             </a:fld>
             <a:endParaRPr lang="en-US"/>
           </a:p>
@@ -2614,7 +2614,7 @@
           <a:p>
             <a:fld id="{A76116CE-C4A3-4A05-B2D7-7C2E9A889C0F}" type="datetimeFigureOut">
               <a:rPr lang="en-US" smtClean="0"/>
-              <a:t>1/7/2023</a:t>
+              <a:t>1/9/2023</a:t>
             </a:fld>
             <a:endParaRPr lang="en-US"/>
           </a:p>
@@ -2861,7 +2861,7 @@
           <a:p>
             <a:fld id="{A76116CE-C4A3-4A05-B2D7-7C2E9A889C0F}" type="datetimeFigureOut">
               <a:rPr lang="en-US" smtClean="0"/>
-              <a:t>1/7/2023</a:t>
+              <a:t>1/9/2023</a:t>
             </a:fld>
             <a:endParaRPr lang="en-US"/>
           </a:p>
@@ -3067,7 +3067,7 @@
           <a:p>
             <a:fld id="{F8166F1F-CE9B-4651-A6AA-CD717754106B}" type="datetimeFigureOut">
               <a:rPr lang="en-US" smtClean="0"/>
-              <a:t>1/7/2023</a:t>
+              <a:t>1/9/2023</a:t>
             </a:fld>
             <a:endParaRPr lang="en-US"/>
           </a:p>
@@ -3723,7 +3723,7 @@
           <p:cNvPr id="2" name="TextBox 1">
             <a:extLst>
               <a:ext uri="{FF2B5EF4-FFF2-40B4-BE49-F238E27FC236}">
-                <a16:creationId xmlns:a16="http://schemas.microsoft.com/office/drawing/2014/main" xmlns="" id="{E9A453A8-9968-67AB-7B4A-83EEB4662AA6}"/>
+                <a16:creationId xmlns:a16="http://schemas.microsoft.com/office/drawing/2014/main" id="{E9A453A8-9968-67AB-7B4A-83EEB4662AA6}"/>
               </a:ext>
             </a:extLst>
           </p:cNvPr>
@@ -3771,7 +3771,7 @@
           <p:cNvPr id="4" name="TextBox 3">
             <a:extLst>
               <a:ext uri="{FF2B5EF4-FFF2-40B4-BE49-F238E27FC236}">
-                <a16:creationId xmlns:a16="http://schemas.microsoft.com/office/drawing/2014/main" xmlns="" id="{F4B7A35A-8AAC-4622-64BC-CAD1472D4115}"/>
+                <a16:creationId xmlns:a16="http://schemas.microsoft.com/office/drawing/2014/main" id="{F4B7A35A-8AAC-4622-64BC-CAD1472D4115}"/>
               </a:ext>
             </a:extLst>
           </p:cNvPr>
@@ -3843,7 +3843,7 @@
           <p:cNvPr id="7" name="TextBox 6">
             <a:extLst>
               <a:ext uri="{FF2B5EF4-FFF2-40B4-BE49-F238E27FC236}">
-                <a16:creationId xmlns:a16="http://schemas.microsoft.com/office/drawing/2014/main" xmlns="" id="{3ACE900A-D779-4343-6623-8588B376F0A1}"/>
+                <a16:creationId xmlns:a16="http://schemas.microsoft.com/office/drawing/2014/main" id="{3ACE900A-D779-4343-6623-8588B376F0A1}"/>
               </a:ext>
             </a:extLst>
           </p:cNvPr>
@@ -3907,7 +3907,7 @@
           <p:cNvPr id="4" name="TextBox 3">
             <a:extLst>
               <a:ext uri="{FF2B5EF4-FFF2-40B4-BE49-F238E27FC236}">
-                <a16:creationId xmlns:a16="http://schemas.microsoft.com/office/drawing/2014/main" xmlns="" id="{7229BEA6-121E-9056-D07F-2B3BB1795F76}"/>
+                <a16:creationId xmlns:a16="http://schemas.microsoft.com/office/drawing/2014/main" id="{7229BEA6-121E-9056-D07F-2B3BB1795F76}"/>
               </a:ext>
             </a:extLst>
           </p:cNvPr>
@@ -3931,7 +3931,7 @@
           <a:lstStyle/>
           <a:p>
             <a:r>
-              <a:rPr lang="ko-KR" altLang="en-US" sz="4800" smtClean="0">
+              <a:rPr lang="ko-KR" altLang="en-US" sz="4800">
                 <a:solidFill>
                   <a:srgbClr val="4C50BB"/>
                 </a:solidFill>
@@ -3941,7 +3941,7 @@
               <a:t>자바 개발도구 </a:t>
             </a:r>
             <a:r>
-              <a:rPr lang="en-US" altLang="ko-KR" sz="4800" smtClean="0">
+              <a:rPr lang="en-US" altLang="ko-KR" sz="4800">
                 <a:solidFill>
                   <a:srgbClr val="4C50BB"/>
                 </a:solidFill>
@@ -3965,7 +3965,7 @@
           <p:cNvPr id="5" name="TextBox 4">
             <a:extLst>
               <a:ext uri="{FF2B5EF4-FFF2-40B4-BE49-F238E27FC236}">
-                <a16:creationId xmlns:a16="http://schemas.microsoft.com/office/drawing/2014/main" xmlns="" id="{5ADC00B6-990A-40DC-3CEA-505258F5E8DA}"/>
+                <a16:creationId xmlns:a16="http://schemas.microsoft.com/office/drawing/2014/main" id="{5ADC00B6-990A-40DC-3CEA-505258F5E8DA}"/>
               </a:ext>
             </a:extLst>
           </p:cNvPr>
@@ -3992,7 +3992,7 @@
               <a:buAutoNum type="arabicPeriod"/>
             </a:pPr>
             <a:r>
-              <a:rPr lang="en-US" altLang="ko-KR" sz="4400" smtClean="0">
+              <a:rPr lang="en-US" altLang="ko-KR" sz="4400">
                 <a:solidFill>
                   <a:schemeClr val="tx1">
                     <a:lumMod val="50000"/>
@@ -4010,7 +4010,7 @@
               <a:buAutoNum type="arabicPeriod"/>
             </a:pPr>
             <a:r>
-              <a:rPr lang="en-US" altLang="ko-KR" sz="4400" smtClean="0">
+              <a:rPr lang="en-US" altLang="ko-KR" sz="4400">
                 <a:solidFill>
                   <a:schemeClr val="tx1">
                     <a:lumMod val="50000"/>
@@ -4028,7 +4028,7 @@
               <a:buAutoNum type="arabicPeriod"/>
             </a:pPr>
             <a:r>
-              <a:rPr lang="en-US" altLang="ko-KR" sz="4400" smtClean="0">
+              <a:rPr lang="en-US" altLang="ko-KR" sz="4400">
                 <a:solidFill>
                   <a:schemeClr val="tx1">
                     <a:lumMod val="50000"/>
@@ -4046,7 +4046,7 @@
               <a:buAutoNum type="arabicPeriod"/>
             </a:pPr>
             <a:r>
-              <a:rPr lang="en-US" altLang="ko-KR" sz="4400" smtClean="0">
+              <a:rPr lang="en-US" altLang="ko-KR" sz="4400">
                 <a:solidFill>
                   <a:schemeClr val="tx1">
                     <a:lumMod val="50000"/>
@@ -4064,7 +4064,7 @@
               <a:buAutoNum type="arabicPeriod"/>
             </a:pPr>
             <a:r>
-              <a:rPr lang="en-US" altLang="ko-KR" sz="4400" smtClean="0">
+              <a:rPr lang="en-US" altLang="ko-KR" sz="4400">
                 <a:solidFill>
                   <a:schemeClr val="tx1">
                     <a:lumMod val="50000"/>
@@ -4089,13 +4089,6 @@
   <p:clrMapOvr>
     <a:masterClrMapping/>
   </p:clrMapOvr>
-  <p:timing>
-    <p:tnLst>
-      <p:par>
-        <p:cTn id="1" dur="indefinite" restart="never" nodeType="tmRoot"/>
-      </p:par>
-    </p:tnLst>
-  </p:timing>
 </p:sld>
 </file>
 
@@ -4121,7 +4114,7 @@
           <p:cNvPr id="4" name="TextBox 3">
             <a:extLst>
               <a:ext uri="{FF2B5EF4-FFF2-40B4-BE49-F238E27FC236}">
-                <a16:creationId xmlns:a16="http://schemas.microsoft.com/office/drawing/2014/main" xmlns="" id="{7229BEA6-121E-9056-D07F-2B3BB1795F76}"/>
+                <a16:creationId xmlns:a16="http://schemas.microsoft.com/office/drawing/2014/main" id="{7229BEA6-121E-9056-D07F-2B3BB1795F76}"/>
               </a:ext>
             </a:extLst>
           </p:cNvPr>
@@ -4145,7 +4138,7 @@
           <a:lstStyle/>
           <a:p>
             <a:r>
-              <a:rPr lang="en-US" altLang="ko-KR" sz="5400" smtClean="0">
+              <a:rPr lang="en-US" altLang="ko-KR" sz="5400">
                 <a:solidFill>
                   <a:srgbClr val="4C50BB"/>
                 </a:solidFill>
@@ -4169,7 +4162,7 @@
           <p:cNvPr id="5" name="그룹 1008">
             <a:extLst>
               <a:ext uri="{FF2B5EF4-FFF2-40B4-BE49-F238E27FC236}">
-                <a16:creationId xmlns:a16="http://schemas.microsoft.com/office/drawing/2014/main" xmlns="" id="{678F6342-C505-E8AD-ADA4-022CB2C2088E}"/>
+                <a16:creationId xmlns:a16="http://schemas.microsoft.com/office/drawing/2014/main" id="{678F6342-C505-E8AD-ADA4-022CB2C2088E}"/>
               </a:ext>
             </a:extLst>
           </p:cNvPr>
@@ -4189,7 +4182,7 @@
             <p:cNvPr id="6" name="그룹 1009">
               <a:extLst>
                 <a:ext uri="{FF2B5EF4-FFF2-40B4-BE49-F238E27FC236}">
-                  <a16:creationId xmlns:a16="http://schemas.microsoft.com/office/drawing/2014/main" xmlns="" id="{4E1F1FED-812B-9BBB-925A-84B54A077414}"/>
+                  <a16:creationId xmlns:a16="http://schemas.microsoft.com/office/drawing/2014/main" id="{4E1F1FED-812B-9BBB-925A-84B54A077414}"/>
                 </a:ext>
               </a:extLst>
             </p:cNvPr>
@@ -4209,7 +4202,7 @@
               <p:cNvPr id="11" name="Object 29">
                 <a:extLst>
                   <a:ext uri="{FF2B5EF4-FFF2-40B4-BE49-F238E27FC236}">
-                    <a16:creationId xmlns:a16="http://schemas.microsoft.com/office/drawing/2014/main" xmlns="" id="{7B078609-4286-7B00-51EB-809C8E2DE289}"/>
+                    <a16:creationId xmlns:a16="http://schemas.microsoft.com/office/drawing/2014/main" id="{7B078609-4286-7B00-51EB-809C8E2DE289}"/>
                   </a:ext>
                 </a:extLst>
               </p:cNvPr>
@@ -4240,7 +4233,7 @@
             <p:cNvPr id="7" name="그룹 1010">
               <a:extLst>
                 <a:ext uri="{FF2B5EF4-FFF2-40B4-BE49-F238E27FC236}">
-                  <a16:creationId xmlns:a16="http://schemas.microsoft.com/office/drawing/2014/main" xmlns="" id="{02A649BF-B5B5-FBAF-7DFD-E118A4DF8907}"/>
+                  <a16:creationId xmlns:a16="http://schemas.microsoft.com/office/drawing/2014/main" id="{02A649BF-B5B5-FBAF-7DFD-E118A4DF8907}"/>
                 </a:ext>
               </a:extLst>
             </p:cNvPr>
@@ -4260,7 +4253,7 @@
               <p:cNvPr id="10" name="Object 32">
                 <a:extLst>
                   <a:ext uri="{FF2B5EF4-FFF2-40B4-BE49-F238E27FC236}">
-                    <a16:creationId xmlns:a16="http://schemas.microsoft.com/office/drawing/2014/main" xmlns="" id="{2A0FFF23-B3C9-3EA0-1C1B-A87D4FF098AE}"/>
+                    <a16:creationId xmlns:a16="http://schemas.microsoft.com/office/drawing/2014/main" id="{2A0FFF23-B3C9-3EA0-1C1B-A87D4FF098AE}"/>
                   </a:ext>
                 </a:extLst>
               </p:cNvPr>
@@ -4291,7 +4284,7 @@
             <p:cNvPr id="8" name="그룹 1011">
               <a:extLst>
                 <a:ext uri="{FF2B5EF4-FFF2-40B4-BE49-F238E27FC236}">
-                  <a16:creationId xmlns:a16="http://schemas.microsoft.com/office/drawing/2014/main" xmlns="" id="{881F5410-F7FB-F261-A584-707359BAC593}"/>
+                  <a16:creationId xmlns:a16="http://schemas.microsoft.com/office/drawing/2014/main" id="{881F5410-F7FB-F261-A584-707359BAC593}"/>
                 </a:ext>
               </a:extLst>
             </p:cNvPr>
@@ -4311,7 +4304,7 @@
               <p:cNvPr id="9" name="Object 35">
                 <a:extLst>
                   <a:ext uri="{FF2B5EF4-FFF2-40B4-BE49-F238E27FC236}">
-                    <a16:creationId xmlns:a16="http://schemas.microsoft.com/office/drawing/2014/main" xmlns="" id="{4E99E669-73EB-F9F4-EFE8-DC107035C265}"/>
+                    <a16:creationId xmlns:a16="http://schemas.microsoft.com/office/drawing/2014/main" id="{4E99E669-73EB-F9F4-EFE8-DC107035C265}"/>
                   </a:ext>
                 </a:extLst>
               </p:cNvPr>
@@ -4343,7 +4336,7 @@
           <p:cNvPr id="12" name="TextBox 11">
             <a:extLst>
               <a:ext uri="{FF2B5EF4-FFF2-40B4-BE49-F238E27FC236}">
-                <a16:creationId xmlns:a16="http://schemas.microsoft.com/office/drawing/2014/main" xmlns="" id="{7229BEA6-121E-9056-D07F-2B3BB1795F76}"/>
+                <a16:creationId xmlns:a16="http://schemas.microsoft.com/office/drawing/2014/main" id="{7229BEA6-121E-9056-D07F-2B3BB1795F76}"/>
               </a:ext>
             </a:extLst>
           </p:cNvPr>
@@ -4367,7 +4360,7 @@
           <a:lstStyle/>
           <a:p>
             <a:r>
-              <a:rPr lang="en-US" altLang="ko-KR" sz="5400" smtClean="0">
+              <a:rPr lang="en-US" altLang="ko-KR" sz="5400">
                 <a:solidFill>
                   <a:srgbClr val="4C50BB"/>
                 </a:solidFill>
@@ -4391,7 +4384,7 @@
           <p:cNvPr id="13" name="TextBox 12">
             <a:extLst>
               <a:ext uri="{FF2B5EF4-FFF2-40B4-BE49-F238E27FC236}">
-                <a16:creationId xmlns:a16="http://schemas.microsoft.com/office/drawing/2014/main" xmlns="" id="{7229BEA6-121E-9056-D07F-2B3BB1795F76}"/>
+                <a16:creationId xmlns:a16="http://schemas.microsoft.com/office/drawing/2014/main" id="{7229BEA6-121E-9056-D07F-2B3BB1795F76}"/>
               </a:ext>
             </a:extLst>
           </p:cNvPr>
@@ -4415,7 +4408,7 @@
           <a:lstStyle/>
           <a:p>
             <a:r>
-              <a:rPr lang="ko-KR" altLang="en-US" sz="4000" smtClean="0">
+              <a:rPr lang="ko-KR" altLang="en-US" sz="4000">
                 <a:solidFill>
                   <a:schemeClr val="tx1">
                     <a:lumMod val="50000"/>
@@ -4428,7 +4421,7 @@
               <a:t>컴파일러</a:t>
             </a:r>
             <a:r>
-              <a:rPr lang="en-US" altLang="ko-KR" sz="4000" smtClean="0">
+              <a:rPr lang="en-US" altLang="ko-KR" sz="4000">
                 <a:solidFill>
                   <a:schemeClr val="tx1">
                     <a:lumMod val="50000"/>
@@ -4458,7 +4451,7 @@
           <p:cNvPr id="14" name="그룹 1008">
             <a:extLst>
               <a:ext uri="{FF2B5EF4-FFF2-40B4-BE49-F238E27FC236}">
-                <a16:creationId xmlns:a16="http://schemas.microsoft.com/office/drawing/2014/main" xmlns="" id="{678F6342-C505-E8AD-ADA4-022CB2C2088E}"/>
+                <a16:creationId xmlns:a16="http://schemas.microsoft.com/office/drawing/2014/main" id="{678F6342-C505-E8AD-ADA4-022CB2C2088E}"/>
               </a:ext>
             </a:extLst>
           </p:cNvPr>
@@ -4478,7 +4471,7 @@
             <p:cNvPr id="15" name="그룹 1009">
               <a:extLst>
                 <a:ext uri="{FF2B5EF4-FFF2-40B4-BE49-F238E27FC236}">
-                  <a16:creationId xmlns:a16="http://schemas.microsoft.com/office/drawing/2014/main" xmlns="" id="{4E1F1FED-812B-9BBB-925A-84B54A077414}"/>
+                  <a16:creationId xmlns:a16="http://schemas.microsoft.com/office/drawing/2014/main" id="{4E1F1FED-812B-9BBB-925A-84B54A077414}"/>
                 </a:ext>
               </a:extLst>
             </p:cNvPr>
@@ -4498,7 +4491,7 @@
               <p:cNvPr id="20" name="Object 29">
                 <a:extLst>
                   <a:ext uri="{FF2B5EF4-FFF2-40B4-BE49-F238E27FC236}">
-                    <a16:creationId xmlns:a16="http://schemas.microsoft.com/office/drawing/2014/main" xmlns="" id="{7B078609-4286-7B00-51EB-809C8E2DE289}"/>
+                    <a16:creationId xmlns:a16="http://schemas.microsoft.com/office/drawing/2014/main" id="{7B078609-4286-7B00-51EB-809C8E2DE289}"/>
                   </a:ext>
                 </a:extLst>
               </p:cNvPr>
@@ -4529,7 +4522,7 @@
             <p:cNvPr id="16" name="그룹 1010">
               <a:extLst>
                 <a:ext uri="{FF2B5EF4-FFF2-40B4-BE49-F238E27FC236}">
-                  <a16:creationId xmlns:a16="http://schemas.microsoft.com/office/drawing/2014/main" xmlns="" id="{02A649BF-B5B5-FBAF-7DFD-E118A4DF8907}"/>
+                  <a16:creationId xmlns:a16="http://schemas.microsoft.com/office/drawing/2014/main" id="{02A649BF-B5B5-FBAF-7DFD-E118A4DF8907}"/>
                 </a:ext>
               </a:extLst>
             </p:cNvPr>
@@ -4549,7 +4542,7 @@
               <p:cNvPr id="19" name="Object 32">
                 <a:extLst>
                   <a:ext uri="{FF2B5EF4-FFF2-40B4-BE49-F238E27FC236}">
-                    <a16:creationId xmlns:a16="http://schemas.microsoft.com/office/drawing/2014/main" xmlns="" id="{2A0FFF23-B3C9-3EA0-1C1B-A87D4FF098AE}"/>
+                    <a16:creationId xmlns:a16="http://schemas.microsoft.com/office/drawing/2014/main" id="{2A0FFF23-B3C9-3EA0-1C1B-A87D4FF098AE}"/>
                   </a:ext>
                 </a:extLst>
               </p:cNvPr>
@@ -4580,7 +4573,7 @@
             <p:cNvPr id="17" name="그룹 1011">
               <a:extLst>
                 <a:ext uri="{FF2B5EF4-FFF2-40B4-BE49-F238E27FC236}">
-                  <a16:creationId xmlns:a16="http://schemas.microsoft.com/office/drawing/2014/main" xmlns="" id="{881F5410-F7FB-F261-A584-707359BAC593}"/>
+                  <a16:creationId xmlns:a16="http://schemas.microsoft.com/office/drawing/2014/main" id="{881F5410-F7FB-F261-A584-707359BAC593}"/>
                 </a:ext>
               </a:extLst>
             </p:cNvPr>
@@ -4600,7 +4593,7 @@
               <p:cNvPr id="18" name="Object 35">
                 <a:extLst>
                   <a:ext uri="{FF2B5EF4-FFF2-40B4-BE49-F238E27FC236}">
-                    <a16:creationId xmlns:a16="http://schemas.microsoft.com/office/drawing/2014/main" xmlns="" id="{4E99E669-73EB-F9F4-EFE8-DC107035C265}"/>
+                    <a16:creationId xmlns:a16="http://schemas.microsoft.com/office/drawing/2014/main" id="{4E99E669-73EB-F9F4-EFE8-DC107035C265}"/>
                   </a:ext>
                 </a:extLst>
               </p:cNvPr>
@@ -4632,7 +4625,7 @@
           <p:cNvPr id="21" name="TextBox 20">
             <a:extLst>
               <a:ext uri="{FF2B5EF4-FFF2-40B4-BE49-F238E27FC236}">
-                <a16:creationId xmlns:a16="http://schemas.microsoft.com/office/drawing/2014/main" xmlns="" id="{7229BEA6-121E-9056-D07F-2B3BB1795F76}"/>
+                <a16:creationId xmlns:a16="http://schemas.microsoft.com/office/drawing/2014/main" id="{7229BEA6-121E-9056-D07F-2B3BB1795F76}"/>
               </a:ext>
             </a:extLst>
           </p:cNvPr>
@@ -4656,7 +4649,7 @@
           <a:lstStyle/>
           <a:p>
             <a:r>
-              <a:rPr lang="ko-KR" altLang="en-US" sz="4000" smtClean="0">
+              <a:rPr lang="ko-KR" altLang="en-US" sz="4000">
                 <a:solidFill>
                   <a:schemeClr val="tx1">
                     <a:lumMod val="50000"/>
@@ -4669,7 +4662,7 @@
               <a:t>실행</a:t>
             </a:r>
             <a:r>
-              <a:rPr lang="en-US" altLang="ko-KR" sz="4000" smtClean="0">
+              <a:rPr lang="en-US" altLang="ko-KR" sz="4000">
                 <a:solidFill>
                   <a:schemeClr val="tx1">
                     <a:lumMod val="50000"/>
@@ -4699,7 +4692,7 @@
           <p:cNvPr id="22" name="TextBox 21">
             <a:extLst>
               <a:ext uri="{FF2B5EF4-FFF2-40B4-BE49-F238E27FC236}">
-                <a16:creationId xmlns:a16="http://schemas.microsoft.com/office/drawing/2014/main" xmlns="" id="{7229BEA6-121E-9056-D07F-2B3BB1795F76}"/>
+                <a16:creationId xmlns:a16="http://schemas.microsoft.com/office/drawing/2014/main" id="{7229BEA6-121E-9056-D07F-2B3BB1795F76}"/>
               </a:ext>
             </a:extLst>
           </p:cNvPr>
@@ -4723,7 +4716,7 @@
           <a:lstStyle/>
           <a:p>
             <a:r>
-              <a:rPr lang="ko-KR" altLang="en-US" sz="5400" smtClean="0">
+              <a:rPr lang="ko-KR" altLang="en-US" sz="5400">
                 <a:solidFill>
                   <a:srgbClr val="4C50BB"/>
                 </a:solidFill>
@@ -4752,13 +4745,6 @@
   <p:clrMapOvr>
     <a:masterClrMapping/>
   </p:clrMapOvr>
-  <p:timing>
-    <p:tnLst>
-      <p:par>
-        <p:cTn id="1" dur="indefinite" restart="never" nodeType="tmRoot"/>
-      </p:par>
-    </p:tnLst>
-  </p:timing>
 </p:sld>
 </file>
 
@@ -4972,7 +4958,7 @@
           <p:cNvPr id="2" name="TextBox 1">
             <a:extLst>
               <a:ext uri="{FF2B5EF4-FFF2-40B4-BE49-F238E27FC236}">
-                <a16:creationId xmlns:a16="http://schemas.microsoft.com/office/drawing/2014/main" xmlns="" id="{76F36AE5-79B5-0B9F-E510-1C27AAC4B649}"/>
+                <a16:creationId xmlns:a16="http://schemas.microsoft.com/office/drawing/2014/main" id="{76F36AE5-79B5-0B9F-E510-1C27AAC4B649}"/>
               </a:ext>
             </a:extLst>
           </p:cNvPr>
@@ -4996,7 +4982,7 @@
           <a:lstStyle/>
           <a:p>
             <a:r>
-              <a:rPr lang="ko-KR" altLang="en-US" sz="6600" smtClean="0">
+              <a:rPr lang="ko-KR" altLang="en-US" sz="6600">
                 <a:solidFill>
                   <a:schemeClr val="bg1"/>
                 </a:solidFill>
@@ -5025,13 +5011,6 @@
   <p:clrMapOvr>
     <a:masterClrMapping/>
   </p:clrMapOvr>
-  <p:timing>
-    <p:tnLst>
-      <p:par>
-        <p:cTn id="1" dur="indefinite" restart="never" nodeType="tmRoot"/>
-      </p:par>
-    </p:tnLst>
-  </p:timing>
 </p:sld>
 </file>
 
@@ -5057,7 +5036,7 @@
           <p:cNvPr id="5" name="그림 4">
             <a:extLst>
               <a:ext uri="{FF2B5EF4-FFF2-40B4-BE49-F238E27FC236}">
-                <a16:creationId xmlns:a16="http://schemas.microsoft.com/office/drawing/2014/main" xmlns="" id="{D194A0BC-2A9B-F016-F6EA-31F413090246}"/>
+                <a16:creationId xmlns:a16="http://schemas.microsoft.com/office/drawing/2014/main" id="{D194A0BC-2A9B-F016-F6EA-31F413090246}"/>
               </a:ext>
             </a:extLst>
           </p:cNvPr>
@@ -5087,7 +5066,7 @@
           <p:cNvPr id="7" name="그림 6">
             <a:extLst>
               <a:ext uri="{FF2B5EF4-FFF2-40B4-BE49-F238E27FC236}">
-                <a16:creationId xmlns:a16="http://schemas.microsoft.com/office/drawing/2014/main" xmlns="" id="{4921FD2A-ACEF-D4E1-7938-83E69E8E1844}"/>
+                <a16:creationId xmlns:a16="http://schemas.microsoft.com/office/drawing/2014/main" id="{4921FD2A-ACEF-D4E1-7938-83E69E8E1844}"/>
               </a:ext>
             </a:extLst>
           </p:cNvPr>
@@ -5117,7 +5096,7 @@
           <p:cNvPr id="6" name="그룹 1008">
             <a:extLst>
               <a:ext uri="{FF2B5EF4-FFF2-40B4-BE49-F238E27FC236}">
-                <a16:creationId xmlns:a16="http://schemas.microsoft.com/office/drawing/2014/main" xmlns="" id="{678F6342-C505-E8AD-ADA4-022CB2C2088E}"/>
+                <a16:creationId xmlns:a16="http://schemas.microsoft.com/office/drawing/2014/main" id="{678F6342-C505-E8AD-ADA4-022CB2C2088E}"/>
               </a:ext>
             </a:extLst>
           </p:cNvPr>
@@ -5137,7 +5116,7 @@
             <p:cNvPr id="8" name="그룹 1009">
               <a:extLst>
                 <a:ext uri="{FF2B5EF4-FFF2-40B4-BE49-F238E27FC236}">
-                  <a16:creationId xmlns:a16="http://schemas.microsoft.com/office/drawing/2014/main" xmlns="" id="{4E1F1FED-812B-9BBB-925A-84B54A077414}"/>
+                  <a16:creationId xmlns:a16="http://schemas.microsoft.com/office/drawing/2014/main" id="{4E1F1FED-812B-9BBB-925A-84B54A077414}"/>
                 </a:ext>
               </a:extLst>
             </p:cNvPr>
@@ -5157,7 +5136,7 @@
               <p:cNvPr id="14" name="Object 29">
                 <a:extLst>
                   <a:ext uri="{FF2B5EF4-FFF2-40B4-BE49-F238E27FC236}">
-                    <a16:creationId xmlns:a16="http://schemas.microsoft.com/office/drawing/2014/main" xmlns="" id="{7B078609-4286-7B00-51EB-809C8E2DE289}"/>
+                    <a16:creationId xmlns:a16="http://schemas.microsoft.com/office/drawing/2014/main" id="{7B078609-4286-7B00-51EB-809C8E2DE289}"/>
                   </a:ext>
                 </a:extLst>
               </p:cNvPr>
@@ -5188,7 +5167,7 @@
             <p:cNvPr id="10" name="그룹 1010">
               <a:extLst>
                 <a:ext uri="{FF2B5EF4-FFF2-40B4-BE49-F238E27FC236}">
-                  <a16:creationId xmlns:a16="http://schemas.microsoft.com/office/drawing/2014/main" xmlns="" id="{02A649BF-B5B5-FBAF-7DFD-E118A4DF8907}"/>
+                  <a16:creationId xmlns:a16="http://schemas.microsoft.com/office/drawing/2014/main" id="{02A649BF-B5B5-FBAF-7DFD-E118A4DF8907}"/>
                 </a:ext>
               </a:extLst>
             </p:cNvPr>
@@ -5208,7 +5187,7 @@
               <p:cNvPr id="13" name="Object 32">
                 <a:extLst>
                   <a:ext uri="{FF2B5EF4-FFF2-40B4-BE49-F238E27FC236}">
-                    <a16:creationId xmlns:a16="http://schemas.microsoft.com/office/drawing/2014/main" xmlns="" id="{2A0FFF23-B3C9-3EA0-1C1B-A87D4FF098AE}"/>
+                    <a16:creationId xmlns:a16="http://schemas.microsoft.com/office/drawing/2014/main" id="{2A0FFF23-B3C9-3EA0-1C1B-A87D4FF098AE}"/>
                   </a:ext>
                 </a:extLst>
               </p:cNvPr>
@@ -5239,7 +5218,7 @@
             <p:cNvPr id="11" name="그룹 1011">
               <a:extLst>
                 <a:ext uri="{FF2B5EF4-FFF2-40B4-BE49-F238E27FC236}">
-                  <a16:creationId xmlns:a16="http://schemas.microsoft.com/office/drawing/2014/main" xmlns="" id="{881F5410-F7FB-F261-A584-707359BAC593}"/>
+                  <a16:creationId xmlns:a16="http://schemas.microsoft.com/office/drawing/2014/main" id="{881F5410-F7FB-F261-A584-707359BAC593}"/>
                 </a:ext>
               </a:extLst>
             </p:cNvPr>
@@ -5259,7 +5238,7 @@
               <p:cNvPr id="12" name="Object 35">
                 <a:extLst>
                   <a:ext uri="{FF2B5EF4-FFF2-40B4-BE49-F238E27FC236}">
-                    <a16:creationId xmlns:a16="http://schemas.microsoft.com/office/drawing/2014/main" xmlns="" id="{4E99E669-73EB-F9F4-EFE8-DC107035C265}"/>
+                    <a16:creationId xmlns:a16="http://schemas.microsoft.com/office/drawing/2014/main" id="{4E99E669-73EB-F9F4-EFE8-DC107035C265}"/>
                   </a:ext>
                 </a:extLst>
               </p:cNvPr>
@@ -5296,13 +5275,6 @@
   <p:clrMapOvr>
     <a:masterClrMapping/>
   </p:clrMapOvr>
-  <p:timing>
-    <p:tnLst>
-      <p:par>
-        <p:cTn id="1" dur="indefinite" restart="never" nodeType="tmRoot"/>
-      </p:par>
-    </p:tnLst>
-  </p:timing>
 </p:sld>
 </file>
 
@@ -5328,7 +5300,7 @@
           <p:cNvPr id="7" name="그림 6">
             <a:extLst>
               <a:ext uri="{FF2B5EF4-FFF2-40B4-BE49-F238E27FC236}">
-                <a16:creationId xmlns:a16="http://schemas.microsoft.com/office/drawing/2014/main" xmlns="" id="{8034EABB-889D-8528-A2F9-D6B5FDBADD77}"/>
+                <a16:creationId xmlns:a16="http://schemas.microsoft.com/office/drawing/2014/main" id="{8034EABB-889D-8528-A2F9-D6B5FDBADD77}"/>
               </a:ext>
             </a:extLst>
           </p:cNvPr>
@@ -5358,7 +5330,7 @@
           <p:cNvPr id="11" name="그림 10">
             <a:extLst>
               <a:ext uri="{FF2B5EF4-FFF2-40B4-BE49-F238E27FC236}">
-                <a16:creationId xmlns:a16="http://schemas.microsoft.com/office/drawing/2014/main" xmlns="" id="{19E753A8-B9EA-F050-64D9-834E1FD20D19}"/>
+                <a16:creationId xmlns:a16="http://schemas.microsoft.com/office/drawing/2014/main" id="{19E753A8-B9EA-F050-64D9-834E1FD20D19}"/>
               </a:ext>
             </a:extLst>
           </p:cNvPr>
@@ -5388,7 +5360,7 @@
           <p:cNvPr id="4" name="직사각형 3">
             <a:extLst>
               <a:ext uri="{FF2B5EF4-FFF2-40B4-BE49-F238E27FC236}">
-                <a16:creationId xmlns:a16="http://schemas.microsoft.com/office/drawing/2014/main" xmlns="" id="{FFF506F9-840A-0508-4CAF-3AC711D8D5CE}"/>
+                <a16:creationId xmlns:a16="http://schemas.microsoft.com/office/drawing/2014/main" id="{FFF506F9-840A-0508-4CAF-3AC711D8D5CE}"/>
               </a:ext>
             </a:extLst>
           </p:cNvPr>
@@ -5440,7 +5412,7 @@
           <p:cNvPr id="5" name="직사각형 4">
             <a:extLst>
               <a:ext uri="{FF2B5EF4-FFF2-40B4-BE49-F238E27FC236}">
-                <a16:creationId xmlns:a16="http://schemas.microsoft.com/office/drawing/2014/main" xmlns="" id="{FFF506F9-840A-0508-4CAF-3AC711D8D5CE}"/>
+                <a16:creationId xmlns:a16="http://schemas.microsoft.com/office/drawing/2014/main" id="{FFF506F9-840A-0508-4CAF-3AC711D8D5CE}"/>
               </a:ext>
             </a:extLst>
           </p:cNvPr>
@@ -5497,13 +5469,6 @@
   <p:clrMapOvr>
     <a:masterClrMapping/>
   </p:clrMapOvr>
-  <p:timing>
-    <p:tnLst>
-      <p:par>
-        <p:cTn id="1" dur="indefinite" restart="never" nodeType="tmRoot"/>
-      </p:par>
-    </p:tnLst>
-  </p:timing>
 </p:sld>
 </file>
 
@@ -5529,7 +5494,7 @@
           <p:cNvPr id="5" name="그림 4">
             <a:extLst>
               <a:ext uri="{FF2B5EF4-FFF2-40B4-BE49-F238E27FC236}">
-                <a16:creationId xmlns:a16="http://schemas.microsoft.com/office/drawing/2014/main" xmlns="" id="{B3280BF9-66F2-3D60-3CAF-80EF3F018627}"/>
+                <a16:creationId xmlns:a16="http://schemas.microsoft.com/office/drawing/2014/main" id="{B3280BF9-66F2-3D60-3CAF-80EF3F018627}"/>
               </a:ext>
             </a:extLst>
           </p:cNvPr>
@@ -5559,7 +5524,7 @@
           <p:cNvPr id="3" name="직사각형 2">
             <a:extLst>
               <a:ext uri="{FF2B5EF4-FFF2-40B4-BE49-F238E27FC236}">
-                <a16:creationId xmlns:a16="http://schemas.microsoft.com/office/drawing/2014/main" xmlns="" id="{FFF506F9-840A-0508-4CAF-3AC711D8D5CE}"/>
+                <a16:creationId xmlns:a16="http://schemas.microsoft.com/office/drawing/2014/main" id="{FFF506F9-840A-0508-4CAF-3AC711D8D5CE}"/>
               </a:ext>
             </a:extLst>
           </p:cNvPr>
@@ -5616,13 +5581,6 @@
   <p:clrMapOvr>
     <a:masterClrMapping/>
   </p:clrMapOvr>
-  <p:timing>
-    <p:tnLst>
-      <p:par>
-        <p:cTn id="1" dur="indefinite" restart="never" nodeType="tmRoot"/>
-      </p:par>
-    </p:tnLst>
-  </p:timing>
 </p:sld>
 </file>
 
@@ -5648,7 +5606,7 @@
           <p:cNvPr id="5" name="그림 4">
             <a:extLst>
               <a:ext uri="{FF2B5EF4-FFF2-40B4-BE49-F238E27FC236}">
-                <a16:creationId xmlns:a16="http://schemas.microsoft.com/office/drawing/2014/main" xmlns="" id="{0B2E0D05-33A7-02FD-9213-883D4B7AD312}"/>
+                <a16:creationId xmlns:a16="http://schemas.microsoft.com/office/drawing/2014/main" id="{0B2E0D05-33A7-02FD-9213-883D4B7AD312}"/>
               </a:ext>
             </a:extLst>
           </p:cNvPr>
@@ -5678,7 +5636,7 @@
           <p:cNvPr id="7" name="그림 6">
             <a:extLst>
               <a:ext uri="{FF2B5EF4-FFF2-40B4-BE49-F238E27FC236}">
-                <a16:creationId xmlns:a16="http://schemas.microsoft.com/office/drawing/2014/main" xmlns="" id="{4FA74B91-A930-D26C-4562-75DEA658A572}"/>
+                <a16:creationId xmlns:a16="http://schemas.microsoft.com/office/drawing/2014/main" id="{4FA74B91-A930-D26C-4562-75DEA658A572}"/>
               </a:ext>
             </a:extLst>
           </p:cNvPr>
@@ -5713,13 +5671,6 @@
   <p:clrMapOvr>
     <a:masterClrMapping/>
   </p:clrMapOvr>
-  <p:timing>
-    <p:tnLst>
-      <p:par>
-        <p:cTn id="1" dur="indefinite" restart="never" nodeType="tmRoot"/>
-      </p:par>
-    </p:tnLst>
-  </p:timing>
 </p:sld>
 </file>
 
@@ -5745,7 +5696,7 @@
           <p:cNvPr id="2" name="TextBox 1">
             <a:extLst>
               <a:ext uri="{FF2B5EF4-FFF2-40B4-BE49-F238E27FC236}">
-                <a16:creationId xmlns:a16="http://schemas.microsoft.com/office/drawing/2014/main" xmlns="" id="{7229BEA6-121E-9056-D07F-2B3BB1795F76}"/>
+                <a16:creationId xmlns:a16="http://schemas.microsoft.com/office/drawing/2014/main" id="{7229BEA6-121E-9056-D07F-2B3BB1795F76}"/>
               </a:ext>
             </a:extLst>
           </p:cNvPr>
@@ -5769,7 +5720,7 @@
           <a:lstStyle/>
           <a:p>
             <a:r>
-              <a:rPr lang="en-US" altLang="ko-KR" sz="6000" smtClean="0">
+              <a:rPr lang="en-US" altLang="ko-KR" sz="6000">
                 <a:solidFill>
                   <a:srgbClr val="4C50BB"/>
                 </a:solidFill>
@@ -5779,7 +5730,7 @@
               <a:t>Hello World! </a:t>
             </a:r>
             <a:r>
-              <a:rPr lang="ko-KR" altLang="en-US" sz="6000" smtClean="0">
+              <a:rPr lang="ko-KR" altLang="en-US" sz="6000">
                 <a:solidFill>
                   <a:srgbClr val="4C50BB"/>
                 </a:solidFill>
@@ -5803,7 +5754,7 @@
           <p:cNvPr id="3" name="TextBox 2">
             <a:extLst>
               <a:ext uri="{FF2B5EF4-FFF2-40B4-BE49-F238E27FC236}">
-                <a16:creationId xmlns:a16="http://schemas.microsoft.com/office/drawing/2014/main" xmlns="" id="{7229BEA6-121E-9056-D07F-2B3BB1795F76}"/>
+                <a16:creationId xmlns:a16="http://schemas.microsoft.com/office/drawing/2014/main" id="{7229BEA6-121E-9056-D07F-2B3BB1795F76}"/>
               </a:ext>
             </a:extLst>
           </p:cNvPr>
@@ -5827,7 +5778,7 @@
           <a:lstStyle/>
           <a:p>
             <a:r>
-              <a:rPr lang="ko-KR" altLang="en-US" sz="8800" smtClean="0">
+              <a:rPr lang="ko-KR" altLang="en-US" sz="8800">
                 <a:solidFill>
                   <a:srgbClr val="4C50BB"/>
                 </a:solidFill>
@@ -5856,13 +5807,6 @@
   <p:clrMapOvr>
     <a:masterClrMapping/>
   </p:clrMapOvr>
-  <p:timing>
-    <p:tnLst>
-      <p:par>
-        <p:cTn id="1" dur="indefinite" restart="never" nodeType="tmRoot"/>
-      </p:par>
-    </p:tnLst>
-  </p:timing>
 </p:sld>
 </file>
 
@@ -5912,7 +5856,7 @@
           <p:cNvPr id="5" name="직사각형 4">
             <a:extLst>
               <a:ext uri="{FF2B5EF4-FFF2-40B4-BE49-F238E27FC236}">
-                <a16:creationId xmlns:a16="http://schemas.microsoft.com/office/drawing/2014/main" xmlns="" id="{FFF506F9-840A-0508-4CAF-3AC711D8D5CE}"/>
+                <a16:creationId xmlns:a16="http://schemas.microsoft.com/office/drawing/2014/main" id="{FFF506F9-840A-0508-4CAF-3AC711D8D5CE}"/>
               </a:ext>
             </a:extLst>
           </p:cNvPr>
@@ -5964,7 +5908,7 @@
           <p:cNvPr id="6" name="직사각형 5">
             <a:extLst>
               <a:ext uri="{FF2B5EF4-FFF2-40B4-BE49-F238E27FC236}">
-                <a16:creationId xmlns:a16="http://schemas.microsoft.com/office/drawing/2014/main" xmlns="" id="{FFF506F9-840A-0508-4CAF-3AC711D8D5CE}"/>
+                <a16:creationId xmlns:a16="http://schemas.microsoft.com/office/drawing/2014/main" id="{FFF506F9-840A-0508-4CAF-3AC711D8D5CE}"/>
               </a:ext>
             </a:extLst>
           </p:cNvPr>
@@ -6040,7 +5984,7 @@
           <p:cNvPr id="8" name="직사각형 7">
             <a:extLst>
               <a:ext uri="{FF2B5EF4-FFF2-40B4-BE49-F238E27FC236}">
-                <a16:creationId xmlns:a16="http://schemas.microsoft.com/office/drawing/2014/main" xmlns="" id="{FFF506F9-840A-0508-4CAF-3AC711D8D5CE}"/>
+                <a16:creationId xmlns:a16="http://schemas.microsoft.com/office/drawing/2014/main" id="{FFF506F9-840A-0508-4CAF-3AC711D8D5CE}"/>
               </a:ext>
             </a:extLst>
           </p:cNvPr>
@@ -6097,13 +6041,6 @@
   <p:clrMapOvr>
     <a:masterClrMapping/>
   </p:clrMapOvr>
-  <p:timing>
-    <p:tnLst>
-      <p:par>
-        <p:cTn id="1" dur="indefinite" restart="never" nodeType="tmRoot"/>
-      </p:par>
-    </p:tnLst>
-  </p:timing>
 </p:sld>
 </file>
 
@@ -6201,7 +6138,7 @@
           <p:cNvPr id="8" name="직사각형 7">
             <a:extLst>
               <a:ext uri="{FF2B5EF4-FFF2-40B4-BE49-F238E27FC236}">
-                <a16:creationId xmlns:a16="http://schemas.microsoft.com/office/drawing/2014/main" xmlns="" id="{FFF506F9-840A-0508-4CAF-3AC711D8D5CE}"/>
+                <a16:creationId xmlns:a16="http://schemas.microsoft.com/office/drawing/2014/main" id="{FFF506F9-840A-0508-4CAF-3AC711D8D5CE}"/>
               </a:ext>
             </a:extLst>
           </p:cNvPr>
@@ -6253,7 +6190,7 @@
           <p:cNvPr id="9" name="직선 화살표 연결선 8">
             <a:extLst>
               <a:ext uri="{FF2B5EF4-FFF2-40B4-BE49-F238E27FC236}">
-                <a16:creationId xmlns:a16="http://schemas.microsoft.com/office/drawing/2014/main" xmlns="" id="{299DF5EC-9DF4-5255-06AC-0A7CE4FF58C3}"/>
+                <a16:creationId xmlns:a16="http://schemas.microsoft.com/office/drawing/2014/main" id="{299DF5EC-9DF4-5255-06AC-0A7CE4FF58C3}"/>
               </a:ext>
             </a:extLst>
           </p:cNvPr>
@@ -6294,7 +6231,7 @@
           <p:cNvPr id="11" name="TextBox 10">
             <a:extLst>
               <a:ext uri="{FF2B5EF4-FFF2-40B4-BE49-F238E27FC236}">
-                <a16:creationId xmlns:a16="http://schemas.microsoft.com/office/drawing/2014/main" xmlns="" id="{C6D113C6-EA5C-788F-0C77-E7CE6EBB865F}"/>
+                <a16:creationId xmlns:a16="http://schemas.microsoft.com/office/drawing/2014/main" id="{C6D113C6-EA5C-788F-0C77-E7CE6EBB865F}"/>
               </a:ext>
             </a:extLst>
           </p:cNvPr>
@@ -6318,7 +6255,7 @@
           <a:lstStyle/>
           <a:p>
             <a:r>
-              <a:rPr lang="ko-KR" altLang="en-US" sz="3600" smtClean="0">
+              <a:rPr lang="ko-KR" altLang="en-US" sz="3600">
                 <a:solidFill>
                   <a:srgbClr val="FF0000"/>
                 </a:solidFill>
@@ -6328,7 +6265,7 @@
               <a:t>클래스명</a:t>
             </a:r>
             <a:r>
-              <a:rPr lang="en-US" altLang="ko-KR" sz="3600" smtClean="0">
+              <a:rPr lang="en-US" altLang="ko-KR" sz="3600">
                 <a:solidFill>
                   <a:srgbClr val="FF0000"/>
                 </a:solidFill>
@@ -6338,7 +6275,7 @@
               <a:t>: </a:t>
             </a:r>
             <a:r>
-              <a:rPr lang="ko-KR" altLang="en-US" sz="3600" smtClean="0">
+              <a:rPr lang="ko-KR" altLang="en-US" sz="3600">
                 <a:solidFill>
                   <a:srgbClr val="FF0000"/>
                 </a:solidFill>
@@ -6362,7 +6299,7 @@
           <p:cNvPr id="12" name="직사각형 11">
             <a:extLst>
               <a:ext uri="{FF2B5EF4-FFF2-40B4-BE49-F238E27FC236}">
-                <a16:creationId xmlns:a16="http://schemas.microsoft.com/office/drawing/2014/main" xmlns="" id="{FFF506F9-840A-0508-4CAF-3AC711D8D5CE}"/>
+                <a16:creationId xmlns:a16="http://schemas.microsoft.com/office/drawing/2014/main" id="{FFF506F9-840A-0508-4CAF-3AC711D8D5CE}"/>
               </a:ext>
             </a:extLst>
           </p:cNvPr>
@@ -6414,7 +6351,7 @@
           <p:cNvPr id="13" name="직선 화살표 연결선 12">
             <a:extLst>
               <a:ext uri="{FF2B5EF4-FFF2-40B4-BE49-F238E27FC236}">
-                <a16:creationId xmlns:a16="http://schemas.microsoft.com/office/drawing/2014/main" xmlns="" id="{299DF5EC-9DF4-5255-06AC-0A7CE4FF58C3}"/>
+                <a16:creationId xmlns:a16="http://schemas.microsoft.com/office/drawing/2014/main" id="{299DF5EC-9DF4-5255-06AC-0A7CE4FF58C3}"/>
               </a:ext>
             </a:extLst>
           </p:cNvPr>
@@ -6455,7 +6392,7 @@
           <p:cNvPr id="14" name="TextBox 13">
             <a:extLst>
               <a:ext uri="{FF2B5EF4-FFF2-40B4-BE49-F238E27FC236}">
-                <a16:creationId xmlns:a16="http://schemas.microsoft.com/office/drawing/2014/main" xmlns="" id="{C6D113C6-EA5C-788F-0C77-E7CE6EBB865F}"/>
+                <a16:creationId xmlns:a16="http://schemas.microsoft.com/office/drawing/2014/main" id="{C6D113C6-EA5C-788F-0C77-E7CE6EBB865F}"/>
               </a:ext>
             </a:extLst>
           </p:cNvPr>
@@ -6479,7 +6416,7 @@
           <a:lstStyle/>
           <a:p>
             <a:r>
-              <a:rPr lang="ko-KR" altLang="en-US" sz="3600" smtClean="0">
+              <a:rPr lang="ko-KR" altLang="en-US" sz="3600">
                 <a:solidFill>
                   <a:srgbClr val="FF0000"/>
                 </a:solidFill>
@@ -6489,7 +6426,7 @@
               <a:t>엔트리포인트</a:t>
             </a:r>
             <a:r>
-              <a:rPr lang="en-US" altLang="ko-KR" sz="3600" smtClean="0">
+              <a:rPr lang="en-US" altLang="ko-KR" sz="3600">
                 <a:solidFill>
                   <a:srgbClr val="FF0000"/>
                 </a:solidFill>
@@ -6499,7 +6436,7 @@
               <a:t>: </a:t>
             </a:r>
             <a:r>
-              <a:rPr lang="ko-KR" altLang="en-US" sz="3600" smtClean="0">
+              <a:rPr lang="ko-KR" altLang="en-US" sz="3600">
                 <a:solidFill>
                   <a:srgbClr val="FF0000"/>
                 </a:solidFill>
@@ -6509,7 +6446,7 @@
               <a:t>반드시 체크해야 실행된다</a:t>
             </a:r>
             <a:r>
-              <a:rPr lang="en-US" altLang="ko-KR" sz="3600" smtClean="0">
+              <a:rPr lang="en-US" altLang="ko-KR" sz="3600">
                 <a:solidFill>
                   <a:srgbClr val="FF0000"/>
                 </a:solidFill>
@@ -6533,7 +6470,7 @@
           <p:cNvPr id="15" name="직사각형 14">
             <a:extLst>
               <a:ext uri="{FF2B5EF4-FFF2-40B4-BE49-F238E27FC236}">
-                <a16:creationId xmlns:a16="http://schemas.microsoft.com/office/drawing/2014/main" xmlns="" id="{FFF506F9-840A-0508-4CAF-3AC711D8D5CE}"/>
+                <a16:creationId xmlns:a16="http://schemas.microsoft.com/office/drawing/2014/main" id="{FFF506F9-840A-0508-4CAF-3AC711D8D5CE}"/>
               </a:ext>
             </a:extLst>
           </p:cNvPr>
@@ -6585,7 +6522,7 @@
           <p:cNvPr id="16" name="직선 화살표 연결선 15">
             <a:extLst>
               <a:ext uri="{FF2B5EF4-FFF2-40B4-BE49-F238E27FC236}">
-                <a16:creationId xmlns:a16="http://schemas.microsoft.com/office/drawing/2014/main" xmlns="" id="{299DF5EC-9DF4-5255-06AC-0A7CE4FF58C3}"/>
+                <a16:creationId xmlns:a16="http://schemas.microsoft.com/office/drawing/2014/main" id="{299DF5EC-9DF4-5255-06AC-0A7CE4FF58C3}"/>
               </a:ext>
             </a:extLst>
           </p:cNvPr>
@@ -6626,7 +6563,7 @@
           <p:cNvPr id="17" name="TextBox 16">
             <a:extLst>
               <a:ext uri="{FF2B5EF4-FFF2-40B4-BE49-F238E27FC236}">
-                <a16:creationId xmlns:a16="http://schemas.microsoft.com/office/drawing/2014/main" xmlns="" id="{C6D113C6-EA5C-788F-0C77-E7CE6EBB865F}"/>
+                <a16:creationId xmlns:a16="http://schemas.microsoft.com/office/drawing/2014/main" id="{C6D113C6-EA5C-788F-0C77-E7CE6EBB865F}"/>
               </a:ext>
             </a:extLst>
           </p:cNvPr>
@@ -6650,7 +6587,7 @@
           <a:lstStyle/>
           <a:p>
             <a:r>
-              <a:rPr lang="ko-KR" altLang="en-US" sz="3600" smtClean="0">
+              <a:rPr lang="ko-KR" altLang="en-US" sz="3600">
                 <a:solidFill>
                   <a:srgbClr val="FF0000"/>
                 </a:solidFill>
@@ -6660,7 +6597,7 @@
               <a:t>패키지명</a:t>
             </a:r>
             <a:r>
-              <a:rPr lang="en-US" altLang="ko-KR" sz="3600" smtClean="0">
+              <a:rPr lang="en-US" altLang="ko-KR" sz="3600">
                 <a:solidFill>
                   <a:srgbClr val="FF0000"/>
                 </a:solidFill>
@@ -6670,7 +6607,7 @@
               <a:t>: </a:t>
             </a:r>
             <a:r>
-              <a:rPr lang="ko-KR" altLang="en-US" sz="3600" smtClean="0">
+              <a:rPr lang="ko-KR" altLang="en-US" sz="3600">
                 <a:solidFill>
                   <a:srgbClr val="FF0000"/>
                 </a:solidFill>
@@ -6699,13 +6636,6 @@
   <p:clrMapOvr>
     <a:masterClrMapping/>
   </p:clrMapOvr>
-  <p:timing>
-    <p:tnLst>
-      <p:par>
-        <p:cTn id="1" dur="indefinite" restart="never" nodeType="tmRoot"/>
-      </p:par>
-    </p:tnLst>
-  </p:timing>
 </p:sld>
 </file>
 
@@ -6904,7 +6834,7 @@
           <p:cNvPr id="11" name="TextBox 10">
             <a:extLst>
               <a:ext uri="{FF2B5EF4-FFF2-40B4-BE49-F238E27FC236}">
-                <a16:creationId xmlns:a16="http://schemas.microsoft.com/office/drawing/2014/main" xmlns="" id="{9F88F580-08BE-88C2-D640-13F0026591CB}"/>
+                <a16:creationId xmlns:a16="http://schemas.microsoft.com/office/drawing/2014/main" id="{9F88F580-08BE-88C2-D640-13F0026591CB}"/>
               </a:ext>
             </a:extLst>
           </p:cNvPr>
@@ -6962,7 +6892,7 @@
           <p:cNvPr id="13" name="TextBox 12">
             <a:extLst>
               <a:ext uri="{FF2B5EF4-FFF2-40B4-BE49-F238E27FC236}">
-                <a16:creationId xmlns:a16="http://schemas.microsoft.com/office/drawing/2014/main" xmlns="" id="{72769C28-9BB6-DE9C-7B6F-264B77B8DD0E}"/>
+                <a16:creationId xmlns:a16="http://schemas.microsoft.com/office/drawing/2014/main" id="{72769C28-9BB6-DE9C-7B6F-264B77B8DD0E}"/>
               </a:ext>
             </a:extLst>
           </p:cNvPr>
@@ -7010,7 +6940,7 @@
           <p:cNvPr id="14" name="TextBox 13">
             <a:extLst>
               <a:ext uri="{FF2B5EF4-FFF2-40B4-BE49-F238E27FC236}">
-                <a16:creationId xmlns:a16="http://schemas.microsoft.com/office/drawing/2014/main" xmlns="" id="{270FBB6A-01CE-5637-78DA-58F0C974145C}"/>
+                <a16:creationId xmlns:a16="http://schemas.microsoft.com/office/drawing/2014/main" id="{270FBB6A-01CE-5637-78DA-58F0C974145C}"/>
               </a:ext>
             </a:extLst>
           </p:cNvPr>
@@ -7058,7 +6988,7 @@
           <p:cNvPr id="2" name="Object 17">
             <a:extLst>
               <a:ext uri="{FF2B5EF4-FFF2-40B4-BE49-F238E27FC236}">
-                <a16:creationId xmlns:a16="http://schemas.microsoft.com/office/drawing/2014/main" xmlns="" id="{140B283D-FE58-FA6F-6F7C-E0F1DBB62A65}"/>
+                <a16:creationId xmlns:a16="http://schemas.microsoft.com/office/drawing/2014/main" id="{140B283D-FE58-FA6F-6F7C-E0F1DBB62A65}"/>
               </a:ext>
             </a:extLst>
           </p:cNvPr>
@@ -7088,7 +7018,7 @@
           <p:cNvPr id="4" name="TextBox 3">
             <a:extLst>
               <a:ext uri="{FF2B5EF4-FFF2-40B4-BE49-F238E27FC236}">
-                <a16:creationId xmlns:a16="http://schemas.microsoft.com/office/drawing/2014/main" xmlns="" id="{2C8D0998-79BC-6FD2-59D9-8052B4A25F65}"/>
+                <a16:creationId xmlns:a16="http://schemas.microsoft.com/office/drawing/2014/main" id="{2C8D0998-79BC-6FD2-59D9-8052B4A25F65}"/>
               </a:ext>
             </a:extLst>
           </p:cNvPr>
@@ -7136,7 +7066,7 @@
           <p:cNvPr id="5" name="Object 18">
             <a:extLst>
               <a:ext uri="{FF2B5EF4-FFF2-40B4-BE49-F238E27FC236}">
-                <a16:creationId xmlns:a16="http://schemas.microsoft.com/office/drawing/2014/main" xmlns="" id="{3F58EA3E-1018-64D3-FAB2-4F6B9618FA56}"/>
+                <a16:creationId xmlns:a16="http://schemas.microsoft.com/office/drawing/2014/main" id="{3F58EA3E-1018-64D3-FAB2-4F6B9618FA56}"/>
               </a:ext>
             </a:extLst>
           </p:cNvPr>
@@ -7166,7 +7096,7 @@
           <p:cNvPr id="8" name="TextBox 7">
             <a:extLst>
               <a:ext uri="{FF2B5EF4-FFF2-40B4-BE49-F238E27FC236}">
-                <a16:creationId xmlns:a16="http://schemas.microsoft.com/office/drawing/2014/main" xmlns="" id="{681D3F16-7DCF-41AD-F5F1-0558C78C0E4D}"/>
+                <a16:creationId xmlns:a16="http://schemas.microsoft.com/office/drawing/2014/main" id="{681D3F16-7DCF-41AD-F5F1-0558C78C0E4D}"/>
               </a:ext>
             </a:extLst>
           </p:cNvPr>
@@ -7214,13 +7144,6 @@
   <p:clrMapOvr>
     <a:masterClrMapping/>
   </p:clrMapOvr>
-  <p:timing>
-    <p:tnLst>
-      <p:par>
-        <p:cTn id="1" dur="indefinite" restart="never" nodeType="tmRoot"/>
-      </p:par>
-    </p:tnLst>
-  </p:timing>
 </p:sld>
 </file>
 
@@ -7294,7 +7217,7 @@
           <p:cNvPr id="8" name="TextBox 7">
             <a:extLst>
               <a:ext uri="{FF2B5EF4-FFF2-40B4-BE49-F238E27FC236}">
-                <a16:creationId xmlns:a16="http://schemas.microsoft.com/office/drawing/2014/main" xmlns="" id="{5ADC00B6-990A-40DC-3CEA-505258F5E8DA}"/>
+                <a16:creationId xmlns:a16="http://schemas.microsoft.com/office/drawing/2014/main" id="{5ADC00B6-990A-40DC-3CEA-505258F5E8DA}"/>
               </a:ext>
             </a:extLst>
           </p:cNvPr>
@@ -7318,7 +7241,7 @@
           <a:lstStyle/>
           <a:p>
             <a:r>
-              <a:rPr lang="ko-KR" altLang="en-US" sz="4800" smtClean="0">
+              <a:rPr lang="ko-KR" altLang="en-US" sz="4800">
                 <a:solidFill>
                   <a:srgbClr val="4C50BC"/>
                 </a:solidFill>
@@ -7328,7 +7251,7 @@
               <a:t>실행</a:t>
             </a:r>
             <a:r>
-              <a:rPr lang="en-US" altLang="ko-KR" sz="4800" smtClean="0">
+              <a:rPr lang="en-US" altLang="ko-KR" sz="4800">
                 <a:solidFill>
                   <a:srgbClr val="4C50BC"/>
                 </a:solidFill>
@@ -7352,7 +7275,7 @@
           <p:cNvPr id="9" name="그룹 1008">
             <a:extLst>
               <a:ext uri="{FF2B5EF4-FFF2-40B4-BE49-F238E27FC236}">
-                <a16:creationId xmlns:a16="http://schemas.microsoft.com/office/drawing/2014/main" xmlns="" id="{E395BDE3-2EDE-065D-70E8-56E348228ACF}"/>
+                <a16:creationId xmlns:a16="http://schemas.microsoft.com/office/drawing/2014/main" id="{E395BDE3-2EDE-065D-70E8-56E348228ACF}"/>
               </a:ext>
             </a:extLst>
           </p:cNvPr>
@@ -7372,7 +7295,7 @@
             <p:cNvPr id="10" name="그룹 1009">
               <a:extLst>
                 <a:ext uri="{FF2B5EF4-FFF2-40B4-BE49-F238E27FC236}">
-                  <a16:creationId xmlns:a16="http://schemas.microsoft.com/office/drawing/2014/main" xmlns="" id="{852F4DEB-DB33-DB3F-9E9F-52A46CD0B10A}"/>
+                  <a16:creationId xmlns:a16="http://schemas.microsoft.com/office/drawing/2014/main" id="{852F4DEB-DB33-DB3F-9E9F-52A46CD0B10A}"/>
                 </a:ext>
               </a:extLst>
             </p:cNvPr>
@@ -7392,7 +7315,7 @@
               <p:cNvPr id="15" name="Object 29">
                 <a:extLst>
                   <a:ext uri="{FF2B5EF4-FFF2-40B4-BE49-F238E27FC236}">
-                    <a16:creationId xmlns:a16="http://schemas.microsoft.com/office/drawing/2014/main" xmlns="" id="{7E353D3B-14D4-8A64-5888-3F0C062C2CDD}"/>
+                    <a16:creationId xmlns:a16="http://schemas.microsoft.com/office/drawing/2014/main" id="{7E353D3B-14D4-8A64-5888-3F0C062C2CDD}"/>
                   </a:ext>
                 </a:extLst>
               </p:cNvPr>
@@ -7423,7 +7346,7 @@
             <p:cNvPr id="11" name="그룹 1010">
               <a:extLst>
                 <a:ext uri="{FF2B5EF4-FFF2-40B4-BE49-F238E27FC236}">
-                  <a16:creationId xmlns:a16="http://schemas.microsoft.com/office/drawing/2014/main" xmlns="" id="{001E38AB-1390-ABD0-BE01-9727136FEAEE}"/>
+                  <a16:creationId xmlns:a16="http://schemas.microsoft.com/office/drawing/2014/main" id="{001E38AB-1390-ABD0-BE01-9727136FEAEE}"/>
                 </a:ext>
               </a:extLst>
             </p:cNvPr>
@@ -7443,7 +7366,7 @@
               <p:cNvPr id="14" name="Object 32">
                 <a:extLst>
                   <a:ext uri="{FF2B5EF4-FFF2-40B4-BE49-F238E27FC236}">
-                    <a16:creationId xmlns:a16="http://schemas.microsoft.com/office/drawing/2014/main" xmlns="" id="{2ED1C30F-0D0B-F86C-8215-2598D332B5A3}"/>
+                    <a16:creationId xmlns:a16="http://schemas.microsoft.com/office/drawing/2014/main" id="{2ED1C30F-0D0B-F86C-8215-2598D332B5A3}"/>
                   </a:ext>
                 </a:extLst>
               </p:cNvPr>
@@ -7474,7 +7397,7 @@
             <p:cNvPr id="12" name="그룹 1011">
               <a:extLst>
                 <a:ext uri="{FF2B5EF4-FFF2-40B4-BE49-F238E27FC236}">
-                  <a16:creationId xmlns:a16="http://schemas.microsoft.com/office/drawing/2014/main" xmlns="" id="{1BCB8DE5-ABAF-4198-BC16-85BB76F2DB24}"/>
+                  <a16:creationId xmlns:a16="http://schemas.microsoft.com/office/drawing/2014/main" id="{1BCB8DE5-ABAF-4198-BC16-85BB76F2DB24}"/>
                 </a:ext>
               </a:extLst>
             </p:cNvPr>
@@ -7494,7 +7417,7 @@
               <p:cNvPr id="13" name="Object 35">
                 <a:extLst>
                   <a:ext uri="{FF2B5EF4-FFF2-40B4-BE49-F238E27FC236}">
-                    <a16:creationId xmlns:a16="http://schemas.microsoft.com/office/drawing/2014/main" xmlns="" id="{86E7BA23-0A1E-B581-CADC-06AB269DB2BD}"/>
+                    <a16:creationId xmlns:a16="http://schemas.microsoft.com/office/drawing/2014/main" id="{86E7BA23-0A1E-B581-CADC-06AB269DB2BD}"/>
                   </a:ext>
                 </a:extLst>
               </p:cNvPr>
@@ -7531,13 +7454,6 @@
   <p:clrMapOvr>
     <a:masterClrMapping/>
   </p:clrMapOvr>
-  <p:timing>
-    <p:tnLst>
-      <p:par>
-        <p:cTn id="1" dur="indefinite" restart="never" nodeType="tmRoot"/>
-      </p:par>
-    </p:tnLst>
-  </p:timing>
 </p:sld>
 </file>
 
@@ -7587,7 +7503,7 @@
           <p:cNvPr id="5" name="직사각형 4">
             <a:extLst>
               <a:ext uri="{FF2B5EF4-FFF2-40B4-BE49-F238E27FC236}">
-                <a16:creationId xmlns:a16="http://schemas.microsoft.com/office/drawing/2014/main" xmlns="" id="{FFF506F9-840A-0508-4CAF-3AC711D8D5CE}"/>
+                <a16:creationId xmlns:a16="http://schemas.microsoft.com/office/drawing/2014/main" id="{FFF506F9-840A-0508-4CAF-3AC711D8D5CE}"/>
               </a:ext>
             </a:extLst>
           </p:cNvPr>
@@ -7639,7 +7555,7 @@
           <p:cNvPr id="6" name="직선 화살표 연결선 5">
             <a:extLst>
               <a:ext uri="{FF2B5EF4-FFF2-40B4-BE49-F238E27FC236}">
-                <a16:creationId xmlns:a16="http://schemas.microsoft.com/office/drawing/2014/main" xmlns="" id="{299DF5EC-9DF4-5255-06AC-0A7CE4FF58C3}"/>
+                <a16:creationId xmlns:a16="http://schemas.microsoft.com/office/drawing/2014/main" id="{299DF5EC-9DF4-5255-06AC-0A7CE4FF58C3}"/>
               </a:ext>
             </a:extLst>
           </p:cNvPr>
@@ -7680,7 +7596,7 @@
           <p:cNvPr id="7" name="TextBox 6">
             <a:extLst>
               <a:ext uri="{FF2B5EF4-FFF2-40B4-BE49-F238E27FC236}">
-                <a16:creationId xmlns:a16="http://schemas.microsoft.com/office/drawing/2014/main" xmlns="" id="{C6D113C6-EA5C-788F-0C77-E7CE6EBB865F}"/>
+                <a16:creationId xmlns:a16="http://schemas.microsoft.com/office/drawing/2014/main" id="{C6D113C6-EA5C-788F-0C77-E7CE6EBB865F}"/>
               </a:ext>
             </a:extLst>
           </p:cNvPr>
@@ -7704,7 +7620,7 @@
           <a:lstStyle/>
           <a:p>
             <a:r>
-              <a:rPr lang="ko-KR" altLang="en-US" sz="3600" smtClean="0">
+              <a:rPr lang="ko-KR" altLang="en-US" sz="3600">
                 <a:solidFill>
                   <a:srgbClr val="4C50BC"/>
                 </a:solidFill>
@@ -7714,7 +7630,7 @@
               <a:t>패키지명</a:t>
             </a:r>
             <a:r>
-              <a:rPr lang="en-US" altLang="ko-KR" sz="3600" smtClean="0">
+              <a:rPr lang="en-US" altLang="ko-KR" sz="3600">
                 <a:solidFill>
                   <a:srgbClr val="4C50BC"/>
                 </a:solidFill>
@@ -7731,20 +7647,10 @@
                 <a:latin typeface="G마켓 산스 Medium" panose="02000000000000000000" pitchFamily="50" charset="-127"/>
                 <a:ea typeface="G마켓 산스 Medium" panose="02000000000000000000" pitchFamily="50" charset="-127"/>
               </a:rPr>
-              <a:t> </a:t>
-            </a:r>
-            <a:r>
-              <a:rPr lang="ko-KR" altLang="en-US" sz="3600" smtClean="0">
-                <a:solidFill>
-                  <a:srgbClr val="4C50BC"/>
-                </a:solidFill>
-                <a:latin typeface="G마켓 산스 Medium" panose="02000000000000000000" pitchFamily="50" charset="-127"/>
-                <a:ea typeface="G마켓 산스 Medium" panose="02000000000000000000" pitchFamily="50" charset="-127"/>
-              </a:rPr>
-              <a:t>클래스를 분류하는 폴더 같은 역할이다</a:t>
-            </a:r>
-            <a:r>
-              <a:rPr lang="en-US" altLang="ko-KR" sz="3600" smtClean="0">
+              <a:t> 클래스를 분류하는 폴더 같은 역할이다</a:t>
+            </a:r>
+            <a:r>
+              <a:rPr lang="en-US" altLang="ko-KR" sz="3600">
                 <a:solidFill>
                   <a:srgbClr val="4C50BC"/>
                 </a:solidFill>
@@ -7768,7 +7674,7 @@
           <p:cNvPr id="8" name="직사각형 7">
             <a:extLst>
               <a:ext uri="{FF2B5EF4-FFF2-40B4-BE49-F238E27FC236}">
-                <a16:creationId xmlns:a16="http://schemas.microsoft.com/office/drawing/2014/main" xmlns="" id="{FFF506F9-840A-0508-4CAF-3AC711D8D5CE}"/>
+                <a16:creationId xmlns:a16="http://schemas.microsoft.com/office/drawing/2014/main" id="{FFF506F9-840A-0508-4CAF-3AC711D8D5CE}"/>
               </a:ext>
             </a:extLst>
           </p:cNvPr>
@@ -7820,7 +7726,7 @@
           <p:cNvPr id="9" name="직선 화살표 연결선 8">
             <a:extLst>
               <a:ext uri="{FF2B5EF4-FFF2-40B4-BE49-F238E27FC236}">
-                <a16:creationId xmlns:a16="http://schemas.microsoft.com/office/drawing/2014/main" xmlns="" id="{299DF5EC-9DF4-5255-06AC-0A7CE4FF58C3}"/>
+                <a16:creationId xmlns:a16="http://schemas.microsoft.com/office/drawing/2014/main" id="{299DF5EC-9DF4-5255-06AC-0A7CE4FF58C3}"/>
               </a:ext>
             </a:extLst>
           </p:cNvPr>
@@ -7861,7 +7767,7 @@
           <p:cNvPr id="10" name="TextBox 9">
             <a:extLst>
               <a:ext uri="{FF2B5EF4-FFF2-40B4-BE49-F238E27FC236}">
-                <a16:creationId xmlns:a16="http://schemas.microsoft.com/office/drawing/2014/main" xmlns="" id="{C6D113C6-EA5C-788F-0C77-E7CE6EBB865F}"/>
+                <a16:creationId xmlns:a16="http://schemas.microsoft.com/office/drawing/2014/main" id="{C6D113C6-EA5C-788F-0C77-E7CE6EBB865F}"/>
               </a:ext>
             </a:extLst>
           </p:cNvPr>
@@ -7885,7 +7791,7 @@
           <a:lstStyle/>
           <a:p>
             <a:r>
-              <a:rPr lang="ko-KR" altLang="en-US" sz="3200" smtClean="0">
+              <a:rPr lang="ko-KR" altLang="en-US" sz="3200">
                 <a:solidFill>
                   <a:srgbClr val="4C50BC"/>
                 </a:solidFill>
@@ -7895,7 +7801,7 @@
               <a:t>클래스명</a:t>
             </a:r>
             <a:r>
-              <a:rPr lang="en-US" altLang="ko-KR" sz="3200" smtClean="0">
+              <a:rPr lang="en-US" altLang="ko-KR" sz="3200">
                 <a:solidFill>
                   <a:srgbClr val="4C50BC"/>
                 </a:solidFill>
@@ -7905,7 +7811,7 @@
               <a:t>: </a:t>
             </a:r>
             <a:r>
-              <a:rPr lang="ko-KR" altLang="en-US" sz="3200" smtClean="0">
+              <a:rPr lang="ko-KR" altLang="en-US" sz="3200">
                 <a:solidFill>
                   <a:srgbClr val="4C50BC"/>
                 </a:solidFill>
@@ -7915,7 +7821,7 @@
               <a:t>객체지향언어의 핵심</a:t>
             </a:r>
             <a:r>
-              <a:rPr lang="en-US" altLang="ko-KR" sz="3200" smtClean="0">
+              <a:rPr lang="en-US" altLang="ko-KR" sz="3200">
                 <a:solidFill>
                   <a:srgbClr val="4C50BC"/>
                 </a:solidFill>
@@ -7925,7 +7831,7 @@
               <a:t>(</a:t>
             </a:r>
             <a:r>
-              <a:rPr lang="ko-KR" altLang="en-US" sz="3200" smtClean="0">
+              <a:rPr lang="ko-KR" altLang="en-US" sz="3200">
                 <a:solidFill>
                   <a:srgbClr val="4C50BC"/>
                 </a:solidFill>
@@ -7935,7 +7841,7 @@
               <a:t>파일명과 동일해야함</a:t>
             </a:r>
             <a:r>
-              <a:rPr lang="en-US" altLang="ko-KR" sz="3200" smtClean="0">
+              <a:rPr lang="en-US" altLang="ko-KR" sz="3200">
                 <a:solidFill>
                   <a:srgbClr val="4C50BC"/>
                 </a:solidFill>
@@ -7959,7 +7865,7 @@
           <p:cNvPr id="11" name="직사각형 10">
             <a:extLst>
               <a:ext uri="{FF2B5EF4-FFF2-40B4-BE49-F238E27FC236}">
-                <a16:creationId xmlns:a16="http://schemas.microsoft.com/office/drawing/2014/main" xmlns="" id="{FFF506F9-840A-0508-4CAF-3AC711D8D5CE}"/>
+                <a16:creationId xmlns:a16="http://schemas.microsoft.com/office/drawing/2014/main" id="{FFF506F9-840A-0508-4CAF-3AC711D8D5CE}"/>
               </a:ext>
             </a:extLst>
           </p:cNvPr>
@@ -8011,7 +7917,7 @@
           <p:cNvPr id="12" name="직선 화살표 연결선 11">
             <a:extLst>
               <a:ext uri="{FF2B5EF4-FFF2-40B4-BE49-F238E27FC236}">
-                <a16:creationId xmlns:a16="http://schemas.microsoft.com/office/drawing/2014/main" xmlns="" id="{299DF5EC-9DF4-5255-06AC-0A7CE4FF58C3}"/>
+                <a16:creationId xmlns:a16="http://schemas.microsoft.com/office/drawing/2014/main" id="{299DF5EC-9DF4-5255-06AC-0A7CE4FF58C3}"/>
               </a:ext>
             </a:extLst>
           </p:cNvPr>
@@ -8052,7 +7958,7 @@
           <p:cNvPr id="13" name="TextBox 12">
             <a:extLst>
               <a:ext uri="{FF2B5EF4-FFF2-40B4-BE49-F238E27FC236}">
-                <a16:creationId xmlns:a16="http://schemas.microsoft.com/office/drawing/2014/main" xmlns="" id="{C6D113C6-EA5C-788F-0C77-E7CE6EBB865F}"/>
+                <a16:creationId xmlns:a16="http://schemas.microsoft.com/office/drawing/2014/main" id="{C6D113C6-EA5C-788F-0C77-E7CE6EBB865F}"/>
               </a:ext>
             </a:extLst>
           </p:cNvPr>
@@ -8076,7 +7982,7 @@
           <a:lstStyle/>
           <a:p>
             <a:r>
-              <a:rPr lang="ko-KR" altLang="en-US" sz="3600" smtClean="0">
+              <a:rPr lang="ko-KR" altLang="en-US" sz="3600">
                 <a:solidFill>
                   <a:srgbClr val="4C50BC"/>
                 </a:solidFill>
@@ -8086,7 +7992,7 @@
               <a:t>엔트리포인트</a:t>
             </a:r>
             <a:r>
-              <a:rPr lang="en-US" altLang="ko-KR" sz="3600" smtClean="0">
+              <a:rPr lang="en-US" altLang="ko-KR" sz="3600">
                 <a:solidFill>
                   <a:srgbClr val="4C50BC"/>
                 </a:solidFill>
@@ -8096,7 +8002,7 @@
               <a:t>: </a:t>
             </a:r>
             <a:r>
-              <a:rPr lang="ko-KR" altLang="en-US" sz="3600" smtClean="0">
+              <a:rPr lang="ko-KR" altLang="en-US" sz="3600">
                 <a:solidFill>
                   <a:srgbClr val="4C50BC"/>
                 </a:solidFill>
@@ -8120,7 +8026,7 @@
           <p:cNvPr id="16" name="직사각형 15">
             <a:extLst>
               <a:ext uri="{FF2B5EF4-FFF2-40B4-BE49-F238E27FC236}">
-                <a16:creationId xmlns:a16="http://schemas.microsoft.com/office/drawing/2014/main" xmlns="" id="{FFF506F9-840A-0508-4CAF-3AC711D8D5CE}"/>
+                <a16:creationId xmlns:a16="http://schemas.microsoft.com/office/drawing/2014/main" id="{FFF506F9-840A-0508-4CAF-3AC711D8D5CE}"/>
               </a:ext>
             </a:extLst>
           </p:cNvPr>
@@ -8172,7 +8078,7 @@
           <p:cNvPr id="17" name="직선 화살표 연결선 16">
             <a:extLst>
               <a:ext uri="{FF2B5EF4-FFF2-40B4-BE49-F238E27FC236}">
-                <a16:creationId xmlns:a16="http://schemas.microsoft.com/office/drawing/2014/main" xmlns="" id="{299DF5EC-9DF4-5255-06AC-0A7CE4FF58C3}"/>
+                <a16:creationId xmlns:a16="http://schemas.microsoft.com/office/drawing/2014/main" id="{299DF5EC-9DF4-5255-06AC-0A7CE4FF58C3}"/>
               </a:ext>
             </a:extLst>
           </p:cNvPr>
@@ -8213,7 +8119,7 @@
           <p:cNvPr id="19" name="TextBox 18">
             <a:extLst>
               <a:ext uri="{FF2B5EF4-FFF2-40B4-BE49-F238E27FC236}">
-                <a16:creationId xmlns:a16="http://schemas.microsoft.com/office/drawing/2014/main" xmlns="" id="{C6D113C6-EA5C-788F-0C77-E7CE6EBB865F}"/>
+                <a16:creationId xmlns:a16="http://schemas.microsoft.com/office/drawing/2014/main" id="{C6D113C6-EA5C-788F-0C77-E7CE6EBB865F}"/>
               </a:ext>
             </a:extLst>
           </p:cNvPr>
@@ -8237,7 +8143,7 @@
           <a:lstStyle/>
           <a:p>
             <a:r>
-              <a:rPr lang="ko-KR" altLang="en-US" sz="3600" smtClean="0">
+              <a:rPr lang="ko-KR" altLang="en-US" sz="3600">
                 <a:solidFill>
                   <a:srgbClr val="4C50BC"/>
                 </a:solidFill>
@@ -8266,13 +8172,6 @@
   <p:clrMapOvr>
     <a:masterClrMapping/>
   </p:clrMapOvr>
-  <p:timing>
-    <p:tnLst>
-      <p:par>
-        <p:cTn id="1" dur="indefinite" restart="never" nodeType="tmRoot"/>
-      </p:par>
-    </p:tnLst>
-  </p:timing>
 </p:sld>
 </file>
 
@@ -8306,7 +8205,7 @@
           <p:cNvPr id="4" name="Object 1">
             <a:extLst>
               <a:ext uri="{FF2B5EF4-FFF2-40B4-BE49-F238E27FC236}">
-                <a16:creationId xmlns:a16="http://schemas.microsoft.com/office/drawing/2014/main" xmlns="" id="{B0329035-BE76-33A8-0F2E-44624FCC1DED}"/>
+                <a16:creationId xmlns:a16="http://schemas.microsoft.com/office/drawing/2014/main" id="{B0329035-BE76-33A8-0F2E-44624FCC1DED}"/>
               </a:ext>
             </a:extLst>
           </p:cNvPr>
@@ -8336,7 +8235,7 @@
           <p:cNvPr id="7" name="그룹 1001">
             <a:extLst>
               <a:ext uri="{FF2B5EF4-FFF2-40B4-BE49-F238E27FC236}">
-                <a16:creationId xmlns:a16="http://schemas.microsoft.com/office/drawing/2014/main" xmlns="" id="{CD24CE9D-AC18-B6CD-F397-7E8E03D6FE26}"/>
+                <a16:creationId xmlns:a16="http://schemas.microsoft.com/office/drawing/2014/main" id="{CD24CE9D-AC18-B6CD-F397-7E8E03D6FE26}"/>
               </a:ext>
             </a:extLst>
           </p:cNvPr>
@@ -8356,7 +8255,7 @@
             <p:cNvPr id="8" name="Object 5">
               <a:extLst>
                 <a:ext uri="{FF2B5EF4-FFF2-40B4-BE49-F238E27FC236}">
-                  <a16:creationId xmlns:a16="http://schemas.microsoft.com/office/drawing/2014/main" xmlns="" id="{0EEF25E8-3BA8-EBAA-6DC2-66D70C3F9F4D}"/>
+                  <a16:creationId xmlns:a16="http://schemas.microsoft.com/office/drawing/2014/main" id="{0EEF25E8-3BA8-EBAA-6DC2-66D70C3F9F4D}"/>
                 </a:ext>
               </a:extLst>
             </p:cNvPr>
@@ -8387,7 +8286,7 @@
           <p:cNvPr id="9" name="그룹 1002">
             <a:extLst>
               <a:ext uri="{FF2B5EF4-FFF2-40B4-BE49-F238E27FC236}">
-                <a16:creationId xmlns:a16="http://schemas.microsoft.com/office/drawing/2014/main" xmlns="" id="{0F281BC9-DE1F-D1FE-E64C-C4640398F00C}"/>
+                <a16:creationId xmlns:a16="http://schemas.microsoft.com/office/drawing/2014/main" id="{0F281BC9-DE1F-D1FE-E64C-C4640398F00C}"/>
               </a:ext>
             </a:extLst>
           </p:cNvPr>
@@ -8407,7 +8306,7 @@
             <p:cNvPr id="10" name="Object 8">
               <a:extLst>
                 <a:ext uri="{FF2B5EF4-FFF2-40B4-BE49-F238E27FC236}">
-                  <a16:creationId xmlns:a16="http://schemas.microsoft.com/office/drawing/2014/main" xmlns="" id="{F669DCEF-04BB-7046-3F7F-5B513213556E}"/>
+                  <a16:creationId xmlns:a16="http://schemas.microsoft.com/office/drawing/2014/main" id="{F669DCEF-04BB-7046-3F7F-5B513213556E}"/>
                 </a:ext>
               </a:extLst>
             </p:cNvPr>
@@ -8438,7 +8337,7 @@
           <p:cNvPr id="11" name="그룹 1003">
             <a:extLst>
               <a:ext uri="{FF2B5EF4-FFF2-40B4-BE49-F238E27FC236}">
-                <a16:creationId xmlns:a16="http://schemas.microsoft.com/office/drawing/2014/main" xmlns="" id="{1F91EEF9-13EA-BB7F-B056-D35E7DB989AC}"/>
+                <a16:creationId xmlns:a16="http://schemas.microsoft.com/office/drawing/2014/main" id="{1F91EEF9-13EA-BB7F-B056-D35E7DB989AC}"/>
               </a:ext>
             </a:extLst>
           </p:cNvPr>
@@ -8458,7 +8357,7 @@
             <p:cNvPr id="12" name="Object 11">
               <a:extLst>
                 <a:ext uri="{FF2B5EF4-FFF2-40B4-BE49-F238E27FC236}">
-                  <a16:creationId xmlns:a16="http://schemas.microsoft.com/office/drawing/2014/main" xmlns="" id="{2CFFB217-AEFB-2C9E-5F86-6EE19510FFC6}"/>
+                  <a16:creationId xmlns:a16="http://schemas.microsoft.com/office/drawing/2014/main" id="{2CFFB217-AEFB-2C9E-5F86-6EE19510FFC6}"/>
                 </a:ext>
               </a:extLst>
             </p:cNvPr>
@@ -8489,7 +8388,7 @@
           <p:cNvPr id="13" name="그룹 1004">
             <a:extLst>
               <a:ext uri="{FF2B5EF4-FFF2-40B4-BE49-F238E27FC236}">
-                <a16:creationId xmlns:a16="http://schemas.microsoft.com/office/drawing/2014/main" xmlns="" id="{123B9C7E-94E8-E7E1-81BE-D59EA0299187}"/>
+                <a16:creationId xmlns:a16="http://schemas.microsoft.com/office/drawing/2014/main" id="{123B9C7E-94E8-E7E1-81BE-D59EA0299187}"/>
               </a:ext>
             </a:extLst>
           </p:cNvPr>
@@ -8509,7 +8408,7 @@
             <p:cNvPr id="14" name="Object 14">
               <a:extLst>
                 <a:ext uri="{FF2B5EF4-FFF2-40B4-BE49-F238E27FC236}">
-                  <a16:creationId xmlns:a16="http://schemas.microsoft.com/office/drawing/2014/main" xmlns="" id="{B6291552-2D89-A79F-7ACD-EA0EF9A4C389}"/>
+                  <a16:creationId xmlns:a16="http://schemas.microsoft.com/office/drawing/2014/main" id="{B6291552-2D89-A79F-7ACD-EA0EF9A4C389}"/>
                 </a:ext>
               </a:extLst>
             </p:cNvPr>
@@ -8540,7 +8439,7 @@
           <p:cNvPr id="15" name="TextBox 14">
             <a:extLst>
               <a:ext uri="{FF2B5EF4-FFF2-40B4-BE49-F238E27FC236}">
-                <a16:creationId xmlns:a16="http://schemas.microsoft.com/office/drawing/2014/main" xmlns="" id="{7D99763A-FC24-23F5-5BA9-D7B042E0F323}"/>
+                <a16:creationId xmlns:a16="http://schemas.microsoft.com/office/drawing/2014/main" id="{7D99763A-FC24-23F5-5BA9-D7B042E0F323}"/>
               </a:ext>
             </a:extLst>
           </p:cNvPr>
@@ -8564,7 +8463,7 @@
           <a:lstStyle/>
           <a:p>
             <a:r>
-              <a:rPr lang="ko-KR" altLang="en-US" sz="6600" smtClean="0">
+              <a:rPr lang="ko-KR" altLang="en-US" sz="6600">
                 <a:solidFill>
                   <a:schemeClr val="bg1"/>
                 </a:solidFill>
@@ -8593,13 +8492,6 @@
   <p:clrMapOvr>
     <a:masterClrMapping/>
   </p:clrMapOvr>
-  <p:timing>
-    <p:tnLst>
-      <p:par>
-        <p:cTn id="1" dur="indefinite" restart="never" nodeType="tmRoot"/>
-      </p:par>
-    </p:tnLst>
-  </p:timing>
 </p:sld>
 </file>
 
@@ -8625,7 +8517,7 @@
           <p:cNvPr id="4" name="TextBox 3">
             <a:extLst>
               <a:ext uri="{FF2B5EF4-FFF2-40B4-BE49-F238E27FC236}">
-                <a16:creationId xmlns:a16="http://schemas.microsoft.com/office/drawing/2014/main" xmlns="" id="{C6D113C6-EA5C-788F-0C77-E7CE6EBB865F}"/>
+                <a16:creationId xmlns:a16="http://schemas.microsoft.com/office/drawing/2014/main" id="{C6D113C6-EA5C-788F-0C77-E7CE6EBB865F}"/>
               </a:ext>
             </a:extLst>
           </p:cNvPr>
@@ -8649,7 +8541,7 @@
           <a:lstStyle/>
           <a:p>
             <a:r>
-              <a:rPr lang="en-US" altLang="ko-KR" sz="7200" smtClean="0">
+              <a:rPr lang="en-US" altLang="ko-KR" sz="7200">
                 <a:solidFill>
                   <a:srgbClr val="4C50BC"/>
                 </a:solidFill>
@@ -8673,7 +8565,7 @@
           <p:cNvPr id="5" name="TextBox 4">
             <a:extLst>
               <a:ext uri="{FF2B5EF4-FFF2-40B4-BE49-F238E27FC236}">
-                <a16:creationId xmlns:a16="http://schemas.microsoft.com/office/drawing/2014/main" xmlns="" id="{C6D113C6-EA5C-788F-0C77-E7CE6EBB865F}"/>
+                <a16:creationId xmlns:a16="http://schemas.microsoft.com/office/drawing/2014/main" id="{C6D113C6-EA5C-788F-0C77-E7CE6EBB865F}"/>
               </a:ext>
             </a:extLst>
           </p:cNvPr>
@@ -8697,7 +8589,7 @@
           <a:lstStyle/>
           <a:p>
             <a:r>
-              <a:rPr lang="ko-KR" altLang="en-US" sz="7200" smtClean="0">
+              <a:rPr lang="ko-KR" altLang="en-US" sz="7200">
                 <a:solidFill>
                   <a:srgbClr val="FF0000"/>
                 </a:solidFill>
@@ -8707,7 +8599,7 @@
               <a:t>변수 </a:t>
             </a:r>
             <a:r>
-              <a:rPr lang="en-US" altLang="ko-KR" sz="7200" smtClean="0">
+              <a:rPr lang="en-US" altLang="ko-KR" sz="7200">
                 <a:solidFill>
                   <a:srgbClr val="FF0000"/>
                 </a:solidFill>
@@ -8717,7 +8609,7 @@
               <a:t>: </a:t>
             </a:r>
             <a:r>
-              <a:rPr lang="ko-KR" altLang="en-US" sz="7200" smtClean="0">
+              <a:rPr lang="ko-KR" altLang="en-US" sz="7200">
                 <a:solidFill>
                   <a:srgbClr val="FF0000"/>
                 </a:solidFill>
@@ -8897,7 +8789,7 @@
           <p:cNvPr id="6" name="직사각형 5">
             <a:extLst>
               <a:ext uri="{FF2B5EF4-FFF2-40B4-BE49-F238E27FC236}">
-                <a16:creationId xmlns:a16="http://schemas.microsoft.com/office/drawing/2014/main" xmlns="" id="{FFF506F9-840A-0508-4CAF-3AC711D8D5CE}"/>
+                <a16:creationId xmlns:a16="http://schemas.microsoft.com/office/drawing/2014/main" id="{FFF506F9-840A-0508-4CAF-3AC711D8D5CE}"/>
               </a:ext>
             </a:extLst>
           </p:cNvPr>
@@ -8949,7 +8841,7 @@
           <p:cNvPr id="7" name="직선 화살표 연결선 6">
             <a:extLst>
               <a:ext uri="{FF2B5EF4-FFF2-40B4-BE49-F238E27FC236}">
-                <a16:creationId xmlns:a16="http://schemas.microsoft.com/office/drawing/2014/main" xmlns="" id="{299DF5EC-9DF4-5255-06AC-0A7CE4FF58C3}"/>
+                <a16:creationId xmlns:a16="http://schemas.microsoft.com/office/drawing/2014/main" id="{299DF5EC-9DF4-5255-06AC-0A7CE4FF58C3}"/>
               </a:ext>
             </a:extLst>
           </p:cNvPr>
@@ -8990,7 +8882,7 @@
           <p:cNvPr id="8" name="TextBox 7">
             <a:extLst>
               <a:ext uri="{FF2B5EF4-FFF2-40B4-BE49-F238E27FC236}">
-                <a16:creationId xmlns:a16="http://schemas.microsoft.com/office/drawing/2014/main" xmlns="" id="{C6D113C6-EA5C-788F-0C77-E7CE6EBB865F}"/>
+                <a16:creationId xmlns:a16="http://schemas.microsoft.com/office/drawing/2014/main" id="{C6D113C6-EA5C-788F-0C77-E7CE6EBB865F}"/>
               </a:ext>
             </a:extLst>
           </p:cNvPr>
@@ -9014,7 +8906,7 @@
           <a:lstStyle/>
           <a:p>
             <a:r>
-              <a:rPr lang="ko-KR" altLang="en-US" sz="3200" smtClean="0">
+              <a:rPr lang="ko-KR" altLang="en-US" sz="3200">
                 <a:solidFill>
                   <a:srgbClr val="4C50BC"/>
                 </a:solidFill>
@@ -9038,7 +8930,7 @@
           <p:cNvPr id="11" name="직사각형 10">
             <a:extLst>
               <a:ext uri="{FF2B5EF4-FFF2-40B4-BE49-F238E27FC236}">
-                <a16:creationId xmlns:a16="http://schemas.microsoft.com/office/drawing/2014/main" xmlns="" id="{FFF506F9-840A-0508-4CAF-3AC711D8D5CE}"/>
+                <a16:creationId xmlns:a16="http://schemas.microsoft.com/office/drawing/2014/main" id="{FFF506F9-840A-0508-4CAF-3AC711D8D5CE}"/>
               </a:ext>
             </a:extLst>
           </p:cNvPr>
@@ -9090,7 +8982,7 @@
           <p:cNvPr id="13" name="직사각형 12">
             <a:extLst>
               <a:ext uri="{FF2B5EF4-FFF2-40B4-BE49-F238E27FC236}">
-                <a16:creationId xmlns:a16="http://schemas.microsoft.com/office/drawing/2014/main" xmlns="" id="{FFF506F9-840A-0508-4CAF-3AC711D8D5CE}"/>
+                <a16:creationId xmlns:a16="http://schemas.microsoft.com/office/drawing/2014/main" id="{FFF506F9-840A-0508-4CAF-3AC711D8D5CE}"/>
               </a:ext>
             </a:extLst>
           </p:cNvPr>
@@ -9142,7 +9034,7 @@
           <p:cNvPr id="14" name="직사각형 13">
             <a:extLst>
               <a:ext uri="{FF2B5EF4-FFF2-40B4-BE49-F238E27FC236}">
-                <a16:creationId xmlns:a16="http://schemas.microsoft.com/office/drawing/2014/main" xmlns="" id="{FFF506F9-840A-0508-4CAF-3AC711D8D5CE}"/>
+                <a16:creationId xmlns:a16="http://schemas.microsoft.com/office/drawing/2014/main" id="{FFF506F9-840A-0508-4CAF-3AC711D8D5CE}"/>
               </a:ext>
             </a:extLst>
           </p:cNvPr>
@@ -9194,7 +9086,7 @@
           <p:cNvPr id="15" name="TextBox 14">
             <a:extLst>
               <a:ext uri="{FF2B5EF4-FFF2-40B4-BE49-F238E27FC236}">
-                <a16:creationId xmlns:a16="http://schemas.microsoft.com/office/drawing/2014/main" xmlns="" id="{C6D113C6-EA5C-788F-0C77-E7CE6EBB865F}"/>
+                <a16:creationId xmlns:a16="http://schemas.microsoft.com/office/drawing/2014/main" id="{C6D113C6-EA5C-788F-0C77-E7CE6EBB865F}"/>
               </a:ext>
             </a:extLst>
           </p:cNvPr>
@@ -9218,7 +9110,7 @@
           <a:lstStyle/>
           <a:p>
             <a:r>
-              <a:rPr lang="ko-KR" altLang="en-US" sz="3200" smtClean="0">
+              <a:rPr lang="ko-KR" altLang="en-US" sz="3200">
                 <a:solidFill>
                   <a:srgbClr val="4C50BC"/>
                 </a:solidFill>
@@ -9242,7 +9134,7 @@
           <p:cNvPr id="16" name="직선 화살표 연결선 15">
             <a:extLst>
               <a:ext uri="{FF2B5EF4-FFF2-40B4-BE49-F238E27FC236}">
-                <a16:creationId xmlns:a16="http://schemas.microsoft.com/office/drawing/2014/main" xmlns="" id="{299DF5EC-9DF4-5255-06AC-0A7CE4FF58C3}"/>
+                <a16:creationId xmlns:a16="http://schemas.microsoft.com/office/drawing/2014/main" id="{299DF5EC-9DF4-5255-06AC-0A7CE4FF58C3}"/>
               </a:ext>
             </a:extLst>
           </p:cNvPr>
@@ -9283,7 +9175,7 @@
           <p:cNvPr id="18" name="직선 화살표 연결선 17">
             <a:extLst>
               <a:ext uri="{FF2B5EF4-FFF2-40B4-BE49-F238E27FC236}">
-                <a16:creationId xmlns:a16="http://schemas.microsoft.com/office/drawing/2014/main" xmlns="" id="{299DF5EC-9DF4-5255-06AC-0A7CE4FF58C3}"/>
+                <a16:creationId xmlns:a16="http://schemas.microsoft.com/office/drawing/2014/main" id="{299DF5EC-9DF4-5255-06AC-0A7CE4FF58C3}"/>
               </a:ext>
             </a:extLst>
           </p:cNvPr>
@@ -9324,7 +9216,7 @@
           <p:cNvPr id="20" name="TextBox 19">
             <a:extLst>
               <a:ext uri="{FF2B5EF4-FFF2-40B4-BE49-F238E27FC236}">
-                <a16:creationId xmlns:a16="http://schemas.microsoft.com/office/drawing/2014/main" xmlns="" id="{C6D113C6-EA5C-788F-0C77-E7CE6EBB865F}"/>
+                <a16:creationId xmlns:a16="http://schemas.microsoft.com/office/drawing/2014/main" id="{C6D113C6-EA5C-788F-0C77-E7CE6EBB865F}"/>
               </a:ext>
             </a:extLst>
           </p:cNvPr>
@@ -9348,7 +9240,7 @@
           <a:lstStyle/>
           <a:p>
             <a:r>
-              <a:rPr lang="ko-KR" altLang="en-US" sz="3200" smtClean="0">
+              <a:rPr lang="ko-KR" altLang="en-US" sz="3200">
                 <a:solidFill>
                   <a:srgbClr val="4C50BC"/>
                 </a:solidFill>
@@ -9372,7 +9264,7 @@
           <p:cNvPr id="21" name="TextBox 20">
             <a:extLst>
               <a:ext uri="{FF2B5EF4-FFF2-40B4-BE49-F238E27FC236}">
-                <a16:creationId xmlns:a16="http://schemas.microsoft.com/office/drawing/2014/main" xmlns="" id="{C6D113C6-EA5C-788F-0C77-E7CE6EBB865F}"/>
+                <a16:creationId xmlns:a16="http://schemas.microsoft.com/office/drawing/2014/main" id="{C6D113C6-EA5C-788F-0C77-E7CE6EBB865F}"/>
               </a:ext>
             </a:extLst>
           </p:cNvPr>
@@ -9396,7 +9288,7 @@
           <a:lstStyle/>
           <a:p>
             <a:r>
-              <a:rPr lang="ko-KR" altLang="en-US" sz="3200" smtClean="0">
+              <a:rPr lang="ko-KR" altLang="en-US" sz="3200">
                 <a:solidFill>
                   <a:srgbClr val="4C50BC"/>
                 </a:solidFill>
@@ -9420,7 +9312,7 @@
           <p:cNvPr id="22" name="직선 화살표 연결선 21">
             <a:extLst>
               <a:ext uri="{FF2B5EF4-FFF2-40B4-BE49-F238E27FC236}">
-                <a16:creationId xmlns:a16="http://schemas.microsoft.com/office/drawing/2014/main" xmlns="" id="{299DF5EC-9DF4-5255-06AC-0A7CE4FF58C3}"/>
+                <a16:creationId xmlns:a16="http://schemas.microsoft.com/office/drawing/2014/main" id="{299DF5EC-9DF4-5255-06AC-0A7CE4FF58C3}"/>
               </a:ext>
             </a:extLst>
           </p:cNvPr>
@@ -9461,7 +9353,7 @@
           <p:cNvPr id="25" name="직사각형 24">
             <a:extLst>
               <a:ext uri="{FF2B5EF4-FFF2-40B4-BE49-F238E27FC236}">
-                <a16:creationId xmlns:a16="http://schemas.microsoft.com/office/drawing/2014/main" xmlns="" id="{FFF506F9-840A-0508-4CAF-3AC711D8D5CE}"/>
+                <a16:creationId xmlns:a16="http://schemas.microsoft.com/office/drawing/2014/main" id="{FFF506F9-840A-0508-4CAF-3AC711D8D5CE}"/>
               </a:ext>
             </a:extLst>
           </p:cNvPr>
@@ -9513,7 +9405,7 @@
           <p:cNvPr id="26" name="TextBox 25">
             <a:extLst>
               <a:ext uri="{FF2B5EF4-FFF2-40B4-BE49-F238E27FC236}">
-                <a16:creationId xmlns:a16="http://schemas.microsoft.com/office/drawing/2014/main" xmlns="" id="{C6D113C6-EA5C-788F-0C77-E7CE6EBB865F}"/>
+                <a16:creationId xmlns:a16="http://schemas.microsoft.com/office/drawing/2014/main" id="{C6D113C6-EA5C-788F-0C77-E7CE6EBB865F}"/>
               </a:ext>
             </a:extLst>
           </p:cNvPr>
@@ -9537,7 +9429,7 @@
           <a:lstStyle/>
           <a:p>
             <a:r>
-              <a:rPr lang="ko-KR" altLang="en-US" sz="3200" smtClean="0">
+              <a:rPr lang="ko-KR" altLang="en-US" sz="3200">
                 <a:solidFill>
                   <a:srgbClr val="4C50BC"/>
                 </a:solidFill>
@@ -9547,7 +9439,7 @@
               <a:t>세미콜론</a:t>
             </a:r>
             <a:r>
-              <a:rPr lang="en-US" altLang="ko-KR" sz="3200" smtClean="0">
+              <a:rPr lang="en-US" altLang="ko-KR" sz="3200">
                 <a:solidFill>
                   <a:srgbClr val="4C50BC"/>
                 </a:solidFill>
@@ -9557,7 +9449,7 @@
               <a:t>: </a:t>
             </a:r>
             <a:r>
-              <a:rPr lang="ko-KR" altLang="en-US" sz="3200" smtClean="0">
+              <a:rPr lang="ko-KR" altLang="en-US" sz="3200">
                 <a:solidFill>
                   <a:srgbClr val="4C50BC"/>
                 </a:solidFill>
@@ -9581,7 +9473,7 @@
           <p:cNvPr id="27" name="직선 화살표 연결선 26">
             <a:extLst>
               <a:ext uri="{FF2B5EF4-FFF2-40B4-BE49-F238E27FC236}">
-                <a16:creationId xmlns:a16="http://schemas.microsoft.com/office/drawing/2014/main" xmlns="" id="{299DF5EC-9DF4-5255-06AC-0A7CE4FF58C3}"/>
+                <a16:creationId xmlns:a16="http://schemas.microsoft.com/office/drawing/2014/main" id="{299DF5EC-9DF4-5255-06AC-0A7CE4FF58C3}"/>
               </a:ext>
             </a:extLst>
           </p:cNvPr>
@@ -9622,7 +9514,7 @@
           <p:cNvPr id="29" name="TextBox 28">
             <a:extLst>
               <a:ext uri="{FF2B5EF4-FFF2-40B4-BE49-F238E27FC236}">
-                <a16:creationId xmlns:a16="http://schemas.microsoft.com/office/drawing/2014/main" xmlns="" id="{C6D113C6-EA5C-788F-0C77-E7CE6EBB865F}"/>
+                <a16:creationId xmlns:a16="http://schemas.microsoft.com/office/drawing/2014/main" id="{C6D113C6-EA5C-788F-0C77-E7CE6EBB865F}"/>
               </a:ext>
             </a:extLst>
           </p:cNvPr>
@@ -9646,7 +9538,7 @@
           <a:lstStyle/>
           <a:p>
             <a:r>
-              <a:rPr lang="en-US" altLang="ko-KR" sz="3200" smtClean="0">
+              <a:rPr lang="en-US" altLang="ko-KR" sz="3200">
                 <a:solidFill>
                   <a:srgbClr val="4C50BC"/>
                 </a:solidFill>
@@ -9670,7 +9562,7 @@
           <p:cNvPr id="30" name="직사각형 29">
             <a:extLst>
               <a:ext uri="{FF2B5EF4-FFF2-40B4-BE49-F238E27FC236}">
-                <a16:creationId xmlns:a16="http://schemas.microsoft.com/office/drawing/2014/main" xmlns="" id="{FFF506F9-840A-0508-4CAF-3AC711D8D5CE}"/>
+                <a16:creationId xmlns:a16="http://schemas.microsoft.com/office/drawing/2014/main" id="{FFF506F9-840A-0508-4CAF-3AC711D8D5CE}"/>
               </a:ext>
             </a:extLst>
           </p:cNvPr>
@@ -9722,7 +9614,7 @@
           <p:cNvPr id="31" name="TextBox 30">
             <a:extLst>
               <a:ext uri="{FF2B5EF4-FFF2-40B4-BE49-F238E27FC236}">
-                <a16:creationId xmlns:a16="http://schemas.microsoft.com/office/drawing/2014/main" xmlns="" id="{C6D113C6-EA5C-788F-0C77-E7CE6EBB865F}"/>
+                <a16:creationId xmlns:a16="http://schemas.microsoft.com/office/drawing/2014/main" id="{C6D113C6-EA5C-788F-0C77-E7CE6EBB865F}"/>
               </a:ext>
             </a:extLst>
           </p:cNvPr>
@@ -9746,7 +9638,7 @@
           <a:lstStyle/>
           <a:p>
             <a:r>
-              <a:rPr lang="en-US" altLang="ko-KR" sz="3200" smtClean="0">
+              <a:rPr lang="en-US" altLang="ko-KR" sz="3200">
                 <a:solidFill>
                   <a:srgbClr val="4C50BC"/>
                 </a:solidFill>
@@ -10151,7 +10043,7 @@
           <p:cNvPr id="5" name="TextBox 4">
             <a:extLst>
               <a:ext uri="{FF2B5EF4-FFF2-40B4-BE49-F238E27FC236}">
-                <a16:creationId xmlns:a16="http://schemas.microsoft.com/office/drawing/2014/main" xmlns="" id="{C6D113C6-EA5C-788F-0C77-E7CE6EBB865F}"/>
+                <a16:creationId xmlns:a16="http://schemas.microsoft.com/office/drawing/2014/main" id="{C6D113C6-EA5C-788F-0C77-E7CE6EBB865F}"/>
               </a:ext>
             </a:extLst>
           </p:cNvPr>
@@ -10161,7 +10053,7 @@
         <p:spPr>
           <a:xfrm>
             <a:off x="3048000" y="4076700"/>
-            <a:ext cx="13106400" cy="830997"/>
+            <a:ext cx="14249400" cy="830997"/>
           </a:xfrm>
           <a:prstGeom prst="rect">
             <a:avLst/>
@@ -10175,7 +10067,7 @@
           <a:lstStyle/>
           <a:p>
             <a:r>
-              <a:rPr lang="ko-KR" altLang="en-US" sz="4800" smtClean="0">
+              <a:rPr lang="ko-KR" altLang="en-US" sz="4800" dirty="0">
                 <a:solidFill>
                   <a:srgbClr val="4C50BC"/>
                 </a:solidFill>
@@ -10185,7 +10077,7 @@
               <a:t>한번에 여러 개의 변수 선언 및 초기화도 가능하다</a:t>
             </a:r>
             <a:r>
-              <a:rPr lang="en-US" altLang="ko-KR" sz="4800" smtClean="0">
+              <a:rPr lang="en-US" altLang="ko-KR" sz="4800" dirty="0">
                 <a:solidFill>
                   <a:srgbClr val="4C50BC"/>
                 </a:solidFill>
@@ -10194,13 +10086,6 @@
               </a:rPr>
               <a:t>.</a:t>
             </a:r>
-            <a:endParaRPr lang="en-US" altLang="ko-KR" sz="4800" dirty="0">
-              <a:solidFill>
-                <a:srgbClr val="4C50BC"/>
-              </a:solidFill>
-              <a:latin typeface="G마켓 산스 Medium" panose="02000000000000000000" pitchFamily="50" charset="-127"/>
-              <a:ea typeface="G마켓 산스 Medium" panose="02000000000000000000" pitchFamily="50" charset="-127"/>
-            </a:endParaRPr>
           </a:p>
         </p:txBody>
       </p:sp>
@@ -10233,7 +10118,7 @@
           <p:cNvPr id="7" name="TextBox 6">
             <a:extLst>
               <a:ext uri="{FF2B5EF4-FFF2-40B4-BE49-F238E27FC236}">
-                <a16:creationId xmlns:a16="http://schemas.microsoft.com/office/drawing/2014/main" xmlns="" id="{C6D113C6-EA5C-788F-0C77-E7CE6EBB865F}"/>
+                <a16:creationId xmlns:a16="http://schemas.microsoft.com/office/drawing/2014/main" id="{C6D113C6-EA5C-788F-0C77-E7CE6EBB865F}"/>
               </a:ext>
             </a:extLst>
           </p:cNvPr>
@@ -10257,7 +10142,7 @@
           <a:lstStyle/>
           <a:p>
             <a:r>
-              <a:rPr lang="ko-KR" altLang="en-US" sz="4800" smtClean="0">
+              <a:rPr lang="ko-KR" altLang="en-US" sz="4800">
                 <a:solidFill>
                   <a:srgbClr val="4C50BC"/>
                 </a:solidFill>
@@ -10267,7 +10152,7 @@
               <a:t>선언과 초기화를 따로 해줘도 된다</a:t>
             </a:r>
             <a:r>
-              <a:rPr lang="en-US" altLang="ko-KR" sz="4800" smtClean="0">
+              <a:rPr lang="en-US" altLang="ko-KR" sz="4800">
                 <a:solidFill>
                   <a:srgbClr val="4C50BC"/>
                 </a:solidFill>
@@ -10296,13 +10181,6 @@
   <p:clrMapOvr>
     <a:masterClrMapping/>
   </p:clrMapOvr>
-  <p:timing>
-    <p:tnLst>
-      <p:par>
-        <p:cTn id="1" dur="indefinite" restart="never" nodeType="tmRoot"/>
-      </p:par>
-    </p:tnLst>
-  </p:timing>
 </p:sld>
 </file>
 
@@ -10352,7 +10230,7 @@
           <p:cNvPr id="5" name="TextBox 4">
             <a:extLst>
               <a:ext uri="{FF2B5EF4-FFF2-40B4-BE49-F238E27FC236}">
-                <a16:creationId xmlns:a16="http://schemas.microsoft.com/office/drawing/2014/main" xmlns="" id="{C6D113C6-EA5C-788F-0C77-E7CE6EBB865F}"/>
+                <a16:creationId xmlns:a16="http://schemas.microsoft.com/office/drawing/2014/main" id="{C6D113C6-EA5C-788F-0C77-E7CE6EBB865F}"/>
               </a:ext>
             </a:extLst>
           </p:cNvPr>
@@ -10376,7 +10254,7 @@
           <a:lstStyle/>
           <a:p>
             <a:r>
-              <a:rPr lang="ko-KR" altLang="en-US" sz="4800" smtClean="0">
+              <a:rPr lang="ko-KR" altLang="en-US" sz="4800">
                 <a:solidFill>
                   <a:srgbClr val="4C50BC"/>
                 </a:solidFill>
@@ -10386,7 +10264,7 @@
               <a:t>변수에 담긴 값을 화면에 출력할수 있다</a:t>
             </a:r>
             <a:r>
-              <a:rPr lang="en-US" altLang="ko-KR" sz="4800" smtClean="0">
+              <a:rPr lang="en-US" altLang="ko-KR" sz="4800">
                 <a:solidFill>
                   <a:srgbClr val="4C50BC"/>
                 </a:solidFill>
@@ -10415,13 +10293,6 @@
   <p:clrMapOvr>
     <a:masterClrMapping/>
   </p:clrMapOvr>
-  <p:timing>
-    <p:tnLst>
-      <p:par>
-        <p:cTn id="1" dur="indefinite" restart="never" nodeType="tmRoot"/>
-      </p:par>
-    </p:tnLst>
-  </p:timing>
 </p:sld>
 </file>
 
@@ -10447,7 +10318,7 @@
           <p:cNvPr id="4" name="TextBox 3">
             <a:extLst>
               <a:ext uri="{FF2B5EF4-FFF2-40B4-BE49-F238E27FC236}">
-                <a16:creationId xmlns:a16="http://schemas.microsoft.com/office/drawing/2014/main" xmlns="" id="{C6D113C6-EA5C-788F-0C77-E7CE6EBB865F}"/>
+                <a16:creationId xmlns:a16="http://schemas.microsoft.com/office/drawing/2014/main" id="{C6D113C6-EA5C-788F-0C77-E7CE6EBB865F}"/>
               </a:ext>
             </a:extLst>
           </p:cNvPr>
@@ -10471,7 +10342,7 @@
           <a:lstStyle/>
           <a:p>
             <a:r>
-              <a:rPr lang="en-US" altLang="ko-KR" sz="4800" smtClean="0">
+              <a:rPr lang="en-US" altLang="ko-KR" sz="4800">
                 <a:solidFill>
                   <a:srgbClr val="4D4848"/>
                 </a:solidFill>
@@ -10481,7 +10352,7 @@
               <a:t>age </a:t>
             </a:r>
             <a:r>
-              <a:rPr lang="ko-KR" altLang="en-US" sz="4800" smtClean="0">
+              <a:rPr lang="ko-KR" altLang="en-US" sz="4800">
                 <a:solidFill>
                   <a:srgbClr val="4D4848"/>
                 </a:solidFill>
@@ -10490,15 +10361,6 @@
               </a:rPr>
               <a:t>변수를 선언하여 나이를 저장후</a:t>
             </a:r>
-            <a:endParaRPr lang="en-US" altLang="ko-KR" sz="4800" smtClean="0">
-              <a:solidFill>
-                <a:srgbClr val="4D4848"/>
-              </a:solidFill>
-              <a:latin typeface="G마켓 산스 Medium" panose="02000000000000000000" pitchFamily="50" charset="-127"/>
-              <a:ea typeface="G마켓 산스 Medium" panose="02000000000000000000" pitchFamily="50" charset="-127"/>
-            </a:endParaRPr>
-          </a:p>
-          <a:p>
             <a:endParaRPr lang="en-US" altLang="ko-KR" sz="4800">
               <a:solidFill>
                 <a:srgbClr val="4D4848"/>
@@ -10508,18 +10370,6 @@
             </a:endParaRPr>
           </a:p>
           <a:p>
-            <a:r>
-              <a:rPr lang="en-US" altLang="ko-KR" sz="4800" smtClean="0">
-                <a:solidFill>
-                  <a:srgbClr val="4D4848"/>
-                </a:solidFill>
-                <a:latin typeface="G마켓 산스 Medium" panose="02000000000000000000" pitchFamily="50" charset="-127"/>
-                <a:ea typeface="G마켓 산스 Medium" panose="02000000000000000000" pitchFamily="50" charset="-127"/>
-              </a:rPr>
-              <a:t>System.out.println();  </a:t>
-            </a:r>
-          </a:p>
-          <a:p>
             <a:endParaRPr lang="en-US" altLang="ko-KR" sz="4800">
               <a:solidFill>
                 <a:srgbClr val="4D4848"/>
@@ -10530,17 +10380,38 @@
           </a:p>
           <a:p>
             <a:r>
-              <a:rPr lang="ko-KR" altLang="en-US" sz="4800" smtClean="0">
+              <a:rPr lang="en-US" altLang="ko-KR" sz="4800">
                 <a:solidFill>
                   <a:srgbClr val="4D4848"/>
                 </a:solidFill>
                 <a:latin typeface="G마켓 산스 Medium" panose="02000000000000000000" pitchFamily="50" charset="-127"/>
                 <a:ea typeface="G마켓 산스 Medium" panose="02000000000000000000" pitchFamily="50" charset="-127"/>
               </a:rPr>
+              <a:t>System.out.println();  </a:t>
+            </a:r>
+          </a:p>
+          <a:p>
+            <a:endParaRPr lang="en-US" altLang="ko-KR" sz="4800">
+              <a:solidFill>
+                <a:srgbClr val="4D4848"/>
+              </a:solidFill>
+              <a:latin typeface="G마켓 산스 Medium" panose="02000000000000000000" pitchFamily="50" charset="-127"/>
+              <a:ea typeface="G마켓 산스 Medium" panose="02000000000000000000" pitchFamily="50" charset="-127"/>
+            </a:endParaRPr>
+          </a:p>
+          <a:p>
+            <a:r>
+              <a:rPr lang="ko-KR" altLang="en-US" sz="4800">
+                <a:solidFill>
+                  <a:srgbClr val="4D4848"/>
+                </a:solidFill>
+                <a:latin typeface="G마켓 산스 Medium" panose="02000000000000000000" pitchFamily="50" charset="-127"/>
+                <a:ea typeface="G마켓 산스 Medium" panose="02000000000000000000" pitchFamily="50" charset="-127"/>
+              </a:rPr>
               <a:t>을 활용하여 나이를 출력해보자</a:t>
             </a:r>
             <a:r>
-              <a:rPr lang="en-US" altLang="ko-KR" sz="4800" smtClean="0">
+              <a:rPr lang="en-US" altLang="ko-KR" sz="4800">
                 <a:solidFill>
                   <a:srgbClr val="4D4848"/>
                 </a:solidFill>
@@ -10564,7 +10435,7 @@
           <p:cNvPr id="6" name="TextBox 5">
             <a:extLst>
               <a:ext uri="{FF2B5EF4-FFF2-40B4-BE49-F238E27FC236}">
-                <a16:creationId xmlns:a16="http://schemas.microsoft.com/office/drawing/2014/main" xmlns="" id="{7229BEA6-121E-9056-D07F-2B3BB1795F76}"/>
+                <a16:creationId xmlns:a16="http://schemas.microsoft.com/office/drawing/2014/main" id="{7229BEA6-121E-9056-D07F-2B3BB1795F76}"/>
               </a:ext>
             </a:extLst>
           </p:cNvPr>
@@ -10588,7 +10459,7 @@
           <a:lstStyle/>
           <a:p>
             <a:r>
-              <a:rPr lang="ko-KR" altLang="en-US" sz="8800" smtClean="0">
+              <a:rPr lang="ko-KR" altLang="en-US" sz="8800">
                 <a:solidFill>
                   <a:srgbClr val="4C50BB"/>
                 </a:solidFill>
@@ -10617,13 +10488,6 @@
   <p:clrMapOvr>
     <a:masterClrMapping/>
   </p:clrMapOvr>
-  <p:timing>
-    <p:tnLst>
-      <p:par>
-        <p:cTn id="1" dur="indefinite" restart="never" nodeType="tmRoot"/>
-      </p:par>
-    </p:tnLst>
-  </p:timing>
 </p:sld>
 </file>
 
@@ -10673,7 +10537,7 @@
           <p:cNvPr id="5" name="TextBox 4">
             <a:extLst>
               <a:ext uri="{FF2B5EF4-FFF2-40B4-BE49-F238E27FC236}">
-                <a16:creationId xmlns:a16="http://schemas.microsoft.com/office/drawing/2014/main" xmlns="" id="{C6D113C6-EA5C-788F-0C77-E7CE6EBB865F}"/>
+                <a16:creationId xmlns:a16="http://schemas.microsoft.com/office/drawing/2014/main" id="{C6D113C6-EA5C-788F-0C77-E7CE6EBB865F}"/>
               </a:ext>
             </a:extLst>
           </p:cNvPr>
@@ -10700,7 +10564,7 @@
               <a:buAutoNum type="arabicPeriod"/>
             </a:pPr>
             <a:r>
-              <a:rPr lang="en-US" altLang="ko-KR" sz="4800" smtClean="0">
+              <a:rPr lang="en-US" altLang="ko-KR" sz="4800">
                 <a:solidFill>
                   <a:srgbClr val="4C50BC"/>
                 </a:solidFill>
@@ -10710,7 +10574,7 @@
               <a:t>a</a:t>
             </a:r>
             <a:r>
-              <a:rPr lang="ko-KR" altLang="en-US" sz="4800" smtClean="0">
+              <a:rPr lang="ko-KR" altLang="en-US" sz="4800">
                 <a:solidFill>
                   <a:srgbClr val="4C50BC"/>
                 </a:solidFill>
@@ -10720,7 +10584,7 @@
               <a:t>의 값을 읽어온다</a:t>
             </a:r>
             <a:r>
-              <a:rPr lang="en-US" altLang="ko-KR" sz="4800" smtClean="0">
+              <a:rPr lang="en-US" altLang="ko-KR" sz="4800">
                 <a:solidFill>
                   <a:srgbClr val="4C50BC"/>
                 </a:solidFill>
@@ -10735,7 +10599,7 @@
               <a:buAutoNum type="arabicPeriod"/>
             </a:pPr>
             <a:r>
-              <a:rPr lang="en-US" altLang="ko-KR" sz="4800" smtClean="0">
+              <a:rPr lang="en-US" altLang="ko-KR" sz="4800">
                 <a:solidFill>
                   <a:srgbClr val="4C50BC"/>
                 </a:solidFill>
@@ -10745,7 +10609,7 @@
               <a:t>10</a:t>
             </a:r>
             <a:r>
-              <a:rPr lang="ko-KR" altLang="en-US" sz="4800" smtClean="0">
+              <a:rPr lang="ko-KR" altLang="en-US" sz="4800">
                 <a:solidFill>
                   <a:srgbClr val="4C50BC"/>
                 </a:solidFill>
@@ -10755,7 +10619,7 @@
               <a:t>과 </a:t>
             </a:r>
             <a:r>
-              <a:rPr lang="en-US" altLang="ko-KR" sz="4800" smtClean="0">
+              <a:rPr lang="en-US" altLang="ko-KR" sz="4800">
                 <a:solidFill>
                   <a:srgbClr val="4C50BC"/>
                 </a:solidFill>
@@ -10765,7 +10629,7 @@
               <a:t>30</a:t>
             </a:r>
             <a:r>
-              <a:rPr lang="ko-KR" altLang="en-US" sz="4800" smtClean="0">
+              <a:rPr lang="ko-KR" altLang="en-US" sz="4800">
                 <a:solidFill>
                   <a:srgbClr val="4C50BC"/>
                 </a:solidFill>
@@ -10774,7 +10638,7 @@
               </a:rPr>
               <a:t>을 더한다</a:t>
             </a:r>
-            <a:endParaRPr lang="en-US" altLang="ko-KR" sz="4800" smtClean="0">
+            <a:endParaRPr lang="en-US" altLang="ko-KR" sz="4800">
               <a:solidFill>
                 <a:srgbClr val="4C50BC"/>
               </a:solidFill>
@@ -10787,7 +10651,7 @@
               <a:buAutoNum type="arabicPeriod"/>
             </a:pPr>
             <a:r>
-              <a:rPr lang="ko-KR" altLang="en-US" sz="4800" smtClean="0">
+              <a:rPr lang="ko-KR" altLang="en-US" sz="4800">
                 <a:solidFill>
                   <a:srgbClr val="4C50BC"/>
                 </a:solidFill>
@@ -10797,7 +10661,7 @@
               <a:t>더한결과를 </a:t>
             </a:r>
             <a:r>
-              <a:rPr lang="en-US" altLang="ko-KR" sz="4800" smtClean="0">
+              <a:rPr lang="en-US" altLang="ko-KR" sz="4800">
                 <a:solidFill>
                   <a:srgbClr val="4C50BC"/>
                 </a:solidFill>
@@ -10807,7 +10671,7 @@
               <a:t>b</a:t>
             </a:r>
             <a:r>
-              <a:rPr lang="ko-KR" altLang="en-US" sz="4800" smtClean="0">
+              <a:rPr lang="ko-KR" altLang="en-US" sz="4800">
                 <a:solidFill>
                   <a:srgbClr val="4C50BC"/>
                 </a:solidFill>
@@ -10817,7 +10681,7 @@
               <a:t>에 저장한다</a:t>
             </a:r>
             <a:r>
-              <a:rPr lang="en-US" altLang="ko-KR" sz="4800" smtClean="0">
+              <a:rPr lang="en-US" altLang="ko-KR" sz="4800">
                 <a:solidFill>
                   <a:srgbClr val="4C50BC"/>
                 </a:solidFill>
@@ -10846,13 +10710,6 @@
   <p:clrMapOvr>
     <a:masterClrMapping/>
   </p:clrMapOvr>
-  <p:timing>
-    <p:tnLst>
-      <p:par>
-        <p:cTn id="1" dur="indefinite" restart="never" nodeType="tmRoot"/>
-      </p:par>
-    </p:tnLst>
-  </p:timing>
 </p:sld>
 </file>
 
@@ -10878,7 +10735,7 @@
           <p:cNvPr id="4" name="TextBox 3">
             <a:extLst>
               <a:ext uri="{FF2B5EF4-FFF2-40B4-BE49-F238E27FC236}">
-                <a16:creationId xmlns:a16="http://schemas.microsoft.com/office/drawing/2014/main" xmlns="" id="{7229BEA6-121E-9056-D07F-2B3BB1795F76}"/>
+                <a16:creationId xmlns:a16="http://schemas.microsoft.com/office/drawing/2014/main" id="{7229BEA6-121E-9056-D07F-2B3BB1795F76}"/>
               </a:ext>
             </a:extLst>
           </p:cNvPr>
@@ -10902,7 +10759,7 @@
           <a:lstStyle/>
           <a:p>
             <a:r>
-              <a:rPr lang="ko-KR" altLang="en-US" sz="8800" smtClean="0">
+              <a:rPr lang="ko-KR" altLang="en-US" sz="8800">
                 <a:solidFill>
                   <a:srgbClr val="4C50BB"/>
                 </a:solidFill>
@@ -10926,7 +10783,7 @@
           <p:cNvPr id="5" name="TextBox 4">
             <a:extLst>
               <a:ext uri="{FF2B5EF4-FFF2-40B4-BE49-F238E27FC236}">
-                <a16:creationId xmlns:a16="http://schemas.microsoft.com/office/drawing/2014/main" xmlns="" id="{C6D113C6-EA5C-788F-0C77-E7CE6EBB865F}"/>
+                <a16:creationId xmlns:a16="http://schemas.microsoft.com/office/drawing/2014/main" id="{C6D113C6-EA5C-788F-0C77-E7CE6EBB865F}"/>
               </a:ext>
             </a:extLst>
           </p:cNvPr>
@@ -10950,7 +10807,7 @@
           <a:lstStyle/>
           <a:p>
             <a:r>
-              <a:rPr lang="en-US" altLang="ko-KR" sz="4800" smtClean="0">
+              <a:rPr lang="en-US" altLang="ko-KR" sz="4800">
                 <a:solidFill>
                   <a:srgbClr val="4D4848"/>
                 </a:solidFill>
@@ -10960,7 +10817,7 @@
               <a:t>a , b</a:t>
             </a:r>
             <a:r>
-              <a:rPr lang="ko-KR" altLang="en-US" sz="4800" smtClean="0">
+              <a:rPr lang="ko-KR" altLang="en-US" sz="4800">
                 <a:solidFill>
                   <a:srgbClr val="4D4848"/>
                 </a:solidFill>
@@ -10969,15 +10826,6 @@
               </a:rPr>
               <a:t> 변수를 선언하고 서로의 값을 바꾼뒤 출력하여 보자</a:t>
             </a:r>
-            <a:endParaRPr lang="en-US" altLang="ko-KR" sz="4800" smtClean="0">
-              <a:solidFill>
-                <a:srgbClr val="4D4848"/>
-              </a:solidFill>
-              <a:latin typeface="G마켓 산스 Medium" panose="02000000000000000000" pitchFamily="50" charset="-127"/>
-              <a:ea typeface="G마켓 산스 Medium" panose="02000000000000000000" pitchFamily="50" charset="-127"/>
-            </a:endParaRPr>
-          </a:p>
-          <a:p>
             <a:endParaRPr lang="en-US" altLang="ko-KR" sz="4800">
               <a:solidFill>
                 <a:srgbClr val="4D4848"/>
@@ -10987,8 +10835,17 @@
             </a:endParaRPr>
           </a:p>
           <a:p>
-            <a:r>
-              <a:rPr lang="en-US" altLang="ko-KR" sz="4000" smtClean="0">
+            <a:endParaRPr lang="en-US" altLang="ko-KR" sz="4800">
+              <a:solidFill>
+                <a:srgbClr val="4D4848"/>
+              </a:solidFill>
+              <a:latin typeface="G마켓 산스 Medium" panose="02000000000000000000" pitchFamily="50" charset="-127"/>
+              <a:ea typeface="G마켓 산스 Medium" panose="02000000000000000000" pitchFamily="50" charset="-127"/>
+            </a:endParaRPr>
+          </a:p>
+          <a:p>
+            <a:r>
+              <a:rPr lang="en-US" altLang="ko-KR" sz="4000">
                 <a:solidFill>
                   <a:srgbClr val="FF0000"/>
                 </a:solidFill>
@@ -10998,7 +10855,7 @@
               <a:t>*</a:t>
             </a:r>
             <a:r>
-              <a:rPr lang="ko-KR" altLang="en-US" sz="4000" smtClean="0">
+              <a:rPr lang="ko-KR" altLang="en-US" sz="4000">
                 <a:solidFill>
                   <a:srgbClr val="FF0000"/>
                 </a:solidFill>
@@ -11008,7 +10865,7 @@
               <a:t>변수는 추가로 더 선언하여도 된다</a:t>
             </a:r>
             <a:r>
-              <a:rPr lang="en-US" altLang="ko-KR" sz="4000" smtClean="0">
+              <a:rPr lang="en-US" altLang="ko-KR" sz="4000">
                 <a:solidFill>
                   <a:srgbClr val="FF0000"/>
                 </a:solidFill>
@@ -11032,7 +10889,7 @@
           <p:cNvPr id="6" name="TextBox 5">
             <a:extLst>
               <a:ext uri="{FF2B5EF4-FFF2-40B4-BE49-F238E27FC236}">
-                <a16:creationId xmlns:a16="http://schemas.microsoft.com/office/drawing/2014/main" xmlns="" id="{C6D113C6-EA5C-788F-0C77-E7CE6EBB865F}"/>
+                <a16:creationId xmlns:a16="http://schemas.microsoft.com/office/drawing/2014/main" id="{C6D113C6-EA5C-788F-0C77-E7CE6EBB865F}"/>
               </a:ext>
             </a:extLst>
           </p:cNvPr>
@@ -11056,7 +10913,7 @@
           <a:lstStyle/>
           <a:p>
             <a:r>
-              <a:rPr lang="en-US" altLang="ko-KR" sz="3200" smtClean="0">
+              <a:rPr lang="en-US" altLang="ko-KR" sz="3200">
                 <a:solidFill>
                   <a:srgbClr val="4C50BC"/>
                 </a:solidFill>
@@ -11080,7 +10937,7 @@
           <p:cNvPr id="7" name="직사각형 6">
             <a:extLst>
               <a:ext uri="{FF2B5EF4-FFF2-40B4-BE49-F238E27FC236}">
-                <a16:creationId xmlns:a16="http://schemas.microsoft.com/office/drawing/2014/main" xmlns="" id="{FFF506F9-840A-0508-4CAF-3AC711D8D5CE}"/>
+                <a16:creationId xmlns:a16="http://schemas.microsoft.com/office/drawing/2014/main" id="{FFF506F9-840A-0508-4CAF-3AC711D8D5CE}"/>
               </a:ext>
             </a:extLst>
           </p:cNvPr>
@@ -11132,7 +10989,7 @@
           <p:cNvPr id="8" name="TextBox 7">
             <a:extLst>
               <a:ext uri="{FF2B5EF4-FFF2-40B4-BE49-F238E27FC236}">
-                <a16:creationId xmlns:a16="http://schemas.microsoft.com/office/drawing/2014/main" xmlns="" id="{C6D113C6-EA5C-788F-0C77-E7CE6EBB865F}"/>
+                <a16:creationId xmlns:a16="http://schemas.microsoft.com/office/drawing/2014/main" id="{C6D113C6-EA5C-788F-0C77-E7CE6EBB865F}"/>
               </a:ext>
             </a:extLst>
           </p:cNvPr>
@@ -11156,7 +11013,7 @@
           <a:lstStyle/>
           <a:p>
             <a:r>
-              <a:rPr lang="en-US" altLang="ko-KR" sz="3200" smtClean="0">
+              <a:rPr lang="en-US" altLang="ko-KR" sz="3200">
                 <a:solidFill>
                   <a:srgbClr val="4C50BC"/>
                 </a:solidFill>
@@ -11180,7 +11037,7 @@
           <p:cNvPr id="9" name="TextBox 8">
             <a:extLst>
               <a:ext uri="{FF2B5EF4-FFF2-40B4-BE49-F238E27FC236}">
-                <a16:creationId xmlns:a16="http://schemas.microsoft.com/office/drawing/2014/main" xmlns="" id="{C6D113C6-EA5C-788F-0C77-E7CE6EBB865F}"/>
+                <a16:creationId xmlns:a16="http://schemas.microsoft.com/office/drawing/2014/main" id="{C6D113C6-EA5C-788F-0C77-E7CE6EBB865F}"/>
               </a:ext>
             </a:extLst>
           </p:cNvPr>
@@ -11204,7 +11061,7 @@
           <a:lstStyle/>
           <a:p>
             <a:r>
-              <a:rPr lang="en-US" altLang="ko-KR" sz="3200" smtClean="0">
+              <a:rPr lang="en-US" altLang="ko-KR" sz="3200">
                 <a:solidFill>
                   <a:srgbClr val="4C50BC"/>
                 </a:solidFill>
@@ -11228,7 +11085,7 @@
           <p:cNvPr id="10" name="직사각형 9">
             <a:extLst>
               <a:ext uri="{FF2B5EF4-FFF2-40B4-BE49-F238E27FC236}">
-                <a16:creationId xmlns:a16="http://schemas.microsoft.com/office/drawing/2014/main" xmlns="" id="{FFF506F9-840A-0508-4CAF-3AC711D8D5CE}"/>
+                <a16:creationId xmlns:a16="http://schemas.microsoft.com/office/drawing/2014/main" id="{FFF506F9-840A-0508-4CAF-3AC711D8D5CE}"/>
               </a:ext>
             </a:extLst>
           </p:cNvPr>
@@ -11280,7 +11137,7 @@
           <p:cNvPr id="11" name="TextBox 10">
             <a:extLst>
               <a:ext uri="{FF2B5EF4-FFF2-40B4-BE49-F238E27FC236}">
-                <a16:creationId xmlns:a16="http://schemas.microsoft.com/office/drawing/2014/main" xmlns="" id="{C6D113C6-EA5C-788F-0C77-E7CE6EBB865F}"/>
+                <a16:creationId xmlns:a16="http://schemas.microsoft.com/office/drawing/2014/main" id="{C6D113C6-EA5C-788F-0C77-E7CE6EBB865F}"/>
               </a:ext>
             </a:extLst>
           </p:cNvPr>
@@ -11311,17 +11168,7 @@
                 <a:latin typeface="G마켓 산스 Medium" panose="02000000000000000000" pitchFamily="50" charset="-127"/>
                 <a:ea typeface="G마켓 산스 Medium" panose="02000000000000000000" pitchFamily="50" charset="-127"/>
               </a:rPr>
-              <a:t>5</a:t>
-            </a:r>
-            <a:r>
-              <a:rPr lang="en-US" altLang="ko-KR" sz="3200" smtClean="0">
-                <a:solidFill>
-                  <a:srgbClr val="4C50BC"/>
-                </a:solidFill>
-                <a:latin typeface="G마켓 산스 Medium" panose="02000000000000000000" pitchFamily="50" charset="-127"/>
-                <a:ea typeface="G마켓 산스 Medium" panose="02000000000000000000" pitchFamily="50" charset="-127"/>
-              </a:rPr>
-              <a:t>0</a:t>
+              <a:t>50</a:t>
             </a:r>
             <a:endParaRPr lang="en-US" altLang="ko-KR" sz="3200" dirty="0">
               <a:solidFill>
@@ -11437,13 +11284,6 @@
   <p:clrMapOvr>
     <a:masterClrMapping/>
   </p:clrMapOvr>
-  <p:timing>
-    <p:tnLst>
-      <p:par>
-        <p:cTn id="1" dur="indefinite" restart="never" nodeType="tmRoot"/>
-      </p:par>
-    </p:tnLst>
-  </p:timing>
 </p:sld>
 </file>
 
@@ -11657,7 +11497,7 @@
           <p:cNvPr id="2" name="TextBox 1">
             <a:extLst>
               <a:ext uri="{FF2B5EF4-FFF2-40B4-BE49-F238E27FC236}">
-                <a16:creationId xmlns:a16="http://schemas.microsoft.com/office/drawing/2014/main" xmlns="" id="{8D19D88B-9541-32D7-90F1-0C45C993E21C}"/>
+                <a16:creationId xmlns:a16="http://schemas.microsoft.com/office/drawing/2014/main" id="{8D19D88B-9541-32D7-90F1-0C45C993E21C}"/>
               </a:ext>
             </a:extLst>
           </p:cNvPr>
@@ -11705,13 +11545,6 @@
   <p:clrMapOvr>
     <a:masterClrMapping/>
   </p:clrMapOvr>
-  <p:timing>
-    <p:tnLst>
-      <p:par>
-        <p:cTn id="1" dur="indefinite" restart="never" nodeType="tmRoot"/>
-      </p:par>
-    </p:tnLst>
-  </p:timing>
 </p:sld>
 </file>
 
@@ -11766,13 +11599,6 @@
   <p:clrMapOvr>
     <a:masterClrMapping/>
   </p:clrMapOvr>
-  <p:timing>
-    <p:tnLst>
-      <p:par>
-        <p:cTn id="1" dur="indefinite" restart="never" nodeType="tmRoot"/>
-      </p:par>
-    </p:tnLst>
-  </p:timing>
 </p:sld>
 </file>
 
@@ -11822,7 +11648,7 @@
           <p:cNvPr id="6" name="TextBox 5">
             <a:extLst>
               <a:ext uri="{FF2B5EF4-FFF2-40B4-BE49-F238E27FC236}">
-                <a16:creationId xmlns:a16="http://schemas.microsoft.com/office/drawing/2014/main" xmlns="" id="{C6D113C6-EA5C-788F-0C77-E7CE6EBB865F}"/>
+                <a16:creationId xmlns:a16="http://schemas.microsoft.com/office/drawing/2014/main" id="{C6D113C6-EA5C-788F-0C77-E7CE6EBB865F}"/>
               </a:ext>
             </a:extLst>
           </p:cNvPr>
@@ -11846,7 +11672,7 @@
           <a:lstStyle/>
           <a:p>
             <a:r>
-              <a:rPr lang="en-US" altLang="ko-KR" sz="4800" smtClean="0">
+              <a:rPr lang="en-US" altLang="ko-KR" sz="4800">
                 <a:solidFill>
                   <a:srgbClr val="4C50BC"/>
                 </a:solidFill>
@@ -11856,7 +11682,7 @@
               <a:t>+ </a:t>
             </a:r>
             <a:r>
-              <a:rPr lang="ko-KR" altLang="en-US" sz="4800" smtClean="0">
+              <a:rPr lang="ko-KR" altLang="en-US" sz="4800">
                 <a:solidFill>
                   <a:srgbClr val="4C50BC"/>
                 </a:solidFill>
@@ -11866,7 +11692,7 @@
               <a:t>연산자를 이용해 한번에 붙여서 출력 가능하다</a:t>
             </a:r>
             <a:r>
-              <a:rPr lang="en-US" altLang="ko-KR" sz="4800" smtClean="0">
+              <a:rPr lang="en-US" altLang="ko-KR" sz="4800">
                 <a:solidFill>
                   <a:srgbClr val="4C50BC"/>
                 </a:solidFill>
@@ -11895,13 +11721,6 @@
   <p:clrMapOvr>
     <a:masterClrMapping/>
   </p:clrMapOvr>
-  <p:timing>
-    <p:tnLst>
-      <p:par>
-        <p:cTn id="1" dur="indefinite" restart="never" nodeType="tmRoot"/>
-      </p:par>
-    </p:tnLst>
-  </p:timing>
 </p:sld>
 </file>
 
@@ -11927,7 +11746,7 @@
           <p:cNvPr id="5" name="TextBox 4">
             <a:extLst>
               <a:ext uri="{FF2B5EF4-FFF2-40B4-BE49-F238E27FC236}">
-                <a16:creationId xmlns:a16="http://schemas.microsoft.com/office/drawing/2014/main" xmlns="" id="{7229BEA6-121E-9056-D07F-2B3BB1795F76}"/>
+                <a16:creationId xmlns:a16="http://schemas.microsoft.com/office/drawing/2014/main" id="{7229BEA6-121E-9056-D07F-2B3BB1795F76}"/>
               </a:ext>
             </a:extLst>
           </p:cNvPr>
@@ -11951,7 +11770,7 @@
           <a:lstStyle/>
           <a:p>
             <a:r>
-              <a:rPr lang="ko-KR" altLang="en-US" sz="6000" smtClean="0">
+              <a:rPr lang="ko-KR" altLang="en-US" sz="6000">
                 <a:solidFill>
                   <a:srgbClr val="4C50BB"/>
                 </a:solidFill>
@@ -11975,7 +11794,7 @@
           <p:cNvPr id="6" name="TextBox 5">
             <a:extLst>
               <a:ext uri="{FF2B5EF4-FFF2-40B4-BE49-F238E27FC236}">
-                <a16:creationId xmlns:a16="http://schemas.microsoft.com/office/drawing/2014/main" xmlns="" id="{5ADC00B6-990A-40DC-3CEA-505258F5E8DA}"/>
+                <a16:creationId xmlns:a16="http://schemas.microsoft.com/office/drawing/2014/main" id="{5ADC00B6-990A-40DC-3CEA-505258F5E8DA}"/>
               </a:ext>
             </a:extLst>
           </p:cNvPr>
@@ -11999,7 +11818,7 @@
           <a:lstStyle/>
           <a:p>
             <a:r>
-              <a:rPr lang="en-US" altLang="ko-KR" sz="4400" smtClean="0">
+              <a:rPr lang="en-US" altLang="ko-KR" sz="4400">
                 <a:solidFill>
                   <a:schemeClr val="tx1">
                     <a:lumMod val="50000"/>
@@ -12012,7 +11831,7 @@
               <a:t>1.</a:t>
             </a:r>
             <a:r>
-              <a:rPr lang="ko-KR" altLang="en-US" sz="4400" smtClean="0">
+              <a:rPr lang="ko-KR" altLang="en-US" sz="4400">
                 <a:solidFill>
                   <a:schemeClr val="tx1">
                     <a:lumMod val="50000"/>
@@ -12025,7 +11844,7 @@
               <a:t>대소문자가 구분된다</a:t>
             </a:r>
             <a:r>
-              <a:rPr lang="en-US" altLang="ko-KR" sz="4400" smtClean="0">
+              <a:rPr lang="en-US" altLang="ko-KR" sz="4400">
                 <a:solidFill>
                   <a:schemeClr val="tx1">
                     <a:lumMod val="50000"/>
@@ -12036,164 +11855,6 @@
                 <a:ea typeface="G마켓 산스 Medium" panose="02000000000000000000" pitchFamily="50" charset="-127"/>
               </a:rPr>
               <a:t>.</a:t>
-            </a:r>
-          </a:p>
-          <a:p>
-            <a:endParaRPr lang="en-US" altLang="ko-KR" sz="4400" smtClean="0">
-              <a:solidFill>
-                <a:schemeClr val="tx1">
-                  <a:lumMod val="50000"/>
-                  <a:lumOff val="50000"/>
-                </a:schemeClr>
-              </a:solidFill>
-              <a:latin typeface="G마켓 산스 Medium" panose="02000000000000000000" pitchFamily="50" charset="-127"/>
-              <a:ea typeface="G마켓 산스 Medium" panose="02000000000000000000" pitchFamily="50" charset="-127"/>
-            </a:endParaRPr>
-          </a:p>
-          <a:p>
-            <a:r>
-              <a:rPr lang="en-US" altLang="ko-KR" sz="4400" smtClean="0">
-                <a:solidFill>
-                  <a:schemeClr val="tx1">
-                    <a:lumMod val="50000"/>
-                    <a:lumOff val="50000"/>
-                  </a:schemeClr>
-                </a:solidFill>
-                <a:latin typeface="G마켓 산스 Medium" panose="02000000000000000000" pitchFamily="50" charset="-127"/>
-                <a:ea typeface="G마켓 산스 Medium" panose="02000000000000000000" pitchFamily="50" charset="-127"/>
-              </a:rPr>
-              <a:t>2.</a:t>
-            </a:r>
-            <a:r>
-              <a:rPr lang="ko-KR" altLang="en-US" sz="4400" smtClean="0">
-                <a:solidFill>
-                  <a:schemeClr val="tx1">
-                    <a:lumMod val="50000"/>
-                    <a:lumOff val="50000"/>
-                  </a:schemeClr>
-                </a:solidFill>
-                <a:latin typeface="G마켓 산스 Medium" panose="02000000000000000000" pitchFamily="50" charset="-127"/>
-                <a:ea typeface="G마켓 산스 Medium" panose="02000000000000000000" pitchFamily="50" charset="-127"/>
-              </a:rPr>
-              <a:t>자바에서 미리 지정한 예약어는 사용할수 없다</a:t>
-            </a:r>
-            <a:r>
-              <a:rPr lang="en-US" altLang="ko-KR" sz="4400" smtClean="0">
-                <a:solidFill>
-                  <a:schemeClr val="tx1">
-                    <a:lumMod val="50000"/>
-                    <a:lumOff val="50000"/>
-                  </a:schemeClr>
-                </a:solidFill>
-                <a:latin typeface="G마켓 산스 Medium" panose="02000000000000000000" pitchFamily="50" charset="-127"/>
-                <a:ea typeface="G마켓 산스 Medium" panose="02000000000000000000" pitchFamily="50" charset="-127"/>
-              </a:rPr>
-              <a:t>.(</a:t>
-            </a:r>
-            <a:r>
-              <a:rPr lang="ko-KR" altLang="en-US" sz="4400" smtClean="0">
-                <a:solidFill>
-                  <a:schemeClr val="tx1">
-                    <a:lumMod val="50000"/>
-                    <a:lumOff val="50000"/>
-                  </a:schemeClr>
-                </a:solidFill>
-                <a:latin typeface="G마켓 산스 Medium" panose="02000000000000000000" pitchFamily="50" charset="-127"/>
-                <a:ea typeface="G마켓 산스 Medium" panose="02000000000000000000" pitchFamily="50" charset="-127"/>
-              </a:rPr>
-              <a:t>예약어 </a:t>
-            </a:r>
-            <a:r>
-              <a:rPr lang="en-US" altLang="ko-KR" sz="4400" smtClean="0">
-                <a:solidFill>
-                  <a:schemeClr val="tx1">
-                    <a:lumMod val="50000"/>
-                    <a:lumOff val="50000"/>
-                  </a:schemeClr>
-                </a:solidFill>
-                <a:latin typeface="G마켓 산스 Medium" panose="02000000000000000000" pitchFamily="50" charset="-127"/>
-                <a:ea typeface="G마켓 산스 Medium" panose="02000000000000000000" pitchFamily="50" charset="-127"/>
-              </a:rPr>
-              <a:t>: </a:t>
-            </a:r>
-            <a:r>
-              <a:rPr lang="ko-KR" altLang="en-US" sz="4400" smtClean="0">
-                <a:solidFill>
-                  <a:schemeClr val="tx1">
-                    <a:lumMod val="50000"/>
-                    <a:lumOff val="50000"/>
-                  </a:schemeClr>
-                </a:solidFill>
-                <a:latin typeface="G마켓 산스 Medium" panose="02000000000000000000" pitchFamily="50" charset="-127"/>
-                <a:ea typeface="G마켓 산스 Medium" panose="02000000000000000000" pitchFamily="50" charset="-127"/>
-              </a:rPr>
-              <a:t>문법적 의미를 지닌 단어들</a:t>
-            </a:r>
-            <a:r>
-              <a:rPr lang="en-US" altLang="ko-KR" sz="4400" smtClean="0">
-                <a:solidFill>
-                  <a:schemeClr val="tx1">
-                    <a:lumMod val="50000"/>
-                    <a:lumOff val="50000"/>
-                  </a:schemeClr>
-                </a:solidFill>
-                <a:latin typeface="G마켓 산스 Medium" panose="02000000000000000000" pitchFamily="50" charset="-127"/>
-                <a:ea typeface="G마켓 산스 Medium" panose="02000000000000000000" pitchFamily="50" charset="-127"/>
-              </a:rPr>
-              <a:t>)</a:t>
-            </a:r>
-          </a:p>
-          <a:p>
-            <a:endParaRPr lang="en-US" altLang="ko-KR" sz="4400" smtClean="0">
-              <a:solidFill>
-                <a:schemeClr val="tx1">
-                  <a:lumMod val="50000"/>
-                  <a:lumOff val="50000"/>
-                </a:schemeClr>
-              </a:solidFill>
-              <a:latin typeface="G마켓 산스 Medium" panose="02000000000000000000" pitchFamily="50" charset="-127"/>
-              <a:ea typeface="G마켓 산스 Medium" panose="02000000000000000000" pitchFamily="50" charset="-127"/>
-            </a:endParaRPr>
-          </a:p>
-          <a:p>
-            <a:r>
-              <a:rPr lang="en-US" altLang="ko-KR" sz="4400" smtClean="0">
-                <a:solidFill>
-                  <a:schemeClr val="tx1">
-                    <a:lumMod val="50000"/>
-                    <a:lumOff val="50000"/>
-                  </a:schemeClr>
-                </a:solidFill>
-                <a:latin typeface="G마켓 산스 Medium" panose="02000000000000000000" pitchFamily="50" charset="-127"/>
-                <a:ea typeface="G마켓 산스 Medium" panose="02000000000000000000" pitchFamily="50" charset="-127"/>
-              </a:rPr>
-              <a:t>3.</a:t>
-            </a:r>
-            <a:r>
-              <a:rPr lang="ko-KR" altLang="en-US" sz="4400" smtClean="0">
-                <a:solidFill>
-                  <a:schemeClr val="tx1">
-                    <a:lumMod val="50000"/>
-                    <a:lumOff val="50000"/>
-                  </a:schemeClr>
-                </a:solidFill>
-                <a:latin typeface="G마켓 산스 Medium" panose="02000000000000000000" pitchFamily="50" charset="-127"/>
-                <a:ea typeface="G마켓 산스 Medium" panose="02000000000000000000" pitchFamily="50" charset="-127"/>
-              </a:rPr>
-              <a:t>숫자로 시작할수 없다</a:t>
-            </a:r>
-            <a:r>
-              <a:rPr lang="en-US" altLang="ko-KR" sz="4400" smtClean="0">
-                <a:solidFill>
-                  <a:schemeClr val="tx1">
-                    <a:lumMod val="50000"/>
-                    <a:lumOff val="50000"/>
-                  </a:schemeClr>
-                </a:solidFill>
-                <a:latin typeface="G마켓 산스 Medium" panose="02000000000000000000" pitchFamily="50" charset="-127"/>
-                <a:ea typeface="G마켓 산스 Medium" panose="02000000000000000000" pitchFamily="50" charset="-127"/>
-              </a:rPr>
-              <a:t>. </a:t>
             </a:r>
           </a:p>
           <a:p>
@@ -12210,7 +11871,7 @@
           </a:p>
           <a:p>
             <a:r>
-              <a:rPr lang="en-US" altLang="ko-KR" sz="4400" smtClean="0">
+              <a:rPr lang="en-US" altLang="ko-KR" sz="4400">
                 <a:solidFill>
                   <a:schemeClr val="tx1">
                     <a:lumMod val="50000"/>
@@ -12220,10 +11881,10 @@
                 <a:latin typeface="G마켓 산스 Medium" panose="02000000000000000000" pitchFamily="50" charset="-127"/>
                 <a:ea typeface="G마켓 산스 Medium" panose="02000000000000000000" pitchFamily="50" charset="-127"/>
               </a:rPr>
-              <a:t>4. </a:t>
-            </a:r>
-            <a:r>
-              <a:rPr lang="ko-KR" altLang="en-US" sz="4400" smtClean="0">
+              <a:t>2.</a:t>
+            </a:r>
+            <a:r>
+              <a:rPr lang="ko-KR" altLang="en-US" sz="4400">
                 <a:solidFill>
                   <a:schemeClr val="tx1">
                     <a:lumMod val="50000"/>
@@ -12233,10 +11894,10 @@
                 <a:latin typeface="G마켓 산스 Medium" panose="02000000000000000000" pitchFamily="50" charset="-127"/>
                 <a:ea typeface="G마켓 산스 Medium" panose="02000000000000000000" pitchFamily="50" charset="-127"/>
               </a:rPr>
-              <a:t>특수문자는 </a:t>
-            </a:r>
-            <a:r>
-              <a:rPr lang="en-US" altLang="ko-KR" sz="4400" smtClean="0">
+              <a:t>자바에서 미리 지정한 예약어는 사용할수 없다</a:t>
+            </a:r>
+            <a:r>
+              <a:rPr lang="en-US" altLang="ko-KR" sz="4400">
                 <a:solidFill>
                   <a:schemeClr val="tx1">
                     <a:lumMod val="50000"/>
@@ -12246,10 +11907,10 @@
                 <a:latin typeface="G마켓 산스 Medium" panose="02000000000000000000" pitchFamily="50" charset="-127"/>
                 <a:ea typeface="G마켓 산스 Medium" panose="02000000000000000000" pitchFamily="50" charset="-127"/>
               </a:rPr>
-              <a:t>_ </a:t>
-            </a:r>
-            <a:r>
-              <a:rPr lang="ko-KR" altLang="en-US" sz="4400" smtClean="0">
+              <a:t>.(</a:t>
+            </a:r>
+            <a:r>
+              <a:rPr lang="ko-KR" altLang="en-US" sz="4400">
                 <a:solidFill>
                   <a:schemeClr val="tx1">
                     <a:lumMod val="50000"/>
@@ -12259,10 +11920,10 @@
                 <a:latin typeface="G마켓 산스 Medium" panose="02000000000000000000" pitchFamily="50" charset="-127"/>
                 <a:ea typeface="G마켓 산스 Medium" panose="02000000000000000000" pitchFamily="50" charset="-127"/>
               </a:rPr>
-              <a:t>와 </a:t>
-            </a:r>
-            <a:r>
-              <a:rPr lang="en-US" altLang="ko-KR" sz="4400" smtClean="0">
+              <a:t>예약어 </a:t>
+            </a:r>
+            <a:r>
+              <a:rPr lang="en-US" altLang="ko-KR" sz="4400">
                 <a:solidFill>
                   <a:schemeClr val="tx1">
                     <a:lumMod val="50000"/>
@@ -12272,10 +11933,10 @@
                 <a:latin typeface="G마켓 산스 Medium" panose="02000000000000000000" pitchFamily="50" charset="-127"/>
                 <a:ea typeface="G마켓 산스 Medium" panose="02000000000000000000" pitchFamily="50" charset="-127"/>
               </a:rPr>
-              <a:t>$ </a:t>
-            </a:r>
-            <a:r>
-              <a:rPr lang="ko-KR" altLang="en-US" sz="4400" smtClean="0">
+              <a:t>: </a:t>
+            </a:r>
+            <a:r>
+              <a:rPr lang="ko-KR" altLang="en-US" sz="4400">
                 <a:solidFill>
                   <a:schemeClr val="tx1">
                     <a:lumMod val="50000"/>
@@ -12285,9 +11946,167 @@
                 <a:latin typeface="G마켓 산스 Medium" panose="02000000000000000000" pitchFamily="50" charset="-127"/>
                 <a:ea typeface="G마켓 산스 Medium" panose="02000000000000000000" pitchFamily="50" charset="-127"/>
               </a:rPr>
+              <a:t>문법적 의미를 지닌 단어들</a:t>
+            </a:r>
+            <a:r>
+              <a:rPr lang="en-US" altLang="ko-KR" sz="4400">
+                <a:solidFill>
+                  <a:schemeClr val="tx1">
+                    <a:lumMod val="50000"/>
+                    <a:lumOff val="50000"/>
+                  </a:schemeClr>
+                </a:solidFill>
+                <a:latin typeface="G마켓 산스 Medium" panose="02000000000000000000" pitchFamily="50" charset="-127"/>
+                <a:ea typeface="G마켓 산스 Medium" panose="02000000000000000000" pitchFamily="50" charset="-127"/>
+              </a:rPr>
+              <a:t>)</a:t>
+            </a:r>
+          </a:p>
+          <a:p>
+            <a:endParaRPr lang="en-US" altLang="ko-KR" sz="4400">
+              <a:solidFill>
+                <a:schemeClr val="tx1">
+                  <a:lumMod val="50000"/>
+                  <a:lumOff val="50000"/>
+                </a:schemeClr>
+              </a:solidFill>
+              <a:latin typeface="G마켓 산스 Medium" panose="02000000000000000000" pitchFamily="50" charset="-127"/>
+              <a:ea typeface="G마켓 산스 Medium" panose="02000000000000000000" pitchFamily="50" charset="-127"/>
+            </a:endParaRPr>
+          </a:p>
+          <a:p>
+            <a:r>
+              <a:rPr lang="en-US" altLang="ko-KR" sz="4400">
+                <a:solidFill>
+                  <a:schemeClr val="tx1">
+                    <a:lumMod val="50000"/>
+                    <a:lumOff val="50000"/>
+                  </a:schemeClr>
+                </a:solidFill>
+                <a:latin typeface="G마켓 산스 Medium" panose="02000000000000000000" pitchFamily="50" charset="-127"/>
+                <a:ea typeface="G마켓 산스 Medium" panose="02000000000000000000" pitchFamily="50" charset="-127"/>
+              </a:rPr>
+              <a:t>3.</a:t>
+            </a:r>
+            <a:r>
+              <a:rPr lang="ko-KR" altLang="en-US" sz="4400">
+                <a:solidFill>
+                  <a:schemeClr val="tx1">
+                    <a:lumMod val="50000"/>
+                    <a:lumOff val="50000"/>
+                  </a:schemeClr>
+                </a:solidFill>
+                <a:latin typeface="G마켓 산스 Medium" panose="02000000000000000000" pitchFamily="50" charset="-127"/>
+                <a:ea typeface="G마켓 산스 Medium" panose="02000000000000000000" pitchFamily="50" charset="-127"/>
+              </a:rPr>
+              <a:t>숫자로 시작할수 없다</a:t>
+            </a:r>
+            <a:r>
+              <a:rPr lang="en-US" altLang="ko-KR" sz="4400">
+                <a:solidFill>
+                  <a:schemeClr val="tx1">
+                    <a:lumMod val="50000"/>
+                    <a:lumOff val="50000"/>
+                  </a:schemeClr>
+                </a:solidFill>
+                <a:latin typeface="G마켓 산스 Medium" panose="02000000000000000000" pitchFamily="50" charset="-127"/>
+                <a:ea typeface="G마켓 산스 Medium" panose="02000000000000000000" pitchFamily="50" charset="-127"/>
+              </a:rPr>
+              <a:t>. </a:t>
+            </a:r>
+          </a:p>
+          <a:p>
+            <a:endParaRPr lang="en-US" altLang="ko-KR" sz="4400">
+              <a:solidFill>
+                <a:schemeClr val="tx1">
+                  <a:lumMod val="50000"/>
+                  <a:lumOff val="50000"/>
+                </a:schemeClr>
+              </a:solidFill>
+              <a:latin typeface="G마켓 산스 Medium" panose="02000000000000000000" pitchFamily="50" charset="-127"/>
+              <a:ea typeface="G마켓 산스 Medium" panose="02000000000000000000" pitchFamily="50" charset="-127"/>
+            </a:endParaRPr>
+          </a:p>
+          <a:p>
+            <a:r>
+              <a:rPr lang="en-US" altLang="ko-KR" sz="4400">
+                <a:solidFill>
+                  <a:schemeClr val="tx1">
+                    <a:lumMod val="50000"/>
+                    <a:lumOff val="50000"/>
+                  </a:schemeClr>
+                </a:solidFill>
+                <a:latin typeface="G마켓 산스 Medium" panose="02000000000000000000" pitchFamily="50" charset="-127"/>
+                <a:ea typeface="G마켓 산스 Medium" panose="02000000000000000000" pitchFamily="50" charset="-127"/>
+              </a:rPr>
+              <a:t>4. </a:t>
+            </a:r>
+            <a:r>
+              <a:rPr lang="ko-KR" altLang="en-US" sz="4400">
+                <a:solidFill>
+                  <a:schemeClr val="tx1">
+                    <a:lumMod val="50000"/>
+                    <a:lumOff val="50000"/>
+                  </a:schemeClr>
+                </a:solidFill>
+                <a:latin typeface="G마켓 산스 Medium" panose="02000000000000000000" pitchFamily="50" charset="-127"/>
+                <a:ea typeface="G마켓 산스 Medium" panose="02000000000000000000" pitchFamily="50" charset="-127"/>
+              </a:rPr>
+              <a:t>특수문자는 </a:t>
+            </a:r>
+            <a:r>
+              <a:rPr lang="en-US" altLang="ko-KR" sz="4400">
+                <a:solidFill>
+                  <a:schemeClr val="tx1">
+                    <a:lumMod val="50000"/>
+                    <a:lumOff val="50000"/>
+                  </a:schemeClr>
+                </a:solidFill>
+                <a:latin typeface="G마켓 산스 Medium" panose="02000000000000000000" pitchFamily="50" charset="-127"/>
+                <a:ea typeface="G마켓 산스 Medium" panose="02000000000000000000" pitchFamily="50" charset="-127"/>
+              </a:rPr>
+              <a:t>_ </a:t>
+            </a:r>
+            <a:r>
+              <a:rPr lang="ko-KR" altLang="en-US" sz="4400">
+                <a:solidFill>
+                  <a:schemeClr val="tx1">
+                    <a:lumMod val="50000"/>
+                    <a:lumOff val="50000"/>
+                  </a:schemeClr>
+                </a:solidFill>
+                <a:latin typeface="G마켓 산스 Medium" panose="02000000000000000000" pitchFamily="50" charset="-127"/>
+                <a:ea typeface="G마켓 산스 Medium" panose="02000000000000000000" pitchFamily="50" charset="-127"/>
+              </a:rPr>
+              <a:t>와 </a:t>
+            </a:r>
+            <a:r>
+              <a:rPr lang="en-US" altLang="ko-KR" sz="4400">
+                <a:solidFill>
+                  <a:schemeClr val="tx1">
+                    <a:lumMod val="50000"/>
+                    <a:lumOff val="50000"/>
+                  </a:schemeClr>
+                </a:solidFill>
+                <a:latin typeface="G마켓 산스 Medium" panose="02000000000000000000" pitchFamily="50" charset="-127"/>
+                <a:ea typeface="G마켓 산스 Medium" panose="02000000000000000000" pitchFamily="50" charset="-127"/>
+              </a:rPr>
+              <a:t>$ </a:t>
+            </a:r>
+            <a:r>
+              <a:rPr lang="ko-KR" altLang="en-US" sz="4400">
+                <a:solidFill>
+                  <a:schemeClr val="tx1">
+                    <a:lumMod val="50000"/>
+                    <a:lumOff val="50000"/>
+                  </a:schemeClr>
+                </a:solidFill>
+                <a:latin typeface="G마켓 산스 Medium" panose="02000000000000000000" pitchFamily="50" charset="-127"/>
+                <a:ea typeface="G마켓 산스 Medium" panose="02000000000000000000" pitchFamily="50" charset="-127"/>
+              </a:rPr>
               <a:t>만 사용 가능하다</a:t>
             </a:r>
-            <a:endParaRPr lang="en-US" altLang="ko-KR" sz="4400" smtClean="0">
+            <a:endParaRPr lang="en-US" altLang="ko-KR" sz="4400">
               <a:solidFill>
                 <a:schemeClr val="tx1">
                   <a:lumMod val="50000"/>
@@ -12310,13 +12129,6 @@
   <p:clrMapOvr>
     <a:masterClrMapping/>
   </p:clrMapOvr>
-  <p:timing>
-    <p:tnLst>
-      <p:par>
-        <p:cTn id="1" dur="indefinite" restart="never" nodeType="tmRoot"/>
-      </p:par>
-    </p:tnLst>
-  </p:timing>
 </p:sld>
 </file>
 
@@ -12342,7 +12154,7 @@
           <p:cNvPr id="4" name="TextBox 3">
             <a:extLst>
               <a:ext uri="{FF2B5EF4-FFF2-40B4-BE49-F238E27FC236}">
-                <a16:creationId xmlns:a16="http://schemas.microsoft.com/office/drawing/2014/main" xmlns="" id="{7229BEA6-121E-9056-D07F-2B3BB1795F76}"/>
+                <a16:creationId xmlns:a16="http://schemas.microsoft.com/office/drawing/2014/main" id="{7229BEA6-121E-9056-D07F-2B3BB1795F76}"/>
               </a:ext>
             </a:extLst>
           </p:cNvPr>
@@ -12366,7 +12178,7 @@
           <a:lstStyle/>
           <a:p>
             <a:r>
-              <a:rPr lang="ko-KR" altLang="en-US" sz="6000" smtClean="0">
+              <a:rPr lang="ko-KR" altLang="en-US" sz="6000">
                 <a:solidFill>
                   <a:srgbClr val="4C50BB"/>
                 </a:solidFill>
@@ -12390,7 +12202,7 @@
           <p:cNvPr id="5" name="TextBox 4">
             <a:extLst>
               <a:ext uri="{FF2B5EF4-FFF2-40B4-BE49-F238E27FC236}">
-                <a16:creationId xmlns:a16="http://schemas.microsoft.com/office/drawing/2014/main" xmlns="" id="{5ADC00B6-990A-40DC-3CEA-505258F5E8DA}"/>
+                <a16:creationId xmlns:a16="http://schemas.microsoft.com/office/drawing/2014/main" id="{5ADC00B6-990A-40DC-3CEA-505258F5E8DA}"/>
               </a:ext>
             </a:extLst>
           </p:cNvPr>
@@ -12414,7 +12226,7 @@
           <a:lstStyle/>
           <a:p>
             <a:r>
-              <a:rPr lang="en-US" altLang="ko-KR" sz="4400" smtClean="0">
+              <a:rPr lang="en-US" altLang="ko-KR" sz="4400">
                 <a:solidFill>
                   <a:schemeClr val="tx1">
                     <a:lumMod val="50000"/>
@@ -12427,7 +12239,7 @@
               <a:t>1.</a:t>
             </a:r>
             <a:r>
-              <a:rPr lang="ko-KR" altLang="en-US" sz="4400" smtClean="0">
+              <a:rPr lang="ko-KR" altLang="en-US" sz="4400">
                 <a:solidFill>
                   <a:schemeClr val="tx1">
                     <a:lumMod val="50000"/>
@@ -12440,7 +12252,7 @@
               <a:t>단어의 첫글자는 대문자로 한다</a:t>
             </a:r>
             <a:r>
-              <a:rPr lang="en-US" altLang="ko-KR" sz="4400" smtClean="0">
+              <a:rPr lang="en-US" altLang="ko-KR" sz="4400">
                 <a:solidFill>
                   <a:schemeClr val="tx1">
                     <a:lumMod val="50000"/>
@@ -12465,24 +12277,11 @@
                 <a:latin typeface="G마켓 산스 Medium" panose="02000000000000000000" pitchFamily="50" charset="-127"/>
                 <a:ea typeface="G마켓 산스 Medium" panose="02000000000000000000" pitchFamily="50" charset="-127"/>
               </a:rPr>
-              <a:t> </a:t>
-            </a:r>
-            <a:r>
-              <a:rPr lang="en-US" altLang="ko-KR" sz="4400" smtClean="0">
-                <a:solidFill>
-                  <a:schemeClr val="tx1">
-                    <a:lumMod val="50000"/>
-                    <a:lumOff val="50000"/>
-                  </a:schemeClr>
-                </a:solidFill>
-                <a:latin typeface="G마켓 산스 Medium" panose="02000000000000000000" pitchFamily="50" charset="-127"/>
-                <a:ea typeface="G마켓 산스 Medium" panose="02000000000000000000" pitchFamily="50" charset="-127"/>
-              </a:rPr>
-              <a:t>     Age , Name, NodeList</a:t>
-            </a:r>
-          </a:p>
-          <a:p>
-            <a:endParaRPr lang="en-US" altLang="ko-KR" sz="4400" smtClean="0">
+              <a:t>      Age , Name, NodeList</a:t>
+            </a:r>
+          </a:p>
+          <a:p>
+            <a:endParaRPr lang="en-US" altLang="ko-KR" sz="4400">
               <a:solidFill>
                 <a:schemeClr val="tx1">
                   <a:lumMod val="50000"/>
@@ -12495,7 +12294,7 @@
           </a:p>
           <a:p>
             <a:r>
-              <a:rPr lang="en-US" altLang="ko-KR" sz="4400" smtClean="0">
+              <a:rPr lang="en-US" altLang="ko-KR" sz="4400">
                 <a:solidFill>
                   <a:schemeClr val="tx1">
                     <a:lumMod val="50000"/>
@@ -12508,7 +12307,7 @@
               <a:t>2.</a:t>
             </a:r>
             <a:r>
-              <a:rPr lang="ko-KR" altLang="en-US" sz="4400" smtClean="0">
+              <a:rPr lang="ko-KR" altLang="en-US" sz="4400">
                 <a:solidFill>
                   <a:schemeClr val="tx1">
                     <a:lumMod val="50000"/>
@@ -12521,7 +12320,7 @@
               <a:t>상수는 모두 대문자로 한다</a:t>
             </a:r>
             <a:r>
-              <a:rPr lang="en-US" altLang="ko-KR" sz="4400" smtClean="0">
+              <a:rPr lang="en-US" altLang="ko-KR" sz="4400">
                 <a:solidFill>
                   <a:schemeClr val="tx1">
                     <a:lumMod val="50000"/>
@@ -12534,7 +12333,7 @@
               <a:t>.(</a:t>
             </a:r>
             <a:r>
-              <a:rPr lang="ko-KR" altLang="en-US" sz="4400" smtClean="0">
+              <a:rPr lang="ko-KR" altLang="en-US" sz="4400">
                 <a:solidFill>
                   <a:schemeClr val="tx1">
                     <a:lumMod val="50000"/>
@@ -12547,7 +12346,7 @@
               <a:t>상수</a:t>
             </a:r>
             <a:r>
-              <a:rPr lang="en-US" altLang="ko-KR" sz="4400" smtClean="0">
+              <a:rPr lang="en-US" altLang="ko-KR" sz="4400">
                 <a:solidFill>
                   <a:schemeClr val="tx1">
                     <a:lumMod val="50000"/>
@@ -12560,7 +12359,7 @@
               <a:t>:</a:t>
             </a:r>
             <a:r>
-              <a:rPr lang="ko-KR" altLang="en-US" sz="4400" smtClean="0">
+              <a:rPr lang="ko-KR" altLang="en-US" sz="4400">
                 <a:solidFill>
                   <a:schemeClr val="tx1">
                     <a:lumMod val="50000"/>
@@ -12573,7 +12372,7 @@
               <a:t> 값이 고정된 변수</a:t>
             </a:r>
             <a:r>
-              <a:rPr lang="en-US" altLang="ko-KR" sz="4400" smtClean="0">
+              <a:rPr lang="en-US" altLang="ko-KR" sz="4400">
                 <a:solidFill>
                   <a:schemeClr val="tx1">
                     <a:lumMod val="50000"/>
@@ -12598,20 +12397,7 @@
                 <a:latin typeface="G마켓 산스 Medium" panose="02000000000000000000" pitchFamily="50" charset="-127"/>
                 <a:ea typeface="G마켓 산스 Medium" panose="02000000000000000000" pitchFamily="50" charset="-127"/>
               </a:rPr>
-              <a:t> </a:t>
-            </a:r>
-            <a:r>
-              <a:rPr lang="en-US" altLang="ko-KR" sz="4400" smtClean="0">
-                <a:solidFill>
-                  <a:schemeClr val="tx1">
-                    <a:lumMod val="50000"/>
-                    <a:lumOff val="50000"/>
-                  </a:schemeClr>
-                </a:solidFill>
-                <a:latin typeface="G마켓 산스 Medium" panose="02000000000000000000" pitchFamily="50" charset="-127"/>
-                <a:ea typeface="G마켓 산스 Medium" panose="02000000000000000000" pitchFamily="50" charset="-127"/>
-              </a:rPr>
-              <a:t>    PI, MAX, MIN</a:t>
+              <a:t>     PI, MAX, MIN</a:t>
             </a:r>
           </a:p>
         </p:txBody>
@@ -12626,13 +12412,6 @@
   <p:clrMapOvr>
     <a:masterClrMapping/>
   </p:clrMapOvr>
-  <p:timing>
-    <p:tnLst>
-      <p:par>
-        <p:cTn id="1" dur="indefinite" restart="never" nodeType="tmRoot"/>
-      </p:par>
-    </p:tnLst>
-  </p:timing>
 </p:sld>
 </file>
 
@@ -12658,7 +12437,7 @@
           <p:cNvPr id="4" name="TextBox 3">
             <a:extLst>
               <a:ext uri="{FF2B5EF4-FFF2-40B4-BE49-F238E27FC236}">
-                <a16:creationId xmlns:a16="http://schemas.microsoft.com/office/drawing/2014/main" xmlns="" id="{7229BEA6-121E-9056-D07F-2B3BB1795F76}"/>
+                <a16:creationId xmlns:a16="http://schemas.microsoft.com/office/drawing/2014/main" id="{7229BEA6-121E-9056-D07F-2B3BB1795F76}"/>
               </a:ext>
             </a:extLst>
           </p:cNvPr>
@@ -12682,7 +12461,7 @@
           <a:lstStyle/>
           <a:p>
             <a:r>
-              <a:rPr lang="ko-KR" altLang="en-US" sz="6000" smtClean="0">
+              <a:rPr lang="ko-KR" altLang="en-US" sz="6000">
                 <a:solidFill>
                   <a:srgbClr val="4C50BB"/>
                 </a:solidFill>
@@ -12759,13 +12538,6 @@
   <p:clrMapOvr>
     <a:masterClrMapping/>
   </p:clrMapOvr>
-  <p:timing>
-    <p:tnLst>
-      <p:par>
-        <p:cTn id="1" dur="indefinite" restart="never" nodeType="tmRoot"/>
-      </p:par>
-    </p:tnLst>
-  </p:timing>
 </p:sld>
 </file>
 
@@ -12815,7 +12587,7 @@
           <p:cNvPr id="6" name="직사각형 5">
             <a:extLst>
               <a:ext uri="{FF2B5EF4-FFF2-40B4-BE49-F238E27FC236}">
-                <a16:creationId xmlns:a16="http://schemas.microsoft.com/office/drawing/2014/main" xmlns="" id="{FFF506F9-840A-0508-4CAF-3AC711D8D5CE}"/>
+                <a16:creationId xmlns:a16="http://schemas.microsoft.com/office/drawing/2014/main" id="{FFF506F9-840A-0508-4CAF-3AC711D8D5CE}"/>
               </a:ext>
             </a:extLst>
           </p:cNvPr>
@@ -12867,7 +12639,7 @@
           <p:cNvPr id="7" name="직선 화살표 연결선 6">
             <a:extLst>
               <a:ext uri="{FF2B5EF4-FFF2-40B4-BE49-F238E27FC236}">
-                <a16:creationId xmlns:a16="http://schemas.microsoft.com/office/drawing/2014/main" xmlns="" id="{299DF5EC-9DF4-5255-06AC-0A7CE4FF58C3}"/>
+                <a16:creationId xmlns:a16="http://schemas.microsoft.com/office/drawing/2014/main" id="{299DF5EC-9DF4-5255-06AC-0A7CE4FF58C3}"/>
               </a:ext>
             </a:extLst>
           </p:cNvPr>
@@ -12908,7 +12680,7 @@
           <p:cNvPr id="8" name="TextBox 7">
             <a:extLst>
               <a:ext uri="{FF2B5EF4-FFF2-40B4-BE49-F238E27FC236}">
-                <a16:creationId xmlns:a16="http://schemas.microsoft.com/office/drawing/2014/main" xmlns="" id="{C6D113C6-EA5C-788F-0C77-E7CE6EBB865F}"/>
+                <a16:creationId xmlns:a16="http://schemas.microsoft.com/office/drawing/2014/main" id="{C6D113C6-EA5C-788F-0C77-E7CE6EBB865F}"/>
               </a:ext>
             </a:extLst>
           </p:cNvPr>
@@ -12932,7 +12704,7 @@
           <a:lstStyle/>
           <a:p>
             <a:r>
-              <a:rPr lang="ko-KR" altLang="en-US" sz="3200" smtClean="0">
+              <a:rPr lang="ko-KR" altLang="en-US" sz="3200">
                 <a:solidFill>
                   <a:srgbClr val="4C50BC"/>
                 </a:solidFill>
@@ -12961,13 +12733,6 @@
   <p:clrMapOvr>
     <a:masterClrMapping/>
   </p:clrMapOvr>
-  <p:timing>
-    <p:tnLst>
-      <p:par>
-        <p:cTn id="1" dur="indefinite" restart="never" nodeType="tmRoot"/>
-      </p:par>
-    </p:tnLst>
-  </p:timing>
 </p:sld>
 </file>
 
@@ -12993,7 +12758,7 @@
           <p:cNvPr id="2" name="TextBox 1">
             <a:extLst>
               <a:ext uri="{FF2B5EF4-FFF2-40B4-BE49-F238E27FC236}">
-                <a16:creationId xmlns:a16="http://schemas.microsoft.com/office/drawing/2014/main" xmlns="" id="{7229BEA6-121E-9056-D07F-2B3BB1795F76}"/>
+                <a16:creationId xmlns:a16="http://schemas.microsoft.com/office/drawing/2014/main" id="{7229BEA6-121E-9056-D07F-2B3BB1795F76}"/>
               </a:ext>
             </a:extLst>
           </p:cNvPr>
@@ -13017,7 +12782,7 @@
           <a:lstStyle/>
           <a:p>
             <a:r>
-              <a:rPr lang="ko-KR" altLang="en-US" sz="6000" smtClean="0">
+              <a:rPr lang="ko-KR" altLang="en-US" sz="6000">
                 <a:solidFill>
                   <a:srgbClr val="4C50BB"/>
                 </a:solidFill>
@@ -13041,7 +12806,7 @@
           <p:cNvPr id="5" name="그룹 1018">
             <a:extLst>
               <a:ext uri="{FF2B5EF4-FFF2-40B4-BE49-F238E27FC236}">
-                <a16:creationId xmlns:a16="http://schemas.microsoft.com/office/drawing/2014/main" xmlns="" id="{BE4AAF13-A11B-7E60-33C1-D156A6926154}"/>
+                <a16:creationId xmlns:a16="http://schemas.microsoft.com/office/drawing/2014/main" id="{BE4AAF13-A11B-7E60-33C1-D156A6926154}"/>
               </a:ext>
             </a:extLst>
           </p:cNvPr>
@@ -13061,7 +12826,7 @@
             <p:cNvPr id="6" name="Object 61">
               <a:extLst>
                 <a:ext uri="{FF2B5EF4-FFF2-40B4-BE49-F238E27FC236}">
-                  <a16:creationId xmlns:a16="http://schemas.microsoft.com/office/drawing/2014/main" xmlns="" id="{125B2204-5CAB-AF42-4145-B61B7DFFDB21}"/>
+                  <a16:creationId xmlns:a16="http://schemas.microsoft.com/office/drawing/2014/main" id="{125B2204-5CAB-AF42-4145-B61B7DFFDB21}"/>
                 </a:ext>
               </a:extLst>
             </p:cNvPr>
@@ -13092,7 +12857,7 @@
           <p:cNvPr id="7" name="그룹 1021">
             <a:extLst>
               <a:ext uri="{FF2B5EF4-FFF2-40B4-BE49-F238E27FC236}">
-                <a16:creationId xmlns:a16="http://schemas.microsoft.com/office/drawing/2014/main" xmlns="" id="{DAE466EB-8914-A47B-444E-4C193B0D877A}"/>
+                <a16:creationId xmlns:a16="http://schemas.microsoft.com/office/drawing/2014/main" id="{DAE466EB-8914-A47B-444E-4C193B0D877A}"/>
               </a:ext>
             </a:extLst>
           </p:cNvPr>
@@ -13112,7 +12877,7 @@
             <p:cNvPr id="8" name="Object 71">
               <a:extLst>
                 <a:ext uri="{FF2B5EF4-FFF2-40B4-BE49-F238E27FC236}">
-                  <a16:creationId xmlns:a16="http://schemas.microsoft.com/office/drawing/2014/main" xmlns="" id="{44802802-8C0A-9B02-4940-D16EEB7C206A}"/>
+                  <a16:creationId xmlns:a16="http://schemas.microsoft.com/office/drawing/2014/main" id="{44802802-8C0A-9B02-4940-D16EEB7C206A}"/>
                 </a:ext>
               </a:extLst>
             </p:cNvPr>
@@ -13143,7 +12908,7 @@
           <p:cNvPr id="9" name="그룹 1024">
             <a:extLst>
               <a:ext uri="{FF2B5EF4-FFF2-40B4-BE49-F238E27FC236}">
-                <a16:creationId xmlns:a16="http://schemas.microsoft.com/office/drawing/2014/main" xmlns="" id="{48B1F9B2-501C-80B7-7C7B-CFA80857C34A}"/>
+                <a16:creationId xmlns:a16="http://schemas.microsoft.com/office/drawing/2014/main" id="{48B1F9B2-501C-80B7-7C7B-CFA80857C34A}"/>
               </a:ext>
             </a:extLst>
           </p:cNvPr>
@@ -13163,7 +12928,7 @@
             <p:cNvPr id="10" name="Object 81">
               <a:extLst>
                 <a:ext uri="{FF2B5EF4-FFF2-40B4-BE49-F238E27FC236}">
-                  <a16:creationId xmlns:a16="http://schemas.microsoft.com/office/drawing/2014/main" xmlns="" id="{A427AC54-6F46-2451-454E-795C016377BE}"/>
+                  <a16:creationId xmlns:a16="http://schemas.microsoft.com/office/drawing/2014/main" id="{A427AC54-6F46-2451-454E-795C016377BE}"/>
                 </a:ext>
               </a:extLst>
             </p:cNvPr>
@@ -13194,7 +12959,7 @@
           <p:cNvPr id="12" name="TextBox 11">
             <a:extLst>
               <a:ext uri="{FF2B5EF4-FFF2-40B4-BE49-F238E27FC236}">
-                <a16:creationId xmlns:a16="http://schemas.microsoft.com/office/drawing/2014/main" xmlns="" id="{4EDAA912-8FA0-0F11-119B-EA9F8B36A489}"/>
+                <a16:creationId xmlns:a16="http://schemas.microsoft.com/office/drawing/2014/main" id="{4EDAA912-8FA0-0F11-119B-EA9F8B36A489}"/>
               </a:ext>
             </a:extLst>
           </p:cNvPr>
@@ -13218,7 +12983,7 @@
           <a:lstStyle/>
           <a:p>
             <a:r>
-              <a:rPr lang="ko-KR" altLang="en-US" sz="3200" smtClean="0">
+              <a:rPr lang="ko-KR" altLang="en-US" sz="3200">
                 <a:solidFill>
                   <a:srgbClr val="4D4848"/>
                 </a:solidFill>
@@ -13228,34 +12993,14 @@
               <a:t>문자 </a:t>
             </a:r>
             <a:r>
-              <a:rPr lang="en-US" altLang="ko-KR" sz="3200" smtClean="0">
+              <a:rPr lang="en-US" altLang="ko-KR" sz="3200">
                 <a:solidFill>
                   <a:srgbClr val="4D4848"/>
                 </a:solidFill>
                 <a:latin typeface="G마켓 산스 Medium" panose="02000000000000000000" pitchFamily="50" charset="-127"/>
                 <a:ea typeface="G마켓 산스 Medium" panose="02000000000000000000" pitchFamily="50" charset="-127"/>
               </a:rPr>
-              <a:t>‘</a:t>
-            </a:r>
-            <a:r>
-              <a:rPr lang="en-US" altLang="ko-KR" sz="3200">
-                <a:solidFill>
-                  <a:srgbClr val="4D4848"/>
-                </a:solidFill>
-                <a:latin typeface="G마켓 산스 Medium" panose="02000000000000000000" pitchFamily="50" charset="-127"/>
-                <a:ea typeface="G마켓 산스 Medium" panose="02000000000000000000" pitchFamily="50" charset="-127"/>
-              </a:rPr>
-              <a:t>a</a:t>
-            </a:r>
-            <a:r>
-              <a:rPr lang="en-US" altLang="ko-KR" sz="3200" smtClean="0">
-                <a:solidFill>
-                  <a:srgbClr val="4D4848"/>
-                </a:solidFill>
-                <a:latin typeface="G마켓 산스 Medium" panose="02000000000000000000" pitchFamily="50" charset="-127"/>
-                <a:ea typeface="G마켓 산스 Medium" panose="02000000000000000000" pitchFamily="50" charset="-127"/>
-              </a:rPr>
-              <a:t>’ ‘1’ “abc”</a:t>
+              <a:t>‘a’ ‘1’ “abc”</a:t>
             </a:r>
             <a:endParaRPr lang="ko-KR" altLang="en-US" sz="2400" dirty="0">
               <a:solidFill>
@@ -13272,7 +13017,7 @@
           <p:cNvPr id="13" name="TextBox 12">
             <a:extLst>
               <a:ext uri="{FF2B5EF4-FFF2-40B4-BE49-F238E27FC236}">
-                <a16:creationId xmlns:a16="http://schemas.microsoft.com/office/drawing/2014/main" xmlns="" id="{50E9E326-9165-4EB7-F036-2D0C3593471A}"/>
+                <a16:creationId xmlns:a16="http://schemas.microsoft.com/office/drawing/2014/main" id="{50E9E326-9165-4EB7-F036-2D0C3593471A}"/>
               </a:ext>
             </a:extLst>
           </p:cNvPr>
@@ -13296,7 +13041,7 @@
           <a:lstStyle/>
           <a:p>
             <a:r>
-              <a:rPr lang="ko-KR" altLang="en-US" sz="3600" smtClean="0">
+              <a:rPr lang="ko-KR" altLang="en-US" sz="3600">
                 <a:solidFill>
                   <a:srgbClr val="4D4848"/>
                 </a:solidFill>
@@ -13320,7 +13065,7 @@
           <p:cNvPr id="14" name="TextBox 13">
             <a:extLst>
               <a:ext uri="{FF2B5EF4-FFF2-40B4-BE49-F238E27FC236}">
-                <a16:creationId xmlns:a16="http://schemas.microsoft.com/office/drawing/2014/main" xmlns="" id="{A827F657-20B0-7A83-02DD-3C1A851412BF}"/>
+                <a16:creationId xmlns:a16="http://schemas.microsoft.com/office/drawing/2014/main" id="{A827F657-20B0-7A83-02DD-3C1A851412BF}"/>
               </a:ext>
             </a:extLst>
           </p:cNvPr>
@@ -13344,7 +13089,7 @@
           <a:lstStyle/>
           <a:p>
             <a:r>
-              <a:rPr lang="ko-KR" altLang="en-US" sz="3600" smtClean="0">
+              <a:rPr lang="ko-KR" altLang="en-US" sz="3600">
                 <a:solidFill>
                   <a:srgbClr val="4D4848"/>
                 </a:solidFill>
@@ -13368,7 +13113,7 @@
           <p:cNvPr id="15" name="직선 화살표 연결선 14">
             <a:extLst>
               <a:ext uri="{FF2B5EF4-FFF2-40B4-BE49-F238E27FC236}">
-                <a16:creationId xmlns:a16="http://schemas.microsoft.com/office/drawing/2014/main" xmlns="" id="{6C0677B1-2150-0DB1-2BB2-EE13A87409E9}"/>
+                <a16:creationId xmlns:a16="http://schemas.microsoft.com/office/drawing/2014/main" id="{6C0677B1-2150-0DB1-2BB2-EE13A87409E9}"/>
               </a:ext>
             </a:extLst>
           </p:cNvPr>
@@ -13410,7 +13155,7 @@
           <p:cNvPr id="16" name="직선 화살표 연결선 15">
             <a:extLst>
               <a:ext uri="{FF2B5EF4-FFF2-40B4-BE49-F238E27FC236}">
-                <a16:creationId xmlns:a16="http://schemas.microsoft.com/office/drawing/2014/main" xmlns="" id="{B773A3B5-3F30-19DC-A062-3EA5F2503987}"/>
+                <a16:creationId xmlns:a16="http://schemas.microsoft.com/office/drawing/2014/main" id="{B773A3B5-3F30-19DC-A062-3EA5F2503987}"/>
               </a:ext>
             </a:extLst>
           </p:cNvPr>
@@ -13452,7 +13197,7 @@
           <p:cNvPr id="18" name="그룹 1024">
             <a:extLst>
               <a:ext uri="{FF2B5EF4-FFF2-40B4-BE49-F238E27FC236}">
-                <a16:creationId xmlns:a16="http://schemas.microsoft.com/office/drawing/2014/main" xmlns="" id="{48B1F9B2-501C-80B7-7C7B-CFA80857C34A}"/>
+                <a16:creationId xmlns:a16="http://schemas.microsoft.com/office/drawing/2014/main" id="{48B1F9B2-501C-80B7-7C7B-CFA80857C34A}"/>
               </a:ext>
             </a:extLst>
           </p:cNvPr>
@@ -13472,7 +13217,7 @@
             <p:cNvPr id="19" name="Object 81">
               <a:extLst>
                 <a:ext uri="{FF2B5EF4-FFF2-40B4-BE49-F238E27FC236}">
-                  <a16:creationId xmlns:a16="http://schemas.microsoft.com/office/drawing/2014/main" xmlns="" id="{A427AC54-6F46-2451-454E-795C016377BE}"/>
+                  <a16:creationId xmlns:a16="http://schemas.microsoft.com/office/drawing/2014/main" id="{A427AC54-6F46-2451-454E-795C016377BE}"/>
                 </a:ext>
               </a:extLst>
             </p:cNvPr>
@@ -13503,7 +13248,7 @@
           <p:cNvPr id="20" name="TextBox 19">
             <a:extLst>
               <a:ext uri="{FF2B5EF4-FFF2-40B4-BE49-F238E27FC236}">
-                <a16:creationId xmlns:a16="http://schemas.microsoft.com/office/drawing/2014/main" xmlns="" id="{A827F657-20B0-7A83-02DD-3C1A851412BF}"/>
+                <a16:creationId xmlns:a16="http://schemas.microsoft.com/office/drawing/2014/main" id="{A827F657-20B0-7A83-02DD-3C1A851412BF}"/>
               </a:ext>
             </a:extLst>
           </p:cNvPr>
@@ -13527,7 +13272,7 @@
           <a:lstStyle/>
           <a:p>
             <a:r>
-              <a:rPr lang="ko-KR" altLang="en-US" sz="3600" smtClean="0">
+              <a:rPr lang="ko-KR" altLang="en-US" sz="3600">
                 <a:solidFill>
                   <a:srgbClr val="4D4848"/>
                 </a:solidFill>
@@ -13537,7 +13282,7 @@
               <a:t>정수 </a:t>
             </a:r>
             <a:r>
-              <a:rPr lang="en-US" altLang="ko-KR" sz="3600" smtClean="0">
+              <a:rPr lang="en-US" altLang="ko-KR" sz="3600">
                 <a:solidFill>
                   <a:srgbClr val="4D4848"/>
                 </a:solidFill>
@@ -13561,7 +13306,7 @@
           <p:cNvPr id="21" name="그룹 1024">
             <a:extLst>
               <a:ext uri="{FF2B5EF4-FFF2-40B4-BE49-F238E27FC236}">
-                <a16:creationId xmlns:a16="http://schemas.microsoft.com/office/drawing/2014/main" xmlns="" id="{48B1F9B2-501C-80B7-7C7B-CFA80857C34A}"/>
+                <a16:creationId xmlns:a16="http://schemas.microsoft.com/office/drawing/2014/main" id="{48B1F9B2-501C-80B7-7C7B-CFA80857C34A}"/>
               </a:ext>
             </a:extLst>
           </p:cNvPr>
@@ -13581,7 +13326,7 @@
             <p:cNvPr id="22" name="Object 81">
               <a:extLst>
                 <a:ext uri="{FF2B5EF4-FFF2-40B4-BE49-F238E27FC236}">
-                  <a16:creationId xmlns:a16="http://schemas.microsoft.com/office/drawing/2014/main" xmlns="" id="{A427AC54-6F46-2451-454E-795C016377BE}"/>
+                  <a16:creationId xmlns:a16="http://schemas.microsoft.com/office/drawing/2014/main" id="{A427AC54-6F46-2451-454E-795C016377BE}"/>
                 </a:ext>
               </a:extLst>
             </p:cNvPr>
@@ -13612,7 +13357,7 @@
           <p:cNvPr id="23" name="TextBox 22">
             <a:extLst>
               <a:ext uri="{FF2B5EF4-FFF2-40B4-BE49-F238E27FC236}">
-                <a16:creationId xmlns:a16="http://schemas.microsoft.com/office/drawing/2014/main" xmlns="" id="{A827F657-20B0-7A83-02DD-3C1A851412BF}"/>
+                <a16:creationId xmlns:a16="http://schemas.microsoft.com/office/drawing/2014/main" id="{A827F657-20B0-7A83-02DD-3C1A851412BF}"/>
               </a:ext>
             </a:extLst>
           </p:cNvPr>
@@ -13636,7 +13381,7 @@
           <a:lstStyle/>
           <a:p>
             <a:r>
-              <a:rPr lang="ko-KR" altLang="en-US" sz="3600" smtClean="0">
+              <a:rPr lang="ko-KR" altLang="en-US" sz="3600">
                 <a:solidFill>
                   <a:srgbClr val="4D4848"/>
                 </a:solidFill>
@@ -13646,7 +13391,7 @@
               <a:t>실수 </a:t>
             </a:r>
             <a:r>
-              <a:rPr lang="en-US" altLang="ko-KR" sz="3600" smtClean="0">
+              <a:rPr lang="en-US" altLang="ko-KR" sz="3600">
                 <a:solidFill>
                   <a:srgbClr val="4D4848"/>
                 </a:solidFill>
@@ -13670,7 +13415,7 @@
           <p:cNvPr id="24" name="그룹 1024">
             <a:extLst>
               <a:ext uri="{FF2B5EF4-FFF2-40B4-BE49-F238E27FC236}">
-                <a16:creationId xmlns:a16="http://schemas.microsoft.com/office/drawing/2014/main" xmlns="" id="{48B1F9B2-501C-80B7-7C7B-CFA80857C34A}"/>
+                <a16:creationId xmlns:a16="http://schemas.microsoft.com/office/drawing/2014/main" id="{48B1F9B2-501C-80B7-7C7B-CFA80857C34A}"/>
               </a:ext>
             </a:extLst>
           </p:cNvPr>
@@ -13690,7 +13435,7 @@
             <p:cNvPr id="25" name="Object 81">
               <a:extLst>
                 <a:ext uri="{FF2B5EF4-FFF2-40B4-BE49-F238E27FC236}">
-                  <a16:creationId xmlns:a16="http://schemas.microsoft.com/office/drawing/2014/main" xmlns="" id="{A427AC54-6F46-2451-454E-795C016377BE}"/>
+                  <a16:creationId xmlns:a16="http://schemas.microsoft.com/office/drawing/2014/main" id="{A427AC54-6F46-2451-454E-795C016377BE}"/>
                 </a:ext>
               </a:extLst>
             </p:cNvPr>
@@ -13721,7 +13466,7 @@
           <p:cNvPr id="26" name="TextBox 25">
             <a:extLst>
               <a:ext uri="{FF2B5EF4-FFF2-40B4-BE49-F238E27FC236}">
-                <a16:creationId xmlns:a16="http://schemas.microsoft.com/office/drawing/2014/main" xmlns="" id="{A827F657-20B0-7A83-02DD-3C1A851412BF}"/>
+                <a16:creationId xmlns:a16="http://schemas.microsoft.com/office/drawing/2014/main" id="{A827F657-20B0-7A83-02DD-3C1A851412BF}"/>
               </a:ext>
             </a:extLst>
           </p:cNvPr>
@@ -13745,7 +13490,7 @@
           <a:lstStyle/>
           <a:p>
             <a:r>
-              <a:rPr lang="ko-KR" altLang="en-US" sz="3600" smtClean="0">
+              <a:rPr lang="ko-KR" altLang="en-US" sz="3600">
                 <a:solidFill>
                   <a:srgbClr val="4D4848"/>
                 </a:solidFill>
@@ -13769,7 +13514,7 @@
           <p:cNvPr id="29" name="직선 화살표 연결선 28">
             <a:extLst>
               <a:ext uri="{FF2B5EF4-FFF2-40B4-BE49-F238E27FC236}">
-                <a16:creationId xmlns:a16="http://schemas.microsoft.com/office/drawing/2014/main" xmlns="" id="{6C0677B1-2150-0DB1-2BB2-EE13A87409E9}"/>
+                <a16:creationId xmlns:a16="http://schemas.microsoft.com/office/drawing/2014/main" id="{6C0677B1-2150-0DB1-2BB2-EE13A87409E9}"/>
               </a:ext>
             </a:extLst>
           </p:cNvPr>
@@ -13810,7 +13555,7 @@
           <p:cNvPr id="30" name="직선 화살표 연결선 29">
             <a:extLst>
               <a:ext uri="{FF2B5EF4-FFF2-40B4-BE49-F238E27FC236}">
-                <a16:creationId xmlns:a16="http://schemas.microsoft.com/office/drawing/2014/main" xmlns="" id="{B773A3B5-3F30-19DC-A062-3EA5F2503987}"/>
+                <a16:creationId xmlns:a16="http://schemas.microsoft.com/office/drawing/2014/main" id="{B773A3B5-3F30-19DC-A062-3EA5F2503987}"/>
               </a:ext>
             </a:extLst>
           </p:cNvPr>
@@ -13852,7 +13597,7 @@
           <p:cNvPr id="33" name="표 16">
             <a:extLst>
               <a:ext uri="{FF2B5EF4-FFF2-40B4-BE49-F238E27FC236}">
-                <a16:creationId xmlns:a16="http://schemas.microsoft.com/office/drawing/2014/main" xmlns="" id="{F03C45C7-6EB1-7871-F0F7-945F667135C4}"/>
+                <a16:creationId xmlns:a16="http://schemas.microsoft.com/office/drawing/2014/main" id="{F03C45C7-6EB1-7871-F0F7-945F667135C4}"/>
               </a:ext>
             </a:extLst>
           </p:cNvPr>
@@ -13881,14 +13626,14 @@
                 <a:gridCol w="1295400">
                   <a:extLst>
                     <a:ext uri="{9D8B030D-6E8A-4147-A177-3AD203B41FA5}">
-                      <a16:colId xmlns:a16="http://schemas.microsoft.com/office/drawing/2014/main" xmlns="" val="2433761377"/>
+                      <a16:colId xmlns:a16="http://schemas.microsoft.com/office/drawing/2014/main" val="2433761377"/>
                     </a:ext>
                   </a:extLst>
                 </a:gridCol>
                 <a:gridCol w="2133600">
                   <a:extLst>
                     <a:ext uri="{9D8B030D-6E8A-4147-A177-3AD203B41FA5}">
-                      <a16:colId xmlns:a16="http://schemas.microsoft.com/office/drawing/2014/main" xmlns="" val="926389809"/>
+                      <a16:colId xmlns:a16="http://schemas.microsoft.com/office/drawing/2014/main" val="926389809"/>
                     </a:ext>
                   </a:extLst>
                 </a:gridCol>
@@ -14014,7 +13759,7 @@
                 </a:tc>
                 <a:extLst>
                   <a:ext uri="{0D108BD9-81ED-4DB2-BD59-A6C34878D82A}">
-                    <a16:rowId xmlns:a16="http://schemas.microsoft.com/office/drawing/2014/main" xmlns="" val="2504948727"/>
+                    <a16:rowId xmlns:a16="http://schemas.microsoft.com/office/drawing/2014/main" val="2504948727"/>
                   </a:ext>
                 </a:extLst>
               </a:tr>
@@ -14143,7 +13888,7 @@
                 </a:tc>
                 <a:extLst>
                   <a:ext uri="{0D108BD9-81ED-4DB2-BD59-A6C34878D82A}">
-                    <a16:rowId xmlns:a16="http://schemas.microsoft.com/office/drawing/2014/main" xmlns="" val="3647525178"/>
+                    <a16:rowId xmlns:a16="http://schemas.microsoft.com/office/drawing/2014/main" val="3647525178"/>
                   </a:ext>
                 </a:extLst>
               </a:tr>
@@ -14256,7 +14001,7 @@
                 </a:tc>
                 <a:extLst>
                   <a:ext uri="{0D108BD9-81ED-4DB2-BD59-A6C34878D82A}">
-                    <a16:rowId xmlns:a16="http://schemas.microsoft.com/office/drawing/2014/main" xmlns="" val="2672623231"/>
+                    <a16:rowId xmlns:a16="http://schemas.microsoft.com/office/drawing/2014/main" val="2672623231"/>
                   </a:ext>
                 </a:extLst>
               </a:tr>
@@ -14365,7 +14110,7 @@
                 </a:tc>
                 <a:extLst>
                   <a:ext uri="{0D108BD9-81ED-4DB2-BD59-A6C34878D82A}">
-                    <a16:rowId xmlns:a16="http://schemas.microsoft.com/office/drawing/2014/main" xmlns="" val="2996999142"/>
+                    <a16:rowId xmlns:a16="http://schemas.microsoft.com/office/drawing/2014/main" val="2996999142"/>
                   </a:ext>
                 </a:extLst>
               </a:tr>
@@ -14474,7 +14219,7 @@
                 </a:tc>
                 <a:extLst>
                   <a:ext uri="{0D108BD9-81ED-4DB2-BD59-A6C34878D82A}">
-                    <a16:rowId xmlns:a16="http://schemas.microsoft.com/office/drawing/2014/main" xmlns="" val="2275222586"/>
+                    <a16:rowId xmlns:a16="http://schemas.microsoft.com/office/drawing/2014/main" val="2275222586"/>
                   </a:ext>
                 </a:extLst>
               </a:tr>
@@ -14587,7 +14332,7 @@
                 </a:tc>
                 <a:extLst>
                   <a:ext uri="{0D108BD9-81ED-4DB2-BD59-A6C34878D82A}">
-                    <a16:rowId xmlns:a16="http://schemas.microsoft.com/office/drawing/2014/main" xmlns="" val="1918467740"/>
+                    <a16:rowId xmlns:a16="http://schemas.microsoft.com/office/drawing/2014/main" val="1918467740"/>
                   </a:ext>
                 </a:extLst>
               </a:tr>
@@ -14700,7 +14445,7 @@
                 </a:tc>
                 <a:extLst>
                   <a:ext uri="{0D108BD9-81ED-4DB2-BD59-A6C34878D82A}">
-                    <a16:rowId xmlns:a16="http://schemas.microsoft.com/office/drawing/2014/main" xmlns="" val="168351104"/>
+                    <a16:rowId xmlns:a16="http://schemas.microsoft.com/office/drawing/2014/main" val="168351104"/>
                   </a:ext>
                 </a:extLst>
               </a:tr>
@@ -14781,11 +14526,11 @@
                     <a:p>
                       <a:pPr latinLnBrk="1"/>
                       <a:r>
-                        <a:rPr lang="ko-KR" altLang="en-US" smtClean="0"/>
+                        <a:rPr lang="ko-KR" altLang="en-US"/>
                         <a:t>객체의정보</a:t>
                       </a:r>
                       <a:r>
-                        <a:rPr lang="en-US" altLang="ko-KR" smtClean="0"/>
+                        <a:rPr lang="en-US" altLang="ko-KR"/>
                         <a:t>…</a:t>
                       </a:r>
                       <a:endParaRPr lang="ko-KR" altLang="en-US" dirty="0"/>
@@ -14833,7 +14578,7 @@
                 </a:tc>
                 <a:extLst>
                   <a:ext uri="{0D108BD9-81ED-4DB2-BD59-A6C34878D82A}">
-                    <a16:rowId xmlns:a16="http://schemas.microsoft.com/office/drawing/2014/main" xmlns="" val="1446898692"/>
+                    <a16:rowId xmlns:a16="http://schemas.microsoft.com/office/drawing/2014/main" val="1446898692"/>
                   </a:ext>
                 </a:extLst>
               </a:tr>
@@ -14958,7 +14703,7 @@
                 </a:tc>
                 <a:extLst>
                   <a:ext uri="{0D108BD9-81ED-4DB2-BD59-A6C34878D82A}">
-                    <a16:rowId xmlns:a16="http://schemas.microsoft.com/office/drawing/2014/main" xmlns="" val="2069871938"/>
+                    <a16:rowId xmlns:a16="http://schemas.microsoft.com/office/drawing/2014/main" val="2069871938"/>
                   </a:ext>
                 </a:extLst>
               </a:tr>
@@ -14971,7 +14716,7 @@
           <p:cNvPr id="34" name="직사각형 33">
             <a:extLst>
               <a:ext uri="{FF2B5EF4-FFF2-40B4-BE49-F238E27FC236}">
-                <a16:creationId xmlns:a16="http://schemas.microsoft.com/office/drawing/2014/main" xmlns="" id="{FFF506F9-840A-0508-4CAF-3AC711D8D5CE}"/>
+                <a16:creationId xmlns:a16="http://schemas.microsoft.com/office/drawing/2014/main" id="{FFF506F9-840A-0508-4CAF-3AC711D8D5CE}"/>
               </a:ext>
             </a:extLst>
           </p:cNvPr>
@@ -15023,7 +14768,7 @@
           <p:cNvPr id="35" name="그룹 1024">
             <a:extLst>
               <a:ext uri="{FF2B5EF4-FFF2-40B4-BE49-F238E27FC236}">
-                <a16:creationId xmlns:a16="http://schemas.microsoft.com/office/drawing/2014/main" xmlns="" id="{48B1F9B2-501C-80B7-7C7B-CFA80857C34A}"/>
+                <a16:creationId xmlns:a16="http://schemas.microsoft.com/office/drawing/2014/main" id="{48B1F9B2-501C-80B7-7C7B-CFA80857C34A}"/>
               </a:ext>
             </a:extLst>
           </p:cNvPr>
@@ -15043,7 +14788,7 @@
             <p:cNvPr id="36" name="Object 81">
               <a:extLst>
                 <a:ext uri="{FF2B5EF4-FFF2-40B4-BE49-F238E27FC236}">
-                  <a16:creationId xmlns:a16="http://schemas.microsoft.com/office/drawing/2014/main" xmlns="" id="{A427AC54-6F46-2451-454E-795C016377BE}"/>
+                  <a16:creationId xmlns:a16="http://schemas.microsoft.com/office/drawing/2014/main" id="{A427AC54-6F46-2451-454E-795C016377BE}"/>
                 </a:ext>
               </a:extLst>
             </p:cNvPr>
@@ -15074,7 +14819,7 @@
           <p:cNvPr id="37" name="TextBox 36">
             <a:extLst>
               <a:ext uri="{FF2B5EF4-FFF2-40B4-BE49-F238E27FC236}">
-                <a16:creationId xmlns:a16="http://schemas.microsoft.com/office/drawing/2014/main" xmlns="" id="{A827F657-20B0-7A83-02DD-3C1A851412BF}"/>
+                <a16:creationId xmlns:a16="http://schemas.microsoft.com/office/drawing/2014/main" id="{A827F657-20B0-7A83-02DD-3C1A851412BF}"/>
               </a:ext>
             </a:extLst>
           </p:cNvPr>
@@ -15098,7 +14843,7 @@
           <a:lstStyle/>
           <a:p>
             <a:r>
-              <a:rPr lang="ko-KR" altLang="en-US" sz="3600" smtClean="0">
+              <a:rPr lang="ko-KR" altLang="en-US" sz="3600">
                 <a:solidFill>
                   <a:srgbClr val="4D4848"/>
                 </a:solidFill>
@@ -15122,7 +14867,7 @@
           <p:cNvPr id="38" name="직선 화살표 연결선 37">
             <a:extLst>
               <a:ext uri="{FF2B5EF4-FFF2-40B4-BE49-F238E27FC236}">
-                <a16:creationId xmlns:a16="http://schemas.microsoft.com/office/drawing/2014/main" xmlns="" id="{B773A3B5-3F30-19DC-A062-3EA5F2503987}"/>
+                <a16:creationId xmlns:a16="http://schemas.microsoft.com/office/drawing/2014/main" id="{B773A3B5-3F30-19DC-A062-3EA5F2503987}"/>
               </a:ext>
             </a:extLst>
           </p:cNvPr>
@@ -15168,13 +14913,6 @@
   <p:clrMapOvr>
     <a:masterClrMapping/>
   </p:clrMapOvr>
-  <p:timing>
-    <p:tnLst>
-      <p:par>
-        <p:cTn id="1" dur="indefinite" restart="never" nodeType="tmRoot"/>
-      </p:par>
-    </p:tnLst>
-  </p:timing>
 </p:sld>
 </file>
 
@@ -15200,7 +14938,7 @@
           <p:cNvPr id="4" name="표 2">
             <a:extLst>
               <a:ext uri="{FF2B5EF4-FFF2-40B4-BE49-F238E27FC236}">
-                <a16:creationId xmlns:a16="http://schemas.microsoft.com/office/drawing/2014/main" xmlns="" id="{809219FD-62A9-5E27-ACCD-E1227D05FBC9}"/>
+                <a16:creationId xmlns:a16="http://schemas.microsoft.com/office/drawing/2014/main" id="{809219FD-62A9-5E27-ACCD-E1227D05FBC9}"/>
               </a:ext>
             </a:extLst>
           </p:cNvPr>
@@ -15229,18 +14967,24 @@
                 <a:gridCol w="1611053">
                   <a:extLst>
                     <a:ext uri="{9D8B030D-6E8A-4147-A177-3AD203B41FA5}">
-                      <a16:colId xmlns:a16="http://schemas.microsoft.com/office/drawing/2014/main" xmlns="" val="1960770391"/>
+                      <a16:colId xmlns:a16="http://schemas.microsoft.com/office/drawing/2014/main" val="1960770391"/>
                     </a:ext>
                   </a:extLst>
                 </a:gridCol>
                 <a:gridCol w="2890174">
                   <a:extLst>
                     <a:ext uri="{9D8B030D-6E8A-4147-A177-3AD203B41FA5}">
-                      <a16:colId xmlns:a16="http://schemas.microsoft.com/office/drawing/2014/main" xmlns="" val="733308553"/>
+                      <a16:colId xmlns:a16="http://schemas.microsoft.com/office/drawing/2014/main" val="733308553"/>
                     </a:ext>
                   </a:extLst>
                 </a:gridCol>
-                <a:gridCol w="2890174"/>
+                <a:gridCol w="2890174">
+                  <a:extLst>
+                    <a:ext uri="{9D8B030D-6E8A-4147-A177-3AD203B41FA5}">
+                      <a16:colId xmlns:a16="http://schemas.microsoft.com/office/drawing/2014/main" val="20002"/>
+                    </a:ext>
+                  </a:extLst>
+                </a:gridCol>
               </a:tblGrid>
               <a:tr h="533400">
                 <a:tc>
@@ -15250,18 +14994,13 @@
                     <a:p>
                       <a:pPr latinLnBrk="1"/>
                       <a:r>
-                        <a:rPr lang="ko-KR" altLang="en-US" sz="3200" smtClean="0">
+                        <a:rPr lang="ko-KR" altLang="en-US" sz="3200">
                           <a:solidFill>
                             <a:schemeClr val="bg1"/>
                           </a:solidFill>
                         </a:rPr>
                         <a:t>종류</a:t>
                       </a:r>
-                      <a:endParaRPr lang="ko-KR" altLang="en-US" sz="3200">
-                        <a:solidFill>
-                          <a:schemeClr val="bg1"/>
-                        </a:solidFill>
-                      </a:endParaRPr>
                     </a:p>
                   </a:txBody>
                   <a:tcPr>
@@ -15313,18 +15052,13 @@
                     <a:p>
                       <a:pPr latinLnBrk="1"/>
                       <a:r>
-                        <a:rPr lang="ko-KR" altLang="en-US" sz="3200" smtClean="0">
+                        <a:rPr lang="ko-KR" altLang="en-US" sz="3200">
                           <a:solidFill>
                             <a:schemeClr val="bg1"/>
                           </a:solidFill>
                         </a:rPr>
                         <a:t>이름</a:t>
                       </a:r>
-                      <a:endParaRPr lang="ko-KR" altLang="en-US" sz="3200">
-                        <a:solidFill>
-                          <a:schemeClr val="bg1"/>
-                        </a:solidFill>
-                      </a:endParaRPr>
                     </a:p>
                   </a:txBody>
                   <a:tcPr>
@@ -15376,18 +15110,13 @@
                     <a:p>
                       <a:pPr latinLnBrk="1"/>
                       <a:r>
-                        <a:rPr lang="ko-KR" altLang="en-US" sz="3200" smtClean="0">
+                        <a:rPr lang="ko-KR" altLang="en-US" sz="3200">
                           <a:solidFill>
                             <a:schemeClr val="bg1"/>
                           </a:solidFill>
                         </a:rPr>
                         <a:t>값</a:t>
                       </a:r>
-                      <a:endParaRPr lang="ko-KR" altLang="en-US" sz="3200">
-                        <a:solidFill>
-                          <a:schemeClr val="bg1"/>
-                        </a:solidFill>
-                      </a:endParaRPr>
                     </a:p>
                   </a:txBody>
                   <a:tcPr>
@@ -15434,7 +15163,7 @@
                 </a:tc>
                 <a:extLst>
                   <a:ext uri="{0D108BD9-81ED-4DB2-BD59-A6C34878D82A}">
-                    <a16:rowId xmlns:a16="http://schemas.microsoft.com/office/drawing/2014/main" xmlns="" val="2452905565"/>
+                    <a16:rowId xmlns:a16="http://schemas.microsoft.com/office/drawing/2014/main" val="2452905565"/>
                   </a:ext>
                 </a:extLst>
               </a:tr>
@@ -15446,7 +15175,7 @@
                     <a:p>
                       <a:pPr latinLnBrk="1"/>
                       <a:r>
-                        <a:rPr lang="ko-KR" altLang="en-US" sz="3200" smtClean="0">
+                        <a:rPr lang="ko-KR" altLang="en-US" sz="3200">
                           <a:solidFill>
                             <a:schemeClr val="tx1">
                               <a:lumMod val="50000"/>
@@ -15456,14 +15185,6 @@
                         </a:rPr>
                         <a:t>논리형</a:t>
                       </a:r>
-                      <a:endParaRPr lang="ko-KR" altLang="en-US" sz="3200">
-                        <a:solidFill>
-                          <a:schemeClr val="tx1">
-                            <a:lumMod val="50000"/>
-                            <a:lumOff val="50000"/>
-                          </a:schemeClr>
-                        </a:solidFill>
-                      </a:endParaRPr>
                     </a:p>
                   </a:txBody>
                   <a:tcPr>
@@ -15513,7 +15234,7 @@
                     <a:p>
                       <a:pPr latinLnBrk="1"/>
                       <a:r>
-                        <a:rPr lang="en-US" altLang="ko-KR" sz="3200" smtClean="0">
+                        <a:rPr lang="en-US" altLang="ko-KR" sz="3200">
                           <a:solidFill>
                             <a:schemeClr val="tx1">
                               <a:lumMod val="50000"/>
@@ -15580,7 +15301,7 @@
                     <a:p>
                       <a:pPr latinLnBrk="1"/>
                       <a:r>
-                        <a:rPr lang="en-US" altLang="ko-KR" sz="3200" smtClean="0">
+                        <a:rPr lang="en-US" altLang="ko-KR" sz="3200">
                           <a:solidFill>
                             <a:schemeClr val="tx1">
                               <a:lumMod val="50000"/>
@@ -15642,7 +15363,7 @@
                 </a:tc>
                 <a:extLst>
                   <a:ext uri="{0D108BD9-81ED-4DB2-BD59-A6C34878D82A}">
-                    <a16:rowId xmlns:a16="http://schemas.microsoft.com/office/drawing/2014/main" xmlns="" val="3551452526"/>
+                    <a16:rowId xmlns:a16="http://schemas.microsoft.com/office/drawing/2014/main" val="3551452526"/>
                   </a:ext>
                 </a:extLst>
               </a:tr>
@@ -15654,7 +15375,7 @@
                     <a:p>
                       <a:pPr latinLnBrk="1"/>
                       <a:r>
-                        <a:rPr lang="ko-KR" altLang="en-US" sz="3200" smtClean="0">
+                        <a:rPr lang="ko-KR" altLang="en-US" sz="3200">
                           <a:solidFill>
                             <a:schemeClr val="tx1">
                               <a:lumMod val="50000"/>
@@ -15664,14 +15385,6 @@
                         </a:rPr>
                         <a:t>문자형</a:t>
                       </a:r>
-                      <a:endParaRPr lang="ko-KR" altLang="en-US" sz="3200">
-                        <a:solidFill>
-                          <a:schemeClr val="tx1">
-                            <a:lumMod val="50000"/>
-                            <a:lumOff val="50000"/>
-                          </a:schemeClr>
-                        </a:solidFill>
-                      </a:endParaRPr>
                     </a:p>
                   </a:txBody>
                   <a:tcPr>
@@ -15721,7 +15434,7 @@
                     <a:p>
                       <a:pPr latinLnBrk="1"/>
                       <a:r>
-                        <a:rPr lang="en-US" altLang="ko-KR" sz="3200" smtClean="0">
+                        <a:rPr lang="en-US" altLang="ko-KR" sz="3200">
                           <a:solidFill>
                             <a:schemeClr val="tx1">
                               <a:lumMod val="50000"/>
@@ -15788,7 +15501,7 @@
                     <a:p>
                       <a:pPr latinLnBrk="1"/>
                       <a:r>
-                        <a:rPr lang="en-US" altLang="ko-KR" sz="3200" smtClean="0">
+                        <a:rPr lang="en-US" altLang="ko-KR" sz="3200">
                           <a:solidFill>
                             <a:schemeClr val="tx1">
                               <a:lumMod val="50000"/>
@@ -15799,7 +15512,7 @@
                         <a:t>‘a’ , ‘</a:t>
                       </a:r>
                       <a:r>
-                        <a:rPr lang="ko-KR" altLang="en-US" sz="3200" smtClean="0">
+                        <a:rPr lang="ko-KR" altLang="en-US" sz="3200">
                           <a:solidFill>
                             <a:schemeClr val="tx1">
                               <a:lumMod val="50000"/>
@@ -15810,7 +15523,7 @@
                         <a:t>가</a:t>
                       </a:r>
                       <a:r>
-                        <a:rPr lang="en-US" altLang="ko-KR" sz="3200" smtClean="0">
+                        <a:rPr lang="en-US" altLang="ko-KR" sz="3200">
                           <a:solidFill>
                             <a:schemeClr val="tx1">
                               <a:lumMod val="50000"/>
@@ -15872,7 +15585,7 @@
                 </a:tc>
                 <a:extLst>
                   <a:ext uri="{0D108BD9-81ED-4DB2-BD59-A6C34878D82A}">
-                    <a16:rowId xmlns:a16="http://schemas.microsoft.com/office/drawing/2014/main" xmlns="" val="2488866604"/>
+                    <a16:rowId xmlns:a16="http://schemas.microsoft.com/office/drawing/2014/main" val="2488866604"/>
                   </a:ext>
                 </a:extLst>
               </a:tr>
@@ -15884,7 +15597,7 @@
                     <a:p>
                       <a:pPr latinLnBrk="1"/>
                       <a:r>
-                        <a:rPr lang="ko-KR" altLang="en-US" sz="3200" smtClean="0">
+                        <a:rPr lang="ko-KR" altLang="en-US" sz="3200">
                           <a:solidFill>
                             <a:schemeClr val="tx1">
                               <a:lumMod val="50000"/>
@@ -15893,6 +15606,735 @@
                           </a:solidFill>
                         </a:rPr>
                         <a:t>정수형</a:t>
+                      </a:r>
+                    </a:p>
+                  </a:txBody>
+                  <a:tcPr>
+                    <a:lnL w="12700" cap="flat" cmpd="sng" algn="ctr">
+                      <a:solidFill>
+                        <a:schemeClr val="tx1"/>
+                      </a:solidFill>
+                      <a:prstDash val="solid"/>
+                      <a:round/>
+                      <a:headEnd type="none" w="med" len="med"/>
+                      <a:tailEnd type="none" w="med" len="med"/>
+                    </a:lnL>
+                    <a:lnR w="12700" cap="flat" cmpd="sng" algn="ctr">
+                      <a:solidFill>
+                        <a:schemeClr val="tx1"/>
+                      </a:solidFill>
+                      <a:prstDash val="solid"/>
+                      <a:round/>
+                      <a:headEnd type="none" w="med" len="med"/>
+                      <a:tailEnd type="none" w="med" len="med"/>
+                    </a:lnR>
+                    <a:lnT w="12700" cap="flat" cmpd="sng" algn="ctr">
+                      <a:solidFill>
+                        <a:schemeClr val="tx1"/>
+                      </a:solidFill>
+                      <a:prstDash val="solid"/>
+                      <a:round/>
+                      <a:headEnd type="none" w="med" len="med"/>
+                      <a:tailEnd type="none" w="med" len="med"/>
+                    </a:lnT>
+                    <a:lnB w="12700" cap="flat" cmpd="sng" algn="ctr">
+                      <a:solidFill>
+                        <a:schemeClr val="tx1"/>
+                      </a:solidFill>
+                      <a:prstDash val="solid"/>
+                      <a:round/>
+                      <a:headEnd type="none" w="med" len="med"/>
+                      <a:tailEnd type="none" w="med" len="med"/>
+                    </a:lnB>
+                    <a:noFill/>
+                  </a:tcPr>
+                </a:tc>
+                <a:tc>
+                  <a:txBody>
+                    <a:bodyPr/>
+                    <a:lstStyle/>
+                    <a:p>
+                      <a:pPr latinLnBrk="1"/>
+                      <a:r>
+                        <a:rPr lang="en-US" altLang="ko-KR" sz="3200">
+                          <a:solidFill>
+                            <a:schemeClr val="tx1">
+                              <a:lumMod val="50000"/>
+                              <a:lumOff val="50000"/>
+                            </a:schemeClr>
+                          </a:solidFill>
+                        </a:rPr>
+                        <a:t>byte, short, int,</a:t>
+                      </a:r>
+                      <a:r>
+                        <a:rPr lang="en-US" altLang="ko-KR" sz="3200" baseline="0">
+                          <a:solidFill>
+                            <a:schemeClr val="tx1">
+                              <a:lumMod val="50000"/>
+                              <a:lumOff val="50000"/>
+                            </a:schemeClr>
+                          </a:solidFill>
+                        </a:rPr>
+                        <a:t> </a:t>
+                      </a:r>
+                      <a:r>
+                        <a:rPr lang="en-US" altLang="ko-KR" sz="3200">
+                          <a:solidFill>
+                            <a:schemeClr val="tx1">
+                              <a:lumMod val="50000"/>
+                              <a:lumOff val="50000"/>
+                            </a:schemeClr>
+                          </a:solidFill>
+                        </a:rPr>
+                        <a:t>long</a:t>
+                      </a:r>
+                    </a:p>
+                  </a:txBody>
+                  <a:tcPr>
+                    <a:lnL w="12700" cap="flat" cmpd="sng" algn="ctr">
+                      <a:solidFill>
+                        <a:schemeClr val="tx1"/>
+                      </a:solidFill>
+                      <a:prstDash val="solid"/>
+                      <a:round/>
+                      <a:headEnd type="none" w="med" len="med"/>
+                      <a:tailEnd type="none" w="med" len="med"/>
+                    </a:lnL>
+                    <a:lnR w="12700" cap="flat" cmpd="sng" algn="ctr">
+                      <a:solidFill>
+                        <a:schemeClr val="tx1"/>
+                      </a:solidFill>
+                      <a:prstDash val="solid"/>
+                      <a:round/>
+                      <a:headEnd type="none" w="med" len="med"/>
+                      <a:tailEnd type="none" w="med" len="med"/>
+                    </a:lnR>
+                    <a:lnT w="12700" cap="flat" cmpd="sng" algn="ctr">
+                      <a:solidFill>
+                        <a:schemeClr val="tx1"/>
+                      </a:solidFill>
+                      <a:prstDash val="solid"/>
+                      <a:round/>
+                      <a:headEnd type="none" w="med" len="med"/>
+                      <a:tailEnd type="none" w="med" len="med"/>
+                    </a:lnT>
+                    <a:lnB w="12700" cap="flat" cmpd="sng" algn="ctr">
+                      <a:solidFill>
+                        <a:schemeClr val="tx1"/>
+                      </a:solidFill>
+                      <a:prstDash val="solid"/>
+                      <a:round/>
+                      <a:headEnd type="none" w="med" len="med"/>
+                      <a:tailEnd type="none" w="med" len="med"/>
+                    </a:lnB>
+                    <a:noFill/>
+                  </a:tcPr>
+                </a:tc>
+                <a:tc>
+                  <a:txBody>
+                    <a:bodyPr/>
+                    <a:lstStyle/>
+                    <a:p>
+                      <a:pPr latinLnBrk="1"/>
+                      <a:r>
+                        <a:rPr lang="en-US" altLang="ko-KR" sz="3200">
+                          <a:solidFill>
+                            <a:schemeClr val="tx1">
+                              <a:lumMod val="50000"/>
+                              <a:lumOff val="50000"/>
+                            </a:schemeClr>
+                          </a:solidFill>
+                        </a:rPr>
+                        <a:t>12 , 0 , -3</a:t>
+                      </a:r>
+                    </a:p>
+                  </a:txBody>
+                  <a:tcPr>
+                    <a:lnL w="12700" cap="flat" cmpd="sng" algn="ctr">
+                      <a:solidFill>
+                        <a:schemeClr val="tx1"/>
+                      </a:solidFill>
+                      <a:prstDash val="solid"/>
+                      <a:round/>
+                      <a:headEnd type="none" w="med" len="med"/>
+                      <a:tailEnd type="none" w="med" len="med"/>
+                    </a:lnL>
+                    <a:lnR w="12700" cap="flat" cmpd="sng" algn="ctr">
+                      <a:solidFill>
+                        <a:schemeClr val="tx1"/>
+                      </a:solidFill>
+                      <a:prstDash val="solid"/>
+                      <a:round/>
+                      <a:headEnd type="none" w="med" len="med"/>
+                      <a:tailEnd type="none" w="med" len="med"/>
+                    </a:lnR>
+                    <a:lnT w="12700" cap="flat" cmpd="sng" algn="ctr">
+                      <a:solidFill>
+                        <a:schemeClr val="tx1"/>
+                      </a:solidFill>
+                      <a:prstDash val="solid"/>
+                      <a:round/>
+                      <a:headEnd type="none" w="med" len="med"/>
+                      <a:tailEnd type="none" w="med" len="med"/>
+                    </a:lnT>
+                    <a:lnB w="12700" cap="flat" cmpd="sng" algn="ctr">
+                      <a:solidFill>
+                        <a:schemeClr val="tx1"/>
+                      </a:solidFill>
+                      <a:prstDash val="solid"/>
+                      <a:round/>
+                      <a:headEnd type="none" w="med" len="med"/>
+                      <a:tailEnd type="none" w="med" len="med"/>
+                    </a:lnB>
+                    <a:noFill/>
+                  </a:tcPr>
+                </a:tc>
+                <a:extLst>
+                  <a:ext uri="{0D108BD9-81ED-4DB2-BD59-A6C34878D82A}">
+                    <a16:rowId xmlns:a16="http://schemas.microsoft.com/office/drawing/2014/main" val="2632365449"/>
+                  </a:ext>
+                </a:extLst>
+              </a:tr>
+              <a:tr h="1009650">
+                <a:tc>
+                  <a:txBody>
+                    <a:bodyPr/>
+                    <a:lstStyle/>
+                    <a:p>
+                      <a:pPr latinLnBrk="1"/>
+                      <a:r>
+                        <a:rPr lang="ko-KR" altLang="en-US" sz="3200">
+                          <a:solidFill>
+                            <a:schemeClr val="tx1">
+                              <a:lumMod val="50000"/>
+                              <a:lumOff val="50000"/>
+                            </a:schemeClr>
+                          </a:solidFill>
+                        </a:rPr>
+                        <a:t>실수형</a:t>
+                      </a:r>
+                    </a:p>
+                  </a:txBody>
+                  <a:tcPr>
+                    <a:lnL w="12700" cap="flat" cmpd="sng" algn="ctr">
+                      <a:solidFill>
+                        <a:schemeClr val="tx1"/>
+                      </a:solidFill>
+                      <a:prstDash val="solid"/>
+                      <a:round/>
+                      <a:headEnd type="none" w="med" len="med"/>
+                      <a:tailEnd type="none" w="med" len="med"/>
+                    </a:lnL>
+                    <a:lnR w="12700" cap="flat" cmpd="sng" algn="ctr">
+                      <a:solidFill>
+                        <a:schemeClr val="tx1"/>
+                      </a:solidFill>
+                      <a:prstDash val="solid"/>
+                      <a:round/>
+                      <a:headEnd type="none" w="med" len="med"/>
+                      <a:tailEnd type="none" w="med" len="med"/>
+                    </a:lnR>
+                    <a:lnT w="12700" cap="flat" cmpd="sng" algn="ctr">
+                      <a:solidFill>
+                        <a:schemeClr val="tx1"/>
+                      </a:solidFill>
+                      <a:prstDash val="solid"/>
+                      <a:round/>
+                      <a:headEnd type="none" w="med" len="med"/>
+                      <a:tailEnd type="none" w="med" len="med"/>
+                    </a:lnT>
+                    <a:lnB w="12700" cap="flat" cmpd="sng" algn="ctr">
+                      <a:solidFill>
+                        <a:schemeClr val="tx1"/>
+                      </a:solidFill>
+                      <a:prstDash val="solid"/>
+                      <a:round/>
+                      <a:headEnd type="none" w="med" len="med"/>
+                      <a:tailEnd type="none" w="med" len="med"/>
+                    </a:lnB>
+                    <a:noFill/>
+                  </a:tcPr>
+                </a:tc>
+                <a:tc>
+                  <a:txBody>
+                    <a:bodyPr/>
+                    <a:lstStyle/>
+                    <a:p>
+                      <a:pPr latinLnBrk="1"/>
+                      <a:r>
+                        <a:rPr lang="en-US" altLang="ko-KR" sz="3200">
+                          <a:solidFill>
+                            <a:schemeClr val="tx1">
+                              <a:lumMod val="50000"/>
+                              <a:lumOff val="50000"/>
+                            </a:schemeClr>
+                          </a:solidFill>
+                        </a:rPr>
+                        <a:t>float, double</a:t>
+                      </a:r>
+                    </a:p>
+                  </a:txBody>
+                  <a:tcPr>
+                    <a:lnL w="12700" cap="flat" cmpd="sng" algn="ctr">
+                      <a:solidFill>
+                        <a:schemeClr val="tx1"/>
+                      </a:solidFill>
+                      <a:prstDash val="solid"/>
+                      <a:round/>
+                      <a:headEnd type="none" w="med" len="med"/>
+                      <a:tailEnd type="none" w="med" len="med"/>
+                    </a:lnL>
+                    <a:lnR w="12700" cap="flat" cmpd="sng" algn="ctr">
+                      <a:solidFill>
+                        <a:schemeClr val="tx1"/>
+                      </a:solidFill>
+                      <a:prstDash val="solid"/>
+                      <a:round/>
+                      <a:headEnd type="none" w="med" len="med"/>
+                      <a:tailEnd type="none" w="med" len="med"/>
+                    </a:lnR>
+                    <a:lnT w="12700" cap="flat" cmpd="sng" algn="ctr">
+                      <a:solidFill>
+                        <a:schemeClr val="tx1"/>
+                      </a:solidFill>
+                      <a:prstDash val="solid"/>
+                      <a:round/>
+                      <a:headEnd type="none" w="med" len="med"/>
+                      <a:tailEnd type="none" w="med" len="med"/>
+                    </a:lnT>
+                    <a:lnB w="12700" cap="flat" cmpd="sng" algn="ctr">
+                      <a:solidFill>
+                        <a:schemeClr val="tx1"/>
+                      </a:solidFill>
+                      <a:prstDash val="solid"/>
+                      <a:round/>
+                      <a:headEnd type="none" w="med" len="med"/>
+                      <a:tailEnd type="none" w="med" len="med"/>
+                    </a:lnB>
+                    <a:noFill/>
+                  </a:tcPr>
+                </a:tc>
+                <a:tc>
+                  <a:txBody>
+                    <a:bodyPr/>
+                    <a:lstStyle/>
+                    <a:p>
+                      <a:pPr latinLnBrk="1"/>
+                      <a:r>
+                        <a:rPr lang="en-US" altLang="ko-KR" sz="3200">
+                          <a:solidFill>
+                            <a:schemeClr val="tx1">
+                              <a:lumMod val="50000"/>
+                              <a:lumOff val="50000"/>
+                            </a:schemeClr>
+                          </a:solidFill>
+                        </a:rPr>
+                        <a:t>3.14</a:t>
+                      </a:r>
+                    </a:p>
+                  </a:txBody>
+                  <a:tcPr>
+                    <a:lnL w="12700" cap="flat" cmpd="sng" algn="ctr">
+                      <a:solidFill>
+                        <a:schemeClr val="tx1"/>
+                      </a:solidFill>
+                      <a:prstDash val="solid"/>
+                      <a:round/>
+                      <a:headEnd type="none" w="med" len="med"/>
+                      <a:tailEnd type="none" w="med" len="med"/>
+                    </a:lnL>
+                    <a:lnR w="12700" cap="flat" cmpd="sng" algn="ctr">
+                      <a:solidFill>
+                        <a:schemeClr val="tx1"/>
+                      </a:solidFill>
+                      <a:prstDash val="solid"/>
+                      <a:round/>
+                      <a:headEnd type="none" w="med" len="med"/>
+                      <a:tailEnd type="none" w="med" len="med"/>
+                    </a:lnR>
+                    <a:lnT w="12700" cap="flat" cmpd="sng" algn="ctr">
+                      <a:solidFill>
+                        <a:schemeClr val="tx1"/>
+                      </a:solidFill>
+                      <a:prstDash val="solid"/>
+                      <a:round/>
+                      <a:headEnd type="none" w="med" len="med"/>
+                      <a:tailEnd type="none" w="med" len="med"/>
+                    </a:lnT>
+                    <a:lnB w="12700" cap="flat" cmpd="sng" algn="ctr">
+                      <a:solidFill>
+                        <a:schemeClr val="tx1"/>
+                      </a:solidFill>
+                      <a:prstDash val="solid"/>
+                      <a:round/>
+                      <a:headEnd type="none" w="med" len="med"/>
+                      <a:tailEnd type="none" w="med" len="med"/>
+                    </a:lnB>
+                    <a:noFill/>
+                  </a:tcPr>
+                </a:tc>
+                <a:extLst>
+                  <a:ext uri="{0D108BD9-81ED-4DB2-BD59-A6C34878D82A}">
+                    <a16:rowId xmlns:a16="http://schemas.microsoft.com/office/drawing/2014/main" val="10004"/>
+                  </a:ext>
+                </a:extLst>
+              </a:tr>
+            </a:tbl>
+          </a:graphicData>
+        </a:graphic>
+      </p:graphicFrame>
+      <p:sp>
+        <p:nvSpPr>
+          <p:cNvPr id="5" name="TextBox 4">
+            <a:extLst>
+              <a:ext uri="{FF2B5EF4-FFF2-40B4-BE49-F238E27FC236}">
+                <a16:creationId xmlns:a16="http://schemas.microsoft.com/office/drawing/2014/main" id="{7229BEA6-121E-9056-D07F-2B3BB1795F76}"/>
+              </a:ext>
+            </a:extLst>
+          </p:cNvPr>
+          <p:cNvSpPr txBox="1"/>
+          <p:nvPr/>
+        </p:nvSpPr>
+        <p:spPr>
+          <a:xfrm>
+            <a:off x="1600200" y="342900"/>
+            <a:ext cx="6538970" cy="1015663"/>
+          </a:xfrm>
+          <a:prstGeom prst="rect">
+            <a:avLst/>
+          </a:prstGeom>
+          <a:noFill/>
+        </p:spPr>
+        <p:txBody>
+          <a:bodyPr wrap="none" rtlCol="0">
+            <a:spAutoFit/>
+          </a:bodyPr>
+          <a:lstStyle/>
+          <a:p>
+            <a:r>
+              <a:rPr lang="ko-KR" altLang="en-US" sz="6000">
+                <a:solidFill>
+                  <a:srgbClr val="4C50BB"/>
+                </a:solidFill>
+                <a:latin typeface="G마켓 산스 Bold" panose="02000000000000000000" pitchFamily="50" charset="-127"/>
+                <a:ea typeface="G마켓 산스 Bold" panose="02000000000000000000" pitchFamily="50" charset="-127"/>
+              </a:rPr>
+              <a:t>기본형 데이터 타입</a:t>
+            </a:r>
+            <a:endParaRPr lang="ko-KR" altLang="en-US" sz="300" dirty="0">
+              <a:solidFill>
+                <a:srgbClr val="4C50BB"/>
+              </a:solidFill>
+              <a:latin typeface="G마켓 산스 Bold" panose="02000000000000000000" pitchFamily="50" charset="-127"/>
+              <a:ea typeface="G마켓 산스 Bold" panose="02000000000000000000" pitchFamily="50" charset="-127"/>
+            </a:endParaRPr>
+          </a:p>
+        </p:txBody>
+      </p:sp>
+      <p:pic>
+        <p:nvPicPr>
+          <p:cNvPr id="6" name="그림 5"/>
+          <p:cNvPicPr>
+            <a:picLocks noChangeAspect="1"/>
+          </p:cNvPicPr>
+          <p:nvPr/>
+        </p:nvPicPr>
+        <p:blipFill>
+          <a:blip r:embed="rId2"/>
+          <a:stretch>
+            <a:fillRect/>
+          </a:stretch>
+        </p:blipFill>
+        <p:spPr>
+          <a:xfrm>
+            <a:off x="9448800" y="2442028"/>
+            <a:ext cx="8791050" cy="4377872"/>
+          </a:xfrm>
+          <a:prstGeom prst="rect">
+            <a:avLst/>
+          </a:prstGeom>
+        </p:spPr>
+      </p:pic>
+    </p:spTree>
+    <p:extLst>
+      <p:ext uri="{BB962C8B-B14F-4D97-AF65-F5344CB8AC3E}">
+        <p14:creationId xmlns:p14="http://schemas.microsoft.com/office/powerpoint/2010/main" val="3141625170"/>
+      </p:ext>
+    </p:extLst>
+  </p:cSld>
+  <p:clrMapOvr>
+    <a:masterClrMapping/>
+  </p:clrMapOvr>
+</p:sld>
+</file>
+
+<file path=ppt/slides/slide38.xml><?xml version="1.0" encoding="utf-8"?>
+<p:sld xmlns:a="http://schemas.openxmlformats.org/drawingml/2006/main" xmlns:r="http://schemas.openxmlformats.org/officeDocument/2006/relationships" xmlns:p="http://schemas.openxmlformats.org/presentationml/2006/main">
+  <p:cSld>
+    <p:spTree>
+      <p:nvGrpSpPr>
+        <p:cNvPr id="1" name=""/>
+        <p:cNvGrpSpPr/>
+        <p:nvPr/>
+      </p:nvGrpSpPr>
+      <p:grpSpPr>
+        <a:xfrm>
+          <a:off x="0" y="0"/>
+          <a:ext cx="0" cy="0"/>
+          <a:chOff x="0" y="0"/>
+          <a:chExt cx="0" cy="0"/>
+        </a:xfrm>
+      </p:grpSpPr>
+      <p:sp>
+        <p:nvSpPr>
+          <p:cNvPr id="4" name="TextBox 3">
+            <a:extLst>
+              <a:ext uri="{FF2B5EF4-FFF2-40B4-BE49-F238E27FC236}">
+                <a16:creationId xmlns:a16="http://schemas.microsoft.com/office/drawing/2014/main" id="{7229BEA6-121E-9056-D07F-2B3BB1795F76}"/>
+              </a:ext>
+            </a:extLst>
+          </p:cNvPr>
+          <p:cNvSpPr txBox="1"/>
+          <p:nvPr/>
+        </p:nvSpPr>
+        <p:spPr>
+          <a:xfrm>
+            <a:off x="1600200" y="342900"/>
+            <a:ext cx="8975534" cy="1015663"/>
+          </a:xfrm>
+          <a:prstGeom prst="rect">
+            <a:avLst/>
+          </a:prstGeom>
+          <a:noFill/>
+        </p:spPr>
+        <p:txBody>
+          <a:bodyPr wrap="none" rtlCol="0">
+            <a:spAutoFit/>
+          </a:bodyPr>
+          <a:lstStyle/>
+          <a:p>
+            <a:r>
+              <a:rPr lang="ko-KR" altLang="en-US" sz="6000">
+                <a:solidFill>
+                  <a:srgbClr val="4C50BB"/>
+                </a:solidFill>
+                <a:latin typeface="G마켓 산스 Bold" panose="02000000000000000000" pitchFamily="50" charset="-127"/>
+                <a:ea typeface="G마켓 산스 Bold" panose="02000000000000000000" pitchFamily="50" charset="-127"/>
+              </a:rPr>
+              <a:t>데이터 타입별 메모리 크기</a:t>
+            </a:r>
+            <a:endParaRPr lang="ko-KR" altLang="en-US" sz="300" dirty="0">
+              <a:solidFill>
+                <a:srgbClr val="4C50BB"/>
+              </a:solidFill>
+              <a:latin typeface="G마켓 산스 Bold" panose="02000000000000000000" pitchFamily="50" charset="-127"/>
+              <a:ea typeface="G마켓 산스 Bold" panose="02000000000000000000" pitchFamily="50" charset="-127"/>
+            </a:endParaRPr>
+          </a:p>
+        </p:txBody>
+      </p:sp>
+      <p:graphicFrame>
+        <p:nvGraphicFramePr>
+          <p:cNvPr id="5" name="표 2">
+            <a:extLst>
+              <a:ext uri="{FF2B5EF4-FFF2-40B4-BE49-F238E27FC236}">
+                <a16:creationId xmlns:a16="http://schemas.microsoft.com/office/drawing/2014/main" id="{809219FD-62A9-5E27-ACCD-E1227D05FBC9}"/>
+              </a:ext>
+            </a:extLst>
+          </p:cNvPr>
+          <p:cNvGraphicFramePr>
+            <a:graphicFrameLocks noGrp="1"/>
+          </p:cNvGraphicFramePr>
+          <p:nvPr>
+            <p:extLst>
+              <p:ext uri="{D42A27DB-BD31-4B8C-83A1-F6EECF244321}">
+                <p14:modId xmlns:p14="http://schemas.microsoft.com/office/powerpoint/2010/main" val="4155655269"/>
+              </p:ext>
+            </p:extLst>
+          </p:nvPr>
+        </p:nvGraphicFramePr>
+        <p:xfrm>
+          <a:off x="1600200" y="1714500"/>
+          <a:ext cx="5780348" cy="4617720"/>
+        </p:xfrm>
+        <a:graphic>
+          <a:graphicData uri="http://schemas.openxmlformats.org/drawingml/2006/table">
+            <a:tbl>
+              <a:tblPr firstRow="1" bandRow="1">
+                <a:tableStyleId>{5C22544A-7EE6-4342-B048-85BDC9FD1C3A}</a:tableStyleId>
+              </a:tblPr>
+              <a:tblGrid>
+                <a:gridCol w="2890174">
+                  <a:extLst>
+                    <a:ext uri="{9D8B030D-6E8A-4147-A177-3AD203B41FA5}">
+                      <a16:colId xmlns:a16="http://schemas.microsoft.com/office/drawing/2014/main" val="733308553"/>
+                    </a:ext>
+                  </a:extLst>
+                </a:gridCol>
+                <a:gridCol w="2890174">
+                  <a:extLst>
+                    <a:ext uri="{9D8B030D-6E8A-4147-A177-3AD203B41FA5}">
+                      <a16:colId xmlns:a16="http://schemas.microsoft.com/office/drawing/2014/main" val="20001"/>
+                    </a:ext>
+                  </a:extLst>
+                </a:gridCol>
+              </a:tblGrid>
+              <a:tr h="533400">
+                <a:tc>
+                  <a:txBody>
+                    <a:bodyPr/>
+                    <a:lstStyle/>
+                    <a:p>
+                      <a:pPr latinLnBrk="1"/>
+                      <a:r>
+                        <a:rPr lang="ko-KR" altLang="en-US" sz="3200">
+                          <a:solidFill>
+                            <a:schemeClr val="bg1"/>
+                          </a:solidFill>
+                        </a:rPr>
+                        <a:t>데이터타입</a:t>
+                      </a:r>
+                    </a:p>
+                  </a:txBody>
+                  <a:tcPr>
+                    <a:lnL w="12700" cap="flat" cmpd="sng" algn="ctr">
+                      <a:solidFill>
+                        <a:schemeClr val="tx1"/>
+                      </a:solidFill>
+                      <a:prstDash val="solid"/>
+                      <a:round/>
+                      <a:headEnd type="none" w="med" len="med"/>
+                      <a:tailEnd type="none" w="med" len="med"/>
+                    </a:lnL>
+                    <a:lnR w="12700" cap="flat" cmpd="sng" algn="ctr">
+                      <a:solidFill>
+                        <a:schemeClr val="tx1"/>
+                      </a:solidFill>
+                      <a:prstDash val="solid"/>
+                      <a:round/>
+                      <a:headEnd type="none" w="med" len="med"/>
+                      <a:tailEnd type="none" w="med" len="med"/>
+                    </a:lnR>
+                    <a:lnT w="12700" cap="flat" cmpd="sng" algn="ctr">
+                      <a:solidFill>
+                        <a:schemeClr val="tx1"/>
+                      </a:solidFill>
+                      <a:prstDash val="solid"/>
+                      <a:round/>
+                      <a:headEnd type="none" w="med" len="med"/>
+                      <a:tailEnd type="none" w="med" len="med"/>
+                    </a:lnT>
+                    <a:lnB w="12700" cap="flat" cmpd="sng" algn="ctr">
+                      <a:solidFill>
+                        <a:schemeClr val="tx1"/>
+                      </a:solidFill>
+                      <a:prstDash val="solid"/>
+                      <a:round/>
+                      <a:headEnd type="none" w="med" len="med"/>
+                      <a:tailEnd type="none" w="med" len="med"/>
+                    </a:lnB>
+                    <a:solidFill>
+                      <a:srgbClr val="4C50BC"/>
+                    </a:solidFill>
+                  </a:tcPr>
+                </a:tc>
+                <a:tc>
+                  <a:txBody>
+                    <a:bodyPr/>
+                    <a:lstStyle/>
+                    <a:p>
+                      <a:pPr latinLnBrk="1"/>
+                      <a:r>
+                        <a:rPr lang="ko-KR" altLang="en-US" sz="3200">
+                          <a:solidFill>
+                            <a:schemeClr val="bg1"/>
+                          </a:solidFill>
+                        </a:rPr>
+                        <a:t>크기</a:t>
+                      </a:r>
+                    </a:p>
+                  </a:txBody>
+                  <a:tcPr>
+                    <a:lnL w="12700" cap="flat" cmpd="sng" algn="ctr">
+                      <a:solidFill>
+                        <a:schemeClr val="tx1"/>
+                      </a:solidFill>
+                      <a:prstDash val="solid"/>
+                      <a:round/>
+                      <a:headEnd type="none" w="med" len="med"/>
+                      <a:tailEnd type="none" w="med" len="med"/>
+                    </a:lnL>
+                    <a:lnR w="12700" cap="flat" cmpd="sng" algn="ctr">
+                      <a:solidFill>
+                        <a:schemeClr val="tx1"/>
+                      </a:solidFill>
+                      <a:prstDash val="solid"/>
+                      <a:round/>
+                      <a:headEnd type="none" w="med" len="med"/>
+                      <a:tailEnd type="none" w="med" len="med"/>
+                    </a:lnR>
+                    <a:lnT w="12700" cap="flat" cmpd="sng" algn="ctr">
+                      <a:solidFill>
+                        <a:schemeClr val="tx1"/>
+                      </a:solidFill>
+                      <a:prstDash val="solid"/>
+                      <a:round/>
+                      <a:headEnd type="none" w="med" len="med"/>
+                      <a:tailEnd type="none" w="med" len="med"/>
+                    </a:lnT>
+                    <a:lnB w="12700" cap="flat" cmpd="sng" algn="ctr">
+                      <a:solidFill>
+                        <a:schemeClr val="tx1"/>
+                      </a:solidFill>
+                      <a:prstDash val="solid"/>
+                      <a:round/>
+                      <a:headEnd type="none" w="med" len="med"/>
+                      <a:tailEnd type="none" w="med" len="med"/>
+                    </a:lnB>
+                    <a:solidFill>
+                      <a:srgbClr val="4C50BC"/>
+                    </a:solidFill>
+                  </a:tcPr>
+                </a:tc>
+                <a:extLst>
+                  <a:ext uri="{0D108BD9-81ED-4DB2-BD59-A6C34878D82A}">
+                    <a16:rowId xmlns:a16="http://schemas.microsoft.com/office/drawing/2014/main" val="2452905565"/>
+                  </a:ext>
+                </a:extLst>
+              </a:tr>
+              <a:tr h="1009650">
+                <a:tc>
+                  <a:txBody>
+                    <a:bodyPr/>
+                    <a:lstStyle/>
+                    <a:p>
+                      <a:pPr marL="0" marR="0" lvl="0" indent="0" algn="l" defTabSz="914400" rtl="0" eaLnBrk="1" fontAlgn="auto" latinLnBrk="1" hangingPunct="1">
+                        <a:lnSpc>
+                          <a:spcPct val="100000"/>
+                        </a:lnSpc>
+                        <a:spcBef>
+                          <a:spcPts val="0"/>
+                        </a:spcBef>
+                        <a:spcAft>
+                          <a:spcPts val="0"/>
+                        </a:spcAft>
+                        <a:buClrTx/>
+                        <a:buSzTx/>
+                        <a:buFontTx/>
+                        <a:buNone/>
+                        <a:tabLst/>
+                        <a:defRPr/>
+                      </a:pPr>
+                      <a:r>
+                        <a:rPr lang="en-US" altLang="ko-KR" sz="3200">
+                          <a:solidFill>
+                            <a:schemeClr val="tx1">
+                              <a:lumMod val="50000"/>
+                              <a:lumOff val="50000"/>
+                            </a:schemeClr>
+                          </a:solidFill>
+                        </a:rPr>
+                        <a:t>Boolean, byte</a:t>
                       </a:r>
                       <a:endParaRPr lang="ko-KR" altLang="en-US" sz="3200">
                         <a:solidFill>
@@ -15951,7 +16393,7 @@
                     <a:p>
                       <a:pPr latinLnBrk="1"/>
                       <a:r>
-                        <a:rPr lang="en-US" altLang="ko-KR" sz="3200" smtClean="0">
+                        <a:rPr lang="en-US" altLang="ko-KR" sz="3200">
                           <a:solidFill>
                             <a:schemeClr val="tx1">
                               <a:lumMod val="50000"/>
@@ -15959,10 +16401,10 @@
                             </a:schemeClr>
                           </a:solidFill>
                         </a:rPr>
-                        <a:t>byte, short, int,</a:t>
+                        <a:t>1 </a:t>
                       </a:r>
                       <a:r>
-                        <a:rPr lang="en-US" altLang="ko-KR" sz="3200" baseline="0" smtClean="0">
+                        <a:rPr lang="ko-KR" altLang="en-US" sz="3200">
                           <a:solidFill>
                             <a:schemeClr val="tx1">
                               <a:lumMod val="50000"/>
@@ -15970,77 +16412,7 @@
                             </a:schemeClr>
                           </a:solidFill>
                         </a:rPr>
-                        <a:t> </a:t>
-                      </a:r>
-                      <a:r>
-                        <a:rPr lang="en-US" altLang="ko-KR" sz="3200" smtClean="0">
-                          <a:solidFill>
-                            <a:schemeClr val="tx1">
-                              <a:lumMod val="50000"/>
-                              <a:lumOff val="50000"/>
-                            </a:schemeClr>
-                          </a:solidFill>
-                        </a:rPr>
-                        <a:t>long</a:t>
-                      </a:r>
-                    </a:p>
-                  </a:txBody>
-                  <a:tcPr>
-                    <a:lnL w="12700" cap="flat" cmpd="sng" algn="ctr">
-                      <a:solidFill>
-                        <a:schemeClr val="tx1"/>
-                      </a:solidFill>
-                      <a:prstDash val="solid"/>
-                      <a:round/>
-                      <a:headEnd type="none" w="med" len="med"/>
-                      <a:tailEnd type="none" w="med" len="med"/>
-                    </a:lnL>
-                    <a:lnR w="12700" cap="flat" cmpd="sng" algn="ctr">
-                      <a:solidFill>
-                        <a:schemeClr val="tx1"/>
-                      </a:solidFill>
-                      <a:prstDash val="solid"/>
-                      <a:round/>
-                      <a:headEnd type="none" w="med" len="med"/>
-                      <a:tailEnd type="none" w="med" len="med"/>
-                    </a:lnR>
-                    <a:lnT w="12700" cap="flat" cmpd="sng" algn="ctr">
-                      <a:solidFill>
-                        <a:schemeClr val="tx1"/>
-                      </a:solidFill>
-                      <a:prstDash val="solid"/>
-                      <a:round/>
-                      <a:headEnd type="none" w="med" len="med"/>
-                      <a:tailEnd type="none" w="med" len="med"/>
-                    </a:lnT>
-                    <a:lnB w="12700" cap="flat" cmpd="sng" algn="ctr">
-                      <a:solidFill>
-                        <a:schemeClr val="tx1"/>
-                      </a:solidFill>
-                      <a:prstDash val="solid"/>
-                      <a:round/>
-                      <a:headEnd type="none" w="med" len="med"/>
-                      <a:tailEnd type="none" w="med" len="med"/>
-                    </a:lnB>
-                    <a:noFill/>
-                  </a:tcPr>
-                </a:tc>
-                <a:tc>
-                  <a:txBody>
-                    <a:bodyPr/>
-                    <a:lstStyle/>
-                    <a:p>
-                      <a:pPr latinLnBrk="1"/>
-                      <a:r>
-                        <a:rPr lang="en-US" altLang="ko-KR" sz="3200" smtClean="0">
-                          <a:solidFill>
-                            <a:schemeClr val="tx1">
-                              <a:lumMod val="50000"/>
-                              <a:lumOff val="50000"/>
-                            </a:schemeClr>
-                          </a:solidFill>
-                        </a:rPr>
-                        <a:t>12 , 0 , -3</a:t>
+                        <a:t>바이트</a:t>
                       </a:r>
                     </a:p>
                   </a:txBody>
@@ -16086,7 +16458,7 @@
                 </a:tc>
                 <a:extLst>
                   <a:ext uri="{0D108BD9-81ED-4DB2-BD59-A6C34878D82A}">
-                    <a16:rowId xmlns:a16="http://schemas.microsoft.com/office/drawing/2014/main" xmlns="" val="2632365449"/>
+                    <a16:rowId xmlns:a16="http://schemas.microsoft.com/office/drawing/2014/main" val="3551452526"/>
                   </a:ext>
                 </a:extLst>
               </a:tr>
@@ -16096,9 +16468,25 @@
                     <a:bodyPr/>
                     <a:lstStyle/>
                     <a:p>
-                      <a:pPr latinLnBrk="1"/>
+                      <a:pPr marL="0" marR="0" lvl="0" indent="0" algn="l" defTabSz="914400" rtl="0" eaLnBrk="1" fontAlgn="auto" latinLnBrk="1" hangingPunct="1">
+                        <a:lnSpc>
+                          <a:spcPct val="100000"/>
+                        </a:lnSpc>
+                        <a:spcBef>
+                          <a:spcPts val="0"/>
+                        </a:spcBef>
+                        <a:spcAft>
+                          <a:spcPts val="0"/>
+                        </a:spcAft>
+                        <a:buClrTx/>
+                        <a:buSzTx/>
+                        <a:buFontTx/>
+                        <a:buNone/>
+                        <a:tabLst/>
+                        <a:defRPr/>
+                      </a:pPr>
                       <a:r>
-                        <a:rPr lang="ko-KR" altLang="en-US" sz="3200" smtClean="0">
+                        <a:rPr lang="en-US" altLang="ko-KR" sz="3200">
                           <a:solidFill>
                             <a:schemeClr val="tx1">
                               <a:lumMod val="50000"/>
@@ -16106,7 +16494,7 @@
                             </a:schemeClr>
                           </a:solidFill>
                         </a:rPr>
-                        <a:t>실수형</a:t>
+                        <a:t>char, short</a:t>
                       </a:r>
                       <a:endParaRPr lang="ko-KR" altLang="en-US" sz="3200">
                         <a:solidFill>
@@ -16165,7 +16553,7 @@
                     <a:p>
                       <a:pPr latinLnBrk="1"/>
                       <a:r>
-                        <a:rPr lang="en-US" altLang="ko-KR" sz="3200" smtClean="0">
+                        <a:rPr lang="en-US" altLang="ko-KR" sz="3200">
                           <a:solidFill>
                             <a:schemeClr val="tx1">
                               <a:lumMod val="50000"/>
@@ -16173,547 +16561,10 @@
                             </a:schemeClr>
                           </a:solidFill>
                         </a:rPr>
-                        <a:t>float, double</a:t>
-                      </a:r>
-                    </a:p>
-                  </a:txBody>
-                  <a:tcPr>
-                    <a:lnL w="12700" cap="flat" cmpd="sng" algn="ctr">
-                      <a:solidFill>
-                        <a:schemeClr val="tx1"/>
-                      </a:solidFill>
-                      <a:prstDash val="solid"/>
-                      <a:round/>
-                      <a:headEnd type="none" w="med" len="med"/>
-                      <a:tailEnd type="none" w="med" len="med"/>
-                    </a:lnL>
-                    <a:lnR w="12700" cap="flat" cmpd="sng" algn="ctr">
-                      <a:solidFill>
-                        <a:schemeClr val="tx1"/>
-                      </a:solidFill>
-                      <a:prstDash val="solid"/>
-                      <a:round/>
-                      <a:headEnd type="none" w="med" len="med"/>
-                      <a:tailEnd type="none" w="med" len="med"/>
-                    </a:lnR>
-                    <a:lnT w="12700" cap="flat" cmpd="sng" algn="ctr">
-                      <a:solidFill>
-                        <a:schemeClr val="tx1"/>
-                      </a:solidFill>
-                      <a:prstDash val="solid"/>
-                      <a:round/>
-                      <a:headEnd type="none" w="med" len="med"/>
-                      <a:tailEnd type="none" w="med" len="med"/>
-                    </a:lnT>
-                    <a:lnB w="12700" cap="flat" cmpd="sng" algn="ctr">
-                      <a:solidFill>
-                        <a:schemeClr val="tx1"/>
-                      </a:solidFill>
-                      <a:prstDash val="solid"/>
-                      <a:round/>
-                      <a:headEnd type="none" w="med" len="med"/>
-                      <a:tailEnd type="none" w="med" len="med"/>
-                    </a:lnB>
-                    <a:noFill/>
-                  </a:tcPr>
-                </a:tc>
-                <a:tc>
-                  <a:txBody>
-                    <a:bodyPr/>
-                    <a:lstStyle/>
-                    <a:p>
-                      <a:pPr latinLnBrk="1"/>
-                      <a:r>
-                        <a:rPr lang="en-US" altLang="ko-KR" sz="3200" smtClean="0">
-                          <a:solidFill>
-                            <a:schemeClr val="tx1">
-                              <a:lumMod val="50000"/>
-                              <a:lumOff val="50000"/>
-                            </a:schemeClr>
-                          </a:solidFill>
-                        </a:rPr>
-                        <a:t>3.14</a:t>
-                      </a:r>
-                    </a:p>
-                  </a:txBody>
-                  <a:tcPr>
-                    <a:lnL w="12700" cap="flat" cmpd="sng" algn="ctr">
-                      <a:solidFill>
-                        <a:schemeClr val="tx1"/>
-                      </a:solidFill>
-                      <a:prstDash val="solid"/>
-                      <a:round/>
-                      <a:headEnd type="none" w="med" len="med"/>
-                      <a:tailEnd type="none" w="med" len="med"/>
-                    </a:lnL>
-                    <a:lnR w="12700" cap="flat" cmpd="sng" algn="ctr">
-                      <a:solidFill>
-                        <a:schemeClr val="tx1"/>
-                      </a:solidFill>
-                      <a:prstDash val="solid"/>
-                      <a:round/>
-                      <a:headEnd type="none" w="med" len="med"/>
-                      <a:tailEnd type="none" w="med" len="med"/>
-                    </a:lnR>
-                    <a:lnT w="12700" cap="flat" cmpd="sng" algn="ctr">
-                      <a:solidFill>
-                        <a:schemeClr val="tx1"/>
-                      </a:solidFill>
-                      <a:prstDash val="solid"/>
-                      <a:round/>
-                      <a:headEnd type="none" w="med" len="med"/>
-                      <a:tailEnd type="none" w="med" len="med"/>
-                    </a:lnT>
-                    <a:lnB w="12700" cap="flat" cmpd="sng" algn="ctr">
-                      <a:solidFill>
-                        <a:schemeClr val="tx1"/>
-                      </a:solidFill>
-                      <a:prstDash val="solid"/>
-                      <a:round/>
-                      <a:headEnd type="none" w="med" len="med"/>
-                      <a:tailEnd type="none" w="med" len="med"/>
-                    </a:lnB>
-                    <a:noFill/>
-                  </a:tcPr>
-                </a:tc>
-              </a:tr>
-            </a:tbl>
-          </a:graphicData>
-        </a:graphic>
-      </p:graphicFrame>
-      <p:sp>
-        <p:nvSpPr>
-          <p:cNvPr id="5" name="TextBox 4">
-            <a:extLst>
-              <a:ext uri="{FF2B5EF4-FFF2-40B4-BE49-F238E27FC236}">
-                <a16:creationId xmlns:a16="http://schemas.microsoft.com/office/drawing/2014/main" xmlns="" id="{7229BEA6-121E-9056-D07F-2B3BB1795F76}"/>
-              </a:ext>
-            </a:extLst>
-          </p:cNvPr>
-          <p:cNvSpPr txBox="1"/>
-          <p:nvPr/>
-        </p:nvSpPr>
-        <p:spPr>
-          <a:xfrm>
-            <a:off x="1600200" y="342900"/>
-            <a:ext cx="6538970" cy="1015663"/>
-          </a:xfrm>
-          <a:prstGeom prst="rect">
-            <a:avLst/>
-          </a:prstGeom>
-          <a:noFill/>
-        </p:spPr>
-        <p:txBody>
-          <a:bodyPr wrap="none" rtlCol="0">
-            <a:spAutoFit/>
-          </a:bodyPr>
-          <a:lstStyle/>
-          <a:p>
-            <a:r>
-              <a:rPr lang="ko-KR" altLang="en-US" sz="6000" smtClean="0">
-                <a:solidFill>
-                  <a:srgbClr val="4C50BB"/>
-                </a:solidFill>
-                <a:latin typeface="G마켓 산스 Bold" panose="02000000000000000000" pitchFamily="50" charset="-127"/>
-                <a:ea typeface="G마켓 산스 Bold" panose="02000000000000000000" pitchFamily="50" charset="-127"/>
-              </a:rPr>
-              <a:t>기본형 데이터 타입</a:t>
-            </a:r>
-            <a:endParaRPr lang="ko-KR" altLang="en-US" sz="300" dirty="0">
-              <a:solidFill>
-                <a:srgbClr val="4C50BB"/>
-              </a:solidFill>
-              <a:latin typeface="G마켓 산스 Bold" panose="02000000000000000000" pitchFamily="50" charset="-127"/>
-              <a:ea typeface="G마켓 산스 Bold" panose="02000000000000000000" pitchFamily="50" charset="-127"/>
-            </a:endParaRPr>
-          </a:p>
-        </p:txBody>
-      </p:sp>
-      <p:pic>
-        <p:nvPicPr>
-          <p:cNvPr id="6" name="그림 5"/>
-          <p:cNvPicPr>
-            <a:picLocks noChangeAspect="1"/>
-          </p:cNvPicPr>
-          <p:nvPr/>
-        </p:nvPicPr>
-        <p:blipFill>
-          <a:blip r:embed="rId2"/>
-          <a:stretch>
-            <a:fillRect/>
-          </a:stretch>
-        </p:blipFill>
-        <p:spPr>
-          <a:xfrm>
-            <a:off x="9448800" y="2442028"/>
-            <a:ext cx="8791050" cy="4377872"/>
-          </a:xfrm>
-          <a:prstGeom prst="rect">
-            <a:avLst/>
-          </a:prstGeom>
-        </p:spPr>
-      </p:pic>
-    </p:spTree>
-    <p:extLst>
-      <p:ext uri="{BB962C8B-B14F-4D97-AF65-F5344CB8AC3E}">
-        <p14:creationId xmlns:p14="http://schemas.microsoft.com/office/powerpoint/2010/main" val="3141625170"/>
-      </p:ext>
-    </p:extLst>
-  </p:cSld>
-  <p:clrMapOvr>
-    <a:masterClrMapping/>
-  </p:clrMapOvr>
-  <p:timing>
-    <p:tnLst>
-      <p:par>
-        <p:cTn id="1" dur="indefinite" restart="never" nodeType="tmRoot"/>
-      </p:par>
-    </p:tnLst>
-  </p:timing>
-</p:sld>
-</file>
-
-<file path=ppt/slides/slide38.xml><?xml version="1.0" encoding="utf-8"?>
-<p:sld xmlns:a="http://schemas.openxmlformats.org/drawingml/2006/main" xmlns:r="http://schemas.openxmlformats.org/officeDocument/2006/relationships" xmlns:p="http://schemas.openxmlformats.org/presentationml/2006/main">
-  <p:cSld>
-    <p:spTree>
-      <p:nvGrpSpPr>
-        <p:cNvPr id="1" name=""/>
-        <p:cNvGrpSpPr/>
-        <p:nvPr/>
-      </p:nvGrpSpPr>
-      <p:grpSpPr>
-        <a:xfrm>
-          <a:off x="0" y="0"/>
-          <a:ext cx="0" cy="0"/>
-          <a:chOff x="0" y="0"/>
-          <a:chExt cx="0" cy="0"/>
-        </a:xfrm>
-      </p:grpSpPr>
-      <p:sp>
-        <p:nvSpPr>
-          <p:cNvPr id="4" name="TextBox 3">
-            <a:extLst>
-              <a:ext uri="{FF2B5EF4-FFF2-40B4-BE49-F238E27FC236}">
-                <a16:creationId xmlns:a16="http://schemas.microsoft.com/office/drawing/2014/main" xmlns="" id="{7229BEA6-121E-9056-D07F-2B3BB1795F76}"/>
-              </a:ext>
-            </a:extLst>
-          </p:cNvPr>
-          <p:cNvSpPr txBox="1"/>
-          <p:nvPr/>
-        </p:nvSpPr>
-        <p:spPr>
-          <a:xfrm>
-            <a:off x="1600200" y="342900"/>
-            <a:ext cx="8975534" cy="1015663"/>
-          </a:xfrm>
-          <a:prstGeom prst="rect">
-            <a:avLst/>
-          </a:prstGeom>
-          <a:noFill/>
-        </p:spPr>
-        <p:txBody>
-          <a:bodyPr wrap="none" rtlCol="0">
-            <a:spAutoFit/>
-          </a:bodyPr>
-          <a:lstStyle/>
-          <a:p>
-            <a:r>
-              <a:rPr lang="ko-KR" altLang="en-US" sz="6000" smtClean="0">
-                <a:solidFill>
-                  <a:srgbClr val="4C50BB"/>
-                </a:solidFill>
-                <a:latin typeface="G마켓 산스 Bold" panose="02000000000000000000" pitchFamily="50" charset="-127"/>
-                <a:ea typeface="G마켓 산스 Bold" panose="02000000000000000000" pitchFamily="50" charset="-127"/>
-              </a:rPr>
-              <a:t>데이터 타입별 메모리 크기</a:t>
-            </a:r>
-            <a:endParaRPr lang="ko-KR" altLang="en-US" sz="300" dirty="0">
-              <a:solidFill>
-                <a:srgbClr val="4C50BB"/>
-              </a:solidFill>
-              <a:latin typeface="G마켓 산스 Bold" panose="02000000000000000000" pitchFamily="50" charset="-127"/>
-              <a:ea typeface="G마켓 산스 Bold" panose="02000000000000000000" pitchFamily="50" charset="-127"/>
-            </a:endParaRPr>
-          </a:p>
-        </p:txBody>
-      </p:sp>
-      <p:graphicFrame>
-        <p:nvGraphicFramePr>
-          <p:cNvPr id="5" name="표 2">
-            <a:extLst>
-              <a:ext uri="{FF2B5EF4-FFF2-40B4-BE49-F238E27FC236}">
-                <a16:creationId xmlns:a16="http://schemas.microsoft.com/office/drawing/2014/main" xmlns="" id="{809219FD-62A9-5E27-ACCD-E1227D05FBC9}"/>
-              </a:ext>
-            </a:extLst>
-          </p:cNvPr>
-          <p:cNvGraphicFramePr>
-            <a:graphicFrameLocks noGrp="1"/>
-          </p:cNvGraphicFramePr>
-          <p:nvPr>
-            <p:extLst>
-              <p:ext uri="{D42A27DB-BD31-4B8C-83A1-F6EECF244321}">
-                <p14:modId xmlns:p14="http://schemas.microsoft.com/office/powerpoint/2010/main" val="4155655269"/>
-              </p:ext>
-            </p:extLst>
-          </p:nvPr>
-        </p:nvGraphicFramePr>
-        <p:xfrm>
-          <a:off x="1600200" y="1714500"/>
-          <a:ext cx="5780348" cy="4617720"/>
-        </p:xfrm>
-        <a:graphic>
-          <a:graphicData uri="http://schemas.openxmlformats.org/drawingml/2006/table">
-            <a:tbl>
-              <a:tblPr firstRow="1" bandRow="1">
-                <a:tableStyleId>{5C22544A-7EE6-4342-B048-85BDC9FD1C3A}</a:tableStyleId>
-              </a:tblPr>
-              <a:tblGrid>
-                <a:gridCol w="2890174">
-                  <a:extLst>
-                    <a:ext uri="{9D8B030D-6E8A-4147-A177-3AD203B41FA5}">
-                      <a16:colId xmlns:a16="http://schemas.microsoft.com/office/drawing/2014/main" xmlns="" val="733308553"/>
-                    </a:ext>
-                  </a:extLst>
-                </a:gridCol>
-                <a:gridCol w="2890174"/>
-              </a:tblGrid>
-              <a:tr h="533400">
-                <a:tc>
-                  <a:txBody>
-                    <a:bodyPr/>
-                    <a:lstStyle/>
-                    <a:p>
-                      <a:pPr latinLnBrk="1"/>
-                      <a:r>
-                        <a:rPr lang="ko-KR" altLang="en-US" sz="3200" smtClean="0">
-                          <a:solidFill>
-                            <a:schemeClr val="bg1"/>
-                          </a:solidFill>
-                        </a:rPr>
-                        <a:t>데이터타입</a:t>
-                      </a:r>
-                      <a:endParaRPr lang="ko-KR" altLang="en-US" sz="3200">
-                        <a:solidFill>
-                          <a:schemeClr val="bg1"/>
-                        </a:solidFill>
-                      </a:endParaRPr>
-                    </a:p>
-                  </a:txBody>
-                  <a:tcPr>
-                    <a:lnL w="12700" cap="flat" cmpd="sng" algn="ctr">
-                      <a:solidFill>
-                        <a:schemeClr val="tx1"/>
-                      </a:solidFill>
-                      <a:prstDash val="solid"/>
-                      <a:round/>
-                      <a:headEnd type="none" w="med" len="med"/>
-                      <a:tailEnd type="none" w="med" len="med"/>
-                    </a:lnL>
-                    <a:lnR w="12700" cap="flat" cmpd="sng" algn="ctr">
-                      <a:solidFill>
-                        <a:schemeClr val="tx1"/>
-                      </a:solidFill>
-                      <a:prstDash val="solid"/>
-                      <a:round/>
-                      <a:headEnd type="none" w="med" len="med"/>
-                      <a:tailEnd type="none" w="med" len="med"/>
-                    </a:lnR>
-                    <a:lnT w="12700" cap="flat" cmpd="sng" algn="ctr">
-                      <a:solidFill>
-                        <a:schemeClr val="tx1"/>
-                      </a:solidFill>
-                      <a:prstDash val="solid"/>
-                      <a:round/>
-                      <a:headEnd type="none" w="med" len="med"/>
-                      <a:tailEnd type="none" w="med" len="med"/>
-                    </a:lnT>
-                    <a:lnB w="12700" cap="flat" cmpd="sng" algn="ctr">
-                      <a:solidFill>
-                        <a:schemeClr val="tx1"/>
-                      </a:solidFill>
-                      <a:prstDash val="solid"/>
-                      <a:round/>
-                      <a:headEnd type="none" w="med" len="med"/>
-                      <a:tailEnd type="none" w="med" len="med"/>
-                    </a:lnB>
-                    <a:solidFill>
-                      <a:srgbClr val="4C50BC"/>
-                    </a:solidFill>
-                  </a:tcPr>
-                </a:tc>
-                <a:tc>
-                  <a:txBody>
-                    <a:bodyPr/>
-                    <a:lstStyle/>
-                    <a:p>
-                      <a:pPr latinLnBrk="1"/>
-                      <a:r>
-                        <a:rPr lang="ko-KR" altLang="en-US" sz="3200" smtClean="0">
-                          <a:solidFill>
-                            <a:schemeClr val="bg1"/>
-                          </a:solidFill>
-                        </a:rPr>
-                        <a:t>크기</a:t>
-                      </a:r>
-                      <a:endParaRPr lang="ko-KR" altLang="en-US" sz="3200">
-                        <a:solidFill>
-                          <a:schemeClr val="bg1"/>
-                        </a:solidFill>
-                      </a:endParaRPr>
-                    </a:p>
-                  </a:txBody>
-                  <a:tcPr>
-                    <a:lnL w="12700" cap="flat" cmpd="sng" algn="ctr">
-                      <a:solidFill>
-                        <a:schemeClr val="tx1"/>
-                      </a:solidFill>
-                      <a:prstDash val="solid"/>
-                      <a:round/>
-                      <a:headEnd type="none" w="med" len="med"/>
-                      <a:tailEnd type="none" w="med" len="med"/>
-                    </a:lnL>
-                    <a:lnR w="12700" cap="flat" cmpd="sng" algn="ctr">
-                      <a:solidFill>
-                        <a:schemeClr val="tx1"/>
-                      </a:solidFill>
-                      <a:prstDash val="solid"/>
-                      <a:round/>
-                      <a:headEnd type="none" w="med" len="med"/>
-                      <a:tailEnd type="none" w="med" len="med"/>
-                    </a:lnR>
-                    <a:lnT w="12700" cap="flat" cmpd="sng" algn="ctr">
-                      <a:solidFill>
-                        <a:schemeClr val="tx1"/>
-                      </a:solidFill>
-                      <a:prstDash val="solid"/>
-                      <a:round/>
-                      <a:headEnd type="none" w="med" len="med"/>
-                      <a:tailEnd type="none" w="med" len="med"/>
-                    </a:lnT>
-                    <a:lnB w="12700" cap="flat" cmpd="sng" algn="ctr">
-                      <a:solidFill>
-                        <a:schemeClr val="tx1"/>
-                      </a:solidFill>
-                      <a:prstDash val="solid"/>
-                      <a:round/>
-                      <a:headEnd type="none" w="med" len="med"/>
-                      <a:tailEnd type="none" w="med" len="med"/>
-                    </a:lnB>
-                    <a:solidFill>
-                      <a:srgbClr val="4C50BC"/>
-                    </a:solidFill>
-                  </a:tcPr>
-                </a:tc>
-                <a:extLst>
-                  <a:ext uri="{0D108BD9-81ED-4DB2-BD59-A6C34878D82A}">
-                    <a16:rowId xmlns:a16="http://schemas.microsoft.com/office/drawing/2014/main" xmlns="" val="2452905565"/>
-                  </a:ext>
-                </a:extLst>
-              </a:tr>
-              <a:tr h="1009650">
-                <a:tc>
-                  <a:txBody>
-                    <a:bodyPr/>
-                    <a:lstStyle/>
-                    <a:p>
-                      <a:pPr marL="0" marR="0" lvl="0" indent="0" algn="l" defTabSz="914400" rtl="0" eaLnBrk="1" fontAlgn="auto" latinLnBrk="1" hangingPunct="1">
-                        <a:lnSpc>
-                          <a:spcPct val="100000"/>
-                        </a:lnSpc>
-                        <a:spcBef>
-                          <a:spcPts val="0"/>
-                        </a:spcBef>
-                        <a:spcAft>
-                          <a:spcPts val="0"/>
-                        </a:spcAft>
-                        <a:buClrTx/>
-                        <a:buSzTx/>
-                        <a:buFontTx/>
-                        <a:buNone/>
-                        <a:tabLst/>
-                        <a:defRPr/>
-                      </a:pPr>
-                      <a:r>
-                        <a:rPr lang="en-US" altLang="ko-KR" sz="3200" smtClean="0">
-                          <a:solidFill>
-                            <a:schemeClr val="tx1">
-                              <a:lumMod val="50000"/>
-                              <a:lumOff val="50000"/>
-                            </a:schemeClr>
-                          </a:solidFill>
-                        </a:rPr>
-                        <a:t>Boolean, byte</a:t>
-                      </a:r>
-                      <a:endParaRPr lang="ko-KR" altLang="en-US" sz="3200" smtClean="0">
-                        <a:solidFill>
-                          <a:schemeClr val="tx1">
-                            <a:lumMod val="50000"/>
-                            <a:lumOff val="50000"/>
-                          </a:schemeClr>
-                        </a:solidFill>
-                      </a:endParaRPr>
-                    </a:p>
-                  </a:txBody>
-                  <a:tcPr>
-                    <a:lnL w="12700" cap="flat" cmpd="sng" algn="ctr">
-                      <a:solidFill>
-                        <a:schemeClr val="tx1"/>
-                      </a:solidFill>
-                      <a:prstDash val="solid"/>
-                      <a:round/>
-                      <a:headEnd type="none" w="med" len="med"/>
-                      <a:tailEnd type="none" w="med" len="med"/>
-                    </a:lnL>
-                    <a:lnR w="12700" cap="flat" cmpd="sng" algn="ctr">
-                      <a:solidFill>
-                        <a:schemeClr val="tx1"/>
-                      </a:solidFill>
-                      <a:prstDash val="solid"/>
-                      <a:round/>
-                      <a:headEnd type="none" w="med" len="med"/>
-                      <a:tailEnd type="none" w="med" len="med"/>
-                    </a:lnR>
-                    <a:lnT w="12700" cap="flat" cmpd="sng" algn="ctr">
-                      <a:solidFill>
-                        <a:schemeClr val="tx1"/>
-                      </a:solidFill>
-                      <a:prstDash val="solid"/>
-                      <a:round/>
-                      <a:headEnd type="none" w="med" len="med"/>
-                      <a:tailEnd type="none" w="med" len="med"/>
-                    </a:lnT>
-                    <a:lnB w="12700" cap="flat" cmpd="sng" algn="ctr">
-                      <a:solidFill>
-                        <a:schemeClr val="tx1"/>
-                      </a:solidFill>
-                      <a:prstDash val="solid"/>
-                      <a:round/>
-                      <a:headEnd type="none" w="med" len="med"/>
-                      <a:tailEnd type="none" w="med" len="med"/>
-                    </a:lnB>
-                    <a:noFill/>
-                  </a:tcPr>
-                </a:tc>
-                <a:tc>
-                  <a:txBody>
-                    <a:bodyPr/>
-                    <a:lstStyle/>
-                    <a:p>
-                      <a:pPr latinLnBrk="1"/>
-                      <a:r>
-                        <a:rPr lang="en-US" altLang="ko-KR" sz="3200" smtClean="0">
-                          <a:solidFill>
-                            <a:schemeClr val="tx1">
-                              <a:lumMod val="50000"/>
-                              <a:lumOff val="50000"/>
-                            </a:schemeClr>
-                          </a:solidFill>
-                        </a:rPr>
-                        <a:t>1 </a:t>
+                        <a:t>2</a:t>
                       </a:r>
                       <a:r>
-                        <a:rPr lang="ko-KR" altLang="en-US" sz="3200" smtClean="0">
+                        <a:rPr lang="ko-KR" altLang="en-US" sz="3200">
                           <a:solidFill>
                             <a:schemeClr val="tx1">
                               <a:lumMod val="50000"/>
@@ -16723,14 +16574,6 @@
                         </a:rPr>
                         <a:t>바이트</a:t>
                       </a:r>
-                      <a:endParaRPr lang="ko-KR" altLang="en-US" sz="3200">
-                        <a:solidFill>
-                          <a:schemeClr val="tx1">
-                            <a:lumMod val="50000"/>
-                            <a:lumOff val="50000"/>
-                          </a:schemeClr>
-                        </a:solidFill>
-                      </a:endParaRPr>
                     </a:p>
                   </a:txBody>
                   <a:tcPr>
@@ -16775,7 +16618,7 @@
                 </a:tc>
                 <a:extLst>
                   <a:ext uri="{0D108BD9-81ED-4DB2-BD59-A6C34878D82A}">
-                    <a16:rowId xmlns:a16="http://schemas.microsoft.com/office/drawing/2014/main" xmlns="" val="3551452526"/>
+                    <a16:rowId xmlns:a16="http://schemas.microsoft.com/office/drawing/2014/main" val="10002"/>
                   </a:ext>
                 </a:extLst>
               </a:tr>
@@ -16785,172 +16628,9 @@
                     <a:bodyPr/>
                     <a:lstStyle/>
                     <a:p>
-                      <a:pPr marL="0" marR="0" lvl="0" indent="0" algn="l" defTabSz="914400" rtl="0" eaLnBrk="1" fontAlgn="auto" latinLnBrk="1" hangingPunct="1">
-                        <a:lnSpc>
-                          <a:spcPct val="100000"/>
-                        </a:lnSpc>
-                        <a:spcBef>
-                          <a:spcPts val="0"/>
-                        </a:spcBef>
-                        <a:spcAft>
-                          <a:spcPts val="0"/>
-                        </a:spcAft>
-                        <a:buClrTx/>
-                        <a:buSzTx/>
-                        <a:buFontTx/>
-                        <a:buNone/>
-                        <a:tabLst/>
-                        <a:defRPr/>
-                      </a:pPr>
-                      <a:r>
-                        <a:rPr lang="en-US" altLang="ko-KR" sz="3200" smtClean="0">
-                          <a:solidFill>
-                            <a:schemeClr val="tx1">
-                              <a:lumMod val="50000"/>
-                              <a:lumOff val="50000"/>
-                            </a:schemeClr>
-                          </a:solidFill>
-                        </a:rPr>
-                        <a:t>char, short</a:t>
-                      </a:r>
-                      <a:endParaRPr lang="ko-KR" altLang="en-US" sz="3200" smtClean="0">
-                        <a:solidFill>
-                          <a:schemeClr val="tx1">
-                            <a:lumMod val="50000"/>
-                            <a:lumOff val="50000"/>
-                          </a:schemeClr>
-                        </a:solidFill>
-                      </a:endParaRPr>
-                    </a:p>
-                  </a:txBody>
-                  <a:tcPr>
-                    <a:lnL w="12700" cap="flat" cmpd="sng" algn="ctr">
-                      <a:solidFill>
-                        <a:schemeClr val="tx1"/>
-                      </a:solidFill>
-                      <a:prstDash val="solid"/>
-                      <a:round/>
-                      <a:headEnd type="none" w="med" len="med"/>
-                      <a:tailEnd type="none" w="med" len="med"/>
-                    </a:lnL>
-                    <a:lnR w="12700" cap="flat" cmpd="sng" algn="ctr">
-                      <a:solidFill>
-                        <a:schemeClr val="tx1"/>
-                      </a:solidFill>
-                      <a:prstDash val="solid"/>
-                      <a:round/>
-                      <a:headEnd type="none" w="med" len="med"/>
-                      <a:tailEnd type="none" w="med" len="med"/>
-                    </a:lnR>
-                    <a:lnT w="12700" cap="flat" cmpd="sng" algn="ctr">
-                      <a:solidFill>
-                        <a:schemeClr val="tx1"/>
-                      </a:solidFill>
-                      <a:prstDash val="solid"/>
-                      <a:round/>
-                      <a:headEnd type="none" w="med" len="med"/>
-                      <a:tailEnd type="none" w="med" len="med"/>
-                    </a:lnT>
-                    <a:lnB w="12700" cap="flat" cmpd="sng" algn="ctr">
-                      <a:solidFill>
-                        <a:schemeClr val="tx1"/>
-                      </a:solidFill>
-                      <a:prstDash val="solid"/>
-                      <a:round/>
-                      <a:headEnd type="none" w="med" len="med"/>
-                      <a:tailEnd type="none" w="med" len="med"/>
-                    </a:lnB>
-                    <a:noFill/>
-                  </a:tcPr>
-                </a:tc>
-                <a:tc>
-                  <a:txBody>
-                    <a:bodyPr/>
-                    <a:lstStyle/>
-                    <a:p>
                       <a:pPr latinLnBrk="1"/>
                       <a:r>
-                        <a:rPr lang="en-US" altLang="ko-KR" sz="3200" smtClean="0">
-                          <a:solidFill>
-                            <a:schemeClr val="tx1">
-                              <a:lumMod val="50000"/>
-                              <a:lumOff val="50000"/>
-                            </a:schemeClr>
-                          </a:solidFill>
-                        </a:rPr>
-                        <a:t>2</a:t>
-                      </a:r>
-                      <a:r>
-                        <a:rPr lang="ko-KR" altLang="en-US" sz="3200" smtClean="0">
-                          <a:solidFill>
-                            <a:schemeClr val="tx1">
-                              <a:lumMod val="50000"/>
-                              <a:lumOff val="50000"/>
-                            </a:schemeClr>
-                          </a:solidFill>
-                        </a:rPr>
-                        <a:t>바이트</a:t>
-                      </a:r>
-                      <a:endParaRPr lang="ko-KR" altLang="en-US" sz="3200">
-                        <a:solidFill>
-                          <a:schemeClr val="tx1">
-                            <a:lumMod val="50000"/>
-                            <a:lumOff val="50000"/>
-                          </a:schemeClr>
-                        </a:solidFill>
-                      </a:endParaRPr>
-                    </a:p>
-                  </a:txBody>
-                  <a:tcPr>
-                    <a:lnL w="12700" cap="flat" cmpd="sng" algn="ctr">
-                      <a:solidFill>
-                        <a:schemeClr val="tx1"/>
-                      </a:solidFill>
-                      <a:prstDash val="solid"/>
-                      <a:round/>
-                      <a:headEnd type="none" w="med" len="med"/>
-                      <a:tailEnd type="none" w="med" len="med"/>
-                    </a:lnL>
-                    <a:lnR w="12700" cap="flat" cmpd="sng" algn="ctr">
-                      <a:solidFill>
-                        <a:schemeClr val="tx1"/>
-                      </a:solidFill>
-                      <a:prstDash val="solid"/>
-                      <a:round/>
-                      <a:headEnd type="none" w="med" len="med"/>
-                      <a:tailEnd type="none" w="med" len="med"/>
-                    </a:lnR>
-                    <a:lnT w="12700" cap="flat" cmpd="sng" algn="ctr">
-                      <a:solidFill>
-                        <a:schemeClr val="tx1"/>
-                      </a:solidFill>
-                      <a:prstDash val="solid"/>
-                      <a:round/>
-                      <a:headEnd type="none" w="med" len="med"/>
-                      <a:tailEnd type="none" w="med" len="med"/>
-                    </a:lnT>
-                    <a:lnB w="12700" cap="flat" cmpd="sng" algn="ctr">
-                      <a:solidFill>
-                        <a:schemeClr val="tx1"/>
-                      </a:solidFill>
-                      <a:prstDash val="solid"/>
-                      <a:round/>
-                      <a:headEnd type="none" w="med" len="med"/>
-                      <a:tailEnd type="none" w="med" len="med"/>
-                    </a:lnB>
-                    <a:noFill/>
-                  </a:tcPr>
-                </a:tc>
-              </a:tr>
-              <a:tr h="1009650">
-                <a:tc>
-                  <a:txBody>
-                    <a:bodyPr/>
-                    <a:lstStyle/>
-                    <a:p>
-                      <a:pPr latinLnBrk="1"/>
-                      <a:r>
-                        <a:rPr lang="en-US" altLang="ko-KR" sz="3200" smtClean="0">
+                        <a:rPr lang="en-US" altLang="ko-KR" sz="3200">
                           <a:solidFill>
                             <a:schemeClr val="tx1">
                               <a:lumMod val="50000"/>
@@ -17017,7 +16697,7 @@
                     <a:p>
                       <a:pPr latinLnBrk="1"/>
                       <a:r>
-                        <a:rPr lang="en-US" altLang="ko-KR" sz="3200" smtClean="0">
+                        <a:rPr lang="en-US" altLang="ko-KR" sz="3200">
                           <a:solidFill>
                             <a:schemeClr val="tx1">
                               <a:lumMod val="50000"/>
@@ -17028,7 +16708,7 @@
                         <a:t>4</a:t>
                       </a:r>
                       <a:r>
-                        <a:rPr lang="ko-KR" altLang="en-US" sz="3200" smtClean="0">
+                        <a:rPr lang="ko-KR" altLang="en-US" sz="3200">
                           <a:solidFill>
                             <a:schemeClr val="tx1">
                               <a:lumMod val="50000"/>
@@ -17038,14 +16718,6 @@
                         </a:rPr>
                         <a:t>바이트</a:t>
                       </a:r>
-                      <a:endParaRPr lang="ko-KR" altLang="en-US" sz="3200">
-                        <a:solidFill>
-                          <a:schemeClr val="tx1">
-                            <a:lumMod val="50000"/>
-                            <a:lumOff val="50000"/>
-                          </a:schemeClr>
-                        </a:solidFill>
-                      </a:endParaRPr>
                     </a:p>
                   </a:txBody>
                   <a:tcPr>
@@ -17088,6 +16760,11 @@
                     <a:noFill/>
                   </a:tcPr>
                 </a:tc>
+                <a:extLst>
+                  <a:ext uri="{0D108BD9-81ED-4DB2-BD59-A6C34878D82A}">
+                    <a16:rowId xmlns:a16="http://schemas.microsoft.com/office/drawing/2014/main" val="10003"/>
+                  </a:ext>
+                </a:extLst>
               </a:tr>
               <a:tr h="1009650">
                 <a:tc>
@@ -17097,7 +16774,7 @@
                     <a:p>
                       <a:pPr latinLnBrk="1"/>
                       <a:r>
-                        <a:rPr lang="en-US" altLang="ko-KR" sz="3200" smtClean="0">
+                        <a:rPr lang="en-US" altLang="ko-KR" sz="3200">
                           <a:solidFill>
                             <a:schemeClr val="tx1">
                               <a:lumMod val="50000"/>
@@ -17164,7 +16841,7 @@
                     <a:p>
                       <a:pPr latinLnBrk="1"/>
                       <a:r>
-                        <a:rPr lang="en-US" altLang="ko-KR" sz="3200" smtClean="0">
+                        <a:rPr lang="en-US" altLang="ko-KR" sz="3200">
                           <a:solidFill>
                             <a:schemeClr val="tx1">
                               <a:lumMod val="50000"/>
@@ -17175,7 +16852,7 @@
                         <a:t>8</a:t>
                       </a:r>
                       <a:r>
-                        <a:rPr lang="ko-KR" altLang="en-US" sz="3200" smtClean="0">
+                        <a:rPr lang="ko-KR" altLang="en-US" sz="3200">
                           <a:solidFill>
                             <a:schemeClr val="tx1">
                               <a:lumMod val="50000"/>
@@ -17185,14 +16862,6 @@
                         </a:rPr>
                         <a:t>바이트</a:t>
                       </a:r>
-                      <a:endParaRPr lang="ko-KR" altLang="en-US" sz="3200">
-                        <a:solidFill>
-                          <a:schemeClr val="tx1">
-                            <a:lumMod val="50000"/>
-                            <a:lumOff val="50000"/>
-                          </a:schemeClr>
-                        </a:solidFill>
-                      </a:endParaRPr>
                     </a:p>
                   </a:txBody>
                   <a:tcPr>
@@ -17237,7 +16906,7 @@
                 </a:tc>
                 <a:extLst>
                   <a:ext uri="{0D108BD9-81ED-4DB2-BD59-A6C34878D82A}">
-                    <a16:rowId xmlns:a16="http://schemas.microsoft.com/office/drawing/2014/main" xmlns="" val="2488866604"/>
+                    <a16:rowId xmlns:a16="http://schemas.microsoft.com/office/drawing/2014/main" val="2488866604"/>
                   </a:ext>
                 </a:extLst>
               </a:tr>
@@ -17296,13 +16965,6 @@
   <p:clrMapOvr>
     <a:masterClrMapping/>
   </p:clrMapOvr>
-  <p:timing>
-    <p:tnLst>
-      <p:par>
-        <p:cTn id="1" dur="indefinite" restart="never" nodeType="tmRoot"/>
-      </p:par>
-    </p:tnLst>
-  </p:timing>
 </p:sld>
 </file>
 
@@ -17328,7 +16990,7 @@
           <p:cNvPr id="4" name="TextBox 3">
             <a:extLst>
               <a:ext uri="{FF2B5EF4-FFF2-40B4-BE49-F238E27FC236}">
-                <a16:creationId xmlns:a16="http://schemas.microsoft.com/office/drawing/2014/main" xmlns="" id="{7229BEA6-121E-9056-D07F-2B3BB1795F76}"/>
+                <a16:creationId xmlns:a16="http://schemas.microsoft.com/office/drawing/2014/main" id="{7229BEA6-121E-9056-D07F-2B3BB1795F76}"/>
               </a:ext>
             </a:extLst>
           </p:cNvPr>
@@ -17352,7 +17014,7 @@
           <a:lstStyle/>
           <a:p>
             <a:r>
-              <a:rPr lang="ko-KR" altLang="en-US" sz="6000" smtClean="0">
+              <a:rPr lang="ko-KR" altLang="en-US" sz="6000">
                 <a:solidFill>
                   <a:srgbClr val="4C50BB"/>
                 </a:solidFill>
@@ -17376,7 +17038,7 @@
           <p:cNvPr id="5" name="TextBox 4">
             <a:extLst>
               <a:ext uri="{FF2B5EF4-FFF2-40B4-BE49-F238E27FC236}">
-                <a16:creationId xmlns:a16="http://schemas.microsoft.com/office/drawing/2014/main" xmlns="" id="{5ADC00B6-990A-40DC-3CEA-505258F5E8DA}"/>
+                <a16:creationId xmlns:a16="http://schemas.microsoft.com/office/drawing/2014/main" id="{5ADC00B6-990A-40DC-3CEA-505258F5E8DA}"/>
               </a:ext>
             </a:extLst>
           </p:cNvPr>
@@ -17400,7 +17062,7 @@
           <a:lstStyle/>
           <a:p>
             <a:r>
-              <a:rPr lang="en-US" altLang="ko-KR" sz="4400" smtClean="0">
+              <a:rPr lang="en-US" altLang="ko-KR" sz="4400">
                 <a:solidFill>
                   <a:schemeClr val="tx1">
                     <a:lumMod val="50000"/>
@@ -17413,7 +17075,7 @@
               <a:t>Int </a:t>
             </a:r>
             <a:r>
-              <a:rPr lang="ko-KR" altLang="en-US" sz="4400" smtClean="0">
+              <a:rPr lang="ko-KR" altLang="en-US" sz="4400">
                 <a:solidFill>
                   <a:schemeClr val="tx1">
                     <a:lumMod val="50000"/>
@@ -17426,7 +17088,7 @@
               <a:t>형은 </a:t>
             </a:r>
             <a:r>
-              <a:rPr lang="en-US" altLang="ko-KR" sz="4400" smtClean="0">
+              <a:rPr lang="en-US" altLang="ko-KR" sz="4400">
                 <a:solidFill>
                   <a:schemeClr val="tx1">
                     <a:lumMod val="50000"/>
@@ -17439,7 +17101,7 @@
               <a:t>2</a:t>
             </a:r>
             <a:r>
-              <a:rPr lang="ko-KR" altLang="en-US" sz="4400" smtClean="0">
+              <a:rPr lang="ko-KR" altLang="en-US" sz="4400">
                 <a:solidFill>
                   <a:schemeClr val="tx1">
                     <a:lumMod val="50000"/>
@@ -17452,7 +17114,7 @@
               <a:t>의 몇승까지 저장할수 있는가</a:t>
             </a:r>
             <a:r>
-              <a:rPr lang="en-US" altLang="ko-KR" sz="4400" smtClean="0">
+              <a:rPr lang="en-US" altLang="ko-KR" sz="4400">
                 <a:solidFill>
                   <a:schemeClr val="tx1">
                     <a:lumMod val="50000"/>
@@ -17477,13 +17139,6 @@
   <p:clrMapOvr>
     <a:masterClrMapping/>
   </p:clrMapOvr>
-  <p:timing>
-    <p:tnLst>
-      <p:par>
-        <p:cTn id="1" dur="indefinite" restart="never" nodeType="tmRoot"/>
-      </p:par>
-    </p:tnLst>
-  </p:timing>
 </p:sld>
 </file>
 
@@ -17674,7 +17329,7 @@
           <p:cNvPr id="12" name="TextBox 11">
             <a:extLst>
               <a:ext uri="{FF2B5EF4-FFF2-40B4-BE49-F238E27FC236}">
-                <a16:creationId xmlns:a16="http://schemas.microsoft.com/office/drawing/2014/main" xmlns="" id="{DA1107BC-7D19-086F-4B10-F1B55BAA9708}"/>
+                <a16:creationId xmlns:a16="http://schemas.microsoft.com/office/drawing/2014/main" id="{DA1107BC-7D19-086F-4B10-F1B55BAA9708}"/>
               </a:ext>
             </a:extLst>
           </p:cNvPr>
@@ -17728,7 +17383,7 @@
           <p:cNvPr id="13" name="TextBox 12">
             <a:extLst>
               <a:ext uri="{FF2B5EF4-FFF2-40B4-BE49-F238E27FC236}">
-                <a16:creationId xmlns:a16="http://schemas.microsoft.com/office/drawing/2014/main" xmlns="" id="{872A91A3-756F-6221-8ED6-D3DF3F0569D4}"/>
+                <a16:creationId xmlns:a16="http://schemas.microsoft.com/office/drawing/2014/main" id="{872A91A3-756F-6221-8ED6-D3DF3F0569D4}"/>
               </a:ext>
             </a:extLst>
           </p:cNvPr>
@@ -17978,13 +17633,6 @@
   <p:clrMapOvr>
     <a:masterClrMapping/>
   </p:clrMapOvr>
-  <p:timing>
-    <p:tnLst>
-      <p:par>
-        <p:cTn id="1" dur="indefinite" restart="never" nodeType="tmRoot"/>
-      </p:par>
-    </p:tnLst>
-  </p:timing>
 </p:sld>
 </file>
 
@@ -18010,7 +17658,7 @@
           <p:cNvPr id="4" name="TextBox 3">
             <a:extLst>
               <a:ext uri="{FF2B5EF4-FFF2-40B4-BE49-F238E27FC236}">
-                <a16:creationId xmlns:a16="http://schemas.microsoft.com/office/drawing/2014/main" xmlns="" id="{7229BEA6-121E-9056-D07F-2B3BB1795F76}"/>
+                <a16:creationId xmlns:a16="http://schemas.microsoft.com/office/drawing/2014/main" id="{7229BEA6-121E-9056-D07F-2B3BB1795F76}"/>
               </a:ext>
             </a:extLst>
           </p:cNvPr>
@@ -18034,7 +17682,7 @@
           <a:lstStyle/>
           <a:p>
             <a:r>
-              <a:rPr lang="ko-KR" altLang="en-US" sz="6000" smtClean="0">
+              <a:rPr lang="ko-KR" altLang="en-US" sz="6000">
                 <a:solidFill>
                   <a:srgbClr val="4C50BB"/>
                 </a:solidFill>
@@ -18082,7 +17730,7 @@
           <p:cNvPr id="6" name="직사각형 5">
             <a:extLst>
               <a:ext uri="{FF2B5EF4-FFF2-40B4-BE49-F238E27FC236}">
-                <a16:creationId xmlns:a16="http://schemas.microsoft.com/office/drawing/2014/main" xmlns="" id="{FFF506F9-840A-0508-4CAF-3AC711D8D5CE}"/>
+                <a16:creationId xmlns:a16="http://schemas.microsoft.com/office/drawing/2014/main" id="{FFF506F9-840A-0508-4CAF-3AC711D8D5CE}"/>
               </a:ext>
             </a:extLst>
           </p:cNvPr>
@@ -18134,7 +17782,7 @@
           <p:cNvPr id="7" name="직선 화살표 연결선 6">
             <a:extLst>
               <a:ext uri="{FF2B5EF4-FFF2-40B4-BE49-F238E27FC236}">
-                <a16:creationId xmlns:a16="http://schemas.microsoft.com/office/drawing/2014/main" xmlns="" id="{299DF5EC-9DF4-5255-06AC-0A7CE4FF58C3}"/>
+                <a16:creationId xmlns:a16="http://schemas.microsoft.com/office/drawing/2014/main" id="{299DF5EC-9DF4-5255-06AC-0A7CE4FF58C3}"/>
               </a:ext>
             </a:extLst>
           </p:cNvPr>
@@ -18175,7 +17823,7 @@
           <p:cNvPr id="8" name="TextBox 7">
             <a:extLst>
               <a:ext uri="{FF2B5EF4-FFF2-40B4-BE49-F238E27FC236}">
-                <a16:creationId xmlns:a16="http://schemas.microsoft.com/office/drawing/2014/main" xmlns="" id="{C6D113C6-EA5C-788F-0C77-E7CE6EBB865F}"/>
+                <a16:creationId xmlns:a16="http://schemas.microsoft.com/office/drawing/2014/main" id="{C6D113C6-EA5C-788F-0C77-E7CE6EBB865F}"/>
               </a:ext>
             </a:extLst>
           </p:cNvPr>
@@ -18199,7 +17847,7 @@
           <a:lstStyle/>
           <a:p>
             <a:r>
-              <a:rPr lang="ko-KR" altLang="en-US" sz="3200" smtClean="0">
+              <a:rPr lang="ko-KR" altLang="en-US" sz="3200">
                 <a:solidFill>
                   <a:srgbClr val="4C50BC"/>
                 </a:solidFill>
@@ -18223,7 +17871,7 @@
           <p:cNvPr id="9" name="직사각형 8">
             <a:extLst>
               <a:ext uri="{FF2B5EF4-FFF2-40B4-BE49-F238E27FC236}">
-                <a16:creationId xmlns:a16="http://schemas.microsoft.com/office/drawing/2014/main" xmlns="" id="{FFF506F9-840A-0508-4CAF-3AC711D8D5CE}"/>
+                <a16:creationId xmlns:a16="http://schemas.microsoft.com/office/drawing/2014/main" id="{FFF506F9-840A-0508-4CAF-3AC711D8D5CE}"/>
               </a:ext>
             </a:extLst>
           </p:cNvPr>
@@ -18275,7 +17923,7 @@
           <p:cNvPr id="10" name="직선 화살표 연결선 9">
             <a:extLst>
               <a:ext uri="{FF2B5EF4-FFF2-40B4-BE49-F238E27FC236}">
-                <a16:creationId xmlns:a16="http://schemas.microsoft.com/office/drawing/2014/main" xmlns="" id="{299DF5EC-9DF4-5255-06AC-0A7CE4FF58C3}"/>
+                <a16:creationId xmlns:a16="http://schemas.microsoft.com/office/drawing/2014/main" id="{299DF5EC-9DF4-5255-06AC-0A7CE4FF58C3}"/>
               </a:ext>
             </a:extLst>
           </p:cNvPr>
@@ -18316,7 +17964,7 @@
           <p:cNvPr id="11" name="TextBox 10">
             <a:extLst>
               <a:ext uri="{FF2B5EF4-FFF2-40B4-BE49-F238E27FC236}">
-                <a16:creationId xmlns:a16="http://schemas.microsoft.com/office/drawing/2014/main" xmlns="" id="{C6D113C6-EA5C-788F-0C77-E7CE6EBB865F}"/>
+                <a16:creationId xmlns:a16="http://schemas.microsoft.com/office/drawing/2014/main" id="{C6D113C6-EA5C-788F-0C77-E7CE6EBB865F}"/>
               </a:ext>
             </a:extLst>
           </p:cNvPr>
@@ -18340,7 +17988,7 @@
           <a:lstStyle/>
           <a:p>
             <a:r>
-              <a:rPr lang="ko-KR" altLang="en-US" sz="3200" smtClean="0">
+              <a:rPr lang="ko-KR" altLang="en-US" sz="3200">
                 <a:solidFill>
                   <a:srgbClr val="4C50BC"/>
                 </a:solidFill>
@@ -18364,7 +18012,7 @@
           <p:cNvPr id="12" name="직사각형 11">
             <a:extLst>
               <a:ext uri="{FF2B5EF4-FFF2-40B4-BE49-F238E27FC236}">
-                <a16:creationId xmlns:a16="http://schemas.microsoft.com/office/drawing/2014/main" xmlns="" id="{FFF506F9-840A-0508-4CAF-3AC711D8D5CE}"/>
+                <a16:creationId xmlns:a16="http://schemas.microsoft.com/office/drawing/2014/main" id="{FFF506F9-840A-0508-4CAF-3AC711D8D5CE}"/>
               </a:ext>
             </a:extLst>
           </p:cNvPr>
@@ -18416,7 +18064,7 @@
           <p:cNvPr id="13" name="직선 화살표 연결선 12">
             <a:extLst>
               <a:ext uri="{FF2B5EF4-FFF2-40B4-BE49-F238E27FC236}">
-                <a16:creationId xmlns:a16="http://schemas.microsoft.com/office/drawing/2014/main" xmlns="" id="{299DF5EC-9DF4-5255-06AC-0A7CE4FF58C3}"/>
+                <a16:creationId xmlns:a16="http://schemas.microsoft.com/office/drawing/2014/main" id="{299DF5EC-9DF4-5255-06AC-0A7CE4FF58C3}"/>
               </a:ext>
             </a:extLst>
           </p:cNvPr>
@@ -18457,7 +18105,7 @@
           <p:cNvPr id="14" name="TextBox 13">
             <a:extLst>
               <a:ext uri="{FF2B5EF4-FFF2-40B4-BE49-F238E27FC236}">
-                <a16:creationId xmlns:a16="http://schemas.microsoft.com/office/drawing/2014/main" xmlns="" id="{C6D113C6-EA5C-788F-0C77-E7CE6EBB865F}"/>
+                <a16:creationId xmlns:a16="http://schemas.microsoft.com/office/drawing/2014/main" id="{C6D113C6-EA5C-788F-0C77-E7CE6EBB865F}"/>
               </a:ext>
             </a:extLst>
           </p:cNvPr>
@@ -18481,7 +18129,7 @@
           <a:lstStyle/>
           <a:p>
             <a:r>
-              <a:rPr lang="ko-KR" altLang="en-US" sz="3200" smtClean="0">
+              <a:rPr lang="ko-KR" altLang="en-US" sz="3200">
                 <a:solidFill>
                   <a:srgbClr val="4C50BC"/>
                 </a:solidFill>
@@ -18505,7 +18153,7 @@
           <p:cNvPr id="15" name="TextBox 14">
             <a:extLst>
               <a:ext uri="{FF2B5EF4-FFF2-40B4-BE49-F238E27FC236}">
-                <a16:creationId xmlns:a16="http://schemas.microsoft.com/office/drawing/2014/main" xmlns="" id="{5ADC00B6-990A-40DC-3CEA-505258F5E8DA}"/>
+                <a16:creationId xmlns:a16="http://schemas.microsoft.com/office/drawing/2014/main" id="{5ADC00B6-990A-40DC-3CEA-505258F5E8DA}"/>
               </a:ext>
             </a:extLst>
           </p:cNvPr>
@@ -18532,7 +18180,7 @@
               <a:buAutoNum type="arabicPeriod"/>
             </a:pPr>
             <a:r>
-              <a:rPr lang="ko-KR" altLang="en-US" sz="4400" smtClean="0">
+              <a:rPr lang="ko-KR" altLang="en-US" sz="4400">
                 <a:solidFill>
                   <a:schemeClr val="tx1">
                     <a:lumMod val="50000"/>
@@ -18545,7 +18193,7 @@
               <a:t>상수는 관례상 대문자로 작성한다</a:t>
             </a:r>
             <a:r>
-              <a:rPr lang="en-US" altLang="ko-KR" sz="4400" smtClean="0">
+              <a:rPr lang="en-US" altLang="ko-KR" sz="4400">
                 <a:solidFill>
                   <a:schemeClr val="tx1">
                     <a:lumMod val="50000"/>
@@ -18563,7 +18211,7 @@
               <a:buAutoNum type="arabicPeriod"/>
             </a:pPr>
             <a:r>
-              <a:rPr lang="ko-KR" altLang="en-US" sz="4400" smtClean="0">
+              <a:rPr lang="ko-KR" altLang="en-US" sz="4400">
                 <a:solidFill>
                   <a:schemeClr val="tx1">
                     <a:lumMod val="50000"/>
@@ -18576,7 +18224,7 @@
               <a:t>선언과 동시에 초기화 해야 한다</a:t>
             </a:r>
             <a:r>
-              <a:rPr lang="en-US" altLang="ko-KR" sz="4400" smtClean="0">
+              <a:rPr lang="en-US" altLang="ko-KR" sz="4400">
                 <a:solidFill>
                   <a:schemeClr val="tx1">
                     <a:lumMod val="50000"/>
@@ -18594,7 +18242,7 @@
               <a:buAutoNum type="arabicPeriod"/>
             </a:pPr>
             <a:r>
-              <a:rPr lang="ko-KR" altLang="en-US" sz="4400" smtClean="0">
+              <a:rPr lang="ko-KR" altLang="en-US" sz="4400">
                 <a:solidFill>
                   <a:schemeClr val="tx1">
                     <a:lumMod val="50000"/>
@@ -18607,7 +18255,7 @@
               <a:t>한번 값이 정해지면 변경할수 없다</a:t>
             </a:r>
             <a:r>
-              <a:rPr lang="en-US" altLang="ko-KR" sz="4400" smtClean="0">
+              <a:rPr lang="en-US" altLang="ko-KR" sz="4400">
                 <a:solidFill>
                   <a:schemeClr val="tx1">
                     <a:lumMod val="50000"/>
@@ -18632,13 +18280,6 @@
   <p:clrMapOvr>
     <a:masterClrMapping/>
   </p:clrMapOvr>
-  <p:timing>
-    <p:tnLst>
-      <p:par>
-        <p:cTn id="1" dur="indefinite" restart="never" nodeType="tmRoot"/>
-      </p:par>
-    </p:tnLst>
-  </p:timing>
 </p:sld>
 </file>
 
@@ -18688,7 +18329,7 @@
           <p:cNvPr id="5" name="TextBox 4">
             <a:extLst>
               <a:ext uri="{FF2B5EF4-FFF2-40B4-BE49-F238E27FC236}">
-                <a16:creationId xmlns:a16="http://schemas.microsoft.com/office/drawing/2014/main" xmlns="" id="{7229BEA6-121E-9056-D07F-2B3BB1795F76}"/>
+                <a16:creationId xmlns:a16="http://schemas.microsoft.com/office/drawing/2014/main" id="{7229BEA6-121E-9056-D07F-2B3BB1795F76}"/>
               </a:ext>
             </a:extLst>
           </p:cNvPr>
@@ -18712,7 +18353,7 @@
           <a:lstStyle/>
           <a:p>
             <a:r>
-              <a:rPr lang="ko-KR" altLang="en-US" sz="6000" smtClean="0">
+              <a:rPr lang="ko-KR" altLang="en-US" sz="6000">
                 <a:solidFill>
                   <a:srgbClr val="4C50BB"/>
                 </a:solidFill>
@@ -18722,7 +18363,7 @@
               <a:t>왜 사용 하는걸까</a:t>
             </a:r>
             <a:r>
-              <a:rPr lang="en-US" altLang="ko-KR" sz="6000" smtClean="0">
+              <a:rPr lang="en-US" altLang="ko-KR" sz="6000">
                 <a:solidFill>
                   <a:srgbClr val="4C50BB"/>
                 </a:solidFill>
@@ -18746,7 +18387,7 @@
           <p:cNvPr id="6" name="TextBox 5">
             <a:extLst>
               <a:ext uri="{FF2B5EF4-FFF2-40B4-BE49-F238E27FC236}">
-                <a16:creationId xmlns:a16="http://schemas.microsoft.com/office/drawing/2014/main" xmlns="" id="{5ADC00B6-990A-40DC-3CEA-505258F5E8DA}"/>
+                <a16:creationId xmlns:a16="http://schemas.microsoft.com/office/drawing/2014/main" id="{5ADC00B6-990A-40DC-3CEA-505258F5E8DA}"/>
               </a:ext>
             </a:extLst>
           </p:cNvPr>
@@ -18773,7 +18414,7 @@
               <a:buAutoNum type="arabicPeriod"/>
             </a:pPr>
             <a:r>
-              <a:rPr lang="ko-KR" altLang="en-US" sz="4400" smtClean="0">
+              <a:rPr lang="ko-KR" altLang="en-US" sz="4400">
                 <a:solidFill>
                   <a:schemeClr val="tx1">
                     <a:lumMod val="50000"/>
@@ -18786,7 +18427,7 @@
               <a:t>코드의 가독성이 좋아진다</a:t>
             </a:r>
             <a:r>
-              <a:rPr lang="en-US" altLang="ko-KR" sz="4400" smtClean="0">
+              <a:rPr lang="en-US" altLang="ko-KR" sz="4400">
                 <a:solidFill>
                   <a:schemeClr val="tx1">
                     <a:lumMod val="50000"/>
@@ -18804,7 +18445,7 @@
               <a:buAutoNum type="arabicPeriod"/>
             </a:pPr>
             <a:r>
-              <a:rPr lang="ko-KR" altLang="en-US" sz="4400" smtClean="0">
+              <a:rPr lang="ko-KR" altLang="en-US" sz="4400">
                 <a:solidFill>
                   <a:schemeClr val="tx1">
                     <a:lumMod val="50000"/>
@@ -18829,16 +18470,6 @@
               </a:rPr>
               <a:t>.</a:t>
             </a:r>
-            <a:endParaRPr lang="en-US" altLang="ko-KR" sz="4400" smtClean="0">
-              <a:solidFill>
-                <a:schemeClr val="tx1">
-                  <a:lumMod val="50000"/>
-                  <a:lumOff val="50000"/>
-                </a:schemeClr>
-              </a:solidFill>
-              <a:latin typeface="G마켓 산스 Medium" panose="02000000000000000000" pitchFamily="50" charset="-127"/>
-              <a:ea typeface="G마켓 산스 Medium" panose="02000000000000000000" pitchFamily="50" charset="-127"/>
-            </a:endParaRPr>
           </a:p>
         </p:txBody>
       </p:sp>
@@ -18852,13 +18483,6 @@
   <p:clrMapOvr>
     <a:masterClrMapping/>
   </p:clrMapOvr>
-  <p:timing>
-    <p:tnLst>
-      <p:par>
-        <p:cTn id="1" dur="indefinite" restart="never" nodeType="tmRoot"/>
-      </p:par>
-    </p:tnLst>
-  </p:timing>
 </p:sld>
 </file>
 
@@ -18908,7 +18532,7 @@
           <p:cNvPr id="5" name="TextBox 4">
             <a:extLst>
               <a:ext uri="{FF2B5EF4-FFF2-40B4-BE49-F238E27FC236}">
-                <a16:creationId xmlns:a16="http://schemas.microsoft.com/office/drawing/2014/main" xmlns="" id="{7229BEA6-121E-9056-D07F-2B3BB1795F76}"/>
+                <a16:creationId xmlns:a16="http://schemas.microsoft.com/office/drawing/2014/main" id="{7229BEA6-121E-9056-D07F-2B3BB1795F76}"/>
               </a:ext>
             </a:extLst>
           </p:cNvPr>
@@ -18932,7 +18556,7 @@
           <a:lstStyle/>
           <a:p>
             <a:r>
-              <a:rPr lang="ko-KR" altLang="en-US" sz="6000" smtClean="0">
+              <a:rPr lang="ko-KR" altLang="en-US" sz="6000">
                 <a:solidFill>
                   <a:srgbClr val="4C50BB"/>
                 </a:solidFill>
@@ -18942,7 +18566,7 @@
               <a:t>가능할까</a:t>
             </a:r>
             <a:r>
-              <a:rPr lang="en-US" altLang="ko-KR" sz="6000" smtClean="0">
+              <a:rPr lang="en-US" altLang="ko-KR" sz="6000">
                 <a:solidFill>
                   <a:srgbClr val="4C50BB"/>
                 </a:solidFill>
@@ -18996,7 +18620,7 @@
           <p:cNvPr id="5" name="TextBox 4">
             <a:extLst>
               <a:ext uri="{FF2B5EF4-FFF2-40B4-BE49-F238E27FC236}">
-                <a16:creationId xmlns:a16="http://schemas.microsoft.com/office/drawing/2014/main" xmlns="" id="{7229BEA6-121E-9056-D07F-2B3BB1795F76}"/>
+                <a16:creationId xmlns:a16="http://schemas.microsoft.com/office/drawing/2014/main" id="{7229BEA6-121E-9056-D07F-2B3BB1795F76}"/>
               </a:ext>
             </a:extLst>
           </p:cNvPr>
@@ -19020,7 +18644,7 @@
           <a:lstStyle/>
           <a:p>
             <a:r>
-              <a:rPr lang="ko-KR" altLang="en-US" sz="6000" smtClean="0">
+              <a:rPr lang="ko-KR" altLang="en-US" sz="6000">
                 <a:solidFill>
                   <a:srgbClr val="4C50BB"/>
                 </a:solidFill>
@@ -19030,7 +18654,7 @@
               <a:t>형변환</a:t>
             </a:r>
             <a:r>
-              <a:rPr lang="en-US" altLang="ko-KR" sz="6000" smtClean="0">
+              <a:rPr lang="en-US" altLang="ko-KR" sz="6000">
                 <a:solidFill>
                   <a:srgbClr val="4C50BB"/>
                 </a:solidFill>
@@ -19040,7 +18664,7 @@
               <a:t>(</a:t>
             </a:r>
             <a:r>
-              <a:rPr lang="ko-KR" altLang="en-US" sz="6000" smtClean="0">
+              <a:rPr lang="ko-KR" altLang="en-US" sz="6000">
                 <a:solidFill>
                   <a:srgbClr val="4C50BB"/>
                 </a:solidFill>
@@ -19050,7 +18674,7 @@
               <a:t>타입캐스팅</a:t>
             </a:r>
             <a:r>
-              <a:rPr lang="en-US" altLang="ko-KR" sz="6000" smtClean="0">
+              <a:rPr lang="en-US" altLang="ko-KR" sz="6000">
                 <a:solidFill>
                   <a:srgbClr val="4C50BB"/>
                 </a:solidFill>
@@ -19074,7 +18698,7 @@
           <p:cNvPr id="6" name="TextBox 5">
             <a:extLst>
               <a:ext uri="{FF2B5EF4-FFF2-40B4-BE49-F238E27FC236}">
-                <a16:creationId xmlns:a16="http://schemas.microsoft.com/office/drawing/2014/main" xmlns="" id="{5ADC00B6-990A-40DC-3CEA-505258F5E8DA}"/>
+                <a16:creationId xmlns:a16="http://schemas.microsoft.com/office/drawing/2014/main" id="{5ADC00B6-990A-40DC-3CEA-505258F5E8DA}"/>
               </a:ext>
             </a:extLst>
           </p:cNvPr>
@@ -19098,7 +18722,7 @@
           <a:lstStyle/>
           <a:p>
             <a:r>
-              <a:rPr lang="ko-KR" altLang="en-US" sz="4400" smtClean="0">
+              <a:rPr lang="ko-KR" altLang="en-US" sz="4400">
                 <a:solidFill>
                   <a:schemeClr val="tx1">
                     <a:lumMod val="50000"/>
@@ -19110,7 +18734,7 @@
               </a:rPr>
               <a:t>데이터 타입을 임의로 변경하는것</a:t>
             </a:r>
-            <a:endParaRPr lang="en-US" altLang="ko-KR" sz="4400" smtClean="0">
+            <a:endParaRPr lang="en-US" altLang="ko-KR" sz="4400">
               <a:solidFill>
                 <a:schemeClr val="tx1">
                   <a:lumMod val="50000"/>
@@ -19128,7 +18752,7 @@
           <p:cNvPr id="7" name="그룹 1018">
             <a:extLst>
               <a:ext uri="{FF2B5EF4-FFF2-40B4-BE49-F238E27FC236}">
-                <a16:creationId xmlns:a16="http://schemas.microsoft.com/office/drawing/2014/main" xmlns="" id="{BE4AAF13-A11B-7E60-33C1-D156A6926154}"/>
+                <a16:creationId xmlns:a16="http://schemas.microsoft.com/office/drawing/2014/main" id="{BE4AAF13-A11B-7E60-33C1-D156A6926154}"/>
               </a:ext>
             </a:extLst>
           </p:cNvPr>
@@ -19148,7 +18772,7 @@
             <p:cNvPr id="8" name="Object 61">
               <a:extLst>
                 <a:ext uri="{FF2B5EF4-FFF2-40B4-BE49-F238E27FC236}">
-                  <a16:creationId xmlns:a16="http://schemas.microsoft.com/office/drawing/2014/main" xmlns="" id="{125B2204-5CAB-AF42-4145-B61B7DFFDB21}"/>
+                  <a16:creationId xmlns:a16="http://schemas.microsoft.com/office/drawing/2014/main" id="{125B2204-5CAB-AF42-4145-B61B7DFFDB21}"/>
                 </a:ext>
               </a:extLst>
             </p:cNvPr>
@@ -19179,7 +18803,7 @@
           <p:cNvPr id="9" name="그룹 1021">
             <a:extLst>
               <a:ext uri="{FF2B5EF4-FFF2-40B4-BE49-F238E27FC236}">
-                <a16:creationId xmlns:a16="http://schemas.microsoft.com/office/drawing/2014/main" xmlns="" id="{DAE466EB-8914-A47B-444E-4C193B0D877A}"/>
+                <a16:creationId xmlns:a16="http://schemas.microsoft.com/office/drawing/2014/main" id="{DAE466EB-8914-A47B-444E-4C193B0D877A}"/>
               </a:ext>
             </a:extLst>
           </p:cNvPr>
@@ -19199,7 +18823,7 @@
             <p:cNvPr id="10" name="Object 71">
               <a:extLst>
                 <a:ext uri="{FF2B5EF4-FFF2-40B4-BE49-F238E27FC236}">
-                  <a16:creationId xmlns:a16="http://schemas.microsoft.com/office/drawing/2014/main" xmlns="" id="{44802802-8C0A-9B02-4940-D16EEB7C206A}"/>
+                  <a16:creationId xmlns:a16="http://schemas.microsoft.com/office/drawing/2014/main" id="{44802802-8C0A-9B02-4940-D16EEB7C206A}"/>
                 </a:ext>
               </a:extLst>
             </p:cNvPr>
@@ -19230,7 +18854,7 @@
           <p:cNvPr id="11" name="TextBox 10">
             <a:extLst>
               <a:ext uri="{FF2B5EF4-FFF2-40B4-BE49-F238E27FC236}">
-                <a16:creationId xmlns:a16="http://schemas.microsoft.com/office/drawing/2014/main" xmlns="" id="{4EDAA912-8FA0-0F11-119B-EA9F8B36A489}"/>
+                <a16:creationId xmlns:a16="http://schemas.microsoft.com/office/drawing/2014/main" id="{4EDAA912-8FA0-0F11-119B-EA9F8B36A489}"/>
               </a:ext>
             </a:extLst>
           </p:cNvPr>
@@ -19254,7 +18878,7 @@
           <a:lstStyle/>
           <a:p>
             <a:r>
-              <a:rPr lang="ko-KR" altLang="en-US" sz="3200" smtClean="0">
+              <a:rPr lang="ko-KR" altLang="en-US" sz="3200">
                 <a:solidFill>
                   <a:srgbClr val="4D4848"/>
                 </a:solidFill>
@@ -19278,7 +18902,7 @@
           <p:cNvPr id="12" name="TextBox 11">
             <a:extLst>
               <a:ext uri="{FF2B5EF4-FFF2-40B4-BE49-F238E27FC236}">
-                <a16:creationId xmlns:a16="http://schemas.microsoft.com/office/drawing/2014/main" xmlns="" id="{50E9E326-9165-4EB7-F036-2D0C3593471A}"/>
+                <a16:creationId xmlns:a16="http://schemas.microsoft.com/office/drawing/2014/main" id="{50E9E326-9165-4EB7-F036-2D0C3593471A}"/>
               </a:ext>
             </a:extLst>
           </p:cNvPr>
@@ -19302,7 +18926,7 @@
           <a:lstStyle/>
           <a:p>
             <a:r>
-              <a:rPr lang="ko-KR" altLang="en-US" sz="3600" smtClean="0">
+              <a:rPr lang="ko-KR" altLang="en-US" sz="3600">
                 <a:solidFill>
                   <a:srgbClr val="4D4848"/>
                 </a:solidFill>
@@ -19326,7 +18950,7 @@
           <p:cNvPr id="13" name="직선 화살표 연결선 12">
             <a:extLst>
               <a:ext uri="{FF2B5EF4-FFF2-40B4-BE49-F238E27FC236}">
-                <a16:creationId xmlns:a16="http://schemas.microsoft.com/office/drawing/2014/main" xmlns="" id="{6C0677B1-2150-0DB1-2BB2-EE13A87409E9}"/>
+                <a16:creationId xmlns:a16="http://schemas.microsoft.com/office/drawing/2014/main" id="{6C0677B1-2150-0DB1-2BB2-EE13A87409E9}"/>
               </a:ext>
             </a:extLst>
           </p:cNvPr>
@@ -19367,7 +18991,7 @@
           <p:cNvPr id="14" name="직선 화살표 연결선 13">
             <a:extLst>
               <a:ext uri="{FF2B5EF4-FFF2-40B4-BE49-F238E27FC236}">
-                <a16:creationId xmlns:a16="http://schemas.microsoft.com/office/drawing/2014/main" xmlns="" id="{B773A3B5-3F30-19DC-A062-3EA5F2503987}"/>
+                <a16:creationId xmlns:a16="http://schemas.microsoft.com/office/drawing/2014/main" id="{B773A3B5-3F30-19DC-A062-3EA5F2503987}"/>
               </a:ext>
             </a:extLst>
           </p:cNvPr>
@@ -19409,7 +19033,7 @@
           <p:cNvPr id="15" name="그룹 1024">
             <a:extLst>
               <a:ext uri="{FF2B5EF4-FFF2-40B4-BE49-F238E27FC236}">
-                <a16:creationId xmlns:a16="http://schemas.microsoft.com/office/drawing/2014/main" xmlns="" id="{48B1F9B2-501C-80B7-7C7B-CFA80857C34A}"/>
+                <a16:creationId xmlns:a16="http://schemas.microsoft.com/office/drawing/2014/main" id="{48B1F9B2-501C-80B7-7C7B-CFA80857C34A}"/>
               </a:ext>
             </a:extLst>
           </p:cNvPr>
@@ -19429,7 +19053,7 @@
             <p:cNvPr id="16" name="Object 81">
               <a:extLst>
                 <a:ext uri="{FF2B5EF4-FFF2-40B4-BE49-F238E27FC236}">
-                  <a16:creationId xmlns:a16="http://schemas.microsoft.com/office/drawing/2014/main" xmlns="" id="{A427AC54-6F46-2451-454E-795C016377BE}"/>
+                  <a16:creationId xmlns:a16="http://schemas.microsoft.com/office/drawing/2014/main" id="{A427AC54-6F46-2451-454E-795C016377BE}"/>
                 </a:ext>
               </a:extLst>
             </p:cNvPr>
@@ -19460,7 +19084,7 @@
           <p:cNvPr id="17" name="TextBox 16">
             <a:extLst>
               <a:ext uri="{FF2B5EF4-FFF2-40B4-BE49-F238E27FC236}">
-                <a16:creationId xmlns:a16="http://schemas.microsoft.com/office/drawing/2014/main" xmlns="" id="{A827F657-20B0-7A83-02DD-3C1A851412BF}"/>
+                <a16:creationId xmlns:a16="http://schemas.microsoft.com/office/drawing/2014/main" id="{A827F657-20B0-7A83-02DD-3C1A851412BF}"/>
               </a:ext>
             </a:extLst>
           </p:cNvPr>
@@ -19484,7 +19108,7 @@
           <a:lstStyle/>
           <a:p>
             <a:r>
-              <a:rPr lang="ko-KR" altLang="en-US" sz="2800" smtClean="0">
+              <a:rPr lang="ko-KR" altLang="en-US" sz="2800">
                 <a:solidFill>
                   <a:srgbClr val="4D4848"/>
                 </a:solidFill>
@@ -19513,13 +19137,6 @@
   <p:clrMapOvr>
     <a:masterClrMapping/>
   </p:clrMapOvr>
-  <p:timing>
-    <p:tnLst>
-      <p:par>
-        <p:cTn id="1" dur="indefinite" restart="never" nodeType="tmRoot"/>
-      </p:par>
-    </p:tnLst>
-  </p:timing>
 </p:sld>
 </file>
 
@@ -19545,7 +19162,7 @@
           <p:cNvPr id="5" name="TextBox 4">
             <a:extLst>
               <a:ext uri="{FF2B5EF4-FFF2-40B4-BE49-F238E27FC236}">
-                <a16:creationId xmlns:a16="http://schemas.microsoft.com/office/drawing/2014/main" xmlns="" id="{7229BEA6-121E-9056-D07F-2B3BB1795F76}"/>
+                <a16:creationId xmlns:a16="http://schemas.microsoft.com/office/drawing/2014/main" id="{7229BEA6-121E-9056-D07F-2B3BB1795F76}"/>
               </a:ext>
             </a:extLst>
           </p:cNvPr>
@@ -19569,7 +19186,7 @@
           <a:lstStyle/>
           <a:p>
             <a:r>
-              <a:rPr lang="ko-KR" altLang="en-US" sz="6000" smtClean="0">
+              <a:rPr lang="ko-KR" altLang="en-US" sz="6000">
                 <a:solidFill>
                   <a:srgbClr val="4C50BB"/>
                 </a:solidFill>
@@ -19617,7 +19234,7 @@
           <p:cNvPr id="7" name="직사각형 6">
             <a:extLst>
               <a:ext uri="{FF2B5EF4-FFF2-40B4-BE49-F238E27FC236}">
-                <a16:creationId xmlns:a16="http://schemas.microsoft.com/office/drawing/2014/main" xmlns="" id="{FFF506F9-840A-0508-4CAF-3AC711D8D5CE}"/>
+                <a16:creationId xmlns:a16="http://schemas.microsoft.com/office/drawing/2014/main" id="{FFF506F9-840A-0508-4CAF-3AC711D8D5CE}"/>
               </a:ext>
             </a:extLst>
           </p:cNvPr>
@@ -19674,13 +19291,6 @@
   <p:clrMapOvr>
     <a:masterClrMapping/>
   </p:clrMapOvr>
-  <p:timing>
-    <p:tnLst>
-      <p:par>
-        <p:cTn id="1" dur="indefinite" restart="never" nodeType="tmRoot"/>
-      </p:par>
-    </p:tnLst>
-  </p:timing>
 </p:sld>
 </file>
 
@@ -19706,7 +19316,7 @@
           <p:cNvPr id="4" name="TextBox 3">
             <a:extLst>
               <a:ext uri="{FF2B5EF4-FFF2-40B4-BE49-F238E27FC236}">
-                <a16:creationId xmlns:a16="http://schemas.microsoft.com/office/drawing/2014/main" xmlns="" id="{7229BEA6-121E-9056-D07F-2B3BB1795F76}"/>
+                <a16:creationId xmlns:a16="http://schemas.microsoft.com/office/drawing/2014/main" id="{7229BEA6-121E-9056-D07F-2B3BB1795F76}"/>
               </a:ext>
             </a:extLst>
           </p:cNvPr>
@@ -19730,7 +19340,7 @@
           <a:lstStyle/>
           <a:p>
             <a:r>
-              <a:rPr lang="ko-KR" altLang="en-US" sz="6000" smtClean="0">
+              <a:rPr lang="ko-KR" altLang="en-US" sz="6000">
                 <a:solidFill>
                   <a:srgbClr val="4C50BB"/>
                 </a:solidFill>
@@ -19778,7 +19388,7 @@
           <p:cNvPr id="6" name="TextBox 5">
             <a:extLst>
               <a:ext uri="{FF2B5EF4-FFF2-40B4-BE49-F238E27FC236}">
-                <a16:creationId xmlns:a16="http://schemas.microsoft.com/office/drawing/2014/main" xmlns="" id="{5ADC00B6-990A-40DC-3CEA-505258F5E8DA}"/>
+                <a16:creationId xmlns:a16="http://schemas.microsoft.com/office/drawing/2014/main" id="{5ADC00B6-990A-40DC-3CEA-505258F5E8DA}"/>
               </a:ext>
             </a:extLst>
           </p:cNvPr>
@@ -19802,7 +19412,7 @@
           <a:lstStyle/>
           <a:p>
             <a:r>
-              <a:rPr lang="ko-KR" altLang="en-US" sz="4400" smtClean="0">
+              <a:rPr lang="ko-KR" altLang="en-US" sz="4400">
                 <a:solidFill>
                   <a:schemeClr val="tx1">
                     <a:lumMod val="50000"/>
@@ -19815,7 +19425,7 @@
               <a:t>리터럴 상수 </a:t>
             </a:r>
             <a:r>
-              <a:rPr lang="en-US" altLang="ko-KR" sz="4400" smtClean="0">
+              <a:rPr lang="en-US" altLang="ko-KR" sz="4400">
                 <a:solidFill>
                   <a:schemeClr val="tx1">
                     <a:lumMod val="50000"/>
@@ -19828,7 +19438,7 @@
               <a:t>13</a:t>
             </a:r>
             <a:r>
-              <a:rPr lang="ko-KR" altLang="en-US" sz="4400" smtClean="0">
+              <a:rPr lang="ko-KR" altLang="en-US" sz="4400">
                 <a:solidFill>
                   <a:schemeClr val="tx1">
                     <a:lumMod val="50000"/>
@@ -19841,7 +19451,7 @@
               <a:t>을 자동으로 </a:t>
             </a:r>
             <a:r>
-              <a:rPr lang="en-US" altLang="ko-KR" sz="4400" smtClean="0">
+              <a:rPr lang="en-US" altLang="ko-KR" sz="4400">
                 <a:solidFill>
                   <a:schemeClr val="tx1">
                     <a:lumMod val="50000"/>
@@ -19854,7 +19464,7 @@
               <a:t>float </a:t>
             </a:r>
             <a:r>
-              <a:rPr lang="ko-KR" altLang="en-US" sz="4400" smtClean="0">
+              <a:rPr lang="ko-KR" altLang="en-US" sz="4400">
                 <a:solidFill>
                   <a:schemeClr val="tx1">
                     <a:lumMod val="50000"/>
@@ -19867,7 +19477,7 @@
               <a:t>형태로 변환하여 저장한다</a:t>
             </a:r>
             <a:r>
-              <a:rPr lang="en-US" altLang="ko-KR" sz="4400" smtClean="0">
+              <a:rPr lang="en-US" altLang="ko-KR" sz="4400">
                 <a:solidFill>
                   <a:schemeClr val="tx1">
                     <a:lumMod val="50000"/>
@@ -19892,13 +19502,6 @@
   <p:clrMapOvr>
     <a:masterClrMapping/>
   </p:clrMapOvr>
-  <p:timing>
-    <p:tnLst>
-      <p:par>
-        <p:cTn id="1" dur="indefinite" restart="never" nodeType="tmRoot"/>
-      </p:par>
-    </p:tnLst>
-  </p:timing>
 </p:sld>
 </file>
 
@@ -19924,7 +19527,7 @@
           <p:cNvPr id="4" name="TextBox 3">
             <a:extLst>
               <a:ext uri="{FF2B5EF4-FFF2-40B4-BE49-F238E27FC236}">
-                <a16:creationId xmlns:a16="http://schemas.microsoft.com/office/drawing/2014/main" xmlns="" id="{7229BEA6-121E-9056-D07F-2B3BB1795F76}"/>
+                <a16:creationId xmlns:a16="http://schemas.microsoft.com/office/drawing/2014/main" id="{7229BEA6-121E-9056-D07F-2B3BB1795F76}"/>
               </a:ext>
             </a:extLst>
           </p:cNvPr>
@@ -19948,24 +19551,14 @@
           <a:lstStyle/>
           <a:p>
             <a:r>
-              <a:rPr lang="ko-KR" altLang="en-US" sz="6000" smtClean="0">
+              <a:rPr lang="ko-KR" altLang="en-US" sz="6000">
                 <a:solidFill>
                   <a:srgbClr val="4C50BB"/>
                 </a:solidFill>
                 <a:latin typeface="G마켓 산스 Bold" panose="02000000000000000000" pitchFamily="50" charset="-127"/>
                 <a:ea typeface="G마켓 산스 Bold" panose="02000000000000000000" pitchFamily="50" charset="-127"/>
               </a:rPr>
-              <a:t>리터럴의 타</a:t>
-            </a:r>
-            <a:r>
-              <a:rPr lang="ko-KR" altLang="en-US" sz="6000">
-                <a:solidFill>
-                  <a:srgbClr val="4C50BB"/>
-                </a:solidFill>
-                <a:latin typeface="G마켓 산스 Bold" panose="02000000000000000000" pitchFamily="50" charset="-127"/>
-                <a:ea typeface="G마켓 산스 Bold" panose="02000000000000000000" pitchFamily="50" charset="-127"/>
-              </a:rPr>
-              <a:t>입</a:t>
+              <a:t>리터럴의 타입</a:t>
             </a:r>
             <a:endParaRPr lang="ko-KR" altLang="en-US" sz="300" dirty="0">
               <a:solidFill>
@@ -19982,7 +19575,7 @@
           <p:cNvPr id="6" name="TextBox 5">
             <a:extLst>
               <a:ext uri="{FF2B5EF4-FFF2-40B4-BE49-F238E27FC236}">
-                <a16:creationId xmlns:a16="http://schemas.microsoft.com/office/drawing/2014/main" xmlns="" id="{7229BEA6-121E-9056-D07F-2B3BB1795F76}"/>
+                <a16:creationId xmlns:a16="http://schemas.microsoft.com/office/drawing/2014/main" id="{7229BEA6-121E-9056-D07F-2B3BB1795F76}"/>
               </a:ext>
             </a:extLst>
           </p:cNvPr>
@@ -20006,7 +19599,7 @@
           <a:lstStyle/>
           <a:p>
             <a:r>
-              <a:rPr lang="en-US" altLang="ko-KR" sz="6000" smtClean="0">
+              <a:rPr lang="en-US" altLang="ko-KR" sz="6000">
                 <a:solidFill>
                   <a:srgbClr val="4C50BB"/>
                 </a:solidFill>
@@ -20016,7 +19609,7 @@
               <a:t>float </a:t>
             </a:r>
             <a:r>
-              <a:rPr lang="ko-KR" altLang="en-US" sz="6000" smtClean="0">
+              <a:rPr lang="ko-KR" altLang="en-US" sz="6000">
                 <a:solidFill>
                   <a:srgbClr val="4C50BB"/>
                 </a:solidFill>
@@ -20025,7 +19618,7 @@
               </a:rPr>
               <a:t>타입의 변수를 하나 선언하고 </a:t>
             </a:r>
-            <a:endParaRPr lang="en-US" altLang="ko-KR" sz="6000" smtClean="0">
+            <a:endParaRPr lang="en-US" altLang="ko-KR" sz="6000">
               <a:solidFill>
                 <a:srgbClr val="4C50BB"/>
               </a:solidFill>
@@ -20035,7 +19628,7 @@
           </a:p>
           <a:p>
             <a:r>
-              <a:rPr lang="ko-KR" altLang="en-US" sz="6000" smtClean="0">
+              <a:rPr lang="ko-KR" altLang="en-US" sz="6000">
                 <a:solidFill>
                   <a:srgbClr val="4C50BB"/>
                 </a:solidFill>
@@ -20045,7 +19638,7 @@
               <a:t>소수를 저장하여보자</a:t>
             </a:r>
             <a:r>
-              <a:rPr lang="en-US" altLang="ko-KR" sz="6000" smtClean="0">
+              <a:rPr lang="en-US" altLang="ko-KR" sz="6000">
                 <a:solidFill>
                   <a:srgbClr val="4C50BB"/>
                 </a:solidFill>
@@ -20222,7 +19815,7 @@
           <p:cNvPr id="11" name="직사각형 10">
             <a:extLst>
               <a:ext uri="{FF2B5EF4-FFF2-40B4-BE49-F238E27FC236}">
-                <a16:creationId xmlns:a16="http://schemas.microsoft.com/office/drawing/2014/main" xmlns="" id="{FFF506F9-840A-0508-4CAF-3AC711D8D5CE}"/>
+                <a16:creationId xmlns:a16="http://schemas.microsoft.com/office/drawing/2014/main" id="{FFF506F9-840A-0508-4CAF-3AC711D8D5CE}"/>
               </a:ext>
             </a:extLst>
           </p:cNvPr>
@@ -20274,7 +19867,7 @@
           <p:cNvPr id="12" name="직선 화살표 연결선 11">
             <a:extLst>
               <a:ext uri="{FF2B5EF4-FFF2-40B4-BE49-F238E27FC236}">
-                <a16:creationId xmlns:a16="http://schemas.microsoft.com/office/drawing/2014/main" xmlns="" id="{299DF5EC-9DF4-5255-06AC-0A7CE4FF58C3}"/>
+                <a16:creationId xmlns:a16="http://schemas.microsoft.com/office/drawing/2014/main" id="{299DF5EC-9DF4-5255-06AC-0A7CE4FF58C3}"/>
               </a:ext>
             </a:extLst>
           </p:cNvPr>
@@ -20315,7 +19908,7 @@
           <p:cNvPr id="13" name="TextBox 12">
             <a:extLst>
               <a:ext uri="{FF2B5EF4-FFF2-40B4-BE49-F238E27FC236}">
-                <a16:creationId xmlns:a16="http://schemas.microsoft.com/office/drawing/2014/main" xmlns="" id="{C6D113C6-EA5C-788F-0C77-E7CE6EBB865F}"/>
+                <a16:creationId xmlns:a16="http://schemas.microsoft.com/office/drawing/2014/main" id="{C6D113C6-EA5C-788F-0C77-E7CE6EBB865F}"/>
               </a:ext>
             </a:extLst>
           </p:cNvPr>
@@ -20339,7 +19932,7 @@
           <a:lstStyle/>
           <a:p>
             <a:r>
-              <a:rPr lang="ko-KR" altLang="en-US" sz="3200" smtClean="0">
+              <a:rPr lang="ko-KR" altLang="en-US" sz="3200">
                 <a:solidFill>
                   <a:srgbClr val="4C50BC"/>
                 </a:solidFill>
@@ -20349,7 +19942,7 @@
               <a:t>리터럴 소수는 기본적으로 </a:t>
             </a:r>
             <a:r>
-              <a:rPr lang="en-US" altLang="ko-KR" sz="3200" smtClean="0">
+              <a:rPr lang="en-US" altLang="ko-KR" sz="3200">
                 <a:solidFill>
                   <a:srgbClr val="4C50BC"/>
                 </a:solidFill>
@@ -20359,7 +19952,7 @@
               <a:t>double</a:t>
             </a:r>
             <a:r>
-              <a:rPr lang="ko-KR" altLang="en-US" sz="3200" smtClean="0">
+              <a:rPr lang="ko-KR" altLang="en-US" sz="3200">
                 <a:solidFill>
                   <a:srgbClr val="4C50BC"/>
                 </a:solidFill>
@@ -20383,7 +19976,7 @@
           <p:cNvPr id="14" name="TextBox 13">
             <a:extLst>
               <a:ext uri="{FF2B5EF4-FFF2-40B4-BE49-F238E27FC236}">
-                <a16:creationId xmlns:a16="http://schemas.microsoft.com/office/drawing/2014/main" xmlns="" id="{7229BEA6-121E-9056-D07F-2B3BB1795F76}"/>
+                <a16:creationId xmlns:a16="http://schemas.microsoft.com/office/drawing/2014/main" id="{7229BEA6-121E-9056-D07F-2B3BB1795F76}"/>
               </a:ext>
             </a:extLst>
           </p:cNvPr>
@@ -20407,7 +20000,7 @@
           <a:lstStyle/>
           <a:p>
             <a:r>
-              <a:rPr lang="ko-KR" altLang="en-US" sz="5400" smtClean="0">
+              <a:rPr lang="ko-KR" altLang="en-US" sz="5400">
                 <a:solidFill>
                   <a:srgbClr val="4C50BB"/>
                 </a:solidFill>
@@ -20417,7 +20010,7 @@
               <a:t>리터럴 역시 데이터 이기에 그자체의 데이터 타입이 있다</a:t>
             </a:r>
             <a:r>
-              <a:rPr lang="en-US" altLang="ko-KR" sz="5400" smtClean="0">
+              <a:rPr lang="en-US" altLang="ko-KR" sz="5400">
                 <a:solidFill>
                   <a:srgbClr val="4C50BB"/>
                 </a:solidFill>
@@ -20427,7 +20020,7 @@
               <a:t>.</a:t>
             </a:r>
             <a:r>
-              <a:rPr lang="ko-KR" altLang="en-US" sz="5400" smtClean="0">
+              <a:rPr lang="ko-KR" altLang="en-US" sz="5400">
                 <a:solidFill>
                   <a:srgbClr val="4C50BB"/>
                 </a:solidFill>
@@ -20436,7 +20029,7 @@
               </a:rPr>
               <a:t> </a:t>
             </a:r>
-            <a:endParaRPr lang="en-US" altLang="ko-KR" sz="5400" smtClean="0">
+            <a:endParaRPr lang="en-US" altLang="ko-KR" sz="5400">
               <a:solidFill>
                 <a:srgbClr val="4C50BB"/>
               </a:solidFill>
@@ -20456,13 +20049,6 @@
   <p:clrMapOvr>
     <a:masterClrMapping/>
   </p:clrMapOvr>
-  <p:timing>
-    <p:tnLst>
-      <p:par>
-        <p:cTn id="1" dur="indefinite" restart="never" nodeType="tmRoot"/>
-      </p:par>
-    </p:tnLst>
-  </p:timing>
 </p:sld>
 </file>
 
@@ -20512,7 +20098,7 @@
           <p:cNvPr id="5" name="직사각형 4">
             <a:extLst>
               <a:ext uri="{FF2B5EF4-FFF2-40B4-BE49-F238E27FC236}">
-                <a16:creationId xmlns:a16="http://schemas.microsoft.com/office/drawing/2014/main" xmlns="" id="{FFF506F9-840A-0508-4CAF-3AC711D8D5CE}"/>
+                <a16:creationId xmlns:a16="http://schemas.microsoft.com/office/drawing/2014/main" id="{FFF506F9-840A-0508-4CAF-3AC711D8D5CE}"/>
               </a:ext>
             </a:extLst>
           </p:cNvPr>
@@ -20564,7 +20150,7 @@
           <p:cNvPr id="6" name="직선 화살표 연결선 5">
             <a:extLst>
               <a:ext uri="{FF2B5EF4-FFF2-40B4-BE49-F238E27FC236}">
-                <a16:creationId xmlns:a16="http://schemas.microsoft.com/office/drawing/2014/main" xmlns="" id="{299DF5EC-9DF4-5255-06AC-0A7CE4FF58C3}"/>
+                <a16:creationId xmlns:a16="http://schemas.microsoft.com/office/drawing/2014/main" id="{299DF5EC-9DF4-5255-06AC-0A7CE4FF58C3}"/>
               </a:ext>
             </a:extLst>
           </p:cNvPr>
@@ -20605,7 +20191,7 @@
           <p:cNvPr id="7" name="TextBox 6">
             <a:extLst>
               <a:ext uri="{FF2B5EF4-FFF2-40B4-BE49-F238E27FC236}">
-                <a16:creationId xmlns:a16="http://schemas.microsoft.com/office/drawing/2014/main" xmlns="" id="{C6D113C6-EA5C-788F-0C77-E7CE6EBB865F}"/>
+                <a16:creationId xmlns:a16="http://schemas.microsoft.com/office/drawing/2014/main" id="{C6D113C6-EA5C-788F-0C77-E7CE6EBB865F}"/>
               </a:ext>
             </a:extLst>
           </p:cNvPr>
@@ -20629,7 +20215,7 @@
           <a:lstStyle/>
           <a:p>
             <a:r>
-              <a:rPr lang="en-US" altLang="ko-KR" sz="3200" smtClean="0">
+              <a:rPr lang="en-US" altLang="ko-KR" sz="3200">
                 <a:solidFill>
                   <a:srgbClr val="4C50BC"/>
                 </a:solidFill>
@@ -20639,7 +20225,7 @@
               <a:t>Float </a:t>
             </a:r>
             <a:r>
-              <a:rPr lang="ko-KR" altLang="en-US" sz="3200" smtClean="0">
+              <a:rPr lang="ko-KR" altLang="en-US" sz="3200">
                 <a:solidFill>
                   <a:srgbClr val="4C50BC"/>
                 </a:solidFill>
@@ -20663,7 +20249,7 @@
           <p:cNvPr id="9" name="직사각형 8">
             <a:extLst>
               <a:ext uri="{FF2B5EF4-FFF2-40B4-BE49-F238E27FC236}">
-                <a16:creationId xmlns:a16="http://schemas.microsoft.com/office/drawing/2014/main" xmlns="" id="{FFF506F9-840A-0508-4CAF-3AC711D8D5CE}"/>
+                <a16:creationId xmlns:a16="http://schemas.microsoft.com/office/drawing/2014/main" id="{FFF506F9-840A-0508-4CAF-3AC711D8D5CE}"/>
               </a:ext>
             </a:extLst>
           </p:cNvPr>
@@ -20715,7 +20301,7 @@
           <p:cNvPr id="10" name="직선 화살표 연결선 9">
             <a:extLst>
               <a:ext uri="{FF2B5EF4-FFF2-40B4-BE49-F238E27FC236}">
-                <a16:creationId xmlns:a16="http://schemas.microsoft.com/office/drawing/2014/main" xmlns="" id="{299DF5EC-9DF4-5255-06AC-0A7CE4FF58C3}"/>
+                <a16:creationId xmlns:a16="http://schemas.microsoft.com/office/drawing/2014/main" id="{299DF5EC-9DF4-5255-06AC-0A7CE4FF58C3}"/>
               </a:ext>
             </a:extLst>
           </p:cNvPr>
@@ -20756,7 +20342,7 @@
           <p:cNvPr id="11" name="TextBox 10">
             <a:extLst>
               <a:ext uri="{FF2B5EF4-FFF2-40B4-BE49-F238E27FC236}">
-                <a16:creationId xmlns:a16="http://schemas.microsoft.com/office/drawing/2014/main" xmlns="" id="{C6D113C6-EA5C-788F-0C77-E7CE6EBB865F}"/>
+                <a16:creationId xmlns:a16="http://schemas.microsoft.com/office/drawing/2014/main" id="{C6D113C6-EA5C-788F-0C77-E7CE6EBB865F}"/>
               </a:ext>
             </a:extLst>
           </p:cNvPr>
@@ -20780,7 +20366,7 @@
           <a:lstStyle/>
           <a:p>
             <a:r>
-              <a:rPr lang="ko-KR" altLang="en-US" sz="3200" smtClean="0">
+              <a:rPr lang="ko-KR" altLang="en-US" sz="3200">
                 <a:solidFill>
                   <a:srgbClr val="4C50BC"/>
                 </a:solidFill>
@@ -20809,13 +20395,6 @@
   <p:clrMapOvr>
     <a:masterClrMapping/>
   </p:clrMapOvr>
-  <p:timing>
-    <p:tnLst>
-      <p:par>
-        <p:cTn id="1" dur="indefinite" restart="never" nodeType="tmRoot"/>
-      </p:par>
-    </p:tnLst>
-  </p:timing>
 </p:sld>
 </file>
 
@@ -20841,7 +20420,7 @@
           <p:cNvPr id="4" name="TextBox 3">
             <a:extLst>
               <a:ext uri="{FF2B5EF4-FFF2-40B4-BE49-F238E27FC236}">
-                <a16:creationId xmlns:a16="http://schemas.microsoft.com/office/drawing/2014/main" xmlns="" id="{7229BEA6-121E-9056-D07F-2B3BB1795F76}"/>
+                <a16:creationId xmlns:a16="http://schemas.microsoft.com/office/drawing/2014/main" id="{7229BEA6-121E-9056-D07F-2B3BB1795F76}"/>
               </a:ext>
             </a:extLst>
           </p:cNvPr>
@@ -20865,7 +20444,7 @@
           <a:lstStyle/>
           <a:p>
             <a:r>
-              <a:rPr lang="ko-KR" altLang="en-US" sz="6000" smtClean="0">
+              <a:rPr lang="ko-KR" altLang="en-US" sz="6000">
                 <a:solidFill>
                   <a:srgbClr val="4C50BB"/>
                 </a:solidFill>
@@ -20913,7 +20492,7 @@
           <p:cNvPr id="8" name="직선 화살표 연결선 7">
             <a:extLst>
               <a:ext uri="{FF2B5EF4-FFF2-40B4-BE49-F238E27FC236}">
-                <a16:creationId xmlns:a16="http://schemas.microsoft.com/office/drawing/2014/main" xmlns="" id="{299DF5EC-9DF4-5255-06AC-0A7CE4FF58C3}"/>
+                <a16:creationId xmlns:a16="http://schemas.microsoft.com/office/drawing/2014/main" id="{299DF5EC-9DF4-5255-06AC-0A7CE4FF58C3}"/>
               </a:ext>
             </a:extLst>
           </p:cNvPr>
@@ -20954,7 +20533,7 @@
           <p:cNvPr id="9" name="TextBox 8">
             <a:extLst>
               <a:ext uri="{FF2B5EF4-FFF2-40B4-BE49-F238E27FC236}">
-                <a16:creationId xmlns:a16="http://schemas.microsoft.com/office/drawing/2014/main" xmlns="" id="{C6D113C6-EA5C-788F-0C77-E7CE6EBB865F}"/>
+                <a16:creationId xmlns:a16="http://schemas.microsoft.com/office/drawing/2014/main" id="{C6D113C6-EA5C-788F-0C77-E7CE6EBB865F}"/>
               </a:ext>
             </a:extLst>
           </p:cNvPr>
@@ -20978,7 +20557,7 @@
           <a:lstStyle/>
           <a:p>
             <a:r>
-              <a:rPr lang="en-US" altLang="ko-KR" sz="3200" smtClean="0">
+              <a:rPr lang="en-US" altLang="ko-KR" sz="3200">
                 <a:solidFill>
                   <a:srgbClr val="4C50BC"/>
                 </a:solidFill>
@@ -20988,7 +20567,7 @@
               <a:t>Char </a:t>
             </a:r>
             <a:r>
-              <a:rPr lang="ko-KR" altLang="en-US" sz="3200" smtClean="0">
+              <a:rPr lang="ko-KR" altLang="en-US" sz="3200">
                 <a:solidFill>
                   <a:srgbClr val="4C50BC"/>
                 </a:solidFill>
@@ -21012,7 +20591,7 @@
           <p:cNvPr id="11" name="직선 화살표 연결선 10">
             <a:extLst>
               <a:ext uri="{FF2B5EF4-FFF2-40B4-BE49-F238E27FC236}">
-                <a16:creationId xmlns:a16="http://schemas.microsoft.com/office/drawing/2014/main" xmlns="" id="{299DF5EC-9DF4-5255-06AC-0A7CE4FF58C3}"/>
+                <a16:creationId xmlns:a16="http://schemas.microsoft.com/office/drawing/2014/main" id="{299DF5EC-9DF4-5255-06AC-0A7CE4FF58C3}"/>
               </a:ext>
             </a:extLst>
           </p:cNvPr>
@@ -21053,7 +20632,7 @@
           <p:cNvPr id="12" name="TextBox 11">
             <a:extLst>
               <a:ext uri="{FF2B5EF4-FFF2-40B4-BE49-F238E27FC236}">
-                <a16:creationId xmlns:a16="http://schemas.microsoft.com/office/drawing/2014/main" xmlns="" id="{C6D113C6-EA5C-788F-0C77-E7CE6EBB865F}"/>
+                <a16:creationId xmlns:a16="http://schemas.microsoft.com/office/drawing/2014/main" id="{C6D113C6-EA5C-788F-0C77-E7CE6EBB865F}"/>
               </a:ext>
             </a:extLst>
           </p:cNvPr>
@@ -21077,7 +20656,7 @@
           <a:lstStyle/>
           <a:p>
             <a:r>
-              <a:rPr lang="ko-KR" altLang="en-US" sz="3200" smtClean="0">
+              <a:rPr lang="ko-KR" altLang="en-US" sz="3200">
                 <a:solidFill>
                   <a:srgbClr val="4C50BC"/>
                 </a:solidFill>
@@ -21087,7 +20666,7 @@
               <a:t>리터럴은 </a:t>
             </a:r>
             <a:r>
-              <a:rPr lang="en-US" altLang="ko-KR" sz="3200" smtClean="0">
+              <a:rPr lang="en-US" altLang="ko-KR" sz="3200">
                 <a:solidFill>
                   <a:srgbClr val="4C50BC"/>
                 </a:solidFill>
@@ -21097,7 +20676,7 @@
               <a:t>char</a:t>
             </a:r>
             <a:r>
-              <a:rPr lang="ko-KR" altLang="en-US" sz="3200" smtClean="0">
+              <a:rPr lang="ko-KR" altLang="en-US" sz="3200">
                 <a:solidFill>
                   <a:srgbClr val="4C50BC"/>
                 </a:solidFill>
@@ -21107,7 +20686,7 @@
               <a:t>형이고 </a:t>
             </a:r>
             <a:r>
-              <a:rPr lang="ko-KR" altLang="en-US" sz="3200" smtClean="0">
+              <a:rPr lang="ko-KR" altLang="en-US" sz="3200">
                 <a:solidFill>
                   <a:srgbClr val="FF0000"/>
                 </a:solidFill>
@@ -21117,7 +20696,7 @@
               <a:t>자동타입캐스팅</a:t>
             </a:r>
             <a:r>
-              <a:rPr lang="ko-KR" altLang="en-US" sz="3200" smtClean="0">
+              <a:rPr lang="ko-KR" altLang="en-US" sz="3200">
                 <a:solidFill>
                   <a:srgbClr val="4C50BC"/>
                 </a:solidFill>
@@ -21127,7 +20706,7 @@
               <a:t> 으로 </a:t>
             </a:r>
             <a:r>
-              <a:rPr lang="en-US" altLang="ko-KR" sz="3200" smtClean="0">
+              <a:rPr lang="en-US" altLang="ko-KR" sz="3200">
                 <a:solidFill>
                   <a:srgbClr val="4C50BC"/>
                 </a:solidFill>
@@ -21137,7 +20716,7 @@
               <a:t>a </a:t>
             </a:r>
             <a:r>
-              <a:rPr lang="ko-KR" altLang="en-US" sz="3200" smtClean="0">
+              <a:rPr lang="ko-KR" altLang="en-US" sz="3200">
                 <a:solidFill>
                   <a:srgbClr val="4C50BC"/>
                 </a:solidFill>
@@ -21147,7 +20726,7 @@
               <a:t>문자에 대한 유니코드로 변환되어 숫자가 저장된다</a:t>
             </a:r>
             <a:r>
-              <a:rPr lang="en-US" altLang="ko-KR" sz="3200" smtClean="0">
+              <a:rPr lang="en-US" altLang="ko-KR" sz="3200">
                 <a:solidFill>
                   <a:srgbClr val="4C50BC"/>
                 </a:solidFill>
@@ -21171,7 +20750,7 @@
           <p:cNvPr id="13" name="직선 화살표 연결선 12">
             <a:extLst>
               <a:ext uri="{FF2B5EF4-FFF2-40B4-BE49-F238E27FC236}">
-                <a16:creationId xmlns:a16="http://schemas.microsoft.com/office/drawing/2014/main" xmlns="" id="{299DF5EC-9DF4-5255-06AC-0A7CE4FF58C3}"/>
+                <a16:creationId xmlns:a16="http://schemas.microsoft.com/office/drawing/2014/main" id="{299DF5EC-9DF4-5255-06AC-0A7CE4FF58C3}"/>
               </a:ext>
             </a:extLst>
           </p:cNvPr>
@@ -21212,7 +20791,7 @@
           <p:cNvPr id="14" name="TextBox 13">
             <a:extLst>
               <a:ext uri="{FF2B5EF4-FFF2-40B4-BE49-F238E27FC236}">
-                <a16:creationId xmlns:a16="http://schemas.microsoft.com/office/drawing/2014/main" xmlns="" id="{C6D113C6-EA5C-788F-0C77-E7CE6EBB865F}"/>
+                <a16:creationId xmlns:a16="http://schemas.microsoft.com/office/drawing/2014/main" id="{C6D113C6-EA5C-788F-0C77-E7CE6EBB865F}"/>
               </a:ext>
             </a:extLst>
           </p:cNvPr>
@@ -21236,7 +20815,7 @@
           <a:lstStyle/>
           <a:p>
             <a:r>
-              <a:rPr lang="ko-KR" altLang="en-US" sz="3200" smtClean="0">
+              <a:rPr lang="ko-KR" altLang="en-US" sz="3200">
                 <a:solidFill>
                   <a:srgbClr val="4C50BC"/>
                 </a:solidFill>
@@ -21246,7 +20825,7 @@
               <a:t>명시적 타입캐스팅 소수점은 사라지고 </a:t>
             </a:r>
             <a:r>
-              <a:rPr lang="en-US" altLang="ko-KR" sz="3200" smtClean="0">
+              <a:rPr lang="en-US" altLang="ko-KR" sz="3200">
                 <a:solidFill>
                   <a:srgbClr val="4C50BC"/>
                 </a:solidFill>
@@ -21263,20 +20842,10 @@
                 <a:latin typeface="G마켓 산스 Medium" panose="02000000000000000000" pitchFamily="50" charset="-127"/>
                 <a:ea typeface="G마켓 산스 Medium" panose="02000000000000000000" pitchFamily="50" charset="-127"/>
               </a:rPr>
-              <a:t>이</a:t>
-            </a:r>
-            <a:r>
-              <a:rPr lang="ko-KR" altLang="en-US" sz="3200" smtClean="0">
-                <a:solidFill>
-                  <a:srgbClr val="4C50BC"/>
-                </a:solidFill>
-                <a:latin typeface="G마켓 산스 Medium" panose="02000000000000000000" pitchFamily="50" charset="-127"/>
-                <a:ea typeface="G마켓 산스 Medium" panose="02000000000000000000" pitchFamily="50" charset="-127"/>
-              </a:rPr>
-              <a:t> 저장된다</a:t>
-            </a:r>
-            <a:r>
-              <a:rPr lang="en-US" altLang="ko-KR" sz="3200" smtClean="0">
+              <a:t>이 저장된다</a:t>
+            </a:r>
+            <a:r>
+              <a:rPr lang="en-US" altLang="ko-KR" sz="3200">
                 <a:solidFill>
                   <a:srgbClr val="4C50BC"/>
                 </a:solidFill>
@@ -21300,7 +20869,7 @@
           <p:cNvPr id="16" name="직선 화살표 연결선 15">
             <a:extLst>
               <a:ext uri="{FF2B5EF4-FFF2-40B4-BE49-F238E27FC236}">
-                <a16:creationId xmlns:a16="http://schemas.microsoft.com/office/drawing/2014/main" xmlns="" id="{299DF5EC-9DF4-5255-06AC-0A7CE4FF58C3}"/>
+                <a16:creationId xmlns:a16="http://schemas.microsoft.com/office/drawing/2014/main" id="{299DF5EC-9DF4-5255-06AC-0A7CE4FF58C3}"/>
               </a:ext>
             </a:extLst>
           </p:cNvPr>
@@ -21341,7 +20910,7 @@
           <p:cNvPr id="17" name="TextBox 16">
             <a:extLst>
               <a:ext uri="{FF2B5EF4-FFF2-40B4-BE49-F238E27FC236}">
-                <a16:creationId xmlns:a16="http://schemas.microsoft.com/office/drawing/2014/main" xmlns="" id="{C6D113C6-EA5C-788F-0C77-E7CE6EBB865F}"/>
+                <a16:creationId xmlns:a16="http://schemas.microsoft.com/office/drawing/2014/main" id="{C6D113C6-EA5C-788F-0C77-E7CE6EBB865F}"/>
               </a:ext>
             </a:extLst>
           </p:cNvPr>
@@ -21365,7 +20934,7 @@
           <a:lstStyle/>
           <a:p>
             <a:r>
-              <a:rPr lang="ko-KR" altLang="en-US" sz="3200" smtClean="0">
+              <a:rPr lang="ko-KR" altLang="en-US" sz="3200">
                 <a:solidFill>
                   <a:srgbClr val="4C50BC"/>
                 </a:solidFill>
@@ -21389,7 +20958,7 @@
           <p:cNvPr id="18" name="직선 화살표 연결선 17">
             <a:extLst>
               <a:ext uri="{FF2B5EF4-FFF2-40B4-BE49-F238E27FC236}">
-                <a16:creationId xmlns:a16="http://schemas.microsoft.com/office/drawing/2014/main" xmlns="" id="{299DF5EC-9DF4-5255-06AC-0A7CE4FF58C3}"/>
+                <a16:creationId xmlns:a16="http://schemas.microsoft.com/office/drawing/2014/main" id="{299DF5EC-9DF4-5255-06AC-0A7CE4FF58C3}"/>
               </a:ext>
             </a:extLst>
           </p:cNvPr>
@@ -21430,7 +20999,7 @@
           <p:cNvPr id="19" name="TextBox 18">
             <a:extLst>
               <a:ext uri="{FF2B5EF4-FFF2-40B4-BE49-F238E27FC236}">
-                <a16:creationId xmlns:a16="http://schemas.microsoft.com/office/drawing/2014/main" xmlns="" id="{C6D113C6-EA5C-788F-0C77-E7CE6EBB865F}"/>
+                <a16:creationId xmlns:a16="http://schemas.microsoft.com/office/drawing/2014/main" id="{C6D113C6-EA5C-788F-0C77-E7CE6EBB865F}"/>
               </a:ext>
             </a:extLst>
           </p:cNvPr>
@@ -21454,7 +21023,7 @@
           <a:lstStyle/>
           <a:p>
             <a:r>
-              <a:rPr lang="ko-KR" altLang="en-US" sz="3200" smtClean="0">
+              <a:rPr lang="ko-KR" altLang="en-US" sz="3200">
                 <a:solidFill>
                   <a:srgbClr val="4C50BC"/>
                 </a:solidFill>
@@ -21464,7 +21033,7 @@
               <a:t>문자열은 </a:t>
             </a:r>
             <a:r>
-              <a:rPr lang="en-US" altLang="ko-KR" sz="3200" smtClean="0">
+              <a:rPr lang="en-US" altLang="ko-KR" sz="3200">
                 <a:solidFill>
                   <a:srgbClr val="4C50BC"/>
                 </a:solidFill>
@@ -21474,7 +21043,7 @@
               <a:t>int</a:t>
             </a:r>
             <a:r>
-              <a:rPr lang="ko-KR" altLang="en-US" sz="3200" smtClean="0">
+              <a:rPr lang="ko-KR" altLang="en-US" sz="3200">
                 <a:solidFill>
                   <a:srgbClr val="4C50BC"/>
                 </a:solidFill>
@@ -21925,7 +21494,7 @@
           <p:cNvPr id="4" name="TextBox 3">
             <a:extLst>
               <a:ext uri="{FF2B5EF4-FFF2-40B4-BE49-F238E27FC236}">
-                <a16:creationId xmlns:a16="http://schemas.microsoft.com/office/drawing/2014/main" xmlns="" id="{7229BEA6-121E-9056-D07F-2B3BB1795F76}"/>
+                <a16:creationId xmlns:a16="http://schemas.microsoft.com/office/drawing/2014/main" id="{7229BEA6-121E-9056-D07F-2B3BB1795F76}"/>
               </a:ext>
             </a:extLst>
           </p:cNvPr>
@@ -21978,13 +21547,6 @@
   <p:clrMapOvr>
     <a:masterClrMapping/>
   </p:clrMapOvr>
-  <p:timing>
-    <p:tnLst>
-      <p:par>
-        <p:cTn id="1" dur="indefinite" restart="never" nodeType="tmRoot"/>
-      </p:par>
-    </p:tnLst>
-  </p:timing>
 </p:sld>
 </file>
 
@@ -22010,7 +21572,7 @@
           <p:cNvPr id="4" name="그룹 1018">
             <a:extLst>
               <a:ext uri="{FF2B5EF4-FFF2-40B4-BE49-F238E27FC236}">
-                <a16:creationId xmlns:a16="http://schemas.microsoft.com/office/drawing/2014/main" xmlns="" id="{BE4AAF13-A11B-7E60-33C1-D156A6926154}"/>
+                <a16:creationId xmlns:a16="http://schemas.microsoft.com/office/drawing/2014/main" id="{BE4AAF13-A11B-7E60-33C1-D156A6926154}"/>
               </a:ext>
             </a:extLst>
           </p:cNvPr>
@@ -22030,7 +21592,7 @@
             <p:cNvPr id="5" name="Object 61">
               <a:extLst>
                 <a:ext uri="{FF2B5EF4-FFF2-40B4-BE49-F238E27FC236}">
-                  <a16:creationId xmlns:a16="http://schemas.microsoft.com/office/drawing/2014/main" xmlns="" id="{125B2204-5CAB-AF42-4145-B61B7DFFDB21}"/>
+                  <a16:creationId xmlns:a16="http://schemas.microsoft.com/office/drawing/2014/main" id="{125B2204-5CAB-AF42-4145-B61B7DFFDB21}"/>
                 </a:ext>
               </a:extLst>
             </p:cNvPr>
@@ -22061,7 +21623,7 @@
           <p:cNvPr id="6" name="그룹 1021">
             <a:extLst>
               <a:ext uri="{FF2B5EF4-FFF2-40B4-BE49-F238E27FC236}">
-                <a16:creationId xmlns:a16="http://schemas.microsoft.com/office/drawing/2014/main" xmlns="" id="{DAE466EB-8914-A47B-444E-4C193B0D877A}"/>
+                <a16:creationId xmlns:a16="http://schemas.microsoft.com/office/drawing/2014/main" id="{DAE466EB-8914-A47B-444E-4C193B0D877A}"/>
               </a:ext>
             </a:extLst>
           </p:cNvPr>
@@ -22081,7 +21643,7 @@
             <p:cNvPr id="7" name="Object 71">
               <a:extLst>
                 <a:ext uri="{FF2B5EF4-FFF2-40B4-BE49-F238E27FC236}">
-                  <a16:creationId xmlns:a16="http://schemas.microsoft.com/office/drawing/2014/main" xmlns="" id="{44802802-8C0A-9B02-4940-D16EEB7C206A}"/>
+                  <a16:creationId xmlns:a16="http://schemas.microsoft.com/office/drawing/2014/main" id="{44802802-8C0A-9B02-4940-D16EEB7C206A}"/>
                 </a:ext>
               </a:extLst>
             </p:cNvPr>
@@ -22112,7 +21674,7 @@
           <p:cNvPr id="8" name="TextBox 7">
             <a:extLst>
               <a:ext uri="{FF2B5EF4-FFF2-40B4-BE49-F238E27FC236}">
-                <a16:creationId xmlns:a16="http://schemas.microsoft.com/office/drawing/2014/main" xmlns="" id="{4EDAA912-8FA0-0F11-119B-EA9F8B36A489}"/>
+                <a16:creationId xmlns:a16="http://schemas.microsoft.com/office/drawing/2014/main" id="{4EDAA912-8FA0-0F11-119B-EA9F8B36A489}"/>
               </a:ext>
             </a:extLst>
           </p:cNvPr>
@@ -22136,7 +21698,7 @@
           <a:lstStyle/>
           <a:p>
             <a:r>
-              <a:rPr lang="en-US" altLang="ko-KR" sz="2400" smtClean="0">
+              <a:rPr lang="en-US" altLang="ko-KR" sz="2400">
                 <a:solidFill>
                   <a:srgbClr val="4D4848"/>
                 </a:solidFill>
@@ -22160,7 +21722,7 @@
           <p:cNvPr id="9" name="TextBox 8">
             <a:extLst>
               <a:ext uri="{FF2B5EF4-FFF2-40B4-BE49-F238E27FC236}">
-                <a16:creationId xmlns:a16="http://schemas.microsoft.com/office/drawing/2014/main" xmlns="" id="{50E9E326-9165-4EB7-F036-2D0C3593471A}"/>
+                <a16:creationId xmlns:a16="http://schemas.microsoft.com/office/drawing/2014/main" id="{50E9E326-9165-4EB7-F036-2D0C3593471A}"/>
               </a:ext>
             </a:extLst>
           </p:cNvPr>
@@ -22184,7 +21746,7 @@
           <a:lstStyle/>
           <a:p>
             <a:r>
-              <a:rPr lang="en-US" altLang="ko-KR" sz="3600" smtClean="0">
+              <a:rPr lang="en-US" altLang="ko-KR" sz="3600">
                 <a:solidFill>
                   <a:srgbClr val="4D4848"/>
                 </a:solidFill>
@@ -22208,7 +21770,7 @@
           <p:cNvPr id="10" name="직선 화살표 연결선 9">
             <a:extLst>
               <a:ext uri="{FF2B5EF4-FFF2-40B4-BE49-F238E27FC236}">
-                <a16:creationId xmlns:a16="http://schemas.microsoft.com/office/drawing/2014/main" xmlns="" id="{6C0677B1-2150-0DB1-2BB2-EE13A87409E9}"/>
+                <a16:creationId xmlns:a16="http://schemas.microsoft.com/office/drawing/2014/main" id="{6C0677B1-2150-0DB1-2BB2-EE13A87409E9}"/>
               </a:ext>
             </a:extLst>
           </p:cNvPr>
@@ -22251,7 +21813,7 @@
           <p:cNvPr id="12" name="그룹 1024">
             <a:extLst>
               <a:ext uri="{FF2B5EF4-FFF2-40B4-BE49-F238E27FC236}">
-                <a16:creationId xmlns:a16="http://schemas.microsoft.com/office/drawing/2014/main" xmlns="" id="{48B1F9B2-501C-80B7-7C7B-CFA80857C34A}"/>
+                <a16:creationId xmlns:a16="http://schemas.microsoft.com/office/drawing/2014/main" id="{48B1F9B2-501C-80B7-7C7B-CFA80857C34A}"/>
               </a:ext>
             </a:extLst>
           </p:cNvPr>
@@ -22271,7 +21833,7 @@
             <p:cNvPr id="13" name="Object 81">
               <a:extLst>
                 <a:ext uri="{FF2B5EF4-FFF2-40B4-BE49-F238E27FC236}">
-                  <a16:creationId xmlns:a16="http://schemas.microsoft.com/office/drawing/2014/main" xmlns="" id="{A427AC54-6F46-2451-454E-795C016377BE}"/>
+                  <a16:creationId xmlns:a16="http://schemas.microsoft.com/office/drawing/2014/main" id="{A427AC54-6F46-2451-454E-795C016377BE}"/>
                 </a:ext>
               </a:extLst>
             </p:cNvPr>
@@ -22302,7 +21864,7 @@
           <p:cNvPr id="14" name="TextBox 13">
             <a:extLst>
               <a:ext uri="{FF2B5EF4-FFF2-40B4-BE49-F238E27FC236}">
-                <a16:creationId xmlns:a16="http://schemas.microsoft.com/office/drawing/2014/main" xmlns="" id="{A827F657-20B0-7A83-02DD-3C1A851412BF}"/>
+                <a16:creationId xmlns:a16="http://schemas.microsoft.com/office/drawing/2014/main" id="{A827F657-20B0-7A83-02DD-3C1A851412BF}"/>
               </a:ext>
             </a:extLst>
           </p:cNvPr>
@@ -22326,7 +21888,7 @@
           <a:lstStyle/>
           <a:p>
             <a:r>
-              <a:rPr lang="en-US" altLang="ko-KR" sz="2800" smtClean="0">
+              <a:rPr lang="en-US" altLang="ko-KR" sz="2800">
                 <a:solidFill>
                   <a:srgbClr val="4D4848"/>
                 </a:solidFill>
@@ -22350,7 +21912,7 @@
           <p:cNvPr id="19" name="직선 화살표 연결선 18">
             <a:extLst>
               <a:ext uri="{FF2B5EF4-FFF2-40B4-BE49-F238E27FC236}">
-                <a16:creationId xmlns:a16="http://schemas.microsoft.com/office/drawing/2014/main" xmlns="" id="{6C0677B1-2150-0DB1-2BB2-EE13A87409E9}"/>
+                <a16:creationId xmlns:a16="http://schemas.microsoft.com/office/drawing/2014/main" id="{6C0677B1-2150-0DB1-2BB2-EE13A87409E9}"/>
               </a:ext>
             </a:extLst>
           </p:cNvPr>
@@ -22391,7 +21953,7 @@
           <p:cNvPr id="20" name="그룹 1021">
             <a:extLst>
               <a:ext uri="{FF2B5EF4-FFF2-40B4-BE49-F238E27FC236}">
-                <a16:creationId xmlns:a16="http://schemas.microsoft.com/office/drawing/2014/main" xmlns="" id="{DAE466EB-8914-A47B-444E-4C193B0D877A}"/>
+                <a16:creationId xmlns:a16="http://schemas.microsoft.com/office/drawing/2014/main" id="{DAE466EB-8914-A47B-444E-4C193B0D877A}"/>
               </a:ext>
             </a:extLst>
           </p:cNvPr>
@@ -22411,7 +21973,7 @@
             <p:cNvPr id="21" name="Object 71">
               <a:extLst>
                 <a:ext uri="{FF2B5EF4-FFF2-40B4-BE49-F238E27FC236}">
-                  <a16:creationId xmlns:a16="http://schemas.microsoft.com/office/drawing/2014/main" xmlns="" id="{44802802-8C0A-9B02-4940-D16EEB7C206A}"/>
+                  <a16:creationId xmlns:a16="http://schemas.microsoft.com/office/drawing/2014/main" id="{44802802-8C0A-9B02-4940-D16EEB7C206A}"/>
                 </a:ext>
               </a:extLst>
             </p:cNvPr>
@@ -22442,7 +22004,7 @@
           <p:cNvPr id="22" name="TextBox 21">
             <a:extLst>
               <a:ext uri="{FF2B5EF4-FFF2-40B4-BE49-F238E27FC236}">
-                <a16:creationId xmlns:a16="http://schemas.microsoft.com/office/drawing/2014/main" xmlns="" id="{50E9E326-9165-4EB7-F036-2D0C3593471A}"/>
+                <a16:creationId xmlns:a16="http://schemas.microsoft.com/office/drawing/2014/main" id="{50E9E326-9165-4EB7-F036-2D0C3593471A}"/>
               </a:ext>
             </a:extLst>
           </p:cNvPr>
@@ -22466,7 +22028,7 @@
           <a:lstStyle/>
           <a:p>
             <a:r>
-              <a:rPr lang="en-US" altLang="ko-KR" sz="3600" smtClean="0">
+              <a:rPr lang="en-US" altLang="ko-KR" sz="3600">
                 <a:solidFill>
                   <a:srgbClr val="4D4848"/>
                 </a:solidFill>
@@ -22490,7 +22052,7 @@
           <p:cNvPr id="23" name="그룹 1024">
             <a:extLst>
               <a:ext uri="{FF2B5EF4-FFF2-40B4-BE49-F238E27FC236}">
-                <a16:creationId xmlns:a16="http://schemas.microsoft.com/office/drawing/2014/main" xmlns="" id="{48B1F9B2-501C-80B7-7C7B-CFA80857C34A}"/>
+                <a16:creationId xmlns:a16="http://schemas.microsoft.com/office/drawing/2014/main" id="{48B1F9B2-501C-80B7-7C7B-CFA80857C34A}"/>
               </a:ext>
             </a:extLst>
           </p:cNvPr>
@@ -22510,7 +22072,7 @@
             <p:cNvPr id="24" name="Object 81">
               <a:extLst>
                 <a:ext uri="{FF2B5EF4-FFF2-40B4-BE49-F238E27FC236}">
-                  <a16:creationId xmlns:a16="http://schemas.microsoft.com/office/drawing/2014/main" xmlns="" id="{A427AC54-6F46-2451-454E-795C016377BE}"/>
+                  <a16:creationId xmlns:a16="http://schemas.microsoft.com/office/drawing/2014/main" id="{A427AC54-6F46-2451-454E-795C016377BE}"/>
                 </a:ext>
               </a:extLst>
             </p:cNvPr>
@@ -22541,7 +22103,7 @@
           <p:cNvPr id="25" name="TextBox 24">
             <a:extLst>
               <a:ext uri="{FF2B5EF4-FFF2-40B4-BE49-F238E27FC236}">
-                <a16:creationId xmlns:a16="http://schemas.microsoft.com/office/drawing/2014/main" xmlns="" id="{A827F657-20B0-7A83-02DD-3C1A851412BF}"/>
+                <a16:creationId xmlns:a16="http://schemas.microsoft.com/office/drawing/2014/main" id="{A827F657-20B0-7A83-02DD-3C1A851412BF}"/>
               </a:ext>
             </a:extLst>
           </p:cNvPr>
@@ -22565,7 +22127,7 @@
           <a:lstStyle/>
           <a:p>
             <a:r>
-              <a:rPr lang="en-US" altLang="ko-KR" sz="2800" smtClean="0">
+              <a:rPr lang="en-US" altLang="ko-KR" sz="2800">
                 <a:solidFill>
                   <a:srgbClr val="4D4848"/>
                 </a:solidFill>
@@ -22589,7 +22151,7 @@
           <p:cNvPr id="26" name="직선 화살표 연결선 25">
             <a:extLst>
               <a:ext uri="{FF2B5EF4-FFF2-40B4-BE49-F238E27FC236}">
-                <a16:creationId xmlns:a16="http://schemas.microsoft.com/office/drawing/2014/main" xmlns="" id="{6C0677B1-2150-0DB1-2BB2-EE13A87409E9}"/>
+                <a16:creationId xmlns:a16="http://schemas.microsoft.com/office/drawing/2014/main" id="{6C0677B1-2150-0DB1-2BB2-EE13A87409E9}"/>
               </a:ext>
             </a:extLst>
           </p:cNvPr>
@@ -22630,7 +22192,7 @@
           <p:cNvPr id="27" name="그룹 1024">
             <a:extLst>
               <a:ext uri="{FF2B5EF4-FFF2-40B4-BE49-F238E27FC236}">
-                <a16:creationId xmlns:a16="http://schemas.microsoft.com/office/drawing/2014/main" xmlns="" id="{48B1F9B2-501C-80B7-7C7B-CFA80857C34A}"/>
+                <a16:creationId xmlns:a16="http://schemas.microsoft.com/office/drawing/2014/main" id="{48B1F9B2-501C-80B7-7C7B-CFA80857C34A}"/>
               </a:ext>
             </a:extLst>
           </p:cNvPr>
@@ -22650,7 +22212,7 @@
             <p:cNvPr id="28" name="Object 81">
               <a:extLst>
                 <a:ext uri="{FF2B5EF4-FFF2-40B4-BE49-F238E27FC236}">
-                  <a16:creationId xmlns:a16="http://schemas.microsoft.com/office/drawing/2014/main" xmlns="" id="{A427AC54-6F46-2451-454E-795C016377BE}"/>
+                  <a16:creationId xmlns:a16="http://schemas.microsoft.com/office/drawing/2014/main" id="{A427AC54-6F46-2451-454E-795C016377BE}"/>
                 </a:ext>
               </a:extLst>
             </p:cNvPr>
@@ -22681,7 +22243,7 @@
           <p:cNvPr id="29" name="TextBox 28">
             <a:extLst>
               <a:ext uri="{FF2B5EF4-FFF2-40B4-BE49-F238E27FC236}">
-                <a16:creationId xmlns:a16="http://schemas.microsoft.com/office/drawing/2014/main" xmlns="" id="{A827F657-20B0-7A83-02DD-3C1A851412BF}"/>
+                <a16:creationId xmlns:a16="http://schemas.microsoft.com/office/drawing/2014/main" id="{A827F657-20B0-7A83-02DD-3C1A851412BF}"/>
               </a:ext>
             </a:extLst>
           </p:cNvPr>
@@ -22705,7 +22267,7 @@
           <a:lstStyle/>
           <a:p>
             <a:r>
-              <a:rPr lang="en-US" altLang="ko-KR" sz="2800" smtClean="0">
+              <a:rPr lang="en-US" altLang="ko-KR" sz="2800">
                 <a:solidFill>
                   <a:srgbClr val="4D4848"/>
                 </a:solidFill>
@@ -22729,7 +22291,7 @@
           <p:cNvPr id="30" name="직선 화살표 연결선 29">
             <a:extLst>
               <a:ext uri="{FF2B5EF4-FFF2-40B4-BE49-F238E27FC236}">
-                <a16:creationId xmlns:a16="http://schemas.microsoft.com/office/drawing/2014/main" xmlns="" id="{6C0677B1-2150-0DB1-2BB2-EE13A87409E9}"/>
+                <a16:creationId xmlns:a16="http://schemas.microsoft.com/office/drawing/2014/main" id="{6C0677B1-2150-0DB1-2BB2-EE13A87409E9}"/>
               </a:ext>
             </a:extLst>
           </p:cNvPr>
@@ -22770,7 +22332,7 @@
           <p:cNvPr id="31" name="그룹 1024">
             <a:extLst>
               <a:ext uri="{FF2B5EF4-FFF2-40B4-BE49-F238E27FC236}">
-                <a16:creationId xmlns:a16="http://schemas.microsoft.com/office/drawing/2014/main" xmlns="" id="{48B1F9B2-501C-80B7-7C7B-CFA80857C34A}"/>
+                <a16:creationId xmlns:a16="http://schemas.microsoft.com/office/drawing/2014/main" id="{48B1F9B2-501C-80B7-7C7B-CFA80857C34A}"/>
               </a:ext>
             </a:extLst>
           </p:cNvPr>
@@ -22790,7 +22352,7 @@
             <p:cNvPr id="32" name="Object 81">
               <a:extLst>
                 <a:ext uri="{FF2B5EF4-FFF2-40B4-BE49-F238E27FC236}">
-                  <a16:creationId xmlns:a16="http://schemas.microsoft.com/office/drawing/2014/main" xmlns="" id="{A427AC54-6F46-2451-454E-795C016377BE}"/>
+                  <a16:creationId xmlns:a16="http://schemas.microsoft.com/office/drawing/2014/main" id="{A427AC54-6F46-2451-454E-795C016377BE}"/>
                 </a:ext>
               </a:extLst>
             </p:cNvPr>
@@ -22821,7 +22383,7 @@
           <p:cNvPr id="33" name="TextBox 32">
             <a:extLst>
               <a:ext uri="{FF2B5EF4-FFF2-40B4-BE49-F238E27FC236}">
-                <a16:creationId xmlns:a16="http://schemas.microsoft.com/office/drawing/2014/main" xmlns="" id="{A827F657-20B0-7A83-02DD-3C1A851412BF}"/>
+                <a16:creationId xmlns:a16="http://schemas.microsoft.com/office/drawing/2014/main" id="{A827F657-20B0-7A83-02DD-3C1A851412BF}"/>
               </a:ext>
             </a:extLst>
           </p:cNvPr>
@@ -22845,7 +22407,7 @@
           <a:lstStyle/>
           <a:p>
             <a:r>
-              <a:rPr lang="en-US" altLang="ko-KR" sz="2800" smtClean="0">
+              <a:rPr lang="en-US" altLang="ko-KR" sz="2800">
                 <a:solidFill>
                   <a:srgbClr val="4D4848"/>
                 </a:solidFill>
@@ -22869,7 +22431,7 @@
           <p:cNvPr id="34" name="직선 화살표 연결선 33">
             <a:extLst>
               <a:ext uri="{FF2B5EF4-FFF2-40B4-BE49-F238E27FC236}">
-                <a16:creationId xmlns:a16="http://schemas.microsoft.com/office/drawing/2014/main" xmlns="" id="{6C0677B1-2150-0DB1-2BB2-EE13A87409E9}"/>
+                <a16:creationId xmlns:a16="http://schemas.microsoft.com/office/drawing/2014/main" id="{6C0677B1-2150-0DB1-2BB2-EE13A87409E9}"/>
               </a:ext>
             </a:extLst>
           </p:cNvPr>
@@ -22911,7 +22473,7 @@
           <p:cNvPr id="36" name="TextBox 35">
             <a:extLst>
               <a:ext uri="{FF2B5EF4-FFF2-40B4-BE49-F238E27FC236}">
-                <a16:creationId xmlns:a16="http://schemas.microsoft.com/office/drawing/2014/main" xmlns="" id="{7229BEA6-121E-9056-D07F-2B3BB1795F76}"/>
+                <a16:creationId xmlns:a16="http://schemas.microsoft.com/office/drawing/2014/main" id="{7229BEA6-121E-9056-D07F-2B3BB1795F76}"/>
               </a:ext>
             </a:extLst>
           </p:cNvPr>
@@ -22935,7 +22497,7 @@
           <a:lstStyle/>
           <a:p>
             <a:r>
-              <a:rPr lang="ko-KR" altLang="en-US" sz="4800" smtClean="0">
+              <a:rPr lang="ko-KR" altLang="en-US" sz="4800">
                 <a:solidFill>
                   <a:srgbClr val="4C50BB"/>
                 </a:solidFill>
@@ -22945,7 +22507,7 @@
               <a:t>작은것에서 큰것으로는 자동캐스팅되며 데이터 손실이 없다</a:t>
             </a:r>
             <a:r>
-              <a:rPr lang="en-US" altLang="ko-KR" sz="4800" smtClean="0">
+              <a:rPr lang="en-US" altLang="ko-KR" sz="4800">
                 <a:solidFill>
                   <a:srgbClr val="4C50BB"/>
                 </a:solidFill>
@@ -22974,13 +22536,6 @@
   <p:clrMapOvr>
     <a:masterClrMapping/>
   </p:clrMapOvr>
-  <p:timing>
-    <p:tnLst>
-      <p:par>
-        <p:cTn id="1" dur="indefinite" restart="never" nodeType="tmRoot"/>
-      </p:par>
-    </p:tnLst>
-  </p:timing>
 </p:sld>
 </file>
 
@@ -23014,7 +22569,7 @@
           <p:cNvPr id="5" name="Object 2">
             <a:extLst>
               <a:ext uri="{FF2B5EF4-FFF2-40B4-BE49-F238E27FC236}">
-                <a16:creationId xmlns:a16="http://schemas.microsoft.com/office/drawing/2014/main" xmlns="" id="{EB9768FE-76B0-709F-3C4D-0ECBB41147CD}"/>
+                <a16:creationId xmlns:a16="http://schemas.microsoft.com/office/drawing/2014/main" id="{EB9768FE-76B0-709F-3C4D-0ECBB41147CD}"/>
               </a:ext>
             </a:extLst>
           </p:cNvPr>
@@ -23044,7 +22599,7 @@
           <p:cNvPr id="7" name="그룹 1001">
             <a:extLst>
               <a:ext uri="{FF2B5EF4-FFF2-40B4-BE49-F238E27FC236}">
-                <a16:creationId xmlns:a16="http://schemas.microsoft.com/office/drawing/2014/main" xmlns="" id="{0637F47C-891C-2B90-8647-32B84C264D42}"/>
+                <a16:creationId xmlns:a16="http://schemas.microsoft.com/office/drawing/2014/main" id="{0637F47C-891C-2B90-8647-32B84C264D42}"/>
               </a:ext>
             </a:extLst>
           </p:cNvPr>
@@ -23064,7 +22619,7 @@
             <p:cNvPr id="8" name="Object 5">
               <a:extLst>
                 <a:ext uri="{FF2B5EF4-FFF2-40B4-BE49-F238E27FC236}">
-                  <a16:creationId xmlns:a16="http://schemas.microsoft.com/office/drawing/2014/main" xmlns="" id="{710F969D-8259-9328-33C3-C6DB500C60D4}"/>
+                  <a16:creationId xmlns:a16="http://schemas.microsoft.com/office/drawing/2014/main" id="{710F969D-8259-9328-33C3-C6DB500C60D4}"/>
                 </a:ext>
               </a:extLst>
             </p:cNvPr>
@@ -23095,7 +22650,7 @@
           <p:cNvPr id="9" name="그룹 1002">
             <a:extLst>
               <a:ext uri="{FF2B5EF4-FFF2-40B4-BE49-F238E27FC236}">
-                <a16:creationId xmlns:a16="http://schemas.microsoft.com/office/drawing/2014/main" xmlns="" id="{A87796A8-251B-F38A-5AE9-11F8D847B25D}"/>
+                <a16:creationId xmlns:a16="http://schemas.microsoft.com/office/drawing/2014/main" id="{A87796A8-251B-F38A-5AE9-11F8D847B25D}"/>
               </a:ext>
             </a:extLst>
           </p:cNvPr>
@@ -23115,7 +22670,7 @@
             <p:cNvPr id="10" name="Object 8">
               <a:extLst>
                 <a:ext uri="{FF2B5EF4-FFF2-40B4-BE49-F238E27FC236}">
-                  <a16:creationId xmlns:a16="http://schemas.microsoft.com/office/drawing/2014/main" xmlns="" id="{9E806C19-D323-E705-F3B8-EEABB39F0993}"/>
+                  <a16:creationId xmlns:a16="http://schemas.microsoft.com/office/drawing/2014/main" id="{9E806C19-D323-E705-F3B8-EEABB39F0993}"/>
                 </a:ext>
               </a:extLst>
             </p:cNvPr>
@@ -23146,7 +22701,7 @@
           <p:cNvPr id="11" name="그룹 1003">
             <a:extLst>
               <a:ext uri="{FF2B5EF4-FFF2-40B4-BE49-F238E27FC236}">
-                <a16:creationId xmlns:a16="http://schemas.microsoft.com/office/drawing/2014/main" xmlns="" id="{701795E0-24B6-38E6-7308-FED7AD2B6900}"/>
+                <a16:creationId xmlns:a16="http://schemas.microsoft.com/office/drawing/2014/main" id="{701795E0-24B6-38E6-7308-FED7AD2B6900}"/>
               </a:ext>
             </a:extLst>
           </p:cNvPr>
@@ -23166,7 +22721,7 @@
             <p:cNvPr id="12" name="Object 11">
               <a:extLst>
                 <a:ext uri="{FF2B5EF4-FFF2-40B4-BE49-F238E27FC236}">
-                  <a16:creationId xmlns:a16="http://schemas.microsoft.com/office/drawing/2014/main" xmlns="" id="{D8C68167-7FB5-1F8E-D53C-DEA682F465F5}"/>
+                  <a16:creationId xmlns:a16="http://schemas.microsoft.com/office/drawing/2014/main" id="{D8C68167-7FB5-1F8E-D53C-DEA682F465F5}"/>
                 </a:ext>
               </a:extLst>
             </p:cNvPr>
@@ -23197,7 +22752,7 @@
           <p:cNvPr id="13" name="그룹 1004">
             <a:extLst>
               <a:ext uri="{FF2B5EF4-FFF2-40B4-BE49-F238E27FC236}">
-                <a16:creationId xmlns:a16="http://schemas.microsoft.com/office/drawing/2014/main" xmlns="" id="{03226A72-764D-99F3-A14F-47C351CB448B}"/>
+                <a16:creationId xmlns:a16="http://schemas.microsoft.com/office/drawing/2014/main" id="{03226A72-764D-99F3-A14F-47C351CB448B}"/>
               </a:ext>
             </a:extLst>
           </p:cNvPr>
@@ -23217,7 +22772,7 @@
             <p:cNvPr id="14" name="Object 14">
               <a:extLst>
                 <a:ext uri="{FF2B5EF4-FFF2-40B4-BE49-F238E27FC236}">
-                  <a16:creationId xmlns:a16="http://schemas.microsoft.com/office/drawing/2014/main" xmlns="" id="{77C5B9A8-AEBA-093B-4CD6-4F1ECF519068}"/>
+                  <a16:creationId xmlns:a16="http://schemas.microsoft.com/office/drawing/2014/main" id="{77C5B9A8-AEBA-093B-4CD6-4F1ECF519068}"/>
                 </a:ext>
               </a:extLst>
             </p:cNvPr>
@@ -23248,7 +22803,7 @@
           <p:cNvPr id="15" name="TextBox 14">
             <a:extLst>
               <a:ext uri="{FF2B5EF4-FFF2-40B4-BE49-F238E27FC236}">
-                <a16:creationId xmlns:a16="http://schemas.microsoft.com/office/drawing/2014/main" xmlns="" id="{E44AB10B-96D7-19D1-5C7A-D2761E62F16E}"/>
+                <a16:creationId xmlns:a16="http://schemas.microsoft.com/office/drawing/2014/main" id="{E44AB10B-96D7-19D1-5C7A-D2761E62F16E}"/>
               </a:ext>
             </a:extLst>
           </p:cNvPr>
@@ -23272,7 +22827,7 @@
           <a:lstStyle/>
           <a:p>
             <a:r>
-              <a:rPr lang="ko-KR" altLang="en-US" sz="6600" smtClean="0">
+              <a:rPr lang="ko-KR" altLang="en-US" sz="6600">
                 <a:solidFill>
                   <a:schemeClr val="bg1"/>
                 </a:solidFill>
@@ -23301,13 +22856,6 @@
   <p:clrMapOvr>
     <a:masterClrMapping/>
   </p:clrMapOvr>
-  <p:timing>
-    <p:tnLst>
-      <p:par>
-        <p:cTn id="1" dur="indefinite" restart="never" nodeType="tmRoot"/>
-      </p:par>
-    </p:tnLst>
-  </p:timing>
 </p:sld>
 </file>
 
@@ -23333,7 +22881,7 @@
           <p:cNvPr id="45" name="그룹 1027">
             <a:extLst>
               <a:ext uri="{FF2B5EF4-FFF2-40B4-BE49-F238E27FC236}">
-                <a16:creationId xmlns="" xmlns:a16="http://schemas.microsoft.com/office/drawing/2014/main" id="{53A07A13-51E4-791C-645F-34BBD288D7ED}"/>
+                <a16:creationId xmlns:a16="http://schemas.microsoft.com/office/drawing/2014/main" id="{53A07A13-51E4-791C-645F-34BBD288D7ED}"/>
               </a:ext>
             </a:extLst>
           </p:cNvPr>
@@ -23353,7 +22901,7 @@
             <p:cNvPr id="46" name="Object 83">
               <a:extLst>
                 <a:ext uri="{FF2B5EF4-FFF2-40B4-BE49-F238E27FC236}">
-                  <a16:creationId xmlns="" xmlns:a16="http://schemas.microsoft.com/office/drawing/2014/main" id="{3DBE6752-F010-0F4C-781A-C4A0DAB7A9B1}"/>
+                  <a16:creationId xmlns:a16="http://schemas.microsoft.com/office/drawing/2014/main" id="{3DBE6752-F010-0F4C-781A-C4A0DAB7A9B1}"/>
                 </a:ext>
               </a:extLst>
             </p:cNvPr>
@@ -23384,7 +22932,7 @@
           <p:cNvPr id="47" name="그룹 1028">
             <a:extLst>
               <a:ext uri="{FF2B5EF4-FFF2-40B4-BE49-F238E27FC236}">
-                <a16:creationId xmlns="" xmlns:a16="http://schemas.microsoft.com/office/drawing/2014/main" id="{43963B35-0F8B-AD4E-B531-152C907A13D0}"/>
+                <a16:creationId xmlns:a16="http://schemas.microsoft.com/office/drawing/2014/main" id="{43963B35-0F8B-AD4E-B531-152C907A13D0}"/>
               </a:ext>
             </a:extLst>
           </p:cNvPr>
@@ -23404,7 +22952,7 @@
             <p:cNvPr id="48" name="Object 86">
               <a:extLst>
                 <a:ext uri="{FF2B5EF4-FFF2-40B4-BE49-F238E27FC236}">
-                  <a16:creationId xmlns="" xmlns:a16="http://schemas.microsoft.com/office/drawing/2014/main" id="{895E819F-2FF5-761E-C42C-446A1FFA37F6}"/>
+                  <a16:creationId xmlns:a16="http://schemas.microsoft.com/office/drawing/2014/main" id="{895E819F-2FF5-761E-C42C-446A1FFA37F6}"/>
                 </a:ext>
               </a:extLst>
             </p:cNvPr>
@@ -23435,7 +22983,7 @@
           <p:cNvPr id="52" name="Picture 2">
             <a:extLst>
               <a:ext uri="{FF2B5EF4-FFF2-40B4-BE49-F238E27FC236}">
-                <a16:creationId xmlns="" xmlns:a16="http://schemas.microsoft.com/office/drawing/2014/main" id="{264F7433-F762-5F04-9791-0A2A5847EEF6}"/>
+                <a16:creationId xmlns:a16="http://schemas.microsoft.com/office/drawing/2014/main" id="{264F7433-F762-5F04-9791-0A2A5847EEF6}"/>
               </a:ext>
             </a:extLst>
           </p:cNvPr>
@@ -23482,7 +23030,7 @@
           <p:cNvPr id="53" name="TextBox 52">
             <a:extLst>
               <a:ext uri="{FF2B5EF4-FFF2-40B4-BE49-F238E27FC236}">
-                <a16:creationId xmlns="" xmlns:a16="http://schemas.microsoft.com/office/drawing/2014/main" id="{DD7B902F-76B9-E86A-E03A-A71A34B95CCB}"/>
+                <a16:creationId xmlns:a16="http://schemas.microsoft.com/office/drawing/2014/main" id="{DD7B902F-76B9-E86A-E03A-A71A34B95CCB}"/>
               </a:ext>
             </a:extLst>
           </p:cNvPr>
@@ -23530,7 +23078,7 @@
           <p:cNvPr id="54" name="그룹 1023">
             <a:extLst>
               <a:ext uri="{FF2B5EF4-FFF2-40B4-BE49-F238E27FC236}">
-                <a16:creationId xmlns="" xmlns:a16="http://schemas.microsoft.com/office/drawing/2014/main" id="{7B3AE4B7-AA92-B842-0129-30BDA4750021}"/>
+                <a16:creationId xmlns:a16="http://schemas.microsoft.com/office/drawing/2014/main" id="{7B3AE4B7-AA92-B842-0129-30BDA4750021}"/>
               </a:ext>
             </a:extLst>
           </p:cNvPr>
@@ -23550,7 +23098,7 @@
             <p:cNvPr id="55" name="그룹 1024">
               <a:extLst>
                 <a:ext uri="{FF2B5EF4-FFF2-40B4-BE49-F238E27FC236}">
-                  <a16:creationId xmlns="" xmlns:a16="http://schemas.microsoft.com/office/drawing/2014/main" id="{FABD9141-2A1D-DCF3-062F-0246A9B1E6E6}"/>
+                  <a16:creationId xmlns:a16="http://schemas.microsoft.com/office/drawing/2014/main" id="{FABD9141-2A1D-DCF3-062F-0246A9B1E6E6}"/>
                 </a:ext>
               </a:extLst>
             </p:cNvPr>
@@ -23570,7 +23118,7 @@
               <p:cNvPr id="60" name="Object 73">
                 <a:extLst>
                   <a:ext uri="{FF2B5EF4-FFF2-40B4-BE49-F238E27FC236}">
-                    <a16:creationId xmlns="" xmlns:a16="http://schemas.microsoft.com/office/drawing/2014/main" id="{3C1951DA-5095-C0AB-F4A4-E58E11E043EF}"/>
+                    <a16:creationId xmlns:a16="http://schemas.microsoft.com/office/drawing/2014/main" id="{3C1951DA-5095-C0AB-F4A4-E58E11E043EF}"/>
                   </a:ext>
                 </a:extLst>
               </p:cNvPr>
@@ -23601,7 +23149,7 @@
             <p:cNvPr id="56" name="그룹 1025">
               <a:extLst>
                 <a:ext uri="{FF2B5EF4-FFF2-40B4-BE49-F238E27FC236}">
-                  <a16:creationId xmlns="" xmlns:a16="http://schemas.microsoft.com/office/drawing/2014/main" id="{8376E6B2-787B-0FA1-8E7F-A1748DC09174}"/>
+                  <a16:creationId xmlns:a16="http://schemas.microsoft.com/office/drawing/2014/main" id="{8376E6B2-787B-0FA1-8E7F-A1748DC09174}"/>
                 </a:ext>
               </a:extLst>
             </p:cNvPr>
@@ -23621,7 +23169,7 @@
               <p:cNvPr id="59" name="Object 76">
                 <a:extLst>
                   <a:ext uri="{FF2B5EF4-FFF2-40B4-BE49-F238E27FC236}">
-                    <a16:creationId xmlns="" xmlns:a16="http://schemas.microsoft.com/office/drawing/2014/main" id="{7EE6727F-824B-E75D-3E48-40542D35F579}"/>
+                    <a16:creationId xmlns:a16="http://schemas.microsoft.com/office/drawing/2014/main" id="{7EE6727F-824B-E75D-3E48-40542D35F579}"/>
                   </a:ext>
                 </a:extLst>
               </p:cNvPr>
@@ -23652,7 +23200,7 @@
             <p:cNvPr id="57" name="그룹 1026">
               <a:extLst>
                 <a:ext uri="{FF2B5EF4-FFF2-40B4-BE49-F238E27FC236}">
-                  <a16:creationId xmlns="" xmlns:a16="http://schemas.microsoft.com/office/drawing/2014/main" id="{D1EEC863-BAEA-5802-CFB8-29AB9901A4B6}"/>
+                  <a16:creationId xmlns:a16="http://schemas.microsoft.com/office/drawing/2014/main" id="{D1EEC863-BAEA-5802-CFB8-29AB9901A4B6}"/>
                 </a:ext>
               </a:extLst>
             </p:cNvPr>
@@ -23672,7 +23220,7 @@
               <p:cNvPr id="58" name="Object 79">
                 <a:extLst>
                   <a:ext uri="{FF2B5EF4-FFF2-40B4-BE49-F238E27FC236}">
-                    <a16:creationId xmlns="" xmlns:a16="http://schemas.microsoft.com/office/drawing/2014/main" id="{C07D47FA-EC33-F079-E4F5-581EA89BA43B}"/>
+                    <a16:creationId xmlns:a16="http://schemas.microsoft.com/office/drawing/2014/main" id="{C07D47FA-EC33-F079-E4F5-581EA89BA43B}"/>
                   </a:ext>
                 </a:extLst>
               </p:cNvPr>
@@ -23704,7 +23252,7 @@
           <p:cNvPr id="61" name="Picture 4">
             <a:extLst>
               <a:ext uri="{FF2B5EF4-FFF2-40B4-BE49-F238E27FC236}">
-                <a16:creationId xmlns="" xmlns:a16="http://schemas.microsoft.com/office/drawing/2014/main" id="{2AC74C57-4CF3-2F8E-AE8C-C9410451DBAD}"/>
+                <a16:creationId xmlns:a16="http://schemas.microsoft.com/office/drawing/2014/main" id="{2AC74C57-4CF3-2F8E-AE8C-C9410451DBAD}"/>
               </a:ext>
             </a:extLst>
           </p:cNvPr>
@@ -23751,7 +23299,7 @@
           <p:cNvPr id="62" name="TextBox 61">
             <a:extLst>
               <a:ext uri="{FF2B5EF4-FFF2-40B4-BE49-F238E27FC236}">
-                <a16:creationId xmlns="" xmlns:a16="http://schemas.microsoft.com/office/drawing/2014/main" id="{B7907019-CD86-FA9C-C7CB-940835BEDCB4}"/>
+                <a16:creationId xmlns:a16="http://schemas.microsoft.com/office/drawing/2014/main" id="{B7907019-CD86-FA9C-C7CB-940835BEDCB4}"/>
               </a:ext>
             </a:extLst>
           </p:cNvPr>
@@ -23827,13 +23375,6 @@
   <p:clrMapOvr>
     <a:masterClrMapping/>
   </p:clrMapOvr>
-  <p:timing>
-    <p:tnLst>
-      <p:par>
-        <p:cTn id="1" dur="indefinite" restart="never" nodeType="tmRoot"/>
-      </p:par>
-    </p:tnLst>
-  </p:timing>
 </p:sld>
 </file>
 
@@ -23883,7 +23424,7 @@
           <p:cNvPr id="5" name="직사각형 4">
             <a:extLst>
               <a:ext uri="{FF2B5EF4-FFF2-40B4-BE49-F238E27FC236}">
-                <a16:creationId xmlns:a16="http://schemas.microsoft.com/office/drawing/2014/main" xmlns="" id="{FFF506F9-840A-0508-4CAF-3AC711D8D5CE}"/>
+                <a16:creationId xmlns:a16="http://schemas.microsoft.com/office/drawing/2014/main" id="{FFF506F9-840A-0508-4CAF-3AC711D8D5CE}"/>
               </a:ext>
             </a:extLst>
           </p:cNvPr>
@@ -23935,7 +23476,7 @@
           <p:cNvPr id="6" name="직선 화살표 연결선 5">
             <a:extLst>
               <a:ext uri="{FF2B5EF4-FFF2-40B4-BE49-F238E27FC236}">
-                <a16:creationId xmlns:a16="http://schemas.microsoft.com/office/drawing/2014/main" xmlns="" id="{299DF5EC-9DF4-5255-06AC-0A7CE4FF58C3}"/>
+                <a16:creationId xmlns:a16="http://schemas.microsoft.com/office/drawing/2014/main" id="{299DF5EC-9DF4-5255-06AC-0A7CE4FF58C3}"/>
               </a:ext>
             </a:extLst>
           </p:cNvPr>
@@ -23976,7 +23517,7 @@
           <p:cNvPr id="8" name="TextBox 7">
             <a:extLst>
               <a:ext uri="{FF2B5EF4-FFF2-40B4-BE49-F238E27FC236}">
-                <a16:creationId xmlns:a16="http://schemas.microsoft.com/office/drawing/2014/main" xmlns="" id="{C6D113C6-EA5C-788F-0C77-E7CE6EBB865F}"/>
+                <a16:creationId xmlns:a16="http://schemas.microsoft.com/office/drawing/2014/main" id="{C6D113C6-EA5C-788F-0C77-E7CE6EBB865F}"/>
               </a:ext>
             </a:extLst>
           </p:cNvPr>
@@ -24000,7 +23541,7 @@
           <a:lstStyle/>
           <a:p>
             <a:r>
-              <a:rPr lang="ko-KR" altLang="en-US" sz="4800" smtClean="0">
+              <a:rPr lang="ko-KR" altLang="en-US" sz="4800">
                 <a:solidFill>
                   <a:srgbClr val="FF0000"/>
                 </a:solidFill>
@@ -24024,7 +23565,7 @@
           <p:cNvPr id="9" name="직사각형 8">
             <a:extLst>
               <a:ext uri="{FF2B5EF4-FFF2-40B4-BE49-F238E27FC236}">
-                <a16:creationId xmlns:a16="http://schemas.microsoft.com/office/drawing/2014/main" xmlns="" id="{FFF506F9-840A-0508-4CAF-3AC711D8D5CE}"/>
+                <a16:creationId xmlns:a16="http://schemas.microsoft.com/office/drawing/2014/main" id="{FFF506F9-840A-0508-4CAF-3AC711D8D5CE}"/>
               </a:ext>
             </a:extLst>
           </p:cNvPr>
@@ -24076,7 +23617,7 @@
           <p:cNvPr id="10" name="직선 화살표 연결선 9">
             <a:extLst>
               <a:ext uri="{FF2B5EF4-FFF2-40B4-BE49-F238E27FC236}">
-                <a16:creationId xmlns:a16="http://schemas.microsoft.com/office/drawing/2014/main" xmlns="" id="{299DF5EC-9DF4-5255-06AC-0A7CE4FF58C3}"/>
+                <a16:creationId xmlns:a16="http://schemas.microsoft.com/office/drawing/2014/main" id="{299DF5EC-9DF4-5255-06AC-0A7CE4FF58C3}"/>
               </a:ext>
             </a:extLst>
           </p:cNvPr>
@@ -24117,7 +23658,7 @@
           <p:cNvPr id="11" name="TextBox 10">
             <a:extLst>
               <a:ext uri="{FF2B5EF4-FFF2-40B4-BE49-F238E27FC236}">
-                <a16:creationId xmlns:a16="http://schemas.microsoft.com/office/drawing/2014/main" xmlns="" id="{C6D113C6-EA5C-788F-0C77-E7CE6EBB865F}"/>
+                <a16:creationId xmlns:a16="http://schemas.microsoft.com/office/drawing/2014/main" id="{C6D113C6-EA5C-788F-0C77-E7CE6EBB865F}"/>
               </a:ext>
             </a:extLst>
           </p:cNvPr>
@@ -24141,7 +23682,7 @@
           <a:lstStyle/>
           <a:p>
             <a:r>
-              <a:rPr lang="ko-KR" altLang="en-US" sz="4800" smtClean="0">
+              <a:rPr lang="ko-KR" altLang="en-US" sz="4800">
                 <a:solidFill>
                   <a:srgbClr val="FF0000"/>
                 </a:solidFill>
@@ -24189,7 +23730,7 @@
           <p:cNvPr id="13" name="직사각형 12">
             <a:extLst>
               <a:ext uri="{FF2B5EF4-FFF2-40B4-BE49-F238E27FC236}">
-                <a16:creationId xmlns:a16="http://schemas.microsoft.com/office/drawing/2014/main" xmlns="" id="{FFF506F9-840A-0508-4CAF-3AC711D8D5CE}"/>
+                <a16:creationId xmlns:a16="http://schemas.microsoft.com/office/drawing/2014/main" id="{FFF506F9-840A-0508-4CAF-3AC711D8D5CE}"/>
               </a:ext>
             </a:extLst>
           </p:cNvPr>
@@ -24241,7 +23782,7 @@
           <p:cNvPr id="14" name="직선 화살표 연결선 13">
             <a:extLst>
               <a:ext uri="{FF2B5EF4-FFF2-40B4-BE49-F238E27FC236}">
-                <a16:creationId xmlns:a16="http://schemas.microsoft.com/office/drawing/2014/main" xmlns="" id="{299DF5EC-9DF4-5255-06AC-0A7CE4FF58C3}"/>
+                <a16:creationId xmlns:a16="http://schemas.microsoft.com/office/drawing/2014/main" id="{299DF5EC-9DF4-5255-06AC-0A7CE4FF58C3}"/>
               </a:ext>
             </a:extLst>
           </p:cNvPr>
@@ -24282,7 +23823,7 @@
           <p:cNvPr id="15" name="TextBox 14">
             <a:extLst>
               <a:ext uri="{FF2B5EF4-FFF2-40B4-BE49-F238E27FC236}">
-                <a16:creationId xmlns:a16="http://schemas.microsoft.com/office/drawing/2014/main" xmlns="" id="{C6D113C6-EA5C-788F-0C77-E7CE6EBB865F}"/>
+                <a16:creationId xmlns:a16="http://schemas.microsoft.com/office/drawing/2014/main" id="{C6D113C6-EA5C-788F-0C77-E7CE6EBB865F}"/>
               </a:ext>
             </a:extLst>
           </p:cNvPr>
@@ -24306,7 +23847,7 @@
           <a:lstStyle/>
           <a:p>
             <a:r>
-              <a:rPr lang="ko-KR" altLang="en-US" sz="4800" smtClean="0">
+              <a:rPr lang="ko-KR" altLang="en-US" sz="4800">
                 <a:solidFill>
                   <a:srgbClr val="FF0000"/>
                 </a:solidFill>
@@ -24330,7 +23871,7 @@
           <p:cNvPr id="16" name="직사각형 15">
             <a:extLst>
               <a:ext uri="{FF2B5EF4-FFF2-40B4-BE49-F238E27FC236}">
-                <a16:creationId xmlns:a16="http://schemas.microsoft.com/office/drawing/2014/main" xmlns="" id="{FFF506F9-840A-0508-4CAF-3AC711D8D5CE}"/>
+                <a16:creationId xmlns:a16="http://schemas.microsoft.com/office/drawing/2014/main" id="{FFF506F9-840A-0508-4CAF-3AC711D8D5CE}"/>
               </a:ext>
             </a:extLst>
           </p:cNvPr>
@@ -24382,7 +23923,7 @@
           <p:cNvPr id="17" name="직선 화살표 연결선 16">
             <a:extLst>
               <a:ext uri="{FF2B5EF4-FFF2-40B4-BE49-F238E27FC236}">
-                <a16:creationId xmlns:a16="http://schemas.microsoft.com/office/drawing/2014/main" xmlns="" id="{299DF5EC-9DF4-5255-06AC-0A7CE4FF58C3}"/>
+                <a16:creationId xmlns:a16="http://schemas.microsoft.com/office/drawing/2014/main" id="{299DF5EC-9DF4-5255-06AC-0A7CE4FF58C3}"/>
               </a:ext>
             </a:extLst>
           </p:cNvPr>
@@ -24423,7 +23964,7 @@
           <p:cNvPr id="18" name="TextBox 17">
             <a:extLst>
               <a:ext uri="{FF2B5EF4-FFF2-40B4-BE49-F238E27FC236}">
-                <a16:creationId xmlns:a16="http://schemas.microsoft.com/office/drawing/2014/main" xmlns="" id="{C6D113C6-EA5C-788F-0C77-E7CE6EBB865F}"/>
+                <a16:creationId xmlns:a16="http://schemas.microsoft.com/office/drawing/2014/main" id="{C6D113C6-EA5C-788F-0C77-E7CE6EBB865F}"/>
               </a:ext>
             </a:extLst>
           </p:cNvPr>
@@ -24447,7 +23988,7 @@
           <a:lstStyle/>
           <a:p>
             <a:r>
-              <a:rPr lang="ko-KR" altLang="en-US" sz="4800" smtClean="0">
+              <a:rPr lang="ko-KR" altLang="en-US" sz="4800">
                 <a:solidFill>
                   <a:srgbClr val="FF0000"/>
                 </a:solidFill>
@@ -24467,7 +24008,7 @@
               <a:t>(</a:t>
             </a:r>
             <a:r>
-              <a:rPr lang="ko-KR" altLang="en-US" sz="3600" smtClean="0">
+              <a:rPr lang="ko-KR" altLang="en-US" sz="3600">
                 <a:solidFill>
                   <a:srgbClr val="FF0000"/>
                 </a:solidFill>
@@ -24477,7 +24018,7 @@
               <a:t>초기값이 없어 </a:t>
             </a:r>
             <a:r>
-              <a:rPr lang="en-US" altLang="ko-KR" sz="3600" smtClean="0">
+              <a:rPr lang="en-US" altLang="ko-KR" sz="3600">
                 <a:solidFill>
                   <a:srgbClr val="FF0000"/>
                 </a:solidFill>
@@ -24487,7 +24028,7 @@
               <a:t>null</a:t>
             </a:r>
             <a:r>
-              <a:rPr lang="ko-KR" altLang="en-US" sz="3600" smtClean="0">
+              <a:rPr lang="ko-KR" altLang="en-US" sz="3600">
                 <a:solidFill>
                   <a:srgbClr val="FF0000"/>
                 </a:solidFill>
@@ -24497,7 +24038,7 @@
               <a:t>을 가지고 있다</a:t>
             </a:r>
             <a:r>
-              <a:rPr lang="en-US" altLang="ko-KR" sz="3600" smtClean="0">
+              <a:rPr lang="en-US" altLang="ko-KR" sz="3600">
                 <a:solidFill>
                   <a:srgbClr val="FF0000"/>
                 </a:solidFill>
@@ -25060,7 +24601,7 @@
           <p:cNvPr id="2" name="TextBox 1">
             <a:extLst>
               <a:ext uri="{FF2B5EF4-FFF2-40B4-BE49-F238E27FC236}">
-                <a16:creationId xmlns:a16="http://schemas.microsoft.com/office/drawing/2014/main" xmlns="" id="{715D88A2-BD52-978B-A00A-540446126E3D}"/>
+                <a16:creationId xmlns:a16="http://schemas.microsoft.com/office/drawing/2014/main" id="{715D88A2-BD52-978B-A00A-540446126E3D}"/>
               </a:ext>
             </a:extLst>
           </p:cNvPr>
@@ -25108,13 +24649,6 @@
   <p:clrMapOvr>
     <a:masterClrMapping/>
   </p:clrMapOvr>
-  <p:timing>
-    <p:tnLst>
-      <p:par>
-        <p:cTn id="1" dur="indefinite" restart="never" nodeType="tmRoot"/>
-      </p:par>
-    </p:tnLst>
-  </p:timing>
 </p:sld>
 </file>
 
@@ -25218,7 +24752,7 @@
           <p:cNvPr id="27" name="TextBox 26">
             <a:extLst>
               <a:ext uri="{FF2B5EF4-FFF2-40B4-BE49-F238E27FC236}">
-                <a16:creationId xmlns:a16="http://schemas.microsoft.com/office/drawing/2014/main" xmlns="" id="{7229BEA6-121E-9056-D07F-2B3BB1795F76}"/>
+                <a16:creationId xmlns:a16="http://schemas.microsoft.com/office/drawing/2014/main" id="{7229BEA6-121E-9056-D07F-2B3BB1795F76}"/>
               </a:ext>
             </a:extLst>
           </p:cNvPr>
@@ -25242,7 +24776,7 @@
           <a:lstStyle/>
           <a:p>
             <a:r>
-              <a:rPr lang="en-US" altLang="ko-KR" sz="8800" smtClean="0">
+              <a:rPr lang="en-US" altLang="ko-KR" sz="8800">
                 <a:solidFill>
                   <a:srgbClr val="4C50BB"/>
                 </a:solidFill>
@@ -25252,7 +24786,7 @@
               <a:t>Java</a:t>
             </a:r>
             <a:r>
-              <a:rPr lang="ko-KR" altLang="en-US" sz="8800" smtClean="0">
+              <a:rPr lang="ko-KR" altLang="en-US" sz="8800">
                 <a:solidFill>
                   <a:srgbClr val="4C50BB"/>
                 </a:solidFill>
@@ -25262,7 +24796,7 @@
               <a:t>란</a:t>
             </a:r>
             <a:r>
-              <a:rPr lang="en-US" altLang="ko-KR" sz="8800" smtClean="0">
+              <a:rPr lang="en-US" altLang="ko-KR" sz="8800">
                 <a:solidFill>
                   <a:srgbClr val="4C50BB"/>
                 </a:solidFill>
@@ -25286,7 +24820,7 @@
           <p:cNvPr id="28" name="TextBox 27">
             <a:extLst>
               <a:ext uri="{FF2B5EF4-FFF2-40B4-BE49-F238E27FC236}">
-                <a16:creationId xmlns:a16="http://schemas.microsoft.com/office/drawing/2014/main" xmlns="" id="{5ADC00B6-990A-40DC-3CEA-505258F5E8DA}"/>
+                <a16:creationId xmlns:a16="http://schemas.microsoft.com/office/drawing/2014/main" id="{5ADC00B6-990A-40DC-3CEA-505258F5E8DA}"/>
               </a:ext>
             </a:extLst>
           </p:cNvPr>
@@ -25310,7 +24844,7 @@
           <a:lstStyle/>
           <a:p>
             <a:r>
-              <a:rPr lang="en-US" altLang="ko-KR" sz="4400" smtClean="0">
+              <a:rPr lang="en-US" altLang="ko-KR" sz="4400">
                 <a:solidFill>
                   <a:schemeClr val="tx1">
                     <a:lumMod val="50000"/>
@@ -25323,7 +24857,7 @@
               <a:t>1.</a:t>
             </a:r>
             <a:r>
-              <a:rPr lang="ko-KR" altLang="en-US" sz="4400" smtClean="0">
+              <a:rPr lang="ko-KR" altLang="en-US" sz="4400">
                 <a:solidFill>
                   <a:schemeClr val="tx1">
                     <a:lumMod val="50000"/>
@@ -25335,7 +24869,7 @@
               </a:rPr>
               <a:t>플랫폼 독립적 언어</a:t>
             </a:r>
-            <a:endParaRPr lang="en-US" altLang="ko-KR" sz="4400" smtClean="0">
+            <a:endParaRPr lang="en-US" altLang="ko-KR" sz="4400">
               <a:solidFill>
                 <a:schemeClr val="tx1">
                   <a:lumMod val="50000"/>
@@ -25347,7 +24881,7 @@
             </a:endParaRPr>
           </a:p>
           <a:p>
-            <a:endParaRPr lang="en-US" altLang="ko-KR" sz="4400" smtClean="0">
+            <a:endParaRPr lang="en-US" altLang="ko-KR" sz="4400">
               <a:solidFill>
                 <a:schemeClr val="tx1">
                   <a:lumMod val="50000"/>
@@ -25360,7 +24894,7 @@
           </a:p>
           <a:p>
             <a:r>
-              <a:rPr lang="en-US" altLang="ko-KR" sz="4400" smtClean="0">
+              <a:rPr lang="en-US" altLang="ko-KR" sz="4400">
                 <a:solidFill>
                   <a:schemeClr val="tx1">
                     <a:lumMod val="50000"/>
@@ -25373,7 +24907,7 @@
               <a:t>2.</a:t>
             </a:r>
             <a:r>
-              <a:rPr lang="ko-KR" altLang="en-US" sz="4400" smtClean="0">
+              <a:rPr lang="ko-KR" altLang="en-US" sz="4400">
                 <a:solidFill>
                   <a:schemeClr val="tx1">
                     <a:lumMod val="50000"/>
@@ -25385,7 +24919,7 @@
               </a:rPr>
               <a:t>객체지향 언어</a:t>
             </a:r>
-            <a:endParaRPr lang="en-US" altLang="ko-KR" sz="4400" smtClean="0">
+            <a:endParaRPr lang="en-US" altLang="ko-KR" sz="4400">
               <a:solidFill>
                 <a:schemeClr val="tx1">
                   <a:lumMod val="50000"/>
@@ -25397,7 +24931,7 @@
             </a:endParaRPr>
           </a:p>
           <a:p>
-            <a:endParaRPr lang="en-US" altLang="ko-KR" sz="4400" smtClean="0">
+            <a:endParaRPr lang="en-US" altLang="ko-KR" sz="4400">
               <a:solidFill>
                 <a:schemeClr val="tx1">
                   <a:lumMod val="50000"/>
@@ -25410,7 +24944,7 @@
           </a:p>
           <a:p>
             <a:r>
-              <a:rPr lang="en-US" altLang="ko-KR" sz="4400" smtClean="0">
+              <a:rPr lang="en-US" altLang="ko-KR" sz="4400">
                 <a:solidFill>
                   <a:schemeClr val="tx1">
                     <a:lumMod val="50000"/>
@@ -25423,7 +24957,7 @@
               <a:t>3.C++</a:t>
             </a:r>
             <a:r>
-              <a:rPr lang="ko-KR" altLang="en-US" sz="4400" smtClean="0">
+              <a:rPr lang="ko-KR" altLang="en-US" sz="4400">
                 <a:solidFill>
                   <a:schemeClr val="tx1">
                     <a:lumMod val="50000"/>
@@ -25435,7 +24969,7 @@
               </a:rPr>
               <a:t>의 어려운점은 감추다</a:t>
             </a:r>
-            <a:endParaRPr lang="en-US" altLang="ko-KR" sz="4400" smtClean="0">
+            <a:endParaRPr lang="en-US" altLang="ko-KR" sz="4400">
               <a:solidFill>
                 <a:schemeClr val="tx1">
                   <a:lumMod val="50000"/>
@@ -25460,7 +24994,7 @@
           </a:p>
           <a:p>
             <a:r>
-              <a:rPr lang="en-US" altLang="ko-KR" sz="4400" smtClean="0">
+              <a:rPr lang="en-US" altLang="ko-KR" sz="4400">
                 <a:solidFill>
                   <a:schemeClr val="tx1">
                     <a:lumMod val="50000"/>
@@ -25473,7 +25007,7 @@
               <a:t>4.</a:t>
             </a:r>
             <a:r>
-              <a:rPr lang="ko-KR" altLang="en-US" sz="4400" smtClean="0">
+              <a:rPr lang="ko-KR" altLang="en-US" sz="4400">
                 <a:solidFill>
                   <a:schemeClr val="tx1">
                     <a:lumMod val="50000"/>
@@ -25485,7 +25019,7 @@
               </a:rPr>
               <a:t>현재 가장 많이 쓰이는 언어</a:t>
             </a:r>
-            <a:endParaRPr lang="en-US" altLang="ko-KR" sz="4400" smtClean="0">
+            <a:endParaRPr lang="en-US" altLang="ko-KR" sz="4400">
               <a:solidFill>
                 <a:schemeClr val="tx1">
                   <a:lumMod val="50000"/>
@@ -25508,13 +25042,6 @@
   <p:clrMapOvr>
     <a:masterClrMapping/>
   </p:clrMapOvr>
-  <p:timing>
-    <p:tnLst>
-      <p:par>
-        <p:cTn id="1" dur="indefinite" restart="never" nodeType="tmRoot"/>
-      </p:par>
-    </p:tnLst>
-  </p:timing>
 </p:sld>
 </file>
 
@@ -25540,7 +25067,7 @@
           <p:cNvPr id="4" name="TextBox 3">
             <a:extLst>
               <a:ext uri="{FF2B5EF4-FFF2-40B4-BE49-F238E27FC236}">
-                <a16:creationId xmlns:a16="http://schemas.microsoft.com/office/drawing/2014/main" xmlns="" id="{7229BEA6-121E-9056-D07F-2B3BB1795F76}"/>
+                <a16:creationId xmlns:a16="http://schemas.microsoft.com/office/drawing/2014/main" id="{7229BEA6-121E-9056-D07F-2B3BB1795F76}"/>
               </a:ext>
             </a:extLst>
           </p:cNvPr>
@@ -25564,7 +25091,7 @@
           <a:lstStyle/>
           <a:p>
             <a:r>
-              <a:rPr lang="ko-KR" altLang="en-US" sz="9600" smtClean="0">
+              <a:rPr lang="ko-KR" altLang="en-US" sz="9600">
                 <a:solidFill>
                   <a:srgbClr val="4C50BB"/>
                 </a:solidFill>
@@ -25734,7 +25261,7 @@
           <p:cNvPr id="4" name="TextBox 3">
             <a:extLst>
               <a:ext uri="{FF2B5EF4-FFF2-40B4-BE49-F238E27FC236}">
-                <a16:creationId xmlns:a16="http://schemas.microsoft.com/office/drawing/2014/main" xmlns="" id="{7229BEA6-121E-9056-D07F-2B3BB1795F76}"/>
+                <a16:creationId xmlns:a16="http://schemas.microsoft.com/office/drawing/2014/main" id="{7229BEA6-121E-9056-D07F-2B3BB1795F76}"/>
               </a:ext>
             </a:extLst>
           </p:cNvPr>
@@ -25758,7 +25285,7 @@
           <a:lstStyle/>
           <a:p>
             <a:r>
-              <a:rPr lang="en-US" altLang="ko-KR" sz="5400" smtClean="0">
+              <a:rPr lang="en-US" altLang="ko-KR" sz="5400">
                 <a:solidFill>
                   <a:srgbClr val="4C50BB"/>
                 </a:solidFill>
@@ -25768,7 +25295,7 @@
               <a:t>JAVA </a:t>
             </a:r>
             <a:r>
-              <a:rPr lang="ko-KR" altLang="en-US" sz="5400" smtClean="0">
+              <a:rPr lang="ko-KR" altLang="en-US" sz="5400">
                 <a:solidFill>
                   <a:srgbClr val="4C50BB"/>
                 </a:solidFill>
@@ -25833,7 +25360,7 @@
           <p:cNvPr id="6" name="TextBox 5">
             <a:extLst>
               <a:ext uri="{FF2B5EF4-FFF2-40B4-BE49-F238E27FC236}">
-                <a16:creationId xmlns:a16="http://schemas.microsoft.com/office/drawing/2014/main" xmlns="" id="{7229BEA6-121E-9056-D07F-2B3BB1795F76}"/>
+                <a16:creationId xmlns:a16="http://schemas.microsoft.com/office/drawing/2014/main" id="{7229BEA6-121E-9056-D07F-2B3BB1795F76}"/>
               </a:ext>
             </a:extLst>
           </p:cNvPr>
@@ -25857,7 +25384,7 @@
           <a:lstStyle/>
           <a:p>
             <a:r>
-              <a:rPr lang="en-US" altLang="ko-KR" sz="4800" smtClean="0">
+              <a:rPr lang="en-US" altLang="ko-KR" sz="4800">
                 <a:solidFill>
                   <a:srgbClr val="4C50BB"/>
                 </a:solidFill>
@@ -25881,7 +25408,7 @@
           <p:cNvPr id="7" name="그룹 1008">
             <a:extLst>
               <a:ext uri="{FF2B5EF4-FFF2-40B4-BE49-F238E27FC236}">
-                <a16:creationId xmlns:a16="http://schemas.microsoft.com/office/drawing/2014/main" xmlns="" id="{E395BDE3-2EDE-065D-70E8-56E348228ACF}"/>
+                <a16:creationId xmlns:a16="http://schemas.microsoft.com/office/drawing/2014/main" id="{E395BDE3-2EDE-065D-70E8-56E348228ACF}"/>
               </a:ext>
             </a:extLst>
           </p:cNvPr>
@@ -25901,7 +25428,7 @@
             <p:cNvPr id="8" name="그룹 1009">
               <a:extLst>
                 <a:ext uri="{FF2B5EF4-FFF2-40B4-BE49-F238E27FC236}">
-                  <a16:creationId xmlns:a16="http://schemas.microsoft.com/office/drawing/2014/main" xmlns="" id="{852F4DEB-DB33-DB3F-9E9F-52A46CD0B10A}"/>
+                  <a16:creationId xmlns:a16="http://schemas.microsoft.com/office/drawing/2014/main" id="{852F4DEB-DB33-DB3F-9E9F-52A46CD0B10A}"/>
                 </a:ext>
               </a:extLst>
             </p:cNvPr>
@@ -25921,7 +25448,7 @@
               <p:cNvPr id="13" name="Object 29">
                 <a:extLst>
                   <a:ext uri="{FF2B5EF4-FFF2-40B4-BE49-F238E27FC236}">
-                    <a16:creationId xmlns:a16="http://schemas.microsoft.com/office/drawing/2014/main" xmlns="" id="{7E353D3B-14D4-8A64-5888-3F0C062C2CDD}"/>
+                    <a16:creationId xmlns:a16="http://schemas.microsoft.com/office/drawing/2014/main" id="{7E353D3B-14D4-8A64-5888-3F0C062C2CDD}"/>
                   </a:ext>
                 </a:extLst>
               </p:cNvPr>
@@ -25952,7 +25479,7 @@
             <p:cNvPr id="9" name="그룹 1010">
               <a:extLst>
                 <a:ext uri="{FF2B5EF4-FFF2-40B4-BE49-F238E27FC236}">
-                  <a16:creationId xmlns:a16="http://schemas.microsoft.com/office/drawing/2014/main" xmlns="" id="{001E38AB-1390-ABD0-BE01-9727136FEAEE}"/>
+                  <a16:creationId xmlns:a16="http://schemas.microsoft.com/office/drawing/2014/main" id="{001E38AB-1390-ABD0-BE01-9727136FEAEE}"/>
                 </a:ext>
               </a:extLst>
             </p:cNvPr>
@@ -25972,7 +25499,7 @@
               <p:cNvPr id="12" name="Object 32">
                 <a:extLst>
                   <a:ext uri="{FF2B5EF4-FFF2-40B4-BE49-F238E27FC236}">
-                    <a16:creationId xmlns:a16="http://schemas.microsoft.com/office/drawing/2014/main" xmlns="" id="{2ED1C30F-0D0B-F86C-8215-2598D332B5A3}"/>
+                    <a16:creationId xmlns:a16="http://schemas.microsoft.com/office/drawing/2014/main" id="{2ED1C30F-0D0B-F86C-8215-2598D332B5A3}"/>
                   </a:ext>
                 </a:extLst>
               </p:cNvPr>
@@ -26003,7 +25530,7 @@
             <p:cNvPr id="10" name="그룹 1011">
               <a:extLst>
                 <a:ext uri="{FF2B5EF4-FFF2-40B4-BE49-F238E27FC236}">
-                  <a16:creationId xmlns:a16="http://schemas.microsoft.com/office/drawing/2014/main" xmlns="" id="{1BCB8DE5-ABAF-4198-BC16-85BB76F2DB24}"/>
+                  <a16:creationId xmlns:a16="http://schemas.microsoft.com/office/drawing/2014/main" id="{1BCB8DE5-ABAF-4198-BC16-85BB76F2DB24}"/>
                 </a:ext>
               </a:extLst>
             </p:cNvPr>
@@ -26023,7 +25550,7 @@
               <p:cNvPr id="11" name="Object 35">
                 <a:extLst>
                   <a:ext uri="{FF2B5EF4-FFF2-40B4-BE49-F238E27FC236}">
-                    <a16:creationId xmlns:a16="http://schemas.microsoft.com/office/drawing/2014/main" xmlns="" id="{86E7BA23-0A1E-B581-CADC-06AB269DB2BD}"/>
+                    <a16:creationId xmlns:a16="http://schemas.microsoft.com/office/drawing/2014/main" id="{86E7BA23-0A1E-B581-CADC-06AB269DB2BD}"/>
                   </a:ext>
                 </a:extLst>
               </p:cNvPr>
@@ -26055,7 +25582,7 @@
           <p:cNvPr id="14" name="그룹 1008">
             <a:extLst>
               <a:ext uri="{FF2B5EF4-FFF2-40B4-BE49-F238E27FC236}">
-                <a16:creationId xmlns:a16="http://schemas.microsoft.com/office/drawing/2014/main" xmlns="" id="{E395BDE3-2EDE-065D-70E8-56E348228ACF}"/>
+                <a16:creationId xmlns:a16="http://schemas.microsoft.com/office/drawing/2014/main" id="{E395BDE3-2EDE-065D-70E8-56E348228ACF}"/>
               </a:ext>
             </a:extLst>
           </p:cNvPr>
@@ -26075,7 +25602,7 @@
             <p:cNvPr id="15" name="그룹 1009">
               <a:extLst>
                 <a:ext uri="{FF2B5EF4-FFF2-40B4-BE49-F238E27FC236}">
-                  <a16:creationId xmlns:a16="http://schemas.microsoft.com/office/drawing/2014/main" xmlns="" id="{852F4DEB-DB33-DB3F-9E9F-52A46CD0B10A}"/>
+                  <a16:creationId xmlns:a16="http://schemas.microsoft.com/office/drawing/2014/main" id="{852F4DEB-DB33-DB3F-9E9F-52A46CD0B10A}"/>
                 </a:ext>
               </a:extLst>
             </p:cNvPr>
@@ -26095,7 +25622,7 @@
               <p:cNvPr id="20" name="Object 29">
                 <a:extLst>
                   <a:ext uri="{FF2B5EF4-FFF2-40B4-BE49-F238E27FC236}">
-                    <a16:creationId xmlns:a16="http://schemas.microsoft.com/office/drawing/2014/main" xmlns="" id="{7E353D3B-14D4-8A64-5888-3F0C062C2CDD}"/>
+                    <a16:creationId xmlns:a16="http://schemas.microsoft.com/office/drawing/2014/main" id="{7E353D3B-14D4-8A64-5888-3F0C062C2CDD}"/>
                   </a:ext>
                 </a:extLst>
               </p:cNvPr>
@@ -26126,7 +25653,7 @@
             <p:cNvPr id="16" name="그룹 1010">
               <a:extLst>
                 <a:ext uri="{FF2B5EF4-FFF2-40B4-BE49-F238E27FC236}">
-                  <a16:creationId xmlns:a16="http://schemas.microsoft.com/office/drawing/2014/main" xmlns="" id="{001E38AB-1390-ABD0-BE01-9727136FEAEE}"/>
+                  <a16:creationId xmlns:a16="http://schemas.microsoft.com/office/drawing/2014/main" id="{001E38AB-1390-ABD0-BE01-9727136FEAEE}"/>
                 </a:ext>
               </a:extLst>
             </p:cNvPr>
@@ -26146,7 +25673,7 @@
               <p:cNvPr id="19" name="Object 32">
                 <a:extLst>
                   <a:ext uri="{FF2B5EF4-FFF2-40B4-BE49-F238E27FC236}">
-                    <a16:creationId xmlns:a16="http://schemas.microsoft.com/office/drawing/2014/main" xmlns="" id="{2ED1C30F-0D0B-F86C-8215-2598D332B5A3}"/>
+                    <a16:creationId xmlns:a16="http://schemas.microsoft.com/office/drawing/2014/main" id="{2ED1C30F-0D0B-F86C-8215-2598D332B5A3}"/>
                   </a:ext>
                 </a:extLst>
               </p:cNvPr>
@@ -26177,7 +25704,7 @@
             <p:cNvPr id="17" name="그룹 1011">
               <a:extLst>
                 <a:ext uri="{FF2B5EF4-FFF2-40B4-BE49-F238E27FC236}">
-                  <a16:creationId xmlns:a16="http://schemas.microsoft.com/office/drawing/2014/main" xmlns="" id="{1BCB8DE5-ABAF-4198-BC16-85BB76F2DB24}"/>
+                  <a16:creationId xmlns:a16="http://schemas.microsoft.com/office/drawing/2014/main" id="{1BCB8DE5-ABAF-4198-BC16-85BB76F2DB24}"/>
                 </a:ext>
               </a:extLst>
             </p:cNvPr>
@@ -26197,7 +25724,7 @@
               <p:cNvPr id="18" name="Object 35">
                 <a:extLst>
                   <a:ext uri="{FF2B5EF4-FFF2-40B4-BE49-F238E27FC236}">
-                    <a16:creationId xmlns:a16="http://schemas.microsoft.com/office/drawing/2014/main" xmlns="" id="{86E7BA23-0A1E-B581-CADC-06AB269DB2BD}"/>
+                    <a16:creationId xmlns:a16="http://schemas.microsoft.com/office/drawing/2014/main" id="{86E7BA23-0A1E-B581-CADC-06AB269DB2BD}"/>
                   </a:ext>
                 </a:extLst>
               </p:cNvPr>
@@ -26229,7 +25756,7 @@
           <p:cNvPr id="21" name="TextBox 20">
             <a:extLst>
               <a:ext uri="{FF2B5EF4-FFF2-40B4-BE49-F238E27FC236}">
-                <a16:creationId xmlns:a16="http://schemas.microsoft.com/office/drawing/2014/main" xmlns="" id="{7229BEA6-121E-9056-D07F-2B3BB1795F76}"/>
+                <a16:creationId xmlns:a16="http://schemas.microsoft.com/office/drawing/2014/main" id="{7229BEA6-121E-9056-D07F-2B3BB1795F76}"/>
               </a:ext>
             </a:extLst>
           </p:cNvPr>
@@ -26253,7 +25780,7 @@
           <a:lstStyle/>
           <a:p>
             <a:r>
-              <a:rPr lang="ko-KR" altLang="en-US" sz="5400" smtClean="0">
+              <a:rPr lang="ko-KR" altLang="en-US" sz="5400">
                 <a:solidFill>
                   <a:srgbClr val="4C50BB"/>
                 </a:solidFill>
@@ -26318,7 +25845,7 @@
           <p:cNvPr id="24" name="그룹 1008">
             <a:extLst>
               <a:ext uri="{FF2B5EF4-FFF2-40B4-BE49-F238E27FC236}">
-                <a16:creationId xmlns:a16="http://schemas.microsoft.com/office/drawing/2014/main" xmlns="" id="{E395BDE3-2EDE-065D-70E8-56E348228ACF}"/>
+                <a16:creationId xmlns:a16="http://schemas.microsoft.com/office/drawing/2014/main" id="{E395BDE3-2EDE-065D-70E8-56E348228ACF}"/>
               </a:ext>
             </a:extLst>
           </p:cNvPr>
@@ -26338,7 +25865,7 @@
             <p:cNvPr id="25" name="그룹 1009">
               <a:extLst>
                 <a:ext uri="{FF2B5EF4-FFF2-40B4-BE49-F238E27FC236}">
-                  <a16:creationId xmlns:a16="http://schemas.microsoft.com/office/drawing/2014/main" xmlns="" id="{852F4DEB-DB33-DB3F-9E9F-52A46CD0B10A}"/>
+                  <a16:creationId xmlns:a16="http://schemas.microsoft.com/office/drawing/2014/main" id="{852F4DEB-DB33-DB3F-9E9F-52A46CD0B10A}"/>
                 </a:ext>
               </a:extLst>
             </p:cNvPr>
@@ -26358,7 +25885,7 @@
               <p:cNvPr id="30" name="Object 29">
                 <a:extLst>
                   <a:ext uri="{FF2B5EF4-FFF2-40B4-BE49-F238E27FC236}">
-                    <a16:creationId xmlns:a16="http://schemas.microsoft.com/office/drawing/2014/main" xmlns="" id="{7E353D3B-14D4-8A64-5888-3F0C062C2CDD}"/>
+                    <a16:creationId xmlns:a16="http://schemas.microsoft.com/office/drawing/2014/main" id="{7E353D3B-14D4-8A64-5888-3F0C062C2CDD}"/>
                   </a:ext>
                 </a:extLst>
               </p:cNvPr>
@@ -26389,7 +25916,7 @@
             <p:cNvPr id="26" name="그룹 1010">
               <a:extLst>
                 <a:ext uri="{FF2B5EF4-FFF2-40B4-BE49-F238E27FC236}">
-                  <a16:creationId xmlns:a16="http://schemas.microsoft.com/office/drawing/2014/main" xmlns="" id="{001E38AB-1390-ABD0-BE01-9727136FEAEE}"/>
+                  <a16:creationId xmlns:a16="http://schemas.microsoft.com/office/drawing/2014/main" id="{001E38AB-1390-ABD0-BE01-9727136FEAEE}"/>
                 </a:ext>
               </a:extLst>
             </p:cNvPr>
@@ -26409,7 +25936,7 @@
               <p:cNvPr id="29" name="Object 32">
                 <a:extLst>
                   <a:ext uri="{FF2B5EF4-FFF2-40B4-BE49-F238E27FC236}">
-                    <a16:creationId xmlns:a16="http://schemas.microsoft.com/office/drawing/2014/main" xmlns="" id="{2ED1C30F-0D0B-F86C-8215-2598D332B5A3}"/>
+                    <a16:creationId xmlns:a16="http://schemas.microsoft.com/office/drawing/2014/main" id="{2ED1C30F-0D0B-F86C-8215-2598D332B5A3}"/>
                   </a:ext>
                 </a:extLst>
               </p:cNvPr>
@@ -26440,7 +25967,7 @@
             <p:cNvPr id="27" name="그룹 1011">
               <a:extLst>
                 <a:ext uri="{FF2B5EF4-FFF2-40B4-BE49-F238E27FC236}">
-                  <a16:creationId xmlns:a16="http://schemas.microsoft.com/office/drawing/2014/main" xmlns="" id="{1BCB8DE5-ABAF-4198-BC16-85BB76F2DB24}"/>
+                  <a16:creationId xmlns:a16="http://schemas.microsoft.com/office/drawing/2014/main" id="{1BCB8DE5-ABAF-4198-BC16-85BB76F2DB24}"/>
                 </a:ext>
               </a:extLst>
             </p:cNvPr>
@@ -26460,7 +25987,7 @@
               <p:cNvPr id="28" name="Object 35">
                 <a:extLst>
                   <a:ext uri="{FF2B5EF4-FFF2-40B4-BE49-F238E27FC236}">
-                    <a16:creationId xmlns:a16="http://schemas.microsoft.com/office/drawing/2014/main" xmlns="" id="{86E7BA23-0A1E-B581-CADC-06AB269DB2BD}"/>
+                    <a16:creationId xmlns:a16="http://schemas.microsoft.com/office/drawing/2014/main" id="{86E7BA23-0A1E-B581-CADC-06AB269DB2BD}"/>
                   </a:ext>
                 </a:extLst>
               </p:cNvPr>
@@ -26642,7 +26169,7 @@
           <p:cNvPr id="4" name="TextBox 3">
             <a:extLst>
               <a:ext uri="{FF2B5EF4-FFF2-40B4-BE49-F238E27FC236}">
-                <a16:creationId xmlns:a16="http://schemas.microsoft.com/office/drawing/2014/main" xmlns="" id="{7229BEA6-121E-9056-D07F-2B3BB1795F76}"/>
+                <a16:creationId xmlns:a16="http://schemas.microsoft.com/office/drawing/2014/main" id="{7229BEA6-121E-9056-D07F-2B3BB1795F76}"/>
               </a:ext>
             </a:extLst>
           </p:cNvPr>
@@ -26666,7 +26193,7 @@
           <a:lstStyle/>
           <a:p>
             <a:r>
-              <a:rPr lang="en-US" altLang="ko-KR" sz="4800" smtClean="0">
+              <a:rPr lang="en-US" altLang="ko-KR" sz="4800">
                 <a:solidFill>
                   <a:srgbClr val="4C50BB"/>
                 </a:solidFill>
@@ -26690,7 +26217,7 @@
           <p:cNvPr id="5" name="TextBox 4">
             <a:extLst>
               <a:ext uri="{FF2B5EF4-FFF2-40B4-BE49-F238E27FC236}">
-                <a16:creationId xmlns:a16="http://schemas.microsoft.com/office/drawing/2014/main" xmlns="" id="{5ADC00B6-990A-40DC-3CEA-505258F5E8DA}"/>
+                <a16:creationId xmlns:a16="http://schemas.microsoft.com/office/drawing/2014/main" id="{5ADC00B6-990A-40DC-3CEA-505258F5E8DA}"/>
               </a:ext>
             </a:extLst>
           </p:cNvPr>
@@ -26714,7 +26241,7 @@
           <a:lstStyle/>
           <a:p>
             <a:r>
-              <a:rPr lang="en-US" altLang="ko-KR" sz="4400" smtClean="0">
+              <a:rPr lang="en-US" altLang="ko-KR" sz="4400">
                 <a:solidFill>
                   <a:schemeClr val="tx1">
                     <a:lumMod val="50000"/>
@@ -26727,7 +26254,7 @@
               <a:t>1.</a:t>
             </a:r>
             <a:r>
-              <a:rPr lang="ko-KR" altLang="en-US" sz="4400" smtClean="0">
+              <a:rPr lang="ko-KR" altLang="en-US" sz="4400">
                 <a:solidFill>
                   <a:schemeClr val="tx1">
                     <a:lumMod val="50000"/>
@@ -26740,7 +26267,7 @@
               <a:t>속도가 상대적으로 느리나 최근엔 컴파일러 개선 및 최적화로 개선되었다</a:t>
             </a:r>
             <a:r>
-              <a:rPr lang="en-US" altLang="ko-KR" sz="4400" smtClean="0">
+              <a:rPr lang="en-US" altLang="ko-KR" sz="4400">
                 <a:solidFill>
                   <a:schemeClr val="tx1">
                     <a:lumMod val="50000"/>
@@ -26754,7 +26281,7 @@
             </a:r>
           </a:p>
           <a:p>
-            <a:endParaRPr lang="en-US" altLang="ko-KR" sz="4400" smtClean="0">
+            <a:endParaRPr lang="en-US" altLang="ko-KR" sz="4400">
               <a:solidFill>
                 <a:schemeClr val="tx1">
                   <a:lumMod val="50000"/>
@@ -26767,7 +26294,7 @@
           </a:p>
           <a:p>
             <a:r>
-              <a:rPr lang="en-US" altLang="ko-KR" sz="4400" smtClean="0">
+              <a:rPr lang="en-US" altLang="ko-KR" sz="4400">
                 <a:solidFill>
                   <a:schemeClr val="tx1">
                     <a:lumMod val="50000"/>
@@ -26780,7 +26307,7 @@
               <a:t>2.Class </a:t>
             </a:r>
             <a:r>
-              <a:rPr lang="ko-KR" altLang="en-US" sz="4400" smtClean="0">
+              <a:rPr lang="ko-KR" altLang="en-US" sz="4400">
                 <a:solidFill>
                   <a:schemeClr val="tx1">
                     <a:lumMod val="50000"/>
@@ -26793,7 +26320,7 @@
               <a:t>파일을 실행한다</a:t>
             </a:r>
             <a:r>
-              <a:rPr lang="en-US" altLang="ko-KR" sz="4400" smtClean="0">
+              <a:rPr lang="en-US" altLang="ko-KR" sz="4400">
                 <a:solidFill>
                   <a:schemeClr val="tx1">
                     <a:lumMod val="50000"/>
@@ -26807,7 +26334,7 @@
             </a:r>
           </a:p>
           <a:p>
-            <a:endParaRPr lang="en-US" altLang="ko-KR" sz="4400" smtClean="0">
+            <a:endParaRPr lang="en-US" altLang="ko-KR" sz="4400">
               <a:solidFill>
                 <a:schemeClr val="tx1">
                   <a:lumMod val="50000"/>
@@ -26820,7 +26347,7 @@
           </a:p>
           <a:p>
             <a:r>
-              <a:rPr lang="en-US" altLang="ko-KR" sz="4400" smtClean="0">
+              <a:rPr lang="en-US" altLang="ko-KR" sz="4400">
                 <a:solidFill>
                   <a:schemeClr val="tx1">
                     <a:lumMod val="50000"/>
@@ -26833,7 +26360,7 @@
               <a:t>3.</a:t>
             </a:r>
             <a:r>
-              <a:rPr lang="ko-KR" altLang="en-US" sz="4400" smtClean="0">
+              <a:rPr lang="ko-KR" altLang="en-US" sz="4400">
                 <a:solidFill>
                   <a:schemeClr val="tx1">
                     <a:lumMod val="50000"/>
@@ -26846,7 +26373,7 @@
               <a:t>가비지 컬렉션으로 메모리 관리를 한다</a:t>
             </a:r>
             <a:r>
-              <a:rPr lang="en-US" altLang="ko-KR" sz="4400" smtClean="0">
+              <a:rPr lang="en-US" altLang="ko-KR" sz="4400">
                 <a:solidFill>
                   <a:schemeClr val="tx1">
                     <a:lumMod val="50000"/>
@@ -26871,13 +26398,6 @@
   <p:clrMapOvr>
     <a:masterClrMapping/>
   </p:clrMapOvr>
-  <p:timing>
-    <p:tnLst>
-      <p:par>
-        <p:cTn id="1" dur="indefinite" restart="never" nodeType="tmRoot"/>
-      </p:par>
-    </p:tnLst>
-  </p:timing>
 </p:sld>
 </file>
 

--- a/JavaLecture/LectureFile/java 1강.pptx
+++ b/JavaLecture/LectureFile/java 1강.pptx
@@ -9095,8 +9095,8 @@
         </p:nvSpPr>
         <p:spPr>
           <a:xfrm>
-            <a:off x="5943600" y="3796725"/>
-            <a:ext cx="1371600" cy="584775"/>
+            <a:off x="5943599" y="3796725"/>
+            <a:ext cx="1668729" cy="584775"/>
           </a:xfrm>
           <a:prstGeom prst="rect">
             <a:avLst/>
@@ -9110,7 +9110,7 @@
           <a:lstStyle/>
           <a:p>
             <a:r>
-              <a:rPr lang="ko-KR" altLang="en-US" sz="3200">
+              <a:rPr lang="ko-KR" altLang="en-US" sz="3200" dirty="0" err="1">
                 <a:solidFill>
                   <a:srgbClr val="4C50BC"/>
                 </a:solidFill>
@@ -9226,7 +9226,7 @@
         <p:spPr>
           <a:xfrm>
             <a:off x="7612329" y="9105900"/>
-            <a:ext cx="2209800" cy="584775"/>
+            <a:ext cx="2584898" cy="584775"/>
           </a:xfrm>
           <a:prstGeom prst="rect">
             <a:avLst/>
@@ -9240,7 +9240,7 @@
           <a:lstStyle/>
           <a:p>
             <a:r>
-              <a:rPr lang="ko-KR" altLang="en-US" sz="3200">
+              <a:rPr lang="ko-KR" altLang="en-US" sz="3200" dirty="0">
                 <a:solidFill>
                   <a:srgbClr val="4C50BC"/>
                 </a:solidFill>
@@ -9274,7 +9274,7 @@
         <p:spPr>
           <a:xfrm>
             <a:off x="10100583" y="8515682"/>
-            <a:ext cx="2209800" cy="584775"/>
+            <a:ext cx="643618" cy="584775"/>
           </a:xfrm>
           <a:prstGeom prst="rect">
             <a:avLst/>
@@ -9288,14 +9288,14 @@
           <a:lstStyle/>
           <a:p>
             <a:r>
-              <a:rPr lang="ko-KR" altLang="en-US" sz="3200">
+              <a:rPr lang="ko-KR" altLang="en-US" sz="3200" dirty="0">
                 <a:solidFill>
                   <a:srgbClr val="4C50BC"/>
                 </a:solidFill>
                 <a:latin typeface="G마켓 산스 Medium" panose="02000000000000000000" pitchFamily="50" charset="-127"/>
                 <a:ea typeface="G마켓 산스 Medium" panose="02000000000000000000" pitchFamily="50" charset="-127"/>
               </a:rPr>
-              <a:t>대입연산자</a:t>
+              <a:t>값</a:t>
             </a:r>
             <a:endParaRPr lang="en-US" altLang="ko-KR" sz="3200" dirty="0">
               <a:solidFill>
